--- a/Comparative_Volatility_Analysis.pptx
+++ b/Comparative_Volatility_Analysis.pptx
@@ -2,17 +2,18 @@
 <file path=ppt/presentation.xml><?xml version="1.0" encoding="utf-8"?>
 <p:presentation xmlns:a="http://schemas.openxmlformats.org/drawingml/2006/main" xmlns:r="http://schemas.openxmlformats.org/officeDocument/2006/relationships" xmlns:p="http://schemas.openxmlformats.org/presentationml/2006/main" saveSubsetFonts="1" autoCompressPictures="0">
   <p:sldMasterIdLst>
-    <p:sldMasterId id="2147483648" r:id="rId1"/>
+    <p:sldMasterId id="2147483660" r:id="rId1"/>
   </p:sldMasterIdLst>
   <p:sldIdLst>
     <p:sldId id="256" r:id="rId2"/>
     <p:sldId id="257" r:id="rId3"/>
     <p:sldId id="258" r:id="rId4"/>
     <p:sldId id="259" r:id="rId5"/>
-    <p:sldId id="263" r:id="rId6"/>
-    <p:sldId id="260" r:id="rId7"/>
-    <p:sldId id="261" r:id="rId8"/>
-    <p:sldId id="262" r:id="rId9"/>
+    <p:sldId id="264" r:id="rId6"/>
+    <p:sldId id="263" r:id="rId7"/>
+    <p:sldId id="260" r:id="rId8"/>
+    <p:sldId id="261" r:id="rId9"/>
+    <p:sldId id="262" r:id="rId10"/>
   </p:sldIdLst>
   <p:sldSz cx="9144000" cy="6858000" type="screen4x3"/>
   <p:notesSz cx="6858000" cy="9144000"/>
@@ -20,7 +21,7 @@
     <a:defPPr>
       <a:defRPr lang="en-US"/>
     </a:defPPr>
-    <a:lvl1pPr marL="0" algn="l" defTabSz="457200" rtl="0" eaLnBrk="1" latinLnBrk="0" hangingPunct="1">
+    <a:lvl1pPr marL="0" algn="l" defTabSz="914400" rtl="0" eaLnBrk="1" latinLnBrk="0" hangingPunct="1">
       <a:defRPr sz="1800" kern="1200">
         <a:solidFill>
           <a:schemeClr val="tx1"/>
@@ -30,7 +31,7 @@
         <a:cs typeface="+mn-cs"/>
       </a:defRPr>
     </a:lvl1pPr>
-    <a:lvl2pPr marL="457200" algn="l" defTabSz="457200" rtl="0" eaLnBrk="1" latinLnBrk="0" hangingPunct="1">
+    <a:lvl2pPr marL="457200" algn="l" defTabSz="914400" rtl="0" eaLnBrk="1" latinLnBrk="0" hangingPunct="1">
       <a:defRPr sz="1800" kern="1200">
         <a:solidFill>
           <a:schemeClr val="tx1"/>
@@ -40,7 +41,7 @@
         <a:cs typeface="+mn-cs"/>
       </a:defRPr>
     </a:lvl2pPr>
-    <a:lvl3pPr marL="914400" algn="l" defTabSz="457200" rtl="0" eaLnBrk="1" latinLnBrk="0" hangingPunct="1">
+    <a:lvl3pPr marL="914400" algn="l" defTabSz="914400" rtl="0" eaLnBrk="1" latinLnBrk="0" hangingPunct="1">
       <a:defRPr sz="1800" kern="1200">
         <a:solidFill>
           <a:schemeClr val="tx1"/>
@@ -50,7 +51,7 @@
         <a:cs typeface="+mn-cs"/>
       </a:defRPr>
     </a:lvl3pPr>
-    <a:lvl4pPr marL="1371600" algn="l" defTabSz="457200" rtl="0" eaLnBrk="1" latinLnBrk="0" hangingPunct="1">
+    <a:lvl4pPr marL="1371600" algn="l" defTabSz="914400" rtl="0" eaLnBrk="1" latinLnBrk="0" hangingPunct="1">
       <a:defRPr sz="1800" kern="1200">
         <a:solidFill>
           <a:schemeClr val="tx1"/>
@@ -60,7 +61,7 @@
         <a:cs typeface="+mn-cs"/>
       </a:defRPr>
     </a:lvl4pPr>
-    <a:lvl5pPr marL="1828800" algn="l" defTabSz="457200" rtl="0" eaLnBrk="1" latinLnBrk="0" hangingPunct="1">
+    <a:lvl5pPr marL="1828800" algn="l" defTabSz="914400" rtl="0" eaLnBrk="1" latinLnBrk="0" hangingPunct="1">
       <a:defRPr sz="1800" kern="1200">
         <a:solidFill>
           <a:schemeClr val="tx1"/>
@@ -70,7 +71,7 @@
         <a:cs typeface="+mn-cs"/>
       </a:defRPr>
     </a:lvl5pPr>
-    <a:lvl6pPr marL="2286000" algn="l" defTabSz="457200" rtl="0" eaLnBrk="1" latinLnBrk="0" hangingPunct="1">
+    <a:lvl6pPr marL="2286000" algn="l" defTabSz="914400" rtl="0" eaLnBrk="1" latinLnBrk="0" hangingPunct="1">
       <a:defRPr sz="1800" kern="1200">
         <a:solidFill>
           <a:schemeClr val="tx1"/>
@@ -80,7 +81,7 @@
         <a:cs typeface="+mn-cs"/>
       </a:defRPr>
     </a:lvl6pPr>
-    <a:lvl7pPr marL="2743200" algn="l" defTabSz="457200" rtl="0" eaLnBrk="1" latinLnBrk="0" hangingPunct="1">
+    <a:lvl7pPr marL="2743200" algn="l" defTabSz="914400" rtl="0" eaLnBrk="1" latinLnBrk="0" hangingPunct="1">
       <a:defRPr sz="1800" kern="1200">
         <a:solidFill>
           <a:schemeClr val="tx1"/>
@@ -90,7 +91,7 @@
         <a:cs typeface="+mn-cs"/>
       </a:defRPr>
     </a:lvl7pPr>
-    <a:lvl8pPr marL="3200400" algn="l" defTabSz="457200" rtl="0" eaLnBrk="1" latinLnBrk="0" hangingPunct="1">
+    <a:lvl8pPr marL="3200400" algn="l" defTabSz="914400" rtl="0" eaLnBrk="1" latinLnBrk="0" hangingPunct="1">
       <a:defRPr sz="1800" kern="1200">
         <a:solidFill>
           <a:schemeClr val="tx1"/>
@@ -100,7 +101,7 @@
         <a:cs typeface="+mn-cs"/>
       </a:defRPr>
     </a:lvl8pPr>
-    <a:lvl9pPr marL="3657600" algn="l" defTabSz="457200" rtl="0" eaLnBrk="1" latinLnBrk="0" hangingPunct="1">
+    <a:lvl9pPr marL="3657600" algn="l" defTabSz="914400" rtl="0" eaLnBrk="1" latinLnBrk="0" hangingPunct="1">
       <a:defRPr sz="1800" kern="1200">
         <a:solidFill>
           <a:schemeClr val="tx1"/>
@@ -3734,8 +3735,8 @@
       </dsp:nvSpPr>
       <dsp:spPr>
         <a:xfrm>
-          <a:off x="0" y="310459"/>
-          <a:ext cx="5000124" cy="2709000"/>
+          <a:off x="0" y="431284"/>
+          <a:ext cx="5000124" cy="2573550"/>
         </a:xfrm>
         <a:prstGeom prst="rect">
           <a:avLst/>
@@ -3749,7 +3750,7 @@
             <a:alphaOff val="0"/>
           </a:schemeClr>
         </a:solidFill>
-        <a:ln w="9525" cap="flat" cmpd="sng" algn="ctr">
+        <a:ln w="12700" cap="flat" cmpd="sng" algn="ctr">
           <a:solidFill>
             <a:schemeClr val="accent5">
               <a:hueOff val="0"/>
@@ -3759,6 +3760,7 @@
             </a:schemeClr>
           </a:solidFill>
           <a:prstDash val="solid"/>
+          <a:miter lim="800000"/>
         </a:ln>
         <a:effectLst/>
       </dsp:spPr>
@@ -3775,12 +3777,12 @@
         <a:fontRef idx="minor"/>
       </dsp:style>
       <dsp:txBody>
-        <a:bodyPr spcFirstLastPara="0" vert="horz" wrap="square" lIns="388065" tIns="416560" rIns="388065" bIns="142240" numCol="1" spcCol="1270" anchor="t" anchorCtr="0">
+        <a:bodyPr spcFirstLastPara="0" vert="horz" wrap="square" lIns="388065" tIns="395732" rIns="388065" bIns="135128" numCol="1" spcCol="1270" anchor="t" anchorCtr="0">
           <a:noAutofit/>
         </a:bodyPr>
         <a:lstStyle/>
         <a:p>
-          <a:pPr marL="228600" lvl="1" indent="-228600" algn="l" defTabSz="889000">
+          <a:pPr marL="171450" lvl="1" indent="-171450" algn="l" defTabSz="844550">
             <a:lnSpc>
               <a:spcPct val="90000"/>
             </a:lnSpc>
@@ -3793,12 +3795,12 @@
             <a:buChar char="•"/>
           </a:pPr>
           <a:r>
-            <a:rPr lang="en-US" sz="2000" kern="1200"/>
+            <a:rPr lang="en-US" sz="1900" kern="1200"/>
             <a:t>S&amp;P 500 RMSE: 0.2885</a:t>
           </a:r>
         </a:p>
         <a:p>
-          <a:pPr marL="228600" lvl="1" indent="-228600" algn="l" defTabSz="889000">
+          <a:pPr marL="171450" lvl="1" indent="-171450" algn="l" defTabSz="844550">
             <a:lnSpc>
               <a:spcPct val="90000"/>
             </a:lnSpc>
@@ -3811,12 +3813,12 @@
             <a:buChar char="•"/>
           </a:pPr>
           <a:r>
-            <a:rPr lang="en-US" sz="2000" kern="1200" dirty="0"/>
+            <a:rPr lang="en-US" sz="1900" kern="1200" dirty="0"/>
             <a:t>Nikkei RMSE: 0.4882 </a:t>
           </a:r>
         </a:p>
         <a:p>
-          <a:pPr marL="228600" lvl="1" indent="-228600" algn="l" defTabSz="889000">
+          <a:pPr marL="171450" lvl="1" indent="-171450" algn="l" defTabSz="844550">
             <a:lnSpc>
               <a:spcPct val="90000"/>
             </a:lnSpc>
@@ -3829,12 +3831,12 @@
             <a:buChar char="•"/>
           </a:pPr>
           <a:r>
-            <a:rPr lang="en-US" sz="2000" kern="1200" dirty="0"/>
+            <a:rPr lang="en-US" sz="1900" kern="1200" dirty="0"/>
             <a:t>S&amp;P 500 forecasts more accurate than Nikkei and FTSE (lower RMSE).</a:t>
           </a:r>
         </a:p>
         <a:p>
-          <a:pPr marL="228600" lvl="1" indent="-228600" algn="l" defTabSz="889000">
+          <a:pPr marL="171450" lvl="1" indent="-171450" algn="l" defTabSz="844550">
             <a:lnSpc>
               <a:spcPct val="90000"/>
             </a:lnSpc>
@@ -3847,14 +3849,14 @@
             <a:buChar char="•"/>
           </a:pPr>
           <a:r>
-            <a:rPr lang="en-US" sz="2000" kern="1200" dirty="0"/>
+            <a:rPr lang="en-US" sz="1900" kern="1200" dirty="0"/>
             <a:t>Underestimated late‑2023 upward trend due to structural breaks (e.g., Fed rate cuts).</a:t>
           </a:r>
         </a:p>
       </dsp:txBody>
       <dsp:txXfrm>
-        <a:off x="0" y="310459"/>
-        <a:ext cx="5000124" cy="2709000"/>
+        <a:off x="0" y="431284"/>
+        <a:ext cx="5000124" cy="2573550"/>
       </dsp:txXfrm>
     </dsp:sp>
     <dsp:sp modelId="{2CA31984-E014-44C8-AD1A-4BB68626E576}">
@@ -3864,8 +3866,8 @@
       </dsp:nvSpPr>
       <dsp:spPr>
         <a:xfrm>
-          <a:off x="250006" y="15259"/>
-          <a:ext cx="3500086" cy="590400"/>
+          <a:off x="250006" y="150844"/>
+          <a:ext cx="3500086" cy="560880"/>
         </a:xfrm>
         <a:prstGeom prst="roundRect">
           <a:avLst/>
@@ -3878,9 +3880,20 @@
                 <a:satOff val="0"/>
                 <a:lumOff val="0"/>
                 <a:alphaOff val="0"/>
-                <a:tint val="100000"/>
+                <a:satMod val="103000"/>
+                <a:lumMod val="102000"/>
+                <a:tint val="94000"/>
+              </a:schemeClr>
+            </a:gs>
+            <a:gs pos="50000">
+              <a:schemeClr val="accent5">
+                <a:hueOff val="0"/>
+                <a:satOff val="0"/>
+                <a:lumOff val="0"/>
+                <a:alphaOff val="0"/>
+                <a:satMod val="110000"/>
+                <a:lumMod val="100000"/>
                 <a:shade val="100000"/>
-                <a:satMod val="130000"/>
               </a:schemeClr>
             </a:gs>
             <a:gs pos="100000">
@@ -3889,24 +3902,18 @@
                 <a:satOff val="0"/>
                 <a:lumOff val="0"/>
                 <a:alphaOff val="0"/>
-                <a:tint val="50000"/>
-                <a:shade val="100000"/>
-                <a:satMod val="350000"/>
+                <a:lumMod val="99000"/>
+                <a:satMod val="120000"/>
+                <a:shade val="78000"/>
               </a:schemeClr>
             </a:gs>
           </a:gsLst>
-          <a:lin ang="16200000" scaled="0"/>
+          <a:lin ang="5400000" scaled="0"/>
         </a:gradFill>
         <a:ln>
           <a:noFill/>
         </a:ln>
-        <a:effectLst>
-          <a:outerShdw blurRad="40000" dist="23000" dir="5400000" rotWithShape="0">
-            <a:srgbClr val="000000">
-              <a:alpha val="35000"/>
-            </a:srgbClr>
-          </a:outerShdw>
-        </a:effectLst>
+        <a:effectLst/>
       </dsp:spPr>
       <dsp:style>
         <a:lnRef idx="0">
@@ -3928,7 +3935,7 @@
         </a:bodyPr>
         <a:lstStyle/>
         <a:p>
-          <a:pPr marL="0" lvl="0" indent="0" algn="l" defTabSz="889000">
+          <a:pPr marL="0" lvl="0" indent="0" algn="l" defTabSz="844550">
             <a:lnSpc>
               <a:spcPct val="90000"/>
             </a:lnSpc>
@@ -3941,15 +3948,15 @@
             <a:buNone/>
           </a:pPr>
           <a:r>
-            <a:rPr lang="en-US" sz="2000" b="1" kern="1200"/>
+            <a:rPr lang="en-US" sz="1900" b="1" kern="1200"/>
             <a:t>A. ARIMA Forecast Accuracy</a:t>
           </a:r>
-          <a:endParaRPr lang="en-US" sz="2000" kern="1200"/>
+          <a:endParaRPr lang="en-US" sz="1900" kern="1200"/>
         </a:p>
       </dsp:txBody>
       <dsp:txXfrm>
-        <a:off x="278827" y="44080"/>
-        <a:ext cx="3442444" cy="532758"/>
+        <a:off x="277386" y="178224"/>
+        <a:ext cx="3445326" cy="506120"/>
       </dsp:txXfrm>
     </dsp:sp>
     <dsp:sp modelId="{0D5799F0-6258-4E3C-9DF8-DF5B3FDC5073}">
@@ -3959,8 +3966,8 @@
       </dsp:nvSpPr>
       <dsp:spPr>
         <a:xfrm>
-          <a:off x="0" y="3422660"/>
-          <a:ext cx="5000124" cy="2016000"/>
+          <a:off x="0" y="3387875"/>
+          <a:ext cx="5000124" cy="1915200"/>
         </a:xfrm>
         <a:prstGeom prst="rect">
           <a:avLst/>
@@ -3974,16 +3981,17 @@
             <a:alphaOff val="0"/>
           </a:schemeClr>
         </a:solidFill>
-        <a:ln w="9525" cap="flat" cmpd="sng" algn="ctr">
+        <a:ln w="12700" cap="flat" cmpd="sng" algn="ctr">
           <a:solidFill>
             <a:schemeClr val="accent5">
-              <a:hueOff val="-9933876"/>
-              <a:satOff val="39811"/>
-              <a:lumOff val="8628"/>
+              <a:hueOff val="-12152150"/>
+              <a:satOff val="-826"/>
+              <a:lumOff val="1961"/>
               <a:alphaOff val="0"/>
             </a:schemeClr>
           </a:solidFill>
           <a:prstDash val="solid"/>
+          <a:miter lim="800000"/>
         </a:ln>
         <a:effectLst/>
       </dsp:spPr>
@@ -4000,12 +4008,12 @@
         <a:fontRef idx="minor"/>
       </dsp:style>
       <dsp:txBody>
-        <a:bodyPr spcFirstLastPara="0" vert="horz" wrap="square" lIns="388065" tIns="416560" rIns="388065" bIns="142240" numCol="1" spcCol="1270" anchor="t" anchorCtr="0">
+        <a:bodyPr spcFirstLastPara="0" vert="horz" wrap="square" lIns="388065" tIns="395732" rIns="388065" bIns="135128" numCol="1" spcCol="1270" anchor="t" anchorCtr="0">
           <a:noAutofit/>
         </a:bodyPr>
         <a:lstStyle/>
         <a:p>
-          <a:pPr marL="228600" lvl="1" indent="-228600" algn="l" defTabSz="889000">
+          <a:pPr marL="171450" lvl="1" indent="-171450" algn="l" defTabSz="844550">
             <a:lnSpc>
               <a:spcPct val="90000"/>
             </a:lnSpc>
@@ -4018,12 +4026,12 @@
             <a:buChar char="•"/>
           </a:pPr>
           <a:r>
-            <a:rPr lang="en-US" sz="2000" kern="1200"/>
+            <a:rPr lang="en-US" sz="1900" kern="1200"/>
             <a:t>High Persistence: α + β = 0.94 → Volatility shocks linger for months.</a:t>
           </a:r>
         </a:p>
         <a:p>
-          <a:pPr marL="228600" lvl="1" indent="-228600" algn="l" defTabSz="889000">
+          <a:pPr marL="171450" lvl="1" indent="-171450" algn="l" defTabSz="844550">
             <a:lnSpc>
               <a:spcPct val="90000"/>
             </a:lnSpc>
@@ -4036,14 +4044,14 @@
             <a:buChar char="•"/>
           </a:pPr>
           <a:r>
-            <a:rPr lang="en-US" sz="2000" kern="1200"/>
+            <a:rPr lang="en-US" sz="1900" kern="1200"/>
             <a:t>2020 Pandemic Crash: Sharp spike in volatility consistent with historical events.</a:t>
           </a:r>
         </a:p>
       </dsp:txBody>
       <dsp:txXfrm>
-        <a:off x="0" y="3422660"/>
-        <a:ext cx="5000124" cy="2016000"/>
+        <a:off x="0" y="3387875"/>
+        <a:ext cx="5000124" cy="1915200"/>
       </dsp:txXfrm>
     </dsp:sp>
     <dsp:sp modelId="{65A56784-7A76-47F2-912A-F90E25FCB20E}">
@@ -4053,8 +4061,8 @@
       </dsp:nvSpPr>
       <dsp:spPr>
         <a:xfrm>
-          <a:off x="250006" y="3127460"/>
-          <a:ext cx="3500086" cy="590400"/>
+          <a:off x="250006" y="3107435"/>
+          <a:ext cx="3500086" cy="560880"/>
         </a:xfrm>
         <a:prstGeom prst="roundRect">
           <a:avLst/>
@@ -4063,39 +4071,44 @@
           <a:gsLst>
             <a:gs pos="0">
               <a:schemeClr val="accent5">
-                <a:hueOff val="-9933876"/>
-                <a:satOff val="39811"/>
-                <a:lumOff val="8628"/>
+                <a:hueOff val="-12152150"/>
+                <a:satOff val="-826"/>
+                <a:lumOff val="1961"/>
                 <a:alphaOff val="0"/>
-                <a:tint val="100000"/>
+                <a:satMod val="103000"/>
+                <a:lumMod val="102000"/>
+                <a:tint val="94000"/>
+              </a:schemeClr>
+            </a:gs>
+            <a:gs pos="50000">
+              <a:schemeClr val="accent5">
+                <a:hueOff val="-12152150"/>
+                <a:satOff val="-826"/>
+                <a:lumOff val="1961"/>
+                <a:alphaOff val="0"/>
+                <a:satMod val="110000"/>
+                <a:lumMod val="100000"/>
                 <a:shade val="100000"/>
-                <a:satMod val="130000"/>
               </a:schemeClr>
             </a:gs>
             <a:gs pos="100000">
               <a:schemeClr val="accent5">
-                <a:hueOff val="-9933876"/>
-                <a:satOff val="39811"/>
-                <a:lumOff val="8628"/>
+                <a:hueOff val="-12152150"/>
+                <a:satOff val="-826"/>
+                <a:lumOff val="1961"/>
                 <a:alphaOff val="0"/>
-                <a:tint val="50000"/>
-                <a:shade val="100000"/>
-                <a:satMod val="350000"/>
+                <a:lumMod val="99000"/>
+                <a:satMod val="120000"/>
+                <a:shade val="78000"/>
               </a:schemeClr>
             </a:gs>
           </a:gsLst>
-          <a:lin ang="16200000" scaled="0"/>
+          <a:lin ang="5400000" scaled="0"/>
         </a:gradFill>
         <a:ln>
           <a:noFill/>
         </a:ln>
-        <a:effectLst>
-          <a:outerShdw blurRad="40000" dist="23000" dir="5400000" rotWithShape="0">
-            <a:srgbClr val="000000">
-              <a:alpha val="35000"/>
-            </a:srgbClr>
-          </a:outerShdw>
-        </a:effectLst>
+        <a:effectLst/>
       </dsp:spPr>
       <dsp:style>
         <a:lnRef idx="0">
@@ -4117,7 +4130,7 @@
         </a:bodyPr>
         <a:lstStyle/>
         <a:p>
-          <a:pPr marL="0" lvl="0" indent="0" algn="l" defTabSz="889000">
+          <a:pPr marL="0" lvl="0" indent="0" algn="l" defTabSz="844550">
             <a:lnSpc>
               <a:spcPct val="90000"/>
             </a:lnSpc>
@@ -4130,15 +4143,15 @@
             <a:buNone/>
           </a:pPr>
           <a:r>
-            <a:rPr lang="en-US" sz="2000" b="1" kern="1200"/>
+            <a:rPr lang="en-US" sz="1900" b="1" kern="1200"/>
             <a:t>B. GARCH Volatility Insights</a:t>
           </a:r>
-          <a:endParaRPr lang="en-US" sz="2000" kern="1200"/>
+          <a:endParaRPr lang="en-US" sz="1900" kern="1200"/>
         </a:p>
       </dsp:txBody>
       <dsp:txXfrm>
-        <a:off x="278827" y="3156281"/>
-        <a:ext cx="3442444" cy="532758"/>
+        <a:off x="277386" y="3134815"/>
+        <a:ext cx="3445326" cy="506120"/>
       </dsp:txXfrm>
     </dsp:sp>
   </dsp:spTree>
@@ -4175,7 +4188,7 @@
             <a:alphaOff val="0"/>
           </a:schemeClr>
         </a:solidFill>
-        <a:ln w="9525" cap="flat" cmpd="sng" algn="ctr">
+        <a:ln w="12700" cap="flat" cmpd="sng" algn="ctr">
           <a:solidFill>
             <a:schemeClr val="accent5">
               <a:hueOff val="0"/>
@@ -4185,6 +4198,7 @@
             </a:schemeClr>
           </a:solidFill>
           <a:prstDash val="solid"/>
+          <a:miter lim="800000"/>
         </a:ln>
         <a:effectLst/>
       </dsp:spPr>
@@ -4305,9 +4319,20 @@
                 <a:satOff val="0"/>
                 <a:lumOff val="0"/>
                 <a:alphaOff val="0"/>
-                <a:tint val="100000"/>
+                <a:satMod val="103000"/>
+                <a:lumMod val="102000"/>
+                <a:tint val="94000"/>
+              </a:schemeClr>
+            </a:gs>
+            <a:gs pos="50000">
+              <a:schemeClr val="accent5">
+                <a:hueOff val="0"/>
+                <a:satOff val="0"/>
+                <a:lumOff val="0"/>
+                <a:alphaOff val="0"/>
+                <a:satMod val="110000"/>
+                <a:lumMod val="100000"/>
                 <a:shade val="100000"/>
-                <a:satMod val="130000"/>
               </a:schemeClr>
             </a:gs>
             <a:gs pos="100000">
@@ -4316,24 +4341,18 @@
                 <a:satOff val="0"/>
                 <a:lumOff val="0"/>
                 <a:alphaOff val="0"/>
-                <a:tint val="50000"/>
-                <a:shade val="100000"/>
-                <a:satMod val="350000"/>
+                <a:lumMod val="99000"/>
+                <a:satMod val="120000"/>
+                <a:shade val="78000"/>
               </a:schemeClr>
             </a:gs>
           </a:gsLst>
-          <a:lin ang="16200000" scaled="0"/>
+          <a:lin ang="5400000" scaled="0"/>
         </a:gradFill>
         <a:ln>
           <a:noFill/>
         </a:ln>
-        <a:effectLst>
-          <a:outerShdw blurRad="40000" dist="23000" dir="5400000" rotWithShape="0">
-            <a:srgbClr val="000000">
-              <a:alpha val="35000"/>
-            </a:srgbClr>
-          </a:outerShdw>
-        </a:effectLst>
+        <a:effectLst/>
       </dsp:spPr>
       <dsp:style>
         <a:lnRef idx="0">
@@ -4401,16 +4420,17 @@
             <a:alphaOff val="0"/>
           </a:schemeClr>
         </a:solidFill>
-        <a:ln w="9525" cap="flat" cmpd="sng" algn="ctr">
+        <a:ln w="12700" cap="flat" cmpd="sng" algn="ctr">
           <a:solidFill>
             <a:schemeClr val="accent5">
-              <a:hueOff val="-9933876"/>
-              <a:satOff val="39811"/>
-              <a:lumOff val="8628"/>
+              <a:hueOff val="-12152150"/>
+              <a:satOff val="-826"/>
+              <a:lumOff val="1961"/>
               <a:alphaOff val="0"/>
             </a:schemeClr>
           </a:solidFill>
           <a:prstDash val="solid"/>
+          <a:miter lim="800000"/>
         </a:ln>
         <a:effectLst/>
       </dsp:spPr>
@@ -4490,39 +4510,44 @@
           <a:gsLst>
             <a:gs pos="0">
               <a:schemeClr val="accent5">
-                <a:hueOff val="-9933876"/>
-                <a:satOff val="39811"/>
-                <a:lumOff val="8628"/>
+                <a:hueOff val="-12152150"/>
+                <a:satOff val="-826"/>
+                <a:lumOff val="1961"/>
                 <a:alphaOff val="0"/>
-                <a:tint val="100000"/>
+                <a:satMod val="103000"/>
+                <a:lumMod val="102000"/>
+                <a:tint val="94000"/>
+              </a:schemeClr>
+            </a:gs>
+            <a:gs pos="50000">
+              <a:schemeClr val="accent5">
+                <a:hueOff val="-12152150"/>
+                <a:satOff val="-826"/>
+                <a:lumOff val="1961"/>
+                <a:alphaOff val="0"/>
+                <a:satMod val="110000"/>
+                <a:lumMod val="100000"/>
                 <a:shade val="100000"/>
-                <a:satMod val="130000"/>
               </a:schemeClr>
             </a:gs>
             <a:gs pos="100000">
               <a:schemeClr val="accent5">
-                <a:hueOff val="-9933876"/>
-                <a:satOff val="39811"/>
-                <a:lumOff val="8628"/>
+                <a:hueOff val="-12152150"/>
+                <a:satOff val="-826"/>
+                <a:lumOff val="1961"/>
                 <a:alphaOff val="0"/>
-                <a:tint val="50000"/>
-                <a:shade val="100000"/>
-                <a:satMod val="350000"/>
+                <a:lumMod val="99000"/>
+                <a:satMod val="120000"/>
+                <a:shade val="78000"/>
               </a:schemeClr>
             </a:gs>
           </a:gsLst>
-          <a:lin ang="16200000" scaled="0"/>
+          <a:lin ang="5400000" scaled="0"/>
         </a:gradFill>
         <a:ln>
           <a:noFill/>
         </a:ln>
-        <a:effectLst>
-          <a:outerShdw blurRad="40000" dist="23000" dir="5400000" rotWithShape="0">
-            <a:srgbClr val="000000">
-              <a:alpha val="35000"/>
-            </a:srgbClr>
-          </a:outerShdw>
-        </a:effectLst>
+        <a:effectLst/>
       </dsp:spPr>
       <dsp:style>
         <a:lnRef idx="0">
@@ -4601,7 +4626,7 @@
             <a:alphaOff val="0"/>
           </a:schemeClr>
         </a:solidFill>
-        <a:ln w="25400" cap="flat" cmpd="sng" algn="ctr">
+        <a:ln w="19050" cap="flat" cmpd="sng" algn="ctr">
           <a:solidFill>
             <a:schemeClr val="lt1">
               <a:hueOff val="0"/>
@@ -4611,6 +4636,7 @@
             </a:schemeClr>
           </a:solidFill>
           <a:prstDash val="solid"/>
+          <a:miter lim="800000"/>
         </a:ln>
         <a:effectLst/>
       </dsp:spPr>
@@ -4718,7 +4744,7 @@
             <a:alphaOff val="0"/>
           </a:schemeClr>
         </a:solidFill>
-        <a:ln w="25400" cap="flat" cmpd="sng" algn="ctr">
+        <a:ln w="19050" cap="flat" cmpd="sng" algn="ctr">
           <a:solidFill>
             <a:schemeClr val="lt1">
               <a:hueOff val="0"/>
@@ -4728,6 +4754,7 @@
             </a:schemeClr>
           </a:solidFill>
           <a:prstDash val="solid"/>
+          <a:miter lim="800000"/>
         </a:ln>
         <a:effectLst/>
       </dsp:spPr>
@@ -4767,7 +4794,7 @@
             <a:alphaOff val="0"/>
           </a:schemeClr>
         </a:solidFill>
-        <a:ln w="25400" cap="flat" cmpd="sng" algn="ctr">
+        <a:ln w="19050" cap="flat" cmpd="sng" algn="ctr">
           <a:solidFill>
             <a:schemeClr val="lt1">
               <a:hueOff val="0"/>
@@ -4777,6 +4804,7 @@
             </a:schemeClr>
           </a:solidFill>
           <a:prstDash val="solid"/>
+          <a:miter lim="800000"/>
         </a:ln>
         <a:effectLst/>
       </dsp:spPr>
@@ -8573,7 +8601,13 @@
       </p:grpSpPr>
       <p:sp>
         <p:nvSpPr>
-          <p:cNvPr id="2" name="Title 1"/>
+          <p:cNvPr id="2" name="Title 1">
+            <a:extLst>
+              <a:ext uri="{FF2B5EF4-FFF2-40B4-BE49-F238E27FC236}">
+                <a16:creationId xmlns:a16="http://schemas.microsoft.com/office/drawing/2014/main" id="{C3C8C47B-08E2-1F89-0326-CB7CF83E018B}"/>
+              </a:ext>
+            </a:extLst>
+          </p:cNvPr>
           <p:cNvSpPr>
             <a:spLocks noGrp="1"/>
           </p:cNvSpPr>
@@ -8583,13 +8617,17 @@
         </p:nvSpPr>
         <p:spPr>
           <a:xfrm>
-            <a:off x="685800" y="2130425"/>
-            <a:ext cx="7772400" cy="1470025"/>
+            <a:off x="1143000" y="1122363"/>
+            <a:ext cx="6858000" cy="2387600"/>
           </a:xfrm>
         </p:spPr>
         <p:txBody>
-          <a:bodyPr/>
-          <a:lstStyle/>
+          <a:bodyPr anchor="b"/>
+          <a:lstStyle>
+            <a:lvl1pPr algn="ctr">
+              <a:defRPr sz="4500"/>
+            </a:lvl1pPr>
+          </a:lstStyle>
           <a:p>
             <a:r>
               <a:rPr lang="en-US"/>
@@ -8600,7 +8638,13 @@
       </p:sp>
       <p:sp>
         <p:nvSpPr>
-          <p:cNvPr id="3" name="Subtitle 2"/>
+          <p:cNvPr id="3" name="Subtitle 2">
+            <a:extLst>
+              <a:ext uri="{FF2B5EF4-FFF2-40B4-BE49-F238E27FC236}">
+                <a16:creationId xmlns:a16="http://schemas.microsoft.com/office/drawing/2014/main" id="{9EFE99B6-8368-9FF8-6B94-3AB210A67FA5}"/>
+              </a:ext>
+            </a:extLst>
+          </p:cNvPr>
           <p:cNvSpPr>
             <a:spLocks noGrp="1"/>
           </p:cNvSpPr>
@@ -8610,8 +8654,8 @@
         </p:nvSpPr>
         <p:spPr>
           <a:xfrm>
-            <a:off x="1371600" y="3886200"/>
-            <a:ext cx="6400800" cy="1752600"/>
+            <a:off x="1143000" y="3602038"/>
+            <a:ext cx="6858000" cy="1655762"/>
           </a:xfrm>
         </p:spPr>
         <p:txBody>
@@ -8619,93 +8663,39 @@
           <a:lstStyle>
             <a:lvl1pPr marL="0" indent="0" algn="ctr">
               <a:buNone/>
-              <a:defRPr>
-                <a:solidFill>
-                  <a:schemeClr val="tx1">
-                    <a:tint val="75000"/>
-                  </a:schemeClr>
-                </a:solidFill>
-              </a:defRPr>
+              <a:defRPr sz="1800"/>
             </a:lvl1pPr>
-            <a:lvl2pPr marL="457200" indent="0" algn="ctr">
+            <a:lvl2pPr marL="342900" indent="0" algn="ctr">
               <a:buNone/>
-              <a:defRPr>
-                <a:solidFill>
-                  <a:schemeClr val="tx1">
-                    <a:tint val="75000"/>
-                  </a:schemeClr>
-                </a:solidFill>
-              </a:defRPr>
+              <a:defRPr sz="1500"/>
             </a:lvl2pPr>
-            <a:lvl3pPr marL="914400" indent="0" algn="ctr">
+            <a:lvl3pPr marL="685800" indent="0" algn="ctr">
               <a:buNone/>
-              <a:defRPr>
-                <a:solidFill>
-                  <a:schemeClr val="tx1">
-                    <a:tint val="75000"/>
-                  </a:schemeClr>
-                </a:solidFill>
-              </a:defRPr>
+              <a:defRPr sz="1350"/>
             </a:lvl3pPr>
-            <a:lvl4pPr marL="1371600" indent="0" algn="ctr">
+            <a:lvl4pPr marL="1028700" indent="0" algn="ctr">
               <a:buNone/>
-              <a:defRPr>
-                <a:solidFill>
-                  <a:schemeClr val="tx1">
-                    <a:tint val="75000"/>
-                  </a:schemeClr>
-                </a:solidFill>
-              </a:defRPr>
+              <a:defRPr sz="1200"/>
             </a:lvl4pPr>
-            <a:lvl5pPr marL="1828800" indent="0" algn="ctr">
+            <a:lvl5pPr marL="1371600" indent="0" algn="ctr">
               <a:buNone/>
-              <a:defRPr>
-                <a:solidFill>
-                  <a:schemeClr val="tx1">
-                    <a:tint val="75000"/>
-                  </a:schemeClr>
-                </a:solidFill>
-              </a:defRPr>
+              <a:defRPr sz="1200"/>
             </a:lvl5pPr>
-            <a:lvl6pPr marL="2286000" indent="0" algn="ctr">
+            <a:lvl6pPr marL="1714500" indent="0" algn="ctr">
               <a:buNone/>
-              <a:defRPr>
-                <a:solidFill>
-                  <a:schemeClr val="tx1">
-                    <a:tint val="75000"/>
-                  </a:schemeClr>
-                </a:solidFill>
-              </a:defRPr>
+              <a:defRPr sz="1200"/>
             </a:lvl6pPr>
-            <a:lvl7pPr marL="2743200" indent="0" algn="ctr">
+            <a:lvl7pPr marL="2057400" indent="0" algn="ctr">
               <a:buNone/>
-              <a:defRPr>
-                <a:solidFill>
-                  <a:schemeClr val="tx1">
-                    <a:tint val="75000"/>
-                  </a:schemeClr>
-                </a:solidFill>
-              </a:defRPr>
+              <a:defRPr sz="1200"/>
             </a:lvl7pPr>
-            <a:lvl8pPr marL="3200400" indent="0" algn="ctr">
+            <a:lvl8pPr marL="2400300" indent="0" algn="ctr">
               <a:buNone/>
-              <a:defRPr>
-                <a:solidFill>
-                  <a:schemeClr val="tx1">
-                    <a:tint val="75000"/>
-                  </a:schemeClr>
-                </a:solidFill>
-              </a:defRPr>
+              <a:defRPr sz="1200"/>
             </a:lvl8pPr>
-            <a:lvl9pPr marL="3657600" indent="0" algn="ctr">
+            <a:lvl9pPr marL="2743200" indent="0" algn="ctr">
               <a:buNone/>
-              <a:defRPr>
-                <a:solidFill>
-                  <a:schemeClr val="tx1">
-                    <a:tint val="75000"/>
-                  </a:schemeClr>
-                </a:solidFill>
-              </a:defRPr>
+              <a:defRPr sz="1200"/>
             </a:lvl9pPr>
           </a:lstStyle>
           <a:p>
@@ -8718,7 +8708,13 @@
       </p:sp>
       <p:sp>
         <p:nvSpPr>
-          <p:cNvPr id="4" name="Date Placeholder 3"/>
+          <p:cNvPr id="4" name="Date Placeholder 3">
+            <a:extLst>
+              <a:ext uri="{FF2B5EF4-FFF2-40B4-BE49-F238E27FC236}">
+                <a16:creationId xmlns:a16="http://schemas.microsoft.com/office/drawing/2014/main" id="{761D9D56-E51B-8ED6-C0A3-5F7DF62A0046}"/>
+              </a:ext>
+            </a:extLst>
+          </p:cNvPr>
           <p:cNvSpPr>
             <a:spLocks noGrp="1"/>
           </p:cNvSpPr>
@@ -8741,7 +8737,13 @@
       </p:sp>
       <p:sp>
         <p:nvSpPr>
-          <p:cNvPr id="5" name="Footer Placeholder 4"/>
+          <p:cNvPr id="5" name="Footer Placeholder 4">
+            <a:extLst>
+              <a:ext uri="{FF2B5EF4-FFF2-40B4-BE49-F238E27FC236}">
+                <a16:creationId xmlns:a16="http://schemas.microsoft.com/office/drawing/2014/main" id="{F1EACD70-AF59-64B3-61AC-7D8439DD5B25}"/>
+              </a:ext>
+            </a:extLst>
+          </p:cNvPr>
           <p:cNvSpPr>
             <a:spLocks noGrp="1"/>
           </p:cNvSpPr>
@@ -8760,7 +8762,13 @@
       </p:sp>
       <p:sp>
         <p:nvSpPr>
-          <p:cNvPr id="6" name="Slide Number Placeholder 5"/>
+          <p:cNvPr id="6" name="Slide Number Placeholder 5">
+            <a:extLst>
+              <a:ext uri="{FF2B5EF4-FFF2-40B4-BE49-F238E27FC236}">
+                <a16:creationId xmlns:a16="http://schemas.microsoft.com/office/drawing/2014/main" id="{BCB27AA5-7B8D-405A-BDE0-3F9934F140A5}"/>
+              </a:ext>
+            </a:extLst>
+          </p:cNvPr>
           <p:cNvSpPr>
             <a:spLocks noGrp="1"/>
           </p:cNvSpPr>
@@ -8784,7 +8792,7 @@
     </p:spTree>
     <p:extLst>
       <p:ext uri="{BB962C8B-B14F-4D97-AF65-F5344CB8AC3E}">
-        <p14:creationId xmlns:p14="http://schemas.microsoft.com/office/powerpoint/2010/main" val="3168075583"/>
+        <p14:creationId xmlns:p14="http://schemas.microsoft.com/office/powerpoint/2010/main" val="460429697"/>
       </p:ext>
     </p:extLst>
   </p:cSld>
@@ -8813,7 +8821,13 @@
       </p:grpSpPr>
       <p:sp>
         <p:nvSpPr>
-          <p:cNvPr id="2" name="Title 1"/>
+          <p:cNvPr id="2" name="Title 1">
+            <a:extLst>
+              <a:ext uri="{FF2B5EF4-FFF2-40B4-BE49-F238E27FC236}">
+                <a16:creationId xmlns:a16="http://schemas.microsoft.com/office/drawing/2014/main" id="{75C2E6CB-2F09-4405-41C9-2F304FB8220A}"/>
+              </a:ext>
+            </a:extLst>
+          </p:cNvPr>
           <p:cNvSpPr>
             <a:spLocks noGrp="1"/>
           </p:cNvSpPr>
@@ -8835,7 +8849,13 @@
       </p:sp>
       <p:sp>
         <p:nvSpPr>
-          <p:cNvPr id="3" name="Vertical Text Placeholder 2"/>
+          <p:cNvPr id="3" name="Vertical Text Placeholder 2">
+            <a:extLst>
+              <a:ext uri="{FF2B5EF4-FFF2-40B4-BE49-F238E27FC236}">
+                <a16:creationId xmlns:a16="http://schemas.microsoft.com/office/drawing/2014/main" id="{6699FB03-01F3-2A5F-71B8-D62A410CCF87}"/>
+              </a:ext>
+            </a:extLst>
+          </p:cNvPr>
           <p:cNvSpPr>
             <a:spLocks noGrp="1"/>
           </p:cNvSpPr>
@@ -8886,7 +8906,13 @@
       </p:sp>
       <p:sp>
         <p:nvSpPr>
-          <p:cNvPr id="4" name="Date Placeholder 3"/>
+          <p:cNvPr id="4" name="Date Placeholder 3">
+            <a:extLst>
+              <a:ext uri="{FF2B5EF4-FFF2-40B4-BE49-F238E27FC236}">
+                <a16:creationId xmlns:a16="http://schemas.microsoft.com/office/drawing/2014/main" id="{EB892DE7-05BE-DCBC-F0A7-1E805361CA1C}"/>
+              </a:ext>
+            </a:extLst>
+          </p:cNvPr>
           <p:cNvSpPr>
             <a:spLocks noGrp="1"/>
           </p:cNvSpPr>
@@ -8909,7 +8935,13 @@
       </p:sp>
       <p:sp>
         <p:nvSpPr>
-          <p:cNvPr id="5" name="Footer Placeholder 4"/>
+          <p:cNvPr id="5" name="Footer Placeholder 4">
+            <a:extLst>
+              <a:ext uri="{FF2B5EF4-FFF2-40B4-BE49-F238E27FC236}">
+                <a16:creationId xmlns:a16="http://schemas.microsoft.com/office/drawing/2014/main" id="{A1F16708-81E8-85C4-F2A7-CFA84C2ABD59}"/>
+              </a:ext>
+            </a:extLst>
+          </p:cNvPr>
           <p:cNvSpPr>
             <a:spLocks noGrp="1"/>
           </p:cNvSpPr>
@@ -8928,7 +8960,13 @@
       </p:sp>
       <p:sp>
         <p:nvSpPr>
-          <p:cNvPr id="6" name="Slide Number Placeholder 5"/>
+          <p:cNvPr id="6" name="Slide Number Placeholder 5">
+            <a:extLst>
+              <a:ext uri="{FF2B5EF4-FFF2-40B4-BE49-F238E27FC236}">
+                <a16:creationId xmlns:a16="http://schemas.microsoft.com/office/drawing/2014/main" id="{CDB21623-BDE0-440F-6628-786E1E780B86}"/>
+              </a:ext>
+            </a:extLst>
+          </p:cNvPr>
           <p:cNvSpPr>
             <a:spLocks noGrp="1"/>
           </p:cNvSpPr>
@@ -8952,7 +8990,7 @@
     </p:spTree>
     <p:extLst>
       <p:ext uri="{BB962C8B-B14F-4D97-AF65-F5344CB8AC3E}">
-        <p14:creationId xmlns:p14="http://schemas.microsoft.com/office/powerpoint/2010/main" val="2910927964"/>
+        <p14:creationId xmlns:p14="http://schemas.microsoft.com/office/powerpoint/2010/main" val="3783861113"/>
       </p:ext>
     </p:extLst>
   </p:cSld>
@@ -8981,7 +9019,13 @@
       </p:grpSpPr>
       <p:sp>
         <p:nvSpPr>
-          <p:cNvPr id="2" name="Vertical Title 1"/>
+          <p:cNvPr id="2" name="Vertical Title 1">
+            <a:extLst>
+              <a:ext uri="{FF2B5EF4-FFF2-40B4-BE49-F238E27FC236}">
+                <a16:creationId xmlns:a16="http://schemas.microsoft.com/office/drawing/2014/main" id="{86851B5C-B67F-EEC2-84AF-DBAAF48B47B0}"/>
+              </a:ext>
+            </a:extLst>
+          </p:cNvPr>
           <p:cNvSpPr>
             <a:spLocks noGrp="1"/>
           </p:cNvSpPr>
@@ -8991,8 +9035,8 @@
         </p:nvSpPr>
         <p:spPr>
           <a:xfrm>
-            <a:off x="6629400" y="274638"/>
-            <a:ext cx="2057400" cy="5851525"/>
+            <a:off x="6543675" y="365125"/>
+            <a:ext cx="1971675" cy="5811838"/>
           </a:xfrm>
         </p:spPr>
         <p:txBody>
@@ -9008,7 +9052,13 @@
       </p:sp>
       <p:sp>
         <p:nvSpPr>
-          <p:cNvPr id="3" name="Vertical Text Placeholder 2"/>
+          <p:cNvPr id="3" name="Vertical Text Placeholder 2">
+            <a:extLst>
+              <a:ext uri="{FF2B5EF4-FFF2-40B4-BE49-F238E27FC236}">
+                <a16:creationId xmlns:a16="http://schemas.microsoft.com/office/drawing/2014/main" id="{6C8101C1-E1E2-7AA3-C4CC-98D912B8F828}"/>
+              </a:ext>
+            </a:extLst>
+          </p:cNvPr>
           <p:cNvSpPr>
             <a:spLocks noGrp="1"/>
           </p:cNvSpPr>
@@ -9018,8 +9068,8 @@
         </p:nvSpPr>
         <p:spPr>
           <a:xfrm>
-            <a:off x="457200" y="274638"/>
-            <a:ext cx="6019800" cy="5851525"/>
+            <a:off x="628650" y="365125"/>
+            <a:ext cx="5800725" cy="5811838"/>
           </a:xfrm>
         </p:spPr>
         <p:txBody>
@@ -9064,7 +9114,13 @@
       </p:sp>
       <p:sp>
         <p:nvSpPr>
-          <p:cNvPr id="4" name="Date Placeholder 3"/>
+          <p:cNvPr id="4" name="Date Placeholder 3">
+            <a:extLst>
+              <a:ext uri="{FF2B5EF4-FFF2-40B4-BE49-F238E27FC236}">
+                <a16:creationId xmlns:a16="http://schemas.microsoft.com/office/drawing/2014/main" id="{FA225666-9DB2-5F90-447F-E38D8DE96359}"/>
+              </a:ext>
+            </a:extLst>
+          </p:cNvPr>
           <p:cNvSpPr>
             <a:spLocks noGrp="1"/>
           </p:cNvSpPr>
@@ -9087,7 +9143,13 @@
       </p:sp>
       <p:sp>
         <p:nvSpPr>
-          <p:cNvPr id="5" name="Footer Placeholder 4"/>
+          <p:cNvPr id="5" name="Footer Placeholder 4">
+            <a:extLst>
+              <a:ext uri="{FF2B5EF4-FFF2-40B4-BE49-F238E27FC236}">
+                <a16:creationId xmlns:a16="http://schemas.microsoft.com/office/drawing/2014/main" id="{D57076C1-C6A0-52E0-1A11-B405875A3F15}"/>
+              </a:ext>
+            </a:extLst>
+          </p:cNvPr>
           <p:cNvSpPr>
             <a:spLocks noGrp="1"/>
           </p:cNvSpPr>
@@ -9106,7 +9168,13 @@
       </p:sp>
       <p:sp>
         <p:nvSpPr>
-          <p:cNvPr id="6" name="Slide Number Placeholder 5"/>
+          <p:cNvPr id="6" name="Slide Number Placeholder 5">
+            <a:extLst>
+              <a:ext uri="{FF2B5EF4-FFF2-40B4-BE49-F238E27FC236}">
+                <a16:creationId xmlns:a16="http://schemas.microsoft.com/office/drawing/2014/main" id="{092DB3EC-9BFF-41D2-9369-22B8645B0B08}"/>
+              </a:ext>
+            </a:extLst>
+          </p:cNvPr>
           <p:cNvSpPr>
             <a:spLocks noGrp="1"/>
           </p:cNvSpPr>
@@ -9130,7 +9198,7 @@
     </p:spTree>
     <p:extLst>
       <p:ext uri="{BB962C8B-B14F-4D97-AF65-F5344CB8AC3E}">
-        <p14:creationId xmlns:p14="http://schemas.microsoft.com/office/powerpoint/2010/main" val="3612223792"/>
+        <p14:creationId xmlns:p14="http://schemas.microsoft.com/office/powerpoint/2010/main" val="3525681822"/>
       </p:ext>
     </p:extLst>
   </p:cSld>
@@ -9159,7 +9227,13 @@
       </p:grpSpPr>
       <p:sp>
         <p:nvSpPr>
-          <p:cNvPr id="2" name="Title 1"/>
+          <p:cNvPr id="2" name="Title 1">
+            <a:extLst>
+              <a:ext uri="{FF2B5EF4-FFF2-40B4-BE49-F238E27FC236}">
+                <a16:creationId xmlns:a16="http://schemas.microsoft.com/office/drawing/2014/main" id="{071EC4D9-5155-512E-46BE-5215CB69BC2B}"/>
+              </a:ext>
+            </a:extLst>
+          </p:cNvPr>
           <p:cNvSpPr>
             <a:spLocks noGrp="1"/>
           </p:cNvSpPr>
@@ -9181,7 +9255,13 @@
       </p:sp>
       <p:sp>
         <p:nvSpPr>
-          <p:cNvPr id="3" name="Content Placeholder 2"/>
+          <p:cNvPr id="3" name="Content Placeholder 2">
+            <a:extLst>
+              <a:ext uri="{FF2B5EF4-FFF2-40B4-BE49-F238E27FC236}">
+                <a16:creationId xmlns:a16="http://schemas.microsoft.com/office/drawing/2014/main" id="{156E010B-8168-54C8-E395-203354DEC30F}"/>
+              </a:ext>
+            </a:extLst>
+          </p:cNvPr>
           <p:cNvSpPr>
             <a:spLocks noGrp="1"/>
           </p:cNvSpPr>
@@ -9232,7 +9312,13 @@
       </p:sp>
       <p:sp>
         <p:nvSpPr>
-          <p:cNvPr id="4" name="Date Placeholder 3"/>
+          <p:cNvPr id="4" name="Date Placeholder 3">
+            <a:extLst>
+              <a:ext uri="{FF2B5EF4-FFF2-40B4-BE49-F238E27FC236}">
+                <a16:creationId xmlns:a16="http://schemas.microsoft.com/office/drawing/2014/main" id="{059449F4-D5F1-5510-B726-59309C2D8D3A}"/>
+              </a:ext>
+            </a:extLst>
+          </p:cNvPr>
           <p:cNvSpPr>
             <a:spLocks noGrp="1"/>
           </p:cNvSpPr>
@@ -9255,7 +9341,13 @@
       </p:sp>
       <p:sp>
         <p:nvSpPr>
-          <p:cNvPr id="5" name="Footer Placeholder 4"/>
+          <p:cNvPr id="5" name="Footer Placeholder 4">
+            <a:extLst>
+              <a:ext uri="{FF2B5EF4-FFF2-40B4-BE49-F238E27FC236}">
+                <a16:creationId xmlns:a16="http://schemas.microsoft.com/office/drawing/2014/main" id="{B9CED72B-A4A4-1F7D-C4E9-D228F342B6C6}"/>
+              </a:ext>
+            </a:extLst>
+          </p:cNvPr>
           <p:cNvSpPr>
             <a:spLocks noGrp="1"/>
           </p:cNvSpPr>
@@ -9274,7 +9366,13 @@
       </p:sp>
       <p:sp>
         <p:nvSpPr>
-          <p:cNvPr id="6" name="Slide Number Placeholder 5"/>
+          <p:cNvPr id="6" name="Slide Number Placeholder 5">
+            <a:extLst>
+              <a:ext uri="{FF2B5EF4-FFF2-40B4-BE49-F238E27FC236}">
+                <a16:creationId xmlns:a16="http://schemas.microsoft.com/office/drawing/2014/main" id="{39520B0D-A520-F943-B01D-6B487517C5BA}"/>
+              </a:ext>
+            </a:extLst>
+          </p:cNvPr>
           <p:cNvSpPr>
             <a:spLocks noGrp="1"/>
           </p:cNvSpPr>
@@ -9298,7 +9396,7 @@
     </p:spTree>
     <p:extLst>
       <p:ext uri="{BB962C8B-B14F-4D97-AF65-F5344CB8AC3E}">
-        <p14:creationId xmlns:p14="http://schemas.microsoft.com/office/powerpoint/2010/main" val="2614314258"/>
+        <p14:creationId xmlns:p14="http://schemas.microsoft.com/office/powerpoint/2010/main" val="1906187374"/>
       </p:ext>
     </p:extLst>
   </p:cSld>
@@ -9327,7 +9425,13 @@
       </p:grpSpPr>
       <p:sp>
         <p:nvSpPr>
-          <p:cNvPr id="2" name="Title 1"/>
+          <p:cNvPr id="2" name="Title 1">
+            <a:extLst>
+              <a:ext uri="{FF2B5EF4-FFF2-40B4-BE49-F238E27FC236}">
+                <a16:creationId xmlns:a16="http://schemas.microsoft.com/office/drawing/2014/main" id="{FEF62A5B-C79A-E8ED-25B8-A1F9CF6E800D}"/>
+              </a:ext>
+            </a:extLst>
+          </p:cNvPr>
           <p:cNvSpPr>
             <a:spLocks noGrp="1"/>
           </p:cNvSpPr>
@@ -9337,15 +9441,15 @@
         </p:nvSpPr>
         <p:spPr>
           <a:xfrm>
-            <a:off x="722313" y="4406900"/>
-            <a:ext cx="7772400" cy="1362075"/>
+            <a:off x="623888" y="1709739"/>
+            <a:ext cx="7886700" cy="2852737"/>
           </a:xfrm>
         </p:spPr>
         <p:txBody>
-          <a:bodyPr anchor="t"/>
+          <a:bodyPr anchor="b"/>
           <a:lstStyle>
-            <a:lvl1pPr algn="l">
-              <a:defRPr sz="4000" b="1" cap="all"/>
+            <a:lvl1pPr>
+              <a:defRPr sz="4500"/>
             </a:lvl1pPr>
           </a:lstStyle>
           <a:p>
@@ -9358,7 +9462,13 @@
       </p:sp>
       <p:sp>
         <p:nvSpPr>
-          <p:cNvPr id="3" name="Text Placeholder 2"/>
+          <p:cNvPr id="3" name="Text Placeholder 2">
+            <a:extLst>
+              <a:ext uri="{FF2B5EF4-FFF2-40B4-BE49-F238E27FC236}">
+                <a16:creationId xmlns:a16="http://schemas.microsoft.com/office/drawing/2014/main" id="{71FBAC45-E14C-4E12-9FFD-041E0A9CFFC0}"/>
+              </a:ext>
+            </a:extLst>
+          </p:cNvPr>
           <p:cNvSpPr>
             <a:spLocks noGrp="1"/>
           </p:cNvSpPr>
@@ -9368,99 +9478,99 @@
         </p:nvSpPr>
         <p:spPr>
           <a:xfrm>
-            <a:off x="722313" y="2906713"/>
-            <a:ext cx="7772400" cy="1500187"/>
+            <a:off x="623888" y="4589464"/>
+            <a:ext cx="7886700" cy="1500187"/>
           </a:xfrm>
         </p:spPr>
         <p:txBody>
-          <a:bodyPr anchor="b"/>
+          <a:bodyPr/>
           <a:lstStyle>
             <a:lvl1pPr marL="0" indent="0">
               <a:buNone/>
-              <a:defRPr sz="2000">
+              <a:defRPr sz="1800">
                 <a:solidFill>
                   <a:schemeClr val="tx1">
-                    <a:tint val="75000"/>
+                    <a:tint val="82000"/>
                   </a:schemeClr>
                 </a:solidFill>
               </a:defRPr>
             </a:lvl1pPr>
-            <a:lvl2pPr marL="457200" indent="0">
+            <a:lvl2pPr marL="342900" indent="0">
               <a:buNone/>
-              <a:defRPr sz="1800">
+              <a:defRPr sz="1500">
                 <a:solidFill>
                   <a:schemeClr val="tx1">
-                    <a:tint val="75000"/>
+                    <a:tint val="82000"/>
                   </a:schemeClr>
                 </a:solidFill>
               </a:defRPr>
             </a:lvl2pPr>
-            <a:lvl3pPr marL="914400" indent="0">
+            <a:lvl3pPr marL="685800" indent="0">
               <a:buNone/>
-              <a:defRPr sz="1600">
+              <a:defRPr sz="1350">
                 <a:solidFill>
                   <a:schemeClr val="tx1">
-                    <a:tint val="75000"/>
+                    <a:tint val="82000"/>
                   </a:schemeClr>
                 </a:solidFill>
               </a:defRPr>
             </a:lvl3pPr>
-            <a:lvl4pPr marL="1371600" indent="0">
+            <a:lvl4pPr marL="1028700" indent="0">
               <a:buNone/>
-              <a:defRPr sz="1400">
+              <a:defRPr sz="1200">
                 <a:solidFill>
                   <a:schemeClr val="tx1">
-                    <a:tint val="75000"/>
+                    <a:tint val="82000"/>
                   </a:schemeClr>
                 </a:solidFill>
               </a:defRPr>
             </a:lvl4pPr>
-            <a:lvl5pPr marL="1828800" indent="0">
+            <a:lvl5pPr marL="1371600" indent="0">
               <a:buNone/>
-              <a:defRPr sz="1400">
+              <a:defRPr sz="1200">
                 <a:solidFill>
                   <a:schemeClr val="tx1">
-                    <a:tint val="75000"/>
+                    <a:tint val="82000"/>
                   </a:schemeClr>
                 </a:solidFill>
               </a:defRPr>
             </a:lvl5pPr>
-            <a:lvl6pPr marL="2286000" indent="0">
+            <a:lvl6pPr marL="1714500" indent="0">
               <a:buNone/>
-              <a:defRPr sz="1400">
+              <a:defRPr sz="1200">
                 <a:solidFill>
                   <a:schemeClr val="tx1">
-                    <a:tint val="75000"/>
+                    <a:tint val="82000"/>
                   </a:schemeClr>
                 </a:solidFill>
               </a:defRPr>
             </a:lvl6pPr>
-            <a:lvl7pPr marL="2743200" indent="0">
+            <a:lvl7pPr marL="2057400" indent="0">
               <a:buNone/>
-              <a:defRPr sz="1400">
+              <a:defRPr sz="1200">
                 <a:solidFill>
                   <a:schemeClr val="tx1">
-                    <a:tint val="75000"/>
+                    <a:tint val="82000"/>
                   </a:schemeClr>
                 </a:solidFill>
               </a:defRPr>
             </a:lvl7pPr>
-            <a:lvl8pPr marL="3200400" indent="0">
+            <a:lvl8pPr marL="2400300" indent="0">
               <a:buNone/>
-              <a:defRPr sz="1400">
+              <a:defRPr sz="1200">
                 <a:solidFill>
                   <a:schemeClr val="tx1">
-                    <a:tint val="75000"/>
+                    <a:tint val="82000"/>
                   </a:schemeClr>
                 </a:solidFill>
               </a:defRPr>
             </a:lvl8pPr>
-            <a:lvl9pPr marL="3657600" indent="0">
+            <a:lvl9pPr marL="2743200" indent="0">
               <a:buNone/>
-              <a:defRPr sz="1400">
+              <a:defRPr sz="1200">
                 <a:solidFill>
                   <a:schemeClr val="tx1">
-                    <a:tint val="75000"/>
+                    <a:tint val="82000"/>
                   </a:schemeClr>
                 </a:solidFill>
               </a:defRPr>
@@ -9477,7 +9587,13 @@
       </p:sp>
       <p:sp>
         <p:nvSpPr>
-          <p:cNvPr id="4" name="Date Placeholder 3"/>
+          <p:cNvPr id="4" name="Date Placeholder 3">
+            <a:extLst>
+              <a:ext uri="{FF2B5EF4-FFF2-40B4-BE49-F238E27FC236}">
+                <a16:creationId xmlns:a16="http://schemas.microsoft.com/office/drawing/2014/main" id="{1E926929-EF61-3C78-B68A-1F0BBFE3FDA0}"/>
+              </a:ext>
+            </a:extLst>
+          </p:cNvPr>
           <p:cNvSpPr>
             <a:spLocks noGrp="1"/>
           </p:cNvSpPr>
@@ -9500,7 +9616,13 @@
       </p:sp>
       <p:sp>
         <p:nvSpPr>
-          <p:cNvPr id="5" name="Footer Placeholder 4"/>
+          <p:cNvPr id="5" name="Footer Placeholder 4">
+            <a:extLst>
+              <a:ext uri="{FF2B5EF4-FFF2-40B4-BE49-F238E27FC236}">
+                <a16:creationId xmlns:a16="http://schemas.microsoft.com/office/drawing/2014/main" id="{342A6DD1-E7AB-AE98-0C0F-C93C0357B98C}"/>
+              </a:ext>
+            </a:extLst>
+          </p:cNvPr>
           <p:cNvSpPr>
             <a:spLocks noGrp="1"/>
           </p:cNvSpPr>
@@ -9519,7 +9641,13 @@
       </p:sp>
       <p:sp>
         <p:nvSpPr>
-          <p:cNvPr id="6" name="Slide Number Placeholder 5"/>
+          <p:cNvPr id="6" name="Slide Number Placeholder 5">
+            <a:extLst>
+              <a:ext uri="{FF2B5EF4-FFF2-40B4-BE49-F238E27FC236}">
+                <a16:creationId xmlns:a16="http://schemas.microsoft.com/office/drawing/2014/main" id="{EA2083D5-D8DE-4A7A-A8FF-3CB85FF68C4C}"/>
+              </a:ext>
+            </a:extLst>
+          </p:cNvPr>
           <p:cNvSpPr>
             <a:spLocks noGrp="1"/>
           </p:cNvSpPr>
@@ -9543,7 +9671,7 @@
     </p:spTree>
     <p:extLst>
       <p:ext uri="{BB962C8B-B14F-4D97-AF65-F5344CB8AC3E}">
-        <p14:creationId xmlns:p14="http://schemas.microsoft.com/office/powerpoint/2010/main" val="960648375"/>
+        <p14:creationId xmlns:p14="http://schemas.microsoft.com/office/powerpoint/2010/main" val="3947328321"/>
       </p:ext>
     </p:extLst>
   </p:cSld>
@@ -9572,7 +9700,13 @@
       </p:grpSpPr>
       <p:sp>
         <p:nvSpPr>
-          <p:cNvPr id="2" name="Title 1"/>
+          <p:cNvPr id="2" name="Title 1">
+            <a:extLst>
+              <a:ext uri="{FF2B5EF4-FFF2-40B4-BE49-F238E27FC236}">
+                <a16:creationId xmlns:a16="http://schemas.microsoft.com/office/drawing/2014/main" id="{DFAC7118-0028-ABC1-C837-2BD1A43EB2D6}"/>
+              </a:ext>
+            </a:extLst>
+          </p:cNvPr>
           <p:cNvSpPr>
             <a:spLocks noGrp="1"/>
           </p:cNvSpPr>
@@ -9594,7 +9728,13 @@
       </p:sp>
       <p:sp>
         <p:nvSpPr>
-          <p:cNvPr id="3" name="Content Placeholder 2"/>
+          <p:cNvPr id="3" name="Content Placeholder 2">
+            <a:extLst>
+              <a:ext uri="{FF2B5EF4-FFF2-40B4-BE49-F238E27FC236}">
+                <a16:creationId xmlns:a16="http://schemas.microsoft.com/office/drawing/2014/main" id="{8D5DE549-E4B8-9236-AF36-68C1D879E817}"/>
+              </a:ext>
+            </a:extLst>
+          </p:cNvPr>
           <p:cNvSpPr>
             <a:spLocks noGrp="1"/>
           </p:cNvSpPr>
@@ -9604,39 +9744,979 @@
         </p:nvSpPr>
         <p:spPr>
           <a:xfrm>
-            <a:off x="457200" y="1600200"/>
-            <a:ext cx="4038600" cy="4525963"/>
+            <a:off x="628650" y="1825625"/>
+            <a:ext cx="3886200" cy="4351338"/>
+          </a:xfrm>
+        </p:spPr>
+        <p:txBody>
+          <a:bodyPr/>
+          <a:lstStyle/>
+          <a:p>
+            <a:pPr lvl="0"/>
+            <a:r>
+              <a:rPr lang="en-US"/>
+              <a:t>Click to edit Master text styles</a:t>
+            </a:r>
+          </a:p>
+          <a:p>
+            <a:pPr lvl="1"/>
+            <a:r>
+              <a:rPr lang="en-US"/>
+              <a:t>Second level</a:t>
+            </a:r>
+          </a:p>
+          <a:p>
+            <a:pPr lvl="2"/>
+            <a:r>
+              <a:rPr lang="en-US"/>
+              <a:t>Third level</a:t>
+            </a:r>
+          </a:p>
+          <a:p>
+            <a:pPr lvl="3"/>
+            <a:r>
+              <a:rPr lang="en-US"/>
+              <a:t>Fourth level</a:t>
+            </a:r>
+          </a:p>
+          <a:p>
+            <a:pPr lvl="4"/>
+            <a:r>
+              <a:rPr lang="en-US"/>
+              <a:t>Fifth level</a:t>
+            </a:r>
+          </a:p>
+        </p:txBody>
+      </p:sp>
+      <p:sp>
+        <p:nvSpPr>
+          <p:cNvPr id="4" name="Content Placeholder 3">
+            <a:extLst>
+              <a:ext uri="{FF2B5EF4-FFF2-40B4-BE49-F238E27FC236}">
+                <a16:creationId xmlns:a16="http://schemas.microsoft.com/office/drawing/2014/main" id="{9A4F657B-D2CE-B3B0-CBBC-9E5969C6A32D}"/>
+              </a:ext>
+            </a:extLst>
+          </p:cNvPr>
+          <p:cNvSpPr>
+            <a:spLocks noGrp="1"/>
+          </p:cNvSpPr>
+          <p:nvPr>
+            <p:ph sz="half" idx="2"/>
+          </p:nvPr>
+        </p:nvSpPr>
+        <p:spPr>
+          <a:xfrm>
+            <a:off x="4629150" y="1825625"/>
+            <a:ext cx="3886200" cy="4351338"/>
+          </a:xfrm>
+        </p:spPr>
+        <p:txBody>
+          <a:bodyPr/>
+          <a:lstStyle/>
+          <a:p>
+            <a:pPr lvl="0"/>
+            <a:r>
+              <a:rPr lang="en-US"/>
+              <a:t>Click to edit Master text styles</a:t>
+            </a:r>
+          </a:p>
+          <a:p>
+            <a:pPr lvl="1"/>
+            <a:r>
+              <a:rPr lang="en-US"/>
+              <a:t>Second level</a:t>
+            </a:r>
+          </a:p>
+          <a:p>
+            <a:pPr lvl="2"/>
+            <a:r>
+              <a:rPr lang="en-US"/>
+              <a:t>Third level</a:t>
+            </a:r>
+          </a:p>
+          <a:p>
+            <a:pPr lvl="3"/>
+            <a:r>
+              <a:rPr lang="en-US"/>
+              <a:t>Fourth level</a:t>
+            </a:r>
+          </a:p>
+          <a:p>
+            <a:pPr lvl="4"/>
+            <a:r>
+              <a:rPr lang="en-US"/>
+              <a:t>Fifth level</a:t>
+            </a:r>
+          </a:p>
+        </p:txBody>
+      </p:sp>
+      <p:sp>
+        <p:nvSpPr>
+          <p:cNvPr id="5" name="Date Placeholder 4">
+            <a:extLst>
+              <a:ext uri="{FF2B5EF4-FFF2-40B4-BE49-F238E27FC236}">
+                <a16:creationId xmlns:a16="http://schemas.microsoft.com/office/drawing/2014/main" id="{657FBE5D-F054-B0E6-E88F-BD9EEBE3F278}"/>
+              </a:ext>
+            </a:extLst>
+          </p:cNvPr>
+          <p:cNvSpPr>
+            <a:spLocks noGrp="1"/>
+          </p:cNvSpPr>
+          <p:nvPr>
+            <p:ph type="dt" sz="half" idx="10"/>
+          </p:nvPr>
+        </p:nvSpPr>
+        <p:spPr/>
+        <p:txBody>
+          <a:bodyPr/>
+          <a:lstStyle/>
+          <a:p>
+            <a:fld id="{5BCAD085-E8A6-8845-BD4E-CB4CCA059FC4}" type="datetimeFigureOut">
+              <a:rPr lang="en-US" smtClean="0"/>
+              <a:t>5/2/2025</a:t>
+            </a:fld>
+            <a:endParaRPr lang="en-US"/>
+          </a:p>
+        </p:txBody>
+      </p:sp>
+      <p:sp>
+        <p:nvSpPr>
+          <p:cNvPr id="6" name="Footer Placeholder 5">
+            <a:extLst>
+              <a:ext uri="{FF2B5EF4-FFF2-40B4-BE49-F238E27FC236}">
+                <a16:creationId xmlns:a16="http://schemas.microsoft.com/office/drawing/2014/main" id="{06A50BDD-1EEF-6DED-1770-674C924677C0}"/>
+              </a:ext>
+            </a:extLst>
+          </p:cNvPr>
+          <p:cNvSpPr>
+            <a:spLocks noGrp="1"/>
+          </p:cNvSpPr>
+          <p:nvPr>
+            <p:ph type="ftr" sz="quarter" idx="11"/>
+          </p:nvPr>
+        </p:nvSpPr>
+        <p:spPr/>
+        <p:txBody>
+          <a:bodyPr/>
+          <a:lstStyle/>
+          <a:p>
+            <a:endParaRPr lang="en-US"/>
+          </a:p>
+        </p:txBody>
+      </p:sp>
+      <p:sp>
+        <p:nvSpPr>
+          <p:cNvPr id="7" name="Slide Number Placeholder 6">
+            <a:extLst>
+              <a:ext uri="{FF2B5EF4-FFF2-40B4-BE49-F238E27FC236}">
+                <a16:creationId xmlns:a16="http://schemas.microsoft.com/office/drawing/2014/main" id="{2CE85568-2189-3933-4E80-14C017A048B9}"/>
+              </a:ext>
+            </a:extLst>
+          </p:cNvPr>
+          <p:cNvSpPr>
+            <a:spLocks noGrp="1"/>
+          </p:cNvSpPr>
+          <p:nvPr>
+            <p:ph type="sldNum" sz="quarter" idx="12"/>
+          </p:nvPr>
+        </p:nvSpPr>
+        <p:spPr/>
+        <p:txBody>
+          <a:bodyPr/>
+          <a:lstStyle/>
+          <a:p>
+            <a:fld id="{C1FF6DA9-008F-8B48-92A6-B652298478BF}" type="slidenum">
+              <a:rPr lang="en-US" smtClean="0"/>
+              <a:t>‹#›</a:t>
+            </a:fld>
+            <a:endParaRPr lang="en-US"/>
+          </a:p>
+        </p:txBody>
+      </p:sp>
+    </p:spTree>
+    <p:extLst>
+      <p:ext uri="{BB962C8B-B14F-4D97-AF65-F5344CB8AC3E}">
+        <p14:creationId xmlns:p14="http://schemas.microsoft.com/office/powerpoint/2010/main" val="2346329758"/>
+      </p:ext>
+    </p:extLst>
+  </p:cSld>
+  <p:clrMapOvr>
+    <a:masterClrMapping/>
+  </p:clrMapOvr>
+</p:sldLayout>
+</file>
+
+<file path=ppt/slideLayouts/slideLayout5.xml><?xml version="1.0" encoding="utf-8"?>
+<p:sldLayout xmlns:a="http://schemas.openxmlformats.org/drawingml/2006/main" xmlns:r="http://schemas.openxmlformats.org/officeDocument/2006/relationships" xmlns:p="http://schemas.openxmlformats.org/presentationml/2006/main" type="twoTxTwoObj" preserve="1">
+  <p:cSld name="Comparison">
+    <p:spTree>
+      <p:nvGrpSpPr>
+        <p:cNvPr id="1" name=""/>
+        <p:cNvGrpSpPr/>
+        <p:nvPr/>
+      </p:nvGrpSpPr>
+      <p:grpSpPr>
+        <a:xfrm>
+          <a:off x="0" y="0"/>
+          <a:ext cx="0" cy="0"/>
+          <a:chOff x="0" y="0"/>
+          <a:chExt cx="0" cy="0"/>
+        </a:xfrm>
+      </p:grpSpPr>
+      <p:sp>
+        <p:nvSpPr>
+          <p:cNvPr id="2" name="Title 1">
+            <a:extLst>
+              <a:ext uri="{FF2B5EF4-FFF2-40B4-BE49-F238E27FC236}">
+                <a16:creationId xmlns:a16="http://schemas.microsoft.com/office/drawing/2014/main" id="{2804CD30-DA88-F33F-A654-E0FEEE5029DD}"/>
+              </a:ext>
+            </a:extLst>
+          </p:cNvPr>
+          <p:cNvSpPr>
+            <a:spLocks noGrp="1"/>
+          </p:cNvSpPr>
+          <p:nvPr>
+            <p:ph type="title"/>
+          </p:nvPr>
+        </p:nvSpPr>
+        <p:spPr>
+          <a:xfrm>
+            <a:off x="629841" y="365126"/>
+            <a:ext cx="7886700" cy="1325563"/>
+          </a:xfrm>
+        </p:spPr>
+        <p:txBody>
+          <a:bodyPr/>
+          <a:lstStyle/>
+          <a:p>
+            <a:r>
+              <a:rPr lang="en-US"/>
+              <a:t>Click to edit Master title style</a:t>
+            </a:r>
+          </a:p>
+        </p:txBody>
+      </p:sp>
+      <p:sp>
+        <p:nvSpPr>
+          <p:cNvPr id="3" name="Text Placeholder 2">
+            <a:extLst>
+              <a:ext uri="{FF2B5EF4-FFF2-40B4-BE49-F238E27FC236}">
+                <a16:creationId xmlns:a16="http://schemas.microsoft.com/office/drawing/2014/main" id="{3E18AF06-218B-5A99-DD0D-5B7BBD388C5D}"/>
+              </a:ext>
+            </a:extLst>
+          </p:cNvPr>
+          <p:cNvSpPr>
+            <a:spLocks noGrp="1"/>
+          </p:cNvSpPr>
+          <p:nvPr>
+            <p:ph type="body" idx="1"/>
+          </p:nvPr>
+        </p:nvSpPr>
+        <p:spPr>
+          <a:xfrm>
+            <a:off x="629842" y="1681163"/>
+            <a:ext cx="3868340" cy="823912"/>
+          </a:xfrm>
+        </p:spPr>
+        <p:txBody>
+          <a:bodyPr anchor="b"/>
+          <a:lstStyle>
+            <a:lvl1pPr marL="0" indent="0">
+              <a:buNone/>
+              <a:defRPr sz="1800" b="1"/>
+            </a:lvl1pPr>
+            <a:lvl2pPr marL="342900" indent="0">
+              <a:buNone/>
+              <a:defRPr sz="1500" b="1"/>
+            </a:lvl2pPr>
+            <a:lvl3pPr marL="685800" indent="0">
+              <a:buNone/>
+              <a:defRPr sz="1350" b="1"/>
+            </a:lvl3pPr>
+            <a:lvl4pPr marL="1028700" indent="0">
+              <a:buNone/>
+              <a:defRPr sz="1200" b="1"/>
+            </a:lvl4pPr>
+            <a:lvl5pPr marL="1371600" indent="0">
+              <a:buNone/>
+              <a:defRPr sz="1200" b="1"/>
+            </a:lvl5pPr>
+            <a:lvl6pPr marL="1714500" indent="0">
+              <a:buNone/>
+              <a:defRPr sz="1200" b="1"/>
+            </a:lvl6pPr>
+            <a:lvl7pPr marL="2057400" indent="0">
+              <a:buNone/>
+              <a:defRPr sz="1200" b="1"/>
+            </a:lvl7pPr>
+            <a:lvl8pPr marL="2400300" indent="0">
+              <a:buNone/>
+              <a:defRPr sz="1200" b="1"/>
+            </a:lvl8pPr>
+            <a:lvl9pPr marL="2743200" indent="0">
+              <a:buNone/>
+              <a:defRPr sz="1200" b="1"/>
+            </a:lvl9pPr>
+          </a:lstStyle>
+          <a:p>
+            <a:pPr lvl="0"/>
+            <a:r>
+              <a:rPr lang="en-US"/>
+              <a:t>Click to edit Master text styles</a:t>
+            </a:r>
+          </a:p>
+        </p:txBody>
+      </p:sp>
+      <p:sp>
+        <p:nvSpPr>
+          <p:cNvPr id="4" name="Content Placeholder 3">
+            <a:extLst>
+              <a:ext uri="{FF2B5EF4-FFF2-40B4-BE49-F238E27FC236}">
+                <a16:creationId xmlns:a16="http://schemas.microsoft.com/office/drawing/2014/main" id="{FD3F5833-9A06-C6BE-4E54-41B47199C686}"/>
+              </a:ext>
+            </a:extLst>
+          </p:cNvPr>
+          <p:cNvSpPr>
+            <a:spLocks noGrp="1"/>
+          </p:cNvSpPr>
+          <p:nvPr>
+            <p:ph sz="half" idx="2"/>
+          </p:nvPr>
+        </p:nvSpPr>
+        <p:spPr>
+          <a:xfrm>
+            <a:off x="629842" y="2505075"/>
+            <a:ext cx="3868340" cy="3684588"/>
+          </a:xfrm>
+        </p:spPr>
+        <p:txBody>
+          <a:bodyPr/>
+          <a:lstStyle/>
+          <a:p>
+            <a:pPr lvl="0"/>
+            <a:r>
+              <a:rPr lang="en-US"/>
+              <a:t>Click to edit Master text styles</a:t>
+            </a:r>
+          </a:p>
+          <a:p>
+            <a:pPr lvl="1"/>
+            <a:r>
+              <a:rPr lang="en-US"/>
+              <a:t>Second level</a:t>
+            </a:r>
+          </a:p>
+          <a:p>
+            <a:pPr lvl="2"/>
+            <a:r>
+              <a:rPr lang="en-US"/>
+              <a:t>Third level</a:t>
+            </a:r>
+          </a:p>
+          <a:p>
+            <a:pPr lvl="3"/>
+            <a:r>
+              <a:rPr lang="en-US"/>
+              <a:t>Fourth level</a:t>
+            </a:r>
+          </a:p>
+          <a:p>
+            <a:pPr lvl="4"/>
+            <a:r>
+              <a:rPr lang="en-US"/>
+              <a:t>Fifth level</a:t>
+            </a:r>
+          </a:p>
+        </p:txBody>
+      </p:sp>
+      <p:sp>
+        <p:nvSpPr>
+          <p:cNvPr id="5" name="Text Placeholder 4">
+            <a:extLst>
+              <a:ext uri="{FF2B5EF4-FFF2-40B4-BE49-F238E27FC236}">
+                <a16:creationId xmlns:a16="http://schemas.microsoft.com/office/drawing/2014/main" id="{FCC57B8A-C7B4-88AA-FD3C-D6862F5B7FD9}"/>
+              </a:ext>
+            </a:extLst>
+          </p:cNvPr>
+          <p:cNvSpPr>
+            <a:spLocks noGrp="1"/>
+          </p:cNvSpPr>
+          <p:nvPr>
+            <p:ph type="body" sz="quarter" idx="3"/>
+          </p:nvPr>
+        </p:nvSpPr>
+        <p:spPr>
+          <a:xfrm>
+            <a:off x="4629150" y="1681163"/>
+            <a:ext cx="3887391" cy="823912"/>
+          </a:xfrm>
+        </p:spPr>
+        <p:txBody>
+          <a:bodyPr anchor="b"/>
+          <a:lstStyle>
+            <a:lvl1pPr marL="0" indent="0">
+              <a:buNone/>
+              <a:defRPr sz="1800" b="1"/>
+            </a:lvl1pPr>
+            <a:lvl2pPr marL="342900" indent="0">
+              <a:buNone/>
+              <a:defRPr sz="1500" b="1"/>
+            </a:lvl2pPr>
+            <a:lvl3pPr marL="685800" indent="0">
+              <a:buNone/>
+              <a:defRPr sz="1350" b="1"/>
+            </a:lvl3pPr>
+            <a:lvl4pPr marL="1028700" indent="0">
+              <a:buNone/>
+              <a:defRPr sz="1200" b="1"/>
+            </a:lvl4pPr>
+            <a:lvl5pPr marL="1371600" indent="0">
+              <a:buNone/>
+              <a:defRPr sz="1200" b="1"/>
+            </a:lvl5pPr>
+            <a:lvl6pPr marL="1714500" indent="0">
+              <a:buNone/>
+              <a:defRPr sz="1200" b="1"/>
+            </a:lvl6pPr>
+            <a:lvl7pPr marL="2057400" indent="0">
+              <a:buNone/>
+              <a:defRPr sz="1200" b="1"/>
+            </a:lvl7pPr>
+            <a:lvl8pPr marL="2400300" indent="0">
+              <a:buNone/>
+              <a:defRPr sz="1200" b="1"/>
+            </a:lvl8pPr>
+            <a:lvl9pPr marL="2743200" indent="0">
+              <a:buNone/>
+              <a:defRPr sz="1200" b="1"/>
+            </a:lvl9pPr>
+          </a:lstStyle>
+          <a:p>
+            <a:pPr lvl="0"/>
+            <a:r>
+              <a:rPr lang="en-US"/>
+              <a:t>Click to edit Master text styles</a:t>
+            </a:r>
+          </a:p>
+        </p:txBody>
+      </p:sp>
+      <p:sp>
+        <p:nvSpPr>
+          <p:cNvPr id="6" name="Content Placeholder 5">
+            <a:extLst>
+              <a:ext uri="{FF2B5EF4-FFF2-40B4-BE49-F238E27FC236}">
+                <a16:creationId xmlns:a16="http://schemas.microsoft.com/office/drawing/2014/main" id="{CD0A8F60-43F7-EAE6-84AB-A4373772D616}"/>
+              </a:ext>
+            </a:extLst>
+          </p:cNvPr>
+          <p:cNvSpPr>
+            <a:spLocks noGrp="1"/>
+          </p:cNvSpPr>
+          <p:nvPr>
+            <p:ph sz="quarter" idx="4"/>
+          </p:nvPr>
+        </p:nvSpPr>
+        <p:spPr>
+          <a:xfrm>
+            <a:off x="4629150" y="2505075"/>
+            <a:ext cx="3887391" cy="3684588"/>
+          </a:xfrm>
+        </p:spPr>
+        <p:txBody>
+          <a:bodyPr/>
+          <a:lstStyle/>
+          <a:p>
+            <a:pPr lvl="0"/>
+            <a:r>
+              <a:rPr lang="en-US"/>
+              <a:t>Click to edit Master text styles</a:t>
+            </a:r>
+          </a:p>
+          <a:p>
+            <a:pPr lvl="1"/>
+            <a:r>
+              <a:rPr lang="en-US"/>
+              <a:t>Second level</a:t>
+            </a:r>
+          </a:p>
+          <a:p>
+            <a:pPr lvl="2"/>
+            <a:r>
+              <a:rPr lang="en-US"/>
+              <a:t>Third level</a:t>
+            </a:r>
+          </a:p>
+          <a:p>
+            <a:pPr lvl="3"/>
+            <a:r>
+              <a:rPr lang="en-US"/>
+              <a:t>Fourth level</a:t>
+            </a:r>
+          </a:p>
+          <a:p>
+            <a:pPr lvl="4"/>
+            <a:r>
+              <a:rPr lang="en-US"/>
+              <a:t>Fifth level</a:t>
+            </a:r>
+          </a:p>
+        </p:txBody>
+      </p:sp>
+      <p:sp>
+        <p:nvSpPr>
+          <p:cNvPr id="7" name="Date Placeholder 6">
+            <a:extLst>
+              <a:ext uri="{FF2B5EF4-FFF2-40B4-BE49-F238E27FC236}">
+                <a16:creationId xmlns:a16="http://schemas.microsoft.com/office/drawing/2014/main" id="{8CF0838C-0F9B-D72F-E73A-744980BB611B}"/>
+              </a:ext>
+            </a:extLst>
+          </p:cNvPr>
+          <p:cNvSpPr>
+            <a:spLocks noGrp="1"/>
+          </p:cNvSpPr>
+          <p:nvPr>
+            <p:ph type="dt" sz="half" idx="10"/>
+          </p:nvPr>
+        </p:nvSpPr>
+        <p:spPr/>
+        <p:txBody>
+          <a:bodyPr/>
+          <a:lstStyle/>
+          <a:p>
+            <a:fld id="{5BCAD085-E8A6-8845-BD4E-CB4CCA059FC4}" type="datetimeFigureOut">
+              <a:rPr lang="en-US" smtClean="0"/>
+              <a:t>5/2/2025</a:t>
+            </a:fld>
+            <a:endParaRPr lang="en-US"/>
+          </a:p>
+        </p:txBody>
+      </p:sp>
+      <p:sp>
+        <p:nvSpPr>
+          <p:cNvPr id="8" name="Footer Placeholder 7">
+            <a:extLst>
+              <a:ext uri="{FF2B5EF4-FFF2-40B4-BE49-F238E27FC236}">
+                <a16:creationId xmlns:a16="http://schemas.microsoft.com/office/drawing/2014/main" id="{7D3D1427-9ABC-92BC-A416-E71546D99F20}"/>
+              </a:ext>
+            </a:extLst>
+          </p:cNvPr>
+          <p:cNvSpPr>
+            <a:spLocks noGrp="1"/>
+          </p:cNvSpPr>
+          <p:nvPr>
+            <p:ph type="ftr" sz="quarter" idx="11"/>
+          </p:nvPr>
+        </p:nvSpPr>
+        <p:spPr/>
+        <p:txBody>
+          <a:bodyPr/>
+          <a:lstStyle/>
+          <a:p>
+            <a:endParaRPr lang="en-US"/>
+          </a:p>
+        </p:txBody>
+      </p:sp>
+      <p:sp>
+        <p:nvSpPr>
+          <p:cNvPr id="9" name="Slide Number Placeholder 8">
+            <a:extLst>
+              <a:ext uri="{FF2B5EF4-FFF2-40B4-BE49-F238E27FC236}">
+                <a16:creationId xmlns:a16="http://schemas.microsoft.com/office/drawing/2014/main" id="{178048A1-A958-8482-ED24-6E1114A9AD01}"/>
+              </a:ext>
+            </a:extLst>
+          </p:cNvPr>
+          <p:cNvSpPr>
+            <a:spLocks noGrp="1"/>
+          </p:cNvSpPr>
+          <p:nvPr>
+            <p:ph type="sldNum" sz="quarter" idx="12"/>
+          </p:nvPr>
+        </p:nvSpPr>
+        <p:spPr/>
+        <p:txBody>
+          <a:bodyPr/>
+          <a:lstStyle/>
+          <a:p>
+            <a:fld id="{C1FF6DA9-008F-8B48-92A6-B652298478BF}" type="slidenum">
+              <a:rPr lang="en-US" smtClean="0"/>
+              <a:t>‹#›</a:t>
+            </a:fld>
+            <a:endParaRPr lang="en-US"/>
+          </a:p>
+        </p:txBody>
+      </p:sp>
+    </p:spTree>
+    <p:extLst>
+      <p:ext uri="{BB962C8B-B14F-4D97-AF65-F5344CB8AC3E}">
+        <p14:creationId xmlns:p14="http://schemas.microsoft.com/office/powerpoint/2010/main" val="74700189"/>
+      </p:ext>
+    </p:extLst>
+  </p:cSld>
+  <p:clrMapOvr>
+    <a:masterClrMapping/>
+  </p:clrMapOvr>
+</p:sldLayout>
+</file>
+
+<file path=ppt/slideLayouts/slideLayout6.xml><?xml version="1.0" encoding="utf-8"?>
+<p:sldLayout xmlns:a="http://schemas.openxmlformats.org/drawingml/2006/main" xmlns:r="http://schemas.openxmlformats.org/officeDocument/2006/relationships" xmlns:p="http://schemas.openxmlformats.org/presentationml/2006/main" type="titleOnly" preserve="1">
+  <p:cSld name="Title Only">
+    <p:spTree>
+      <p:nvGrpSpPr>
+        <p:cNvPr id="1" name=""/>
+        <p:cNvGrpSpPr/>
+        <p:nvPr/>
+      </p:nvGrpSpPr>
+      <p:grpSpPr>
+        <a:xfrm>
+          <a:off x="0" y="0"/>
+          <a:ext cx="0" cy="0"/>
+          <a:chOff x="0" y="0"/>
+          <a:chExt cx="0" cy="0"/>
+        </a:xfrm>
+      </p:grpSpPr>
+      <p:sp>
+        <p:nvSpPr>
+          <p:cNvPr id="2" name="Title 1">
+            <a:extLst>
+              <a:ext uri="{FF2B5EF4-FFF2-40B4-BE49-F238E27FC236}">
+                <a16:creationId xmlns:a16="http://schemas.microsoft.com/office/drawing/2014/main" id="{C4B83D89-77F3-3325-DE2C-6231ABF9B0A8}"/>
+              </a:ext>
+            </a:extLst>
+          </p:cNvPr>
+          <p:cNvSpPr>
+            <a:spLocks noGrp="1"/>
+          </p:cNvSpPr>
+          <p:nvPr>
+            <p:ph type="title"/>
+          </p:nvPr>
+        </p:nvSpPr>
+        <p:spPr/>
+        <p:txBody>
+          <a:bodyPr/>
+          <a:lstStyle/>
+          <a:p>
+            <a:r>
+              <a:rPr lang="en-US"/>
+              <a:t>Click to edit Master title style</a:t>
+            </a:r>
+          </a:p>
+        </p:txBody>
+      </p:sp>
+      <p:sp>
+        <p:nvSpPr>
+          <p:cNvPr id="3" name="Date Placeholder 2">
+            <a:extLst>
+              <a:ext uri="{FF2B5EF4-FFF2-40B4-BE49-F238E27FC236}">
+                <a16:creationId xmlns:a16="http://schemas.microsoft.com/office/drawing/2014/main" id="{9AB3A861-F475-7FA8-EEE1-791DCB40CFE8}"/>
+              </a:ext>
+            </a:extLst>
+          </p:cNvPr>
+          <p:cNvSpPr>
+            <a:spLocks noGrp="1"/>
+          </p:cNvSpPr>
+          <p:nvPr>
+            <p:ph type="dt" sz="half" idx="10"/>
+          </p:nvPr>
+        </p:nvSpPr>
+        <p:spPr/>
+        <p:txBody>
+          <a:bodyPr/>
+          <a:lstStyle/>
+          <a:p>
+            <a:fld id="{5BCAD085-E8A6-8845-BD4E-CB4CCA059FC4}" type="datetimeFigureOut">
+              <a:rPr lang="en-US" smtClean="0"/>
+              <a:t>5/2/2025</a:t>
+            </a:fld>
+            <a:endParaRPr lang="en-US"/>
+          </a:p>
+        </p:txBody>
+      </p:sp>
+      <p:sp>
+        <p:nvSpPr>
+          <p:cNvPr id="4" name="Footer Placeholder 3">
+            <a:extLst>
+              <a:ext uri="{FF2B5EF4-FFF2-40B4-BE49-F238E27FC236}">
+                <a16:creationId xmlns:a16="http://schemas.microsoft.com/office/drawing/2014/main" id="{238DE540-B343-9621-5BAA-4CC98C087413}"/>
+              </a:ext>
+            </a:extLst>
+          </p:cNvPr>
+          <p:cNvSpPr>
+            <a:spLocks noGrp="1"/>
+          </p:cNvSpPr>
+          <p:nvPr>
+            <p:ph type="ftr" sz="quarter" idx="11"/>
+          </p:nvPr>
+        </p:nvSpPr>
+        <p:spPr/>
+        <p:txBody>
+          <a:bodyPr/>
+          <a:lstStyle/>
+          <a:p>
+            <a:endParaRPr lang="en-US"/>
+          </a:p>
+        </p:txBody>
+      </p:sp>
+      <p:sp>
+        <p:nvSpPr>
+          <p:cNvPr id="5" name="Slide Number Placeholder 4">
+            <a:extLst>
+              <a:ext uri="{FF2B5EF4-FFF2-40B4-BE49-F238E27FC236}">
+                <a16:creationId xmlns:a16="http://schemas.microsoft.com/office/drawing/2014/main" id="{5469F6A3-A2AB-35F9-6798-6B4850DDD6BC}"/>
+              </a:ext>
+            </a:extLst>
+          </p:cNvPr>
+          <p:cNvSpPr>
+            <a:spLocks noGrp="1"/>
+          </p:cNvSpPr>
+          <p:nvPr>
+            <p:ph type="sldNum" sz="quarter" idx="12"/>
+          </p:nvPr>
+        </p:nvSpPr>
+        <p:spPr/>
+        <p:txBody>
+          <a:bodyPr/>
+          <a:lstStyle/>
+          <a:p>
+            <a:fld id="{C1FF6DA9-008F-8B48-92A6-B652298478BF}" type="slidenum">
+              <a:rPr lang="en-US" smtClean="0"/>
+              <a:t>‹#›</a:t>
+            </a:fld>
+            <a:endParaRPr lang="en-US"/>
+          </a:p>
+        </p:txBody>
+      </p:sp>
+    </p:spTree>
+    <p:extLst>
+      <p:ext uri="{BB962C8B-B14F-4D97-AF65-F5344CB8AC3E}">
+        <p14:creationId xmlns:p14="http://schemas.microsoft.com/office/powerpoint/2010/main" val="2852990905"/>
+      </p:ext>
+    </p:extLst>
+  </p:cSld>
+  <p:clrMapOvr>
+    <a:masterClrMapping/>
+  </p:clrMapOvr>
+</p:sldLayout>
+</file>
+
+<file path=ppt/slideLayouts/slideLayout7.xml><?xml version="1.0" encoding="utf-8"?>
+<p:sldLayout xmlns:a="http://schemas.openxmlformats.org/drawingml/2006/main" xmlns:r="http://schemas.openxmlformats.org/officeDocument/2006/relationships" xmlns:p="http://schemas.openxmlformats.org/presentationml/2006/main" type="blank" preserve="1">
+  <p:cSld name="Blank">
+    <p:spTree>
+      <p:nvGrpSpPr>
+        <p:cNvPr id="1" name=""/>
+        <p:cNvGrpSpPr/>
+        <p:nvPr/>
+      </p:nvGrpSpPr>
+      <p:grpSpPr>
+        <a:xfrm>
+          <a:off x="0" y="0"/>
+          <a:ext cx="0" cy="0"/>
+          <a:chOff x="0" y="0"/>
+          <a:chExt cx="0" cy="0"/>
+        </a:xfrm>
+      </p:grpSpPr>
+      <p:sp>
+        <p:nvSpPr>
+          <p:cNvPr id="2" name="Date Placeholder 1">
+            <a:extLst>
+              <a:ext uri="{FF2B5EF4-FFF2-40B4-BE49-F238E27FC236}">
+                <a16:creationId xmlns:a16="http://schemas.microsoft.com/office/drawing/2014/main" id="{85575775-C51D-16CC-FF9D-1397EE8B1792}"/>
+              </a:ext>
+            </a:extLst>
+          </p:cNvPr>
+          <p:cNvSpPr>
+            <a:spLocks noGrp="1"/>
+          </p:cNvSpPr>
+          <p:nvPr>
+            <p:ph type="dt" sz="half" idx="10"/>
+          </p:nvPr>
+        </p:nvSpPr>
+        <p:spPr/>
+        <p:txBody>
+          <a:bodyPr/>
+          <a:lstStyle/>
+          <a:p>
+            <a:fld id="{5BCAD085-E8A6-8845-BD4E-CB4CCA059FC4}" type="datetimeFigureOut">
+              <a:rPr lang="en-US" smtClean="0"/>
+              <a:t>5/2/2025</a:t>
+            </a:fld>
+            <a:endParaRPr lang="en-US"/>
+          </a:p>
+        </p:txBody>
+      </p:sp>
+      <p:sp>
+        <p:nvSpPr>
+          <p:cNvPr id="3" name="Footer Placeholder 2">
+            <a:extLst>
+              <a:ext uri="{FF2B5EF4-FFF2-40B4-BE49-F238E27FC236}">
+                <a16:creationId xmlns:a16="http://schemas.microsoft.com/office/drawing/2014/main" id="{3FE2E9EA-2D25-24A6-58A5-9B9C83824C12}"/>
+              </a:ext>
+            </a:extLst>
+          </p:cNvPr>
+          <p:cNvSpPr>
+            <a:spLocks noGrp="1"/>
+          </p:cNvSpPr>
+          <p:nvPr>
+            <p:ph type="ftr" sz="quarter" idx="11"/>
+          </p:nvPr>
+        </p:nvSpPr>
+        <p:spPr/>
+        <p:txBody>
+          <a:bodyPr/>
+          <a:lstStyle/>
+          <a:p>
+            <a:endParaRPr lang="en-US"/>
+          </a:p>
+        </p:txBody>
+      </p:sp>
+      <p:sp>
+        <p:nvSpPr>
+          <p:cNvPr id="4" name="Slide Number Placeholder 3">
+            <a:extLst>
+              <a:ext uri="{FF2B5EF4-FFF2-40B4-BE49-F238E27FC236}">
+                <a16:creationId xmlns:a16="http://schemas.microsoft.com/office/drawing/2014/main" id="{A9C8FA54-253B-BE9C-888D-1035AA9B047F}"/>
+              </a:ext>
+            </a:extLst>
+          </p:cNvPr>
+          <p:cNvSpPr>
+            <a:spLocks noGrp="1"/>
+          </p:cNvSpPr>
+          <p:nvPr>
+            <p:ph type="sldNum" sz="quarter" idx="12"/>
+          </p:nvPr>
+        </p:nvSpPr>
+        <p:spPr/>
+        <p:txBody>
+          <a:bodyPr/>
+          <a:lstStyle/>
+          <a:p>
+            <a:fld id="{C1FF6DA9-008F-8B48-92A6-B652298478BF}" type="slidenum">
+              <a:rPr lang="en-US" smtClean="0"/>
+              <a:t>‹#›</a:t>
+            </a:fld>
+            <a:endParaRPr lang="en-US"/>
+          </a:p>
+        </p:txBody>
+      </p:sp>
+    </p:spTree>
+    <p:extLst>
+      <p:ext uri="{BB962C8B-B14F-4D97-AF65-F5344CB8AC3E}">
+        <p14:creationId xmlns:p14="http://schemas.microsoft.com/office/powerpoint/2010/main" val="714368347"/>
+      </p:ext>
+    </p:extLst>
+  </p:cSld>
+  <p:clrMapOvr>
+    <a:masterClrMapping/>
+  </p:clrMapOvr>
+</p:sldLayout>
+</file>
+
+<file path=ppt/slideLayouts/slideLayout8.xml><?xml version="1.0" encoding="utf-8"?>
+<p:sldLayout xmlns:a="http://schemas.openxmlformats.org/drawingml/2006/main" xmlns:r="http://schemas.openxmlformats.org/officeDocument/2006/relationships" xmlns:p="http://schemas.openxmlformats.org/presentationml/2006/main" type="objTx" preserve="1">
+  <p:cSld name="Content with Caption">
+    <p:spTree>
+      <p:nvGrpSpPr>
+        <p:cNvPr id="1" name=""/>
+        <p:cNvGrpSpPr/>
+        <p:nvPr/>
+      </p:nvGrpSpPr>
+      <p:grpSpPr>
+        <a:xfrm>
+          <a:off x="0" y="0"/>
+          <a:ext cx="0" cy="0"/>
+          <a:chOff x="0" y="0"/>
+          <a:chExt cx="0" cy="0"/>
+        </a:xfrm>
+      </p:grpSpPr>
+      <p:sp>
+        <p:nvSpPr>
+          <p:cNvPr id="2" name="Title 1">
+            <a:extLst>
+              <a:ext uri="{FF2B5EF4-FFF2-40B4-BE49-F238E27FC236}">
+                <a16:creationId xmlns:a16="http://schemas.microsoft.com/office/drawing/2014/main" id="{CF2868B0-1F86-D799-56DA-5A976D909456}"/>
+              </a:ext>
+            </a:extLst>
+          </p:cNvPr>
+          <p:cNvSpPr>
+            <a:spLocks noGrp="1"/>
+          </p:cNvSpPr>
+          <p:nvPr>
+            <p:ph type="title"/>
+          </p:nvPr>
+        </p:nvSpPr>
+        <p:spPr>
+          <a:xfrm>
+            <a:off x="629841" y="457200"/>
+            <a:ext cx="2949178" cy="1600200"/>
+          </a:xfrm>
+        </p:spPr>
+        <p:txBody>
+          <a:bodyPr anchor="b"/>
+          <a:lstStyle>
+            <a:lvl1pPr>
+              <a:defRPr sz="2400"/>
+            </a:lvl1pPr>
+          </a:lstStyle>
+          <a:p>
+            <a:r>
+              <a:rPr lang="en-US"/>
+              <a:t>Click to edit Master title style</a:t>
+            </a:r>
+          </a:p>
+        </p:txBody>
+      </p:sp>
+      <p:sp>
+        <p:nvSpPr>
+          <p:cNvPr id="3" name="Content Placeholder 2">
+            <a:extLst>
+              <a:ext uri="{FF2B5EF4-FFF2-40B4-BE49-F238E27FC236}">
+                <a16:creationId xmlns:a16="http://schemas.microsoft.com/office/drawing/2014/main" id="{5BE1A027-C174-7DCF-707C-8BB2CD6AA05A}"/>
+              </a:ext>
+            </a:extLst>
+          </p:cNvPr>
+          <p:cNvSpPr>
+            <a:spLocks noGrp="1"/>
+          </p:cNvSpPr>
+          <p:nvPr>
+            <p:ph idx="1"/>
+          </p:nvPr>
+        </p:nvSpPr>
+        <p:spPr>
+          <a:xfrm>
+            <a:off x="3887391" y="987426"/>
+            <a:ext cx="4629150" cy="4873625"/>
           </a:xfrm>
         </p:spPr>
         <p:txBody>
           <a:bodyPr/>
           <a:lstStyle>
             <a:lvl1pPr>
-              <a:defRPr sz="2800"/>
+              <a:defRPr sz="2400"/>
             </a:lvl1pPr>
             <a:lvl2pPr>
-              <a:defRPr sz="2400"/>
+              <a:defRPr sz="2100"/>
             </a:lvl2pPr>
             <a:lvl3pPr>
-              <a:defRPr sz="2000"/>
+              <a:defRPr sz="1800"/>
             </a:lvl3pPr>
             <a:lvl4pPr>
-              <a:defRPr sz="1800"/>
+              <a:defRPr sz="1500"/>
             </a:lvl4pPr>
             <a:lvl5pPr>
-              <a:defRPr sz="1800"/>
+              <a:defRPr sz="1500"/>
             </a:lvl5pPr>
             <a:lvl6pPr>
-              <a:defRPr sz="1800"/>
+              <a:defRPr sz="1500"/>
             </a:lvl6pPr>
             <a:lvl7pPr>
-              <a:defRPr sz="1800"/>
+              <a:defRPr sz="1500"/>
             </a:lvl7pPr>
             <a:lvl8pPr>
-              <a:defRPr sz="1800"/>
+              <a:defRPr sz="1500"/>
             </a:lvl8pPr>
             <a:lvl9pPr>
-              <a:defRPr sz="1800"/>
+              <a:defRPr sz="1500"/>
             </a:lvl9pPr>
           </a:lstStyle>
           <a:p>
@@ -9678,49 +10758,64 @@
       </p:sp>
       <p:sp>
         <p:nvSpPr>
-          <p:cNvPr id="4" name="Content Placeholder 3"/>
+          <p:cNvPr id="4" name="Text Placeholder 3">
+            <a:extLst>
+              <a:ext uri="{FF2B5EF4-FFF2-40B4-BE49-F238E27FC236}">
+                <a16:creationId xmlns:a16="http://schemas.microsoft.com/office/drawing/2014/main" id="{D83CC538-5869-50A5-4D39-5A6E28100CB0}"/>
+              </a:ext>
+            </a:extLst>
+          </p:cNvPr>
           <p:cNvSpPr>
             <a:spLocks noGrp="1"/>
           </p:cNvSpPr>
           <p:nvPr>
-            <p:ph sz="half" idx="2"/>
+            <p:ph type="body" sz="half" idx="2"/>
           </p:nvPr>
         </p:nvSpPr>
         <p:spPr>
           <a:xfrm>
-            <a:off x="4648200" y="1600200"/>
-            <a:ext cx="4038600" cy="4525963"/>
+            <a:off x="629841" y="2057400"/>
+            <a:ext cx="2949178" cy="3811588"/>
           </a:xfrm>
         </p:spPr>
         <p:txBody>
           <a:bodyPr/>
           <a:lstStyle>
-            <a:lvl1pPr>
-              <a:defRPr sz="2800"/>
+            <a:lvl1pPr marL="0" indent="0">
+              <a:buNone/>
+              <a:defRPr sz="1200"/>
             </a:lvl1pPr>
-            <a:lvl2pPr>
-              <a:defRPr sz="2400"/>
+            <a:lvl2pPr marL="342900" indent="0">
+              <a:buNone/>
+              <a:defRPr sz="1050"/>
             </a:lvl2pPr>
-            <a:lvl3pPr>
-              <a:defRPr sz="2000"/>
+            <a:lvl3pPr marL="685800" indent="0">
+              <a:buNone/>
+              <a:defRPr sz="900"/>
             </a:lvl3pPr>
-            <a:lvl4pPr>
-              <a:defRPr sz="1800"/>
+            <a:lvl4pPr marL="1028700" indent="0">
+              <a:buNone/>
+              <a:defRPr sz="750"/>
             </a:lvl4pPr>
-            <a:lvl5pPr>
-              <a:defRPr sz="1800"/>
+            <a:lvl5pPr marL="1371600" indent="0">
+              <a:buNone/>
+              <a:defRPr sz="750"/>
             </a:lvl5pPr>
-            <a:lvl6pPr>
-              <a:defRPr sz="1800"/>
+            <a:lvl6pPr marL="1714500" indent="0">
+              <a:buNone/>
+              <a:defRPr sz="750"/>
             </a:lvl6pPr>
-            <a:lvl7pPr>
-              <a:defRPr sz="1800"/>
+            <a:lvl7pPr marL="2057400" indent="0">
+              <a:buNone/>
+              <a:defRPr sz="750"/>
             </a:lvl7pPr>
-            <a:lvl8pPr>
-              <a:defRPr sz="1800"/>
+            <a:lvl8pPr marL="2400300" indent="0">
+              <a:buNone/>
+              <a:defRPr sz="750"/>
             </a:lvl8pPr>
-            <a:lvl9pPr>
-              <a:defRPr sz="1800"/>
+            <a:lvl9pPr marL="2743200" indent="0">
+              <a:buNone/>
+              <a:defRPr sz="750"/>
             </a:lvl9pPr>
           </a:lstStyle>
           <a:p>
@@ -9730,39 +10825,17 @@
               <a:t>Click to edit Master text styles</a:t>
             </a:r>
           </a:p>
-          <a:p>
-            <a:pPr lvl="1"/>
-            <a:r>
-              <a:rPr lang="en-US"/>
-              <a:t>Second level</a:t>
-            </a:r>
-          </a:p>
-          <a:p>
-            <a:pPr lvl="2"/>
-            <a:r>
-              <a:rPr lang="en-US"/>
-              <a:t>Third level</a:t>
-            </a:r>
-          </a:p>
-          <a:p>
-            <a:pPr lvl="3"/>
-            <a:r>
-              <a:rPr lang="en-US"/>
-              <a:t>Fourth level</a:t>
-            </a:r>
-          </a:p>
-          <a:p>
-            <a:pPr lvl="4"/>
-            <a:r>
-              <a:rPr lang="en-US"/>
-              <a:t>Fifth level</a:t>
-            </a:r>
-          </a:p>
         </p:txBody>
       </p:sp>
       <p:sp>
         <p:nvSpPr>
-          <p:cNvPr id="5" name="Date Placeholder 4"/>
+          <p:cNvPr id="5" name="Date Placeholder 4">
+            <a:extLst>
+              <a:ext uri="{FF2B5EF4-FFF2-40B4-BE49-F238E27FC236}">
+                <a16:creationId xmlns:a16="http://schemas.microsoft.com/office/drawing/2014/main" id="{725B60BA-4C75-6B4E-967A-FC2B6E006F6B}"/>
+              </a:ext>
+            </a:extLst>
+          </p:cNvPr>
           <p:cNvSpPr>
             <a:spLocks noGrp="1"/>
           </p:cNvSpPr>
@@ -9785,7 +10858,13 @@
       </p:sp>
       <p:sp>
         <p:nvSpPr>
-          <p:cNvPr id="6" name="Footer Placeholder 5"/>
+          <p:cNvPr id="6" name="Footer Placeholder 5">
+            <a:extLst>
+              <a:ext uri="{FF2B5EF4-FFF2-40B4-BE49-F238E27FC236}">
+                <a16:creationId xmlns:a16="http://schemas.microsoft.com/office/drawing/2014/main" id="{5F1E0E4C-173F-DFD9-CC9F-E0CBCB9B1C6D}"/>
+              </a:ext>
+            </a:extLst>
+          </p:cNvPr>
           <p:cNvSpPr>
             <a:spLocks noGrp="1"/>
           </p:cNvSpPr>
@@ -9804,7 +10883,13 @@
       </p:sp>
       <p:sp>
         <p:nvSpPr>
-          <p:cNvPr id="7" name="Slide Number Placeholder 6"/>
+          <p:cNvPr id="7" name="Slide Number Placeholder 6">
+            <a:extLst>
+              <a:ext uri="{FF2B5EF4-FFF2-40B4-BE49-F238E27FC236}">
+                <a16:creationId xmlns:a16="http://schemas.microsoft.com/office/drawing/2014/main" id="{628F3E76-84AA-D0D2-C7A4-741F1A249EB7}"/>
+              </a:ext>
+            </a:extLst>
+          </p:cNvPr>
           <p:cNvSpPr>
             <a:spLocks noGrp="1"/>
           </p:cNvSpPr>
@@ -9828,913 +10913,7 @@
     </p:spTree>
     <p:extLst>
       <p:ext uri="{BB962C8B-B14F-4D97-AF65-F5344CB8AC3E}">
-        <p14:creationId xmlns:p14="http://schemas.microsoft.com/office/powerpoint/2010/main" val="2782244947"/>
-      </p:ext>
-    </p:extLst>
-  </p:cSld>
-  <p:clrMapOvr>
-    <a:masterClrMapping/>
-  </p:clrMapOvr>
-</p:sldLayout>
-</file>
-
-<file path=ppt/slideLayouts/slideLayout5.xml><?xml version="1.0" encoding="utf-8"?>
-<p:sldLayout xmlns:a="http://schemas.openxmlformats.org/drawingml/2006/main" xmlns:r="http://schemas.openxmlformats.org/officeDocument/2006/relationships" xmlns:p="http://schemas.openxmlformats.org/presentationml/2006/main" type="twoTxTwoObj" preserve="1">
-  <p:cSld name="Comparison">
-    <p:spTree>
-      <p:nvGrpSpPr>
-        <p:cNvPr id="1" name=""/>
-        <p:cNvGrpSpPr/>
-        <p:nvPr/>
-      </p:nvGrpSpPr>
-      <p:grpSpPr>
-        <a:xfrm>
-          <a:off x="0" y="0"/>
-          <a:ext cx="0" cy="0"/>
-          <a:chOff x="0" y="0"/>
-          <a:chExt cx="0" cy="0"/>
-        </a:xfrm>
-      </p:grpSpPr>
-      <p:sp>
-        <p:nvSpPr>
-          <p:cNvPr id="2" name="Title 1"/>
-          <p:cNvSpPr>
-            <a:spLocks noGrp="1"/>
-          </p:cNvSpPr>
-          <p:nvPr>
-            <p:ph type="title"/>
-          </p:nvPr>
-        </p:nvSpPr>
-        <p:spPr/>
-        <p:txBody>
-          <a:bodyPr/>
-          <a:lstStyle>
-            <a:lvl1pPr>
-              <a:defRPr/>
-            </a:lvl1pPr>
-          </a:lstStyle>
-          <a:p>
-            <a:r>
-              <a:rPr lang="en-US"/>
-              <a:t>Click to edit Master title style</a:t>
-            </a:r>
-          </a:p>
-        </p:txBody>
-      </p:sp>
-      <p:sp>
-        <p:nvSpPr>
-          <p:cNvPr id="3" name="Text Placeholder 2"/>
-          <p:cNvSpPr>
-            <a:spLocks noGrp="1"/>
-          </p:cNvSpPr>
-          <p:nvPr>
-            <p:ph type="body" idx="1"/>
-          </p:nvPr>
-        </p:nvSpPr>
-        <p:spPr>
-          <a:xfrm>
-            <a:off x="457200" y="1535113"/>
-            <a:ext cx="4040188" cy="639762"/>
-          </a:xfrm>
-        </p:spPr>
-        <p:txBody>
-          <a:bodyPr anchor="b"/>
-          <a:lstStyle>
-            <a:lvl1pPr marL="0" indent="0">
-              <a:buNone/>
-              <a:defRPr sz="2400" b="1"/>
-            </a:lvl1pPr>
-            <a:lvl2pPr marL="457200" indent="0">
-              <a:buNone/>
-              <a:defRPr sz="2000" b="1"/>
-            </a:lvl2pPr>
-            <a:lvl3pPr marL="914400" indent="0">
-              <a:buNone/>
-              <a:defRPr sz="1800" b="1"/>
-            </a:lvl3pPr>
-            <a:lvl4pPr marL="1371600" indent="0">
-              <a:buNone/>
-              <a:defRPr sz="1600" b="1"/>
-            </a:lvl4pPr>
-            <a:lvl5pPr marL="1828800" indent="0">
-              <a:buNone/>
-              <a:defRPr sz="1600" b="1"/>
-            </a:lvl5pPr>
-            <a:lvl6pPr marL="2286000" indent="0">
-              <a:buNone/>
-              <a:defRPr sz="1600" b="1"/>
-            </a:lvl6pPr>
-            <a:lvl7pPr marL="2743200" indent="0">
-              <a:buNone/>
-              <a:defRPr sz="1600" b="1"/>
-            </a:lvl7pPr>
-            <a:lvl8pPr marL="3200400" indent="0">
-              <a:buNone/>
-              <a:defRPr sz="1600" b="1"/>
-            </a:lvl8pPr>
-            <a:lvl9pPr marL="3657600" indent="0">
-              <a:buNone/>
-              <a:defRPr sz="1600" b="1"/>
-            </a:lvl9pPr>
-          </a:lstStyle>
-          <a:p>
-            <a:pPr lvl="0"/>
-            <a:r>
-              <a:rPr lang="en-US"/>
-              <a:t>Click to edit Master text styles</a:t>
-            </a:r>
-          </a:p>
-        </p:txBody>
-      </p:sp>
-      <p:sp>
-        <p:nvSpPr>
-          <p:cNvPr id="4" name="Content Placeholder 3"/>
-          <p:cNvSpPr>
-            <a:spLocks noGrp="1"/>
-          </p:cNvSpPr>
-          <p:nvPr>
-            <p:ph sz="half" idx="2"/>
-          </p:nvPr>
-        </p:nvSpPr>
-        <p:spPr>
-          <a:xfrm>
-            <a:off x="457200" y="2174875"/>
-            <a:ext cx="4040188" cy="3951288"/>
-          </a:xfrm>
-        </p:spPr>
-        <p:txBody>
-          <a:bodyPr/>
-          <a:lstStyle>
-            <a:lvl1pPr>
-              <a:defRPr sz="2400"/>
-            </a:lvl1pPr>
-            <a:lvl2pPr>
-              <a:defRPr sz="2000"/>
-            </a:lvl2pPr>
-            <a:lvl3pPr>
-              <a:defRPr sz="1800"/>
-            </a:lvl3pPr>
-            <a:lvl4pPr>
-              <a:defRPr sz="1600"/>
-            </a:lvl4pPr>
-            <a:lvl5pPr>
-              <a:defRPr sz="1600"/>
-            </a:lvl5pPr>
-            <a:lvl6pPr>
-              <a:defRPr sz="1600"/>
-            </a:lvl6pPr>
-            <a:lvl7pPr>
-              <a:defRPr sz="1600"/>
-            </a:lvl7pPr>
-            <a:lvl8pPr>
-              <a:defRPr sz="1600"/>
-            </a:lvl8pPr>
-            <a:lvl9pPr>
-              <a:defRPr sz="1600"/>
-            </a:lvl9pPr>
-          </a:lstStyle>
-          <a:p>
-            <a:pPr lvl="0"/>
-            <a:r>
-              <a:rPr lang="en-US"/>
-              <a:t>Click to edit Master text styles</a:t>
-            </a:r>
-          </a:p>
-          <a:p>
-            <a:pPr lvl="1"/>
-            <a:r>
-              <a:rPr lang="en-US"/>
-              <a:t>Second level</a:t>
-            </a:r>
-          </a:p>
-          <a:p>
-            <a:pPr lvl="2"/>
-            <a:r>
-              <a:rPr lang="en-US"/>
-              <a:t>Third level</a:t>
-            </a:r>
-          </a:p>
-          <a:p>
-            <a:pPr lvl="3"/>
-            <a:r>
-              <a:rPr lang="en-US"/>
-              <a:t>Fourth level</a:t>
-            </a:r>
-          </a:p>
-          <a:p>
-            <a:pPr lvl="4"/>
-            <a:r>
-              <a:rPr lang="en-US"/>
-              <a:t>Fifth level</a:t>
-            </a:r>
-          </a:p>
-        </p:txBody>
-      </p:sp>
-      <p:sp>
-        <p:nvSpPr>
-          <p:cNvPr id="5" name="Text Placeholder 4"/>
-          <p:cNvSpPr>
-            <a:spLocks noGrp="1"/>
-          </p:cNvSpPr>
-          <p:nvPr>
-            <p:ph type="body" sz="quarter" idx="3"/>
-          </p:nvPr>
-        </p:nvSpPr>
-        <p:spPr>
-          <a:xfrm>
-            <a:off x="4645025" y="1535113"/>
-            <a:ext cx="4041775" cy="639762"/>
-          </a:xfrm>
-        </p:spPr>
-        <p:txBody>
-          <a:bodyPr anchor="b"/>
-          <a:lstStyle>
-            <a:lvl1pPr marL="0" indent="0">
-              <a:buNone/>
-              <a:defRPr sz="2400" b="1"/>
-            </a:lvl1pPr>
-            <a:lvl2pPr marL="457200" indent="0">
-              <a:buNone/>
-              <a:defRPr sz="2000" b="1"/>
-            </a:lvl2pPr>
-            <a:lvl3pPr marL="914400" indent="0">
-              <a:buNone/>
-              <a:defRPr sz="1800" b="1"/>
-            </a:lvl3pPr>
-            <a:lvl4pPr marL="1371600" indent="0">
-              <a:buNone/>
-              <a:defRPr sz="1600" b="1"/>
-            </a:lvl4pPr>
-            <a:lvl5pPr marL="1828800" indent="0">
-              <a:buNone/>
-              <a:defRPr sz="1600" b="1"/>
-            </a:lvl5pPr>
-            <a:lvl6pPr marL="2286000" indent="0">
-              <a:buNone/>
-              <a:defRPr sz="1600" b="1"/>
-            </a:lvl6pPr>
-            <a:lvl7pPr marL="2743200" indent="0">
-              <a:buNone/>
-              <a:defRPr sz="1600" b="1"/>
-            </a:lvl7pPr>
-            <a:lvl8pPr marL="3200400" indent="0">
-              <a:buNone/>
-              <a:defRPr sz="1600" b="1"/>
-            </a:lvl8pPr>
-            <a:lvl9pPr marL="3657600" indent="0">
-              <a:buNone/>
-              <a:defRPr sz="1600" b="1"/>
-            </a:lvl9pPr>
-          </a:lstStyle>
-          <a:p>
-            <a:pPr lvl="0"/>
-            <a:r>
-              <a:rPr lang="en-US"/>
-              <a:t>Click to edit Master text styles</a:t>
-            </a:r>
-          </a:p>
-        </p:txBody>
-      </p:sp>
-      <p:sp>
-        <p:nvSpPr>
-          <p:cNvPr id="6" name="Content Placeholder 5"/>
-          <p:cNvSpPr>
-            <a:spLocks noGrp="1"/>
-          </p:cNvSpPr>
-          <p:nvPr>
-            <p:ph sz="quarter" idx="4"/>
-          </p:nvPr>
-        </p:nvSpPr>
-        <p:spPr>
-          <a:xfrm>
-            <a:off x="4645025" y="2174875"/>
-            <a:ext cx="4041775" cy="3951288"/>
-          </a:xfrm>
-        </p:spPr>
-        <p:txBody>
-          <a:bodyPr/>
-          <a:lstStyle>
-            <a:lvl1pPr>
-              <a:defRPr sz="2400"/>
-            </a:lvl1pPr>
-            <a:lvl2pPr>
-              <a:defRPr sz="2000"/>
-            </a:lvl2pPr>
-            <a:lvl3pPr>
-              <a:defRPr sz="1800"/>
-            </a:lvl3pPr>
-            <a:lvl4pPr>
-              <a:defRPr sz="1600"/>
-            </a:lvl4pPr>
-            <a:lvl5pPr>
-              <a:defRPr sz="1600"/>
-            </a:lvl5pPr>
-            <a:lvl6pPr>
-              <a:defRPr sz="1600"/>
-            </a:lvl6pPr>
-            <a:lvl7pPr>
-              <a:defRPr sz="1600"/>
-            </a:lvl7pPr>
-            <a:lvl8pPr>
-              <a:defRPr sz="1600"/>
-            </a:lvl8pPr>
-            <a:lvl9pPr>
-              <a:defRPr sz="1600"/>
-            </a:lvl9pPr>
-          </a:lstStyle>
-          <a:p>
-            <a:pPr lvl="0"/>
-            <a:r>
-              <a:rPr lang="en-US"/>
-              <a:t>Click to edit Master text styles</a:t>
-            </a:r>
-          </a:p>
-          <a:p>
-            <a:pPr lvl="1"/>
-            <a:r>
-              <a:rPr lang="en-US"/>
-              <a:t>Second level</a:t>
-            </a:r>
-          </a:p>
-          <a:p>
-            <a:pPr lvl="2"/>
-            <a:r>
-              <a:rPr lang="en-US"/>
-              <a:t>Third level</a:t>
-            </a:r>
-          </a:p>
-          <a:p>
-            <a:pPr lvl="3"/>
-            <a:r>
-              <a:rPr lang="en-US"/>
-              <a:t>Fourth level</a:t>
-            </a:r>
-          </a:p>
-          <a:p>
-            <a:pPr lvl="4"/>
-            <a:r>
-              <a:rPr lang="en-US"/>
-              <a:t>Fifth level</a:t>
-            </a:r>
-          </a:p>
-        </p:txBody>
-      </p:sp>
-      <p:sp>
-        <p:nvSpPr>
-          <p:cNvPr id="7" name="Date Placeholder 6"/>
-          <p:cNvSpPr>
-            <a:spLocks noGrp="1"/>
-          </p:cNvSpPr>
-          <p:nvPr>
-            <p:ph type="dt" sz="half" idx="10"/>
-          </p:nvPr>
-        </p:nvSpPr>
-        <p:spPr/>
-        <p:txBody>
-          <a:bodyPr/>
-          <a:lstStyle/>
-          <a:p>
-            <a:fld id="{5BCAD085-E8A6-8845-BD4E-CB4CCA059FC4}" type="datetimeFigureOut">
-              <a:rPr lang="en-US" smtClean="0"/>
-              <a:t>5/2/2025</a:t>
-            </a:fld>
-            <a:endParaRPr lang="en-US"/>
-          </a:p>
-        </p:txBody>
-      </p:sp>
-      <p:sp>
-        <p:nvSpPr>
-          <p:cNvPr id="8" name="Footer Placeholder 7"/>
-          <p:cNvSpPr>
-            <a:spLocks noGrp="1"/>
-          </p:cNvSpPr>
-          <p:nvPr>
-            <p:ph type="ftr" sz="quarter" idx="11"/>
-          </p:nvPr>
-        </p:nvSpPr>
-        <p:spPr/>
-        <p:txBody>
-          <a:bodyPr/>
-          <a:lstStyle/>
-          <a:p>
-            <a:endParaRPr lang="en-US"/>
-          </a:p>
-        </p:txBody>
-      </p:sp>
-      <p:sp>
-        <p:nvSpPr>
-          <p:cNvPr id="9" name="Slide Number Placeholder 8"/>
-          <p:cNvSpPr>
-            <a:spLocks noGrp="1"/>
-          </p:cNvSpPr>
-          <p:nvPr>
-            <p:ph type="sldNum" sz="quarter" idx="12"/>
-          </p:nvPr>
-        </p:nvSpPr>
-        <p:spPr/>
-        <p:txBody>
-          <a:bodyPr/>
-          <a:lstStyle/>
-          <a:p>
-            <a:fld id="{C1FF6DA9-008F-8B48-92A6-B652298478BF}" type="slidenum">
-              <a:rPr lang="en-US" smtClean="0"/>
-              <a:t>‹#›</a:t>
-            </a:fld>
-            <a:endParaRPr lang="en-US"/>
-          </a:p>
-        </p:txBody>
-      </p:sp>
-    </p:spTree>
-    <p:extLst>
-      <p:ext uri="{BB962C8B-B14F-4D97-AF65-F5344CB8AC3E}">
-        <p14:creationId xmlns:p14="http://schemas.microsoft.com/office/powerpoint/2010/main" val="990158736"/>
-      </p:ext>
-    </p:extLst>
-  </p:cSld>
-  <p:clrMapOvr>
-    <a:masterClrMapping/>
-  </p:clrMapOvr>
-</p:sldLayout>
-</file>
-
-<file path=ppt/slideLayouts/slideLayout6.xml><?xml version="1.0" encoding="utf-8"?>
-<p:sldLayout xmlns:a="http://schemas.openxmlformats.org/drawingml/2006/main" xmlns:r="http://schemas.openxmlformats.org/officeDocument/2006/relationships" xmlns:p="http://schemas.openxmlformats.org/presentationml/2006/main" type="titleOnly" preserve="1">
-  <p:cSld name="Title Only">
-    <p:spTree>
-      <p:nvGrpSpPr>
-        <p:cNvPr id="1" name=""/>
-        <p:cNvGrpSpPr/>
-        <p:nvPr/>
-      </p:nvGrpSpPr>
-      <p:grpSpPr>
-        <a:xfrm>
-          <a:off x="0" y="0"/>
-          <a:ext cx="0" cy="0"/>
-          <a:chOff x="0" y="0"/>
-          <a:chExt cx="0" cy="0"/>
-        </a:xfrm>
-      </p:grpSpPr>
-      <p:sp>
-        <p:nvSpPr>
-          <p:cNvPr id="2" name="Title 1"/>
-          <p:cNvSpPr>
-            <a:spLocks noGrp="1"/>
-          </p:cNvSpPr>
-          <p:nvPr>
-            <p:ph type="title"/>
-          </p:nvPr>
-        </p:nvSpPr>
-        <p:spPr/>
-        <p:txBody>
-          <a:bodyPr/>
-          <a:lstStyle/>
-          <a:p>
-            <a:r>
-              <a:rPr lang="en-US"/>
-              <a:t>Click to edit Master title style</a:t>
-            </a:r>
-          </a:p>
-        </p:txBody>
-      </p:sp>
-      <p:sp>
-        <p:nvSpPr>
-          <p:cNvPr id="3" name="Date Placeholder 2"/>
-          <p:cNvSpPr>
-            <a:spLocks noGrp="1"/>
-          </p:cNvSpPr>
-          <p:nvPr>
-            <p:ph type="dt" sz="half" idx="10"/>
-          </p:nvPr>
-        </p:nvSpPr>
-        <p:spPr/>
-        <p:txBody>
-          <a:bodyPr/>
-          <a:lstStyle/>
-          <a:p>
-            <a:fld id="{5BCAD085-E8A6-8845-BD4E-CB4CCA059FC4}" type="datetimeFigureOut">
-              <a:rPr lang="en-US" smtClean="0"/>
-              <a:t>5/2/2025</a:t>
-            </a:fld>
-            <a:endParaRPr lang="en-US"/>
-          </a:p>
-        </p:txBody>
-      </p:sp>
-      <p:sp>
-        <p:nvSpPr>
-          <p:cNvPr id="4" name="Footer Placeholder 3"/>
-          <p:cNvSpPr>
-            <a:spLocks noGrp="1"/>
-          </p:cNvSpPr>
-          <p:nvPr>
-            <p:ph type="ftr" sz="quarter" idx="11"/>
-          </p:nvPr>
-        </p:nvSpPr>
-        <p:spPr/>
-        <p:txBody>
-          <a:bodyPr/>
-          <a:lstStyle/>
-          <a:p>
-            <a:endParaRPr lang="en-US"/>
-          </a:p>
-        </p:txBody>
-      </p:sp>
-      <p:sp>
-        <p:nvSpPr>
-          <p:cNvPr id="5" name="Slide Number Placeholder 4"/>
-          <p:cNvSpPr>
-            <a:spLocks noGrp="1"/>
-          </p:cNvSpPr>
-          <p:nvPr>
-            <p:ph type="sldNum" sz="quarter" idx="12"/>
-          </p:nvPr>
-        </p:nvSpPr>
-        <p:spPr/>
-        <p:txBody>
-          <a:bodyPr/>
-          <a:lstStyle/>
-          <a:p>
-            <a:fld id="{C1FF6DA9-008F-8B48-92A6-B652298478BF}" type="slidenum">
-              <a:rPr lang="en-US" smtClean="0"/>
-              <a:t>‹#›</a:t>
-            </a:fld>
-            <a:endParaRPr lang="en-US"/>
-          </a:p>
-        </p:txBody>
-      </p:sp>
-    </p:spTree>
-    <p:extLst>
-      <p:ext uri="{BB962C8B-B14F-4D97-AF65-F5344CB8AC3E}">
-        <p14:creationId xmlns:p14="http://schemas.microsoft.com/office/powerpoint/2010/main" val="727027711"/>
-      </p:ext>
-    </p:extLst>
-  </p:cSld>
-  <p:clrMapOvr>
-    <a:masterClrMapping/>
-  </p:clrMapOvr>
-</p:sldLayout>
-</file>
-
-<file path=ppt/slideLayouts/slideLayout7.xml><?xml version="1.0" encoding="utf-8"?>
-<p:sldLayout xmlns:a="http://schemas.openxmlformats.org/drawingml/2006/main" xmlns:r="http://schemas.openxmlformats.org/officeDocument/2006/relationships" xmlns:p="http://schemas.openxmlformats.org/presentationml/2006/main" type="blank" preserve="1">
-  <p:cSld name="Blank">
-    <p:spTree>
-      <p:nvGrpSpPr>
-        <p:cNvPr id="1" name=""/>
-        <p:cNvGrpSpPr/>
-        <p:nvPr/>
-      </p:nvGrpSpPr>
-      <p:grpSpPr>
-        <a:xfrm>
-          <a:off x="0" y="0"/>
-          <a:ext cx="0" cy="0"/>
-          <a:chOff x="0" y="0"/>
-          <a:chExt cx="0" cy="0"/>
-        </a:xfrm>
-      </p:grpSpPr>
-      <p:sp>
-        <p:nvSpPr>
-          <p:cNvPr id="2" name="Date Placeholder 1"/>
-          <p:cNvSpPr>
-            <a:spLocks noGrp="1"/>
-          </p:cNvSpPr>
-          <p:nvPr>
-            <p:ph type="dt" sz="half" idx="10"/>
-          </p:nvPr>
-        </p:nvSpPr>
-        <p:spPr/>
-        <p:txBody>
-          <a:bodyPr/>
-          <a:lstStyle/>
-          <a:p>
-            <a:fld id="{5BCAD085-E8A6-8845-BD4E-CB4CCA059FC4}" type="datetimeFigureOut">
-              <a:rPr lang="en-US" smtClean="0"/>
-              <a:t>5/2/2025</a:t>
-            </a:fld>
-            <a:endParaRPr lang="en-US"/>
-          </a:p>
-        </p:txBody>
-      </p:sp>
-      <p:sp>
-        <p:nvSpPr>
-          <p:cNvPr id="3" name="Footer Placeholder 2"/>
-          <p:cNvSpPr>
-            <a:spLocks noGrp="1"/>
-          </p:cNvSpPr>
-          <p:nvPr>
-            <p:ph type="ftr" sz="quarter" idx="11"/>
-          </p:nvPr>
-        </p:nvSpPr>
-        <p:spPr/>
-        <p:txBody>
-          <a:bodyPr/>
-          <a:lstStyle/>
-          <a:p>
-            <a:endParaRPr lang="en-US"/>
-          </a:p>
-        </p:txBody>
-      </p:sp>
-      <p:sp>
-        <p:nvSpPr>
-          <p:cNvPr id="4" name="Slide Number Placeholder 3"/>
-          <p:cNvSpPr>
-            <a:spLocks noGrp="1"/>
-          </p:cNvSpPr>
-          <p:nvPr>
-            <p:ph type="sldNum" sz="quarter" idx="12"/>
-          </p:nvPr>
-        </p:nvSpPr>
-        <p:spPr/>
-        <p:txBody>
-          <a:bodyPr/>
-          <a:lstStyle/>
-          <a:p>
-            <a:fld id="{C1FF6DA9-008F-8B48-92A6-B652298478BF}" type="slidenum">
-              <a:rPr lang="en-US" smtClean="0"/>
-              <a:t>‹#›</a:t>
-            </a:fld>
-            <a:endParaRPr lang="en-US"/>
-          </a:p>
-        </p:txBody>
-      </p:sp>
-    </p:spTree>
-    <p:extLst>
-      <p:ext uri="{BB962C8B-B14F-4D97-AF65-F5344CB8AC3E}">
-        <p14:creationId xmlns:p14="http://schemas.microsoft.com/office/powerpoint/2010/main" val="1212999818"/>
-      </p:ext>
-    </p:extLst>
-  </p:cSld>
-  <p:clrMapOvr>
-    <a:masterClrMapping/>
-  </p:clrMapOvr>
-</p:sldLayout>
-</file>
-
-<file path=ppt/slideLayouts/slideLayout8.xml><?xml version="1.0" encoding="utf-8"?>
-<p:sldLayout xmlns:a="http://schemas.openxmlformats.org/drawingml/2006/main" xmlns:r="http://schemas.openxmlformats.org/officeDocument/2006/relationships" xmlns:p="http://schemas.openxmlformats.org/presentationml/2006/main" type="objTx" preserve="1">
-  <p:cSld name="Content with Caption">
-    <p:spTree>
-      <p:nvGrpSpPr>
-        <p:cNvPr id="1" name=""/>
-        <p:cNvGrpSpPr/>
-        <p:nvPr/>
-      </p:nvGrpSpPr>
-      <p:grpSpPr>
-        <a:xfrm>
-          <a:off x="0" y="0"/>
-          <a:ext cx="0" cy="0"/>
-          <a:chOff x="0" y="0"/>
-          <a:chExt cx="0" cy="0"/>
-        </a:xfrm>
-      </p:grpSpPr>
-      <p:sp>
-        <p:nvSpPr>
-          <p:cNvPr id="2" name="Title 1"/>
-          <p:cNvSpPr>
-            <a:spLocks noGrp="1"/>
-          </p:cNvSpPr>
-          <p:nvPr>
-            <p:ph type="title"/>
-          </p:nvPr>
-        </p:nvSpPr>
-        <p:spPr>
-          <a:xfrm>
-            <a:off x="457200" y="273050"/>
-            <a:ext cx="3008313" cy="1162050"/>
-          </a:xfrm>
-        </p:spPr>
-        <p:txBody>
-          <a:bodyPr anchor="b"/>
-          <a:lstStyle>
-            <a:lvl1pPr algn="l">
-              <a:defRPr sz="2000" b="1"/>
-            </a:lvl1pPr>
-          </a:lstStyle>
-          <a:p>
-            <a:r>
-              <a:rPr lang="en-US"/>
-              <a:t>Click to edit Master title style</a:t>
-            </a:r>
-          </a:p>
-        </p:txBody>
-      </p:sp>
-      <p:sp>
-        <p:nvSpPr>
-          <p:cNvPr id="3" name="Content Placeholder 2"/>
-          <p:cNvSpPr>
-            <a:spLocks noGrp="1"/>
-          </p:cNvSpPr>
-          <p:nvPr>
-            <p:ph idx="1"/>
-          </p:nvPr>
-        </p:nvSpPr>
-        <p:spPr>
-          <a:xfrm>
-            <a:off x="3575050" y="273050"/>
-            <a:ext cx="5111750" cy="5853113"/>
-          </a:xfrm>
-        </p:spPr>
-        <p:txBody>
-          <a:bodyPr/>
-          <a:lstStyle>
-            <a:lvl1pPr>
-              <a:defRPr sz="3200"/>
-            </a:lvl1pPr>
-            <a:lvl2pPr>
-              <a:defRPr sz="2800"/>
-            </a:lvl2pPr>
-            <a:lvl3pPr>
-              <a:defRPr sz="2400"/>
-            </a:lvl3pPr>
-            <a:lvl4pPr>
-              <a:defRPr sz="2000"/>
-            </a:lvl4pPr>
-            <a:lvl5pPr>
-              <a:defRPr sz="2000"/>
-            </a:lvl5pPr>
-            <a:lvl6pPr>
-              <a:defRPr sz="2000"/>
-            </a:lvl6pPr>
-            <a:lvl7pPr>
-              <a:defRPr sz="2000"/>
-            </a:lvl7pPr>
-            <a:lvl8pPr>
-              <a:defRPr sz="2000"/>
-            </a:lvl8pPr>
-            <a:lvl9pPr>
-              <a:defRPr sz="2000"/>
-            </a:lvl9pPr>
-          </a:lstStyle>
-          <a:p>
-            <a:pPr lvl="0"/>
-            <a:r>
-              <a:rPr lang="en-US"/>
-              <a:t>Click to edit Master text styles</a:t>
-            </a:r>
-          </a:p>
-          <a:p>
-            <a:pPr lvl="1"/>
-            <a:r>
-              <a:rPr lang="en-US"/>
-              <a:t>Second level</a:t>
-            </a:r>
-          </a:p>
-          <a:p>
-            <a:pPr lvl="2"/>
-            <a:r>
-              <a:rPr lang="en-US"/>
-              <a:t>Third level</a:t>
-            </a:r>
-          </a:p>
-          <a:p>
-            <a:pPr lvl="3"/>
-            <a:r>
-              <a:rPr lang="en-US"/>
-              <a:t>Fourth level</a:t>
-            </a:r>
-          </a:p>
-          <a:p>
-            <a:pPr lvl="4"/>
-            <a:r>
-              <a:rPr lang="en-US"/>
-              <a:t>Fifth level</a:t>
-            </a:r>
-          </a:p>
-        </p:txBody>
-      </p:sp>
-      <p:sp>
-        <p:nvSpPr>
-          <p:cNvPr id="4" name="Text Placeholder 3"/>
-          <p:cNvSpPr>
-            <a:spLocks noGrp="1"/>
-          </p:cNvSpPr>
-          <p:nvPr>
-            <p:ph type="body" sz="half" idx="2"/>
-          </p:nvPr>
-        </p:nvSpPr>
-        <p:spPr>
-          <a:xfrm>
-            <a:off x="457200" y="1435100"/>
-            <a:ext cx="3008313" cy="4691063"/>
-          </a:xfrm>
-        </p:spPr>
-        <p:txBody>
-          <a:bodyPr/>
-          <a:lstStyle>
-            <a:lvl1pPr marL="0" indent="0">
-              <a:buNone/>
-              <a:defRPr sz="1400"/>
-            </a:lvl1pPr>
-            <a:lvl2pPr marL="457200" indent="0">
-              <a:buNone/>
-              <a:defRPr sz="1200"/>
-            </a:lvl2pPr>
-            <a:lvl3pPr marL="914400" indent="0">
-              <a:buNone/>
-              <a:defRPr sz="1000"/>
-            </a:lvl3pPr>
-            <a:lvl4pPr marL="1371600" indent="0">
-              <a:buNone/>
-              <a:defRPr sz="900"/>
-            </a:lvl4pPr>
-            <a:lvl5pPr marL="1828800" indent="0">
-              <a:buNone/>
-              <a:defRPr sz="900"/>
-            </a:lvl5pPr>
-            <a:lvl6pPr marL="2286000" indent="0">
-              <a:buNone/>
-              <a:defRPr sz="900"/>
-            </a:lvl6pPr>
-            <a:lvl7pPr marL="2743200" indent="0">
-              <a:buNone/>
-              <a:defRPr sz="900"/>
-            </a:lvl7pPr>
-            <a:lvl8pPr marL="3200400" indent="0">
-              <a:buNone/>
-              <a:defRPr sz="900"/>
-            </a:lvl8pPr>
-            <a:lvl9pPr marL="3657600" indent="0">
-              <a:buNone/>
-              <a:defRPr sz="900"/>
-            </a:lvl9pPr>
-          </a:lstStyle>
-          <a:p>
-            <a:pPr lvl="0"/>
-            <a:r>
-              <a:rPr lang="en-US"/>
-              <a:t>Click to edit Master text styles</a:t>
-            </a:r>
-          </a:p>
-        </p:txBody>
-      </p:sp>
-      <p:sp>
-        <p:nvSpPr>
-          <p:cNvPr id="5" name="Date Placeholder 4"/>
-          <p:cNvSpPr>
-            <a:spLocks noGrp="1"/>
-          </p:cNvSpPr>
-          <p:nvPr>
-            <p:ph type="dt" sz="half" idx="10"/>
-          </p:nvPr>
-        </p:nvSpPr>
-        <p:spPr/>
-        <p:txBody>
-          <a:bodyPr/>
-          <a:lstStyle/>
-          <a:p>
-            <a:fld id="{5BCAD085-E8A6-8845-BD4E-CB4CCA059FC4}" type="datetimeFigureOut">
-              <a:rPr lang="en-US" smtClean="0"/>
-              <a:t>5/2/2025</a:t>
-            </a:fld>
-            <a:endParaRPr lang="en-US"/>
-          </a:p>
-        </p:txBody>
-      </p:sp>
-      <p:sp>
-        <p:nvSpPr>
-          <p:cNvPr id="6" name="Footer Placeholder 5"/>
-          <p:cNvSpPr>
-            <a:spLocks noGrp="1"/>
-          </p:cNvSpPr>
-          <p:nvPr>
-            <p:ph type="ftr" sz="quarter" idx="11"/>
-          </p:nvPr>
-        </p:nvSpPr>
-        <p:spPr/>
-        <p:txBody>
-          <a:bodyPr/>
-          <a:lstStyle/>
-          <a:p>
-            <a:endParaRPr lang="en-US"/>
-          </a:p>
-        </p:txBody>
-      </p:sp>
-      <p:sp>
-        <p:nvSpPr>
-          <p:cNvPr id="7" name="Slide Number Placeholder 6"/>
-          <p:cNvSpPr>
-            <a:spLocks noGrp="1"/>
-          </p:cNvSpPr>
-          <p:nvPr>
-            <p:ph type="sldNum" sz="quarter" idx="12"/>
-          </p:nvPr>
-        </p:nvSpPr>
-        <p:spPr/>
-        <p:txBody>
-          <a:bodyPr/>
-          <a:lstStyle/>
-          <a:p>
-            <a:fld id="{C1FF6DA9-008F-8B48-92A6-B652298478BF}" type="slidenum">
-              <a:rPr lang="en-US" smtClean="0"/>
-              <a:t>‹#›</a:t>
-            </a:fld>
-            <a:endParaRPr lang="en-US"/>
-          </a:p>
-        </p:txBody>
-      </p:sp>
-    </p:spTree>
-    <p:extLst>
-      <p:ext uri="{BB962C8B-B14F-4D97-AF65-F5344CB8AC3E}">
-        <p14:creationId xmlns:p14="http://schemas.microsoft.com/office/powerpoint/2010/main" val="1840726560"/>
+        <p14:creationId xmlns:p14="http://schemas.microsoft.com/office/powerpoint/2010/main" val="2027651376"/>
       </p:ext>
     </p:extLst>
   </p:cSld>
@@ -10763,7 +10942,13 @@
       </p:grpSpPr>
       <p:sp>
         <p:nvSpPr>
-          <p:cNvPr id="2" name="Title 1"/>
+          <p:cNvPr id="2" name="Title 1">
+            <a:extLst>
+              <a:ext uri="{FF2B5EF4-FFF2-40B4-BE49-F238E27FC236}">
+                <a16:creationId xmlns:a16="http://schemas.microsoft.com/office/drawing/2014/main" id="{2D674D9A-56CC-3E58-AA8F-7A9CF8A8FE8D}"/>
+              </a:ext>
+            </a:extLst>
+          </p:cNvPr>
           <p:cNvSpPr>
             <a:spLocks noGrp="1"/>
           </p:cNvSpPr>
@@ -10773,15 +10958,15 @@
         </p:nvSpPr>
         <p:spPr>
           <a:xfrm>
-            <a:off x="1792288" y="4800600"/>
-            <a:ext cx="5486400" cy="566738"/>
+            <a:off x="629841" y="457200"/>
+            <a:ext cx="2949178" cy="1600200"/>
           </a:xfrm>
         </p:spPr>
         <p:txBody>
           <a:bodyPr anchor="b"/>
           <a:lstStyle>
-            <a:lvl1pPr algn="l">
-              <a:defRPr sz="2000" b="1"/>
+            <a:lvl1pPr>
+              <a:defRPr sz="2400"/>
             </a:lvl1pPr>
           </a:lstStyle>
           <a:p>
@@ -10794,7 +10979,13 @@
       </p:sp>
       <p:sp>
         <p:nvSpPr>
-          <p:cNvPr id="3" name="Picture Placeholder 2"/>
+          <p:cNvPr id="3" name="Picture Placeholder 2">
+            <a:extLst>
+              <a:ext uri="{FF2B5EF4-FFF2-40B4-BE49-F238E27FC236}">
+                <a16:creationId xmlns:a16="http://schemas.microsoft.com/office/drawing/2014/main" id="{B4B6FAAE-31B8-5A24-66F5-7CCD92970972}"/>
+              </a:ext>
+            </a:extLst>
+          </p:cNvPr>
           <p:cNvSpPr>
             <a:spLocks noGrp="1"/>
           </p:cNvSpPr>
@@ -10804,8 +10995,8 @@
         </p:nvSpPr>
         <p:spPr>
           <a:xfrm>
-            <a:off x="1792288" y="612775"/>
-            <a:ext cx="5486400" cy="4114800"/>
+            <a:off x="3887391" y="987426"/>
+            <a:ext cx="4629150" cy="4873625"/>
           </a:xfrm>
         </p:spPr>
         <p:txBody>
@@ -10813,39 +11004,39 @@
           <a:lstStyle>
             <a:lvl1pPr marL="0" indent="0">
               <a:buNone/>
-              <a:defRPr sz="3200"/>
+              <a:defRPr sz="2400"/>
             </a:lvl1pPr>
-            <a:lvl2pPr marL="457200" indent="0">
+            <a:lvl2pPr marL="342900" indent="0">
               <a:buNone/>
-              <a:defRPr sz="2800"/>
+              <a:defRPr sz="2100"/>
             </a:lvl2pPr>
-            <a:lvl3pPr marL="914400" indent="0">
+            <a:lvl3pPr marL="685800" indent="0">
               <a:buNone/>
-              <a:defRPr sz="2400"/>
+              <a:defRPr sz="1800"/>
             </a:lvl3pPr>
-            <a:lvl4pPr marL="1371600" indent="0">
+            <a:lvl4pPr marL="1028700" indent="0">
               <a:buNone/>
-              <a:defRPr sz="2000"/>
+              <a:defRPr sz="1500"/>
             </a:lvl4pPr>
-            <a:lvl5pPr marL="1828800" indent="0">
+            <a:lvl5pPr marL="1371600" indent="0">
               <a:buNone/>
-              <a:defRPr sz="2000"/>
+              <a:defRPr sz="1500"/>
             </a:lvl5pPr>
-            <a:lvl6pPr marL="2286000" indent="0">
+            <a:lvl6pPr marL="1714500" indent="0">
               <a:buNone/>
-              <a:defRPr sz="2000"/>
+              <a:defRPr sz="1500"/>
             </a:lvl6pPr>
-            <a:lvl7pPr marL="2743200" indent="0">
+            <a:lvl7pPr marL="2057400" indent="0">
               <a:buNone/>
-              <a:defRPr sz="2000"/>
+              <a:defRPr sz="1500"/>
             </a:lvl7pPr>
-            <a:lvl8pPr marL="3200400" indent="0">
+            <a:lvl8pPr marL="2400300" indent="0">
               <a:buNone/>
-              <a:defRPr sz="2000"/>
+              <a:defRPr sz="1500"/>
             </a:lvl8pPr>
-            <a:lvl9pPr marL="3657600" indent="0">
+            <a:lvl9pPr marL="2743200" indent="0">
               <a:buNone/>
-              <a:defRPr sz="2000"/>
+              <a:defRPr sz="1500"/>
             </a:lvl9pPr>
           </a:lstStyle>
           <a:p>
@@ -10855,7 +11046,13 @@
       </p:sp>
       <p:sp>
         <p:nvSpPr>
-          <p:cNvPr id="4" name="Text Placeholder 3"/>
+          <p:cNvPr id="4" name="Text Placeholder 3">
+            <a:extLst>
+              <a:ext uri="{FF2B5EF4-FFF2-40B4-BE49-F238E27FC236}">
+                <a16:creationId xmlns:a16="http://schemas.microsoft.com/office/drawing/2014/main" id="{0E94460B-07E4-DA4D-FBBA-2ACCB800D10A}"/>
+              </a:ext>
+            </a:extLst>
+          </p:cNvPr>
           <p:cNvSpPr>
             <a:spLocks noGrp="1"/>
           </p:cNvSpPr>
@@ -10865,8 +11062,8 @@
         </p:nvSpPr>
         <p:spPr>
           <a:xfrm>
-            <a:off x="1792288" y="5367338"/>
-            <a:ext cx="5486400" cy="804862"/>
+            <a:off x="629841" y="2057400"/>
+            <a:ext cx="2949178" cy="3811588"/>
           </a:xfrm>
         </p:spPr>
         <p:txBody>
@@ -10874,39 +11071,39 @@
           <a:lstStyle>
             <a:lvl1pPr marL="0" indent="0">
               <a:buNone/>
-              <a:defRPr sz="1400"/>
+              <a:defRPr sz="1200"/>
             </a:lvl1pPr>
-            <a:lvl2pPr marL="457200" indent="0">
+            <a:lvl2pPr marL="342900" indent="0">
               <a:buNone/>
-              <a:defRPr sz="1200"/>
+              <a:defRPr sz="1050"/>
             </a:lvl2pPr>
-            <a:lvl3pPr marL="914400" indent="0">
-              <a:buNone/>
-              <a:defRPr sz="1000"/>
-            </a:lvl3pPr>
-            <a:lvl4pPr marL="1371600" indent="0">
+            <a:lvl3pPr marL="685800" indent="0">
               <a:buNone/>
               <a:defRPr sz="900"/>
+            </a:lvl3pPr>
+            <a:lvl4pPr marL="1028700" indent="0">
+              <a:buNone/>
+              <a:defRPr sz="750"/>
             </a:lvl4pPr>
-            <a:lvl5pPr marL="1828800" indent="0">
+            <a:lvl5pPr marL="1371600" indent="0">
               <a:buNone/>
-              <a:defRPr sz="900"/>
+              <a:defRPr sz="750"/>
             </a:lvl5pPr>
-            <a:lvl6pPr marL="2286000" indent="0">
+            <a:lvl6pPr marL="1714500" indent="0">
               <a:buNone/>
-              <a:defRPr sz="900"/>
+              <a:defRPr sz="750"/>
             </a:lvl6pPr>
-            <a:lvl7pPr marL="2743200" indent="0">
+            <a:lvl7pPr marL="2057400" indent="0">
               <a:buNone/>
-              <a:defRPr sz="900"/>
+              <a:defRPr sz="750"/>
             </a:lvl7pPr>
-            <a:lvl8pPr marL="3200400" indent="0">
+            <a:lvl8pPr marL="2400300" indent="0">
               <a:buNone/>
-              <a:defRPr sz="900"/>
+              <a:defRPr sz="750"/>
             </a:lvl8pPr>
-            <a:lvl9pPr marL="3657600" indent="0">
+            <a:lvl9pPr marL="2743200" indent="0">
               <a:buNone/>
-              <a:defRPr sz="900"/>
+              <a:defRPr sz="750"/>
             </a:lvl9pPr>
           </a:lstStyle>
           <a:p>
@@ -10920,7 +11117,13 @@
       </p:sp>
       <p:sp>
         <p:nvSpPr>
-          <p:cNvPr id="5" name="Date Placeholder 4"/>
+          <p:cNvPr id="5" name="Date Placeholder 4">
+            <a:extLst>
+              <a:ext uri="{FF2B5EF4-FFF2-40B4-BE49-F238E27FC236}">
+                <a16:creationId xmlns:a16="http://schemas.microsoft.com/office/drawing/2014/main" id="{AFEF9632-4F0E-6458-E1E0-42203FBBB5B3}"/>
+              </a:ext>
+            </a:extLst>
+          </p:cNvPr>
           <p:cNvSpPr>
             <a:spLocks noGrp="1"/>
           </p:cNvSpPr>
@@ -10943,7 +11146,13 @@
       </p:sp>
       <p:sp>
         <p:nvSpPr>
-          <p:cNvPr id="6" name="Footer Placeholder 5"/>
+          <p:cNvPr id="6" name="Footer Placeholder 5">
+            <a:extLst>
+              <a:ext uri="{FF2B5EF4-FFF2-40B4-BE49-F238E27FC236}">
+                <a16:creationId xmlns:a16="http://schemas.microsoft.com/office/drawing/2014/main" id="{85398691-EE83-55BC-A929-21E692976DC3}"/>
+              </a:ext>
+            </a:extLst>
+          </p:cNvPr>
           <p:cNvSpPr>
             <a:spLocks noGrp="1"/>
           </p:cNvSpPr>
@@ -10962,7 +11171,13 @@
       </p:sp>
       <p:sp>
         <p:nvSpPr>
-          <p:cNvPr id="7" name="Slide Number Placeholder 6"/>
+          <p:cNvPr id="7" name="Slide Number Placeholder 6">
+            <a:extLst>
+              <a:ext uri="{FF2B5EF4-FFF2-40B4-BE49-F238E27FC236}">
+                <a16:creationId xmlns:a16="http://schemas.microsoft.com/office/drawing/2014/main" id="{307B52A5-57AE-6DF5-AE60-7476A07FD1B7}"/>
+              </a:ext>
+            </a:extLst>
+          </p:cNvPr>
           <p:cNvSpPr>
             <a:spLocks noGrp="1"/>
           </p:cNvSpPr>
@@ -10986,7 +11201,7 @@
     </p:spTree>
     <p:extLst>
       <p:ext uri="{BB962C8B-B14F-4D97-AF65-F5344CB8AC3E}">
-        <p14:creationId xmlns:p14="http://schemas.microsoft.com/office/powerpoint/2010/main" val="3889236939"/>
+        <p14:creationId xmlns:p14="http://schemas.microsoft.com/office/powerpoint/2010/main" val="4114608176"/>
       </p:ext>
     </p:extLst>
   </p:cSld>
@@ -11020,7 +11235,13 @@
       </p:grpSpPr>
       <p:sp>
         <p:nvSpPr>
-          <p:cNvPr id="2" name="Title Placeholder 1"/>
+          <p:cNvPr id="2" name="Title Placeholder 1">
+            <a:extLst>
+              <a:ext uri="{FF2B5EF4-FFF2-40B4-BE49-F238E27FC236}">
+                <a16:creationId xmlns:a16="http://schemas.microsoft.com/office/drawing/2014/main" id="{C6D70D97-75A8-9E52-E41D-78F9F81949A1}"/>
+              </a:ext>
+            </a:extLst>
+          </p:cNvPr>
           <p:cNvSpPr>
             <a:spLocks noGrp="1"/>
           </p:cNvSpPr>
@@ -11030,8 +11251,8 @@
         </p:nvSpPr>
         <p:spPr>
           <a:xfrm>
-            <a:off x="457200" y="274638"/>
-            <a:ext cx="8229600" cy="1143000"/>
+            <a:off x="628650" y="365126"/>
+            <a:ext cx="7886700" cy="1325563"/>
           </a:xfrm>
           <a:prstGeom prst="rect">
             <a:avLst/>
@@ -11052,7 +11273,13 @@
       </p:sp>
       <p:sp>
         <p:nvSpPr>
-          <p:cNvPr id="3" name="Text Placeholder 2"/>
+          <p:cNvPr id="3" name="Text Placeholder 2">
+            <a:extLst>
+              <a:ext uri="{FF2B5EF4-FFF2-40B4-BE49-F238E27FC236}">
+                <a16:creationId xmlns:a16="http://schemas.microsoft.com/office/drawing/2014/main" id="{FE7C32D3-4A7D-3F17-0499-64933DB31AF1}"/>
+              </a:ext>
+            </a:extLst>
+          </p:cNvPr>
           <p:cNvSpPr>
             <a:spLocks noGrp="1"/>
           </p:cNvSpPr>
@@ -11062,8 +11289,8 @@
         </p:nvSpPr>
         <p:spPr>
           <a:xfrm>
-            <a:off x="457200" y="1600200"/>
-            <a:ext cx="8229600" cy="4525963"/>
+            <a:off x="628650" y="1825625"/>
+            <a:ext cx="7886700" cy="4351338"/>
           </a:xfrm>
           <a:prstGeom prst="rect">
             <a:avLst/>
@@ -11113,7 +11340,13 @@
       </p:sp>
       <p:sp>
         <p:nvSpPr>
-          <p:cNvPr id="4" name="Date Placeholder 3"/>
+          <p:cNvPr id="4" name="Date Placeholder 3">
+            <a:extLst>
+              <a:ext uri="{FF2B5EF4-FFF2-40B4-BE49-F238E27FC236}">
+                <a16:creationId xmlns:a16="http://schemas.microsoft.com/office/drawing/2014/main" id="{B6C7C832-D2A7-915D-C894-850D2A9BCF82}"/>
+              </a:ext>
+            </a:extLst>
+          </p:cNvPr>
           <p:cNvSpPr>
             <a:spLocks noGrp="1"/>
           </p:cNvSpPr>
@@ -11123,8 +11356,8 @@
         </p:nvSpPr>
         <p:spPr>
           <a:xfrm>
-            <a:off x="457200" y="6356350"/>
-            <a:ext cx="2133600" cy="365125"/>
+            <a:off x="628650" y="6356351"/>
+            <a:ext cx="2057400" cy="365125"/>
           </a:xfrm>
           <a:prstGeom prst="rect">
             <a:avLst/>
@@ -11134,10 +11367,10 @@
           <a:bodyPr vert="horz" lIns="91440" tIns="45720" rIns="91440" bIns="45720" rtlCol="0" anchor="ctr"/>
           <a:lstStyle>
             <a:lvl1pPr algn="l">
-              <a:defRPr sz="1200">
+              <a:defRPr sz="900">
                 <a:solidFill>
                   <a:schemeClr val="tx1">
-                    <a:tint val="75000"/>
+                    <a:tint val="82000"/>
                   </a:schemeClr>
                 </a:solidFill>
               </a:defRPr>
@@ -11154,7 +11387,13 @@
       </p:sp>
       <p:sp>
         <p:nvSpPr>
-          <p:cNvPr id="5" name="Footer Placeholder 4"/>
+          <p:cNvPr id="5" name="Footer Placeholder 4">
+            <a:extLst>
+              <a:ext uri="{FF2B5EF4-FFF2-40B4-BE49-F238E27FC236}">
+                <a16:creationId xmlns:a16="http://schemas.microsoft.com/office/drawing/2014/main" id="{30F67949-0432-ED88-4438-AB1E7BA66C87}"/>
+              </a:ext>
+            </a:extLst>
+          </p:cNvPr>
           <p:cNvSpPr>
             <a:spLocks noGrp="1"/>
           </p:cNvSpPr>
@@ -11164,8 +11403,8 @@
         </p:nvSpPr>
         <p:spPr>
           <a:xfrm>
-            <a:off x="3124200" y="6356350"/>
-            <a:ext cx="2895600" cy="365125"/>
+            <a:off x="3028950" y="6356351"/>
+            <a:ext cx="3086100" cy="365125"/>
           </a:xfrm>
           <a:prstGeom prst="rect">
             <a:avLst/>
@@ -11175,10 +11414,10 @@
           <a:bodyPr vert="horz" lIns="91440" tIns="45720" rIns="91440" bIns="45720" rtlCol="0" anchor="ctr"/>
           <a:lstStyle>
             <a:lvl1pPr algn="ctr">
-              <a:defRPr sz="1200">
+              <a:defRPr sz="900">
                 <a:solidFill>
                   <a:schemeClr val="tx1">
-                    <a:tint val="75000"/>
+                    <a:tint val="82000"/>
                   </a:schemeClr>
                 </a:solidFill>
               </a:defRPr>
@@ -11191,7 +11430,13 @@
       </p:sp>
       <p:sp>
         <p:nvSpPr>
-          <p:cNvPr id="6" name="Slide Number Placeholder 5"/>
+          <p:cNvPr id="6" name="Slide Number Placeholder 5">
+            <a:extLst>
+              <a:ext uri="{FF2B5EF4-FFF2-40B4-BE49-F238E27FC236}">
+                <a16:creationId xmlns:a16="http://schemas.microsoft.com/office/drawing/2014/main" id="{F27FEB21-31CD-92EB-7AE9-5FFCBDF34B1D}"/>
+              </a:ext>
+            </a:extLst>
+          </p:cNvPr>
           <p:cNvSpPr>
             <a:spLocks noGrp="1"/>
           </p:cNvSpPr>
@@ -11201,8 +11446,8 @@
         </p:nvSpPr>
         <p:spPr>
           <a:xfrm>
-            <a:off x="6553200" y="6356350"/>
-            <a:ext cx="2133600" cy="365125"/>
+            <a:off x="6457950" y="6356351"/>
+            <a:ext cx="2057400" cy="365125"/>
           </a:xfrm>
           <a:prstGeom prst="rect">
             <a:avLst/>
@@ -11212,10 +11457,10 @@
           <a:bodyPr vert="horz" lIns="91440" tIns="45720" rIns="91440" bIns="45720" rtlCol="0" anchor="ctr"/>
           <a:lstStyle>
             <a:lvl1pPr algn="r">
-              <a:defRPr sz="1200">
+              <a:defRPr sz="900">
                 <a:solidFill>
                   <a:schemeClr val="tx1">
-                    <a:tint val="75000"/>
+                    <a:tint val="82000"/>
                   </a:schemeClr>
                 </a:solidFill>
               </a:defRPr>
@@ -11233,32 +11478,35 @@
     </p:spTree>
     <p:extLst>
       <p:ext uri="{BB962C8B-B14F-4D97-AF65-F5344CB8AC3E}">
-        <p14:creationId xmlns:p14="http://schemas.microsoft.com/office/powerpoint/2010/main" val="2209977519"/>
+        <p14:creationId xmlns:p14="http://schemas.microsoft.com/office/powerpoint/2010/main" val="1816241391"/>
       </p:ext>
     </p:extLst>
   </p:cSld>
   <p:clrMap bg1="lt1" tx1="dk1" bg2="lt2" tx2="dk2" accent1="accent1" accent2="accent2" accent3="accent3" accent4="accent4" accent5="accent5" accent6="accent6" hlink="hlink" folHlink="folHlink"/>
   <p:sldLayoutIdLst>
-    <p:sldLayoutId id="2147483649" r:id="rId1"/>
-    <p:sldLayoutId id="2147483650" r:id="rId2"/>
-    <p:sldLayoutId id="2147483651" r:id="rId3"/>
-    <p:sldLayoutId id="2147483652" r:id="rId4"/>
-    <p:sldLayoutId id="2147483653" r:id="rId5"/>
-    <p:sldLayoutId id="2147483654" r:id="rId6"/>
-    <p:sldLayoutId id="2147483655" r:id="rId7"/>
-    <p:sldLayoutId id="2147483656" r:id="rId8"/>
-    <p:sldLayoutId id="2147483657" r:id="rId9"/>
-    <p:sldLayoutId id="2147483658" r:id="rId10"/>
-    <p:sldLayoutId id="2147483659" r:id="rId11"/>
+    <p:sldLayoutId id="2147483661" r:id="rId1"/>
+    <p:sldLayoutId id="2147483662" r:id="rId2"/>
+    <p:sldLayoutId id="2147483663" r:id="rId3"/>
+    <p:sldLayoutId id="2147483664" r:id="rId4"/>
+    <p:sldLayoutId id="2147483665" r:id="rId5"/>
+    <p:sldLayoutId id="2147483666" r:id="rId6"/>
+    <p:sldLayoutId id="2147483667" r:id="rId7"/>
+    <p:sldLayoutId id="2147483668" r:id="rId8"/>
+    <p:sldLayoutId id="2147483669" r:id="rId9"/>
+    <p:sldLayoutId id="2147483670" r:id="rId10"/>
+    <p:sldLayoutId id="2147483671" r:id="rId11"/>
   </p:sldLayoutIdLst>
   <p:txStyles>
     <p:titleStyle>
-      <a:lvl1pPr algn="ctr" defTabSz="457200" rtl="0" eaLnBrk="1" latinLnBrk="0" hangingPunct="1">
+      <a:lvl1pPr algn="l" defTabSz="685800" rtl="0" eaLnBrk="1" latinLnBrk="0" hangingPunct="1">
+        <a:lnSpc>
+          <a:spcPct val="90000"/>
+        </a:lnSpc>
         <a:spcBef>
           <a:spcPct val="0"/>
         </a:spcBef>
         <a:buNone/>
-        <a:defRPr sz="4400" kern="1200">
+        <a:defRPr sz="3300" kern="1200">
           <a:solidFill>
             <a:schemeClr val="tx1"/>
           </a:solidFill>
@@ -11269,13 +11517,16 @@
       </a:lvl1pPr>
     </p:titleStyle>
     <p:bodyStyle>
-      <a:lvl1pPr marL="342900" indent="-342900" algn="l" defTabSz="457200" rtl="0" eaLnBrk="1" latinLnBrk="0" hangingPunct="1">
+      <a:lvl1pPr marL="171450" indent="-171450" algn="l" defTabSz="685800" rtl="0" eaLnBrk="1" latinLnBrk="0" hangingPunct="1">
+        <a:lnSpc>
+          <a:spcPct val="90000"/>
+        </a:lnSpc>
         <a:spcBef>
-          <a:spcPct val="20000"/>
+          <a:spcPts val="750"/>
         </a:spcBef>
-        <a:buFont typeface="Arial"/>
+        <a:buFont typeface="Arial" panose="020B0604020202020204" pitchFamily="34" charset="0"/>
         <a:buChar char="•"/>
-        <a:defRPr sz="3200" kern="1200">
+        <a:defRPr sz="2100" kern="1200">
           <a:solidFill>
             <a:schemeClr val="tx1"/>
           </a:solidFill>
@@ -11284,13 +11535,16 @@
           <a:cs typeface="+mn-cs"/>
         </a:defRPr>
       </a:lvl1pPr>
-      <a:lvl2pPr marL="742950" indent="-285750" algn="l" defTabSz="457200" rtl="0" eaLnBrk="1" latinLnBrk="0" hangingPunct="1">
+      <a:lvl2pPr marL="514350" indent="-171450" algn="l" defTabSz="685800" rtl="0" eaLnBrk="1" latinLnBrk="0" hangingPunct="1">
+        <a:lnSpc>
+          <a:spcPct val="90000"/>
+        </a:lnSpc>
         <a:spcBef>
-          <a:spcPct val="20000"/>
+          <a:spcPts val="375"/>
         </a:spcBef>
-        <a:buFont typeface="Arial"/>
-        <a:buChar char="–"/>
-        <a:defRPr sz="2800" kern="1200">
+        <a:buFont typeface="Arial" panose="020B0604020202020204" pitchFamily="34" charset="0"/>
+        <a:buChar char="•"/>
+        <a:defRPr sz="1800" kern="1200">
           <a:solidFill>
             <a:schemeClr val="tx1"/>
           </a:solidFill>
@@ -11299,13 +11553,16 @@
           <a:cs typeface="+mn-cs"/>
         </a:defRPr>
       </a:lvl2pPr>
-      <a:lvl3pPr marL="1143000" indent="-228600" algn="l" defTabSz="457200" rtl="0" eaLnBrk="1" latinLnBrk="0" hangingPunct="1">
+      <a:lvl3pPr marL="857250" indent="-171450" algn="l" defTabSz="685800" rtl="0" eaLnBrk="1" latinLnBrk="0" hangingPunct="1">
+        <a:lnSpc>
+          <a:spcPct val="90000"/>
+        </a:lnSpc>
         <a:spcBef>
-          <a:spcPct val="20000"/>
+          <a:spcPts val="375"/>
         </a:spcBef>
-        <a:buFont typeface="Arial"/>
+        <a:buFont typeface="Arial" panose="020B0604020202020204" pitchFamily="34" charset="0"/>
         <a:buChar char="•"/>
-        <a:defRPr sz="2400" kern="1200">
+        <a:defRPr sz="1500" kern="1200">
           <a:solidFill>
             <a:schemeClr val="tx1"/>
           </a:solidFill>
@@ -11314,13 +11571,16 @@
           <a:cs typeface="+mn-cs"/>
         </a:defRPr>
       </a:lvl3pPr>
-      <a:lvl4pPr marL="1600200" indent="-228600" algn="l" defTabSz="457200" rtl="0" eaLnBrk="1" latinLnBrk="0" hangingPunct="1">
+      <a:lvl4pPr marL="1200150" indent="-171450" algn="l" defTabSz="685800" rtl="0" eaLnBrk="1" latinLnBrk="0" hangingPunct="1">
+        <a:lnSpc>
+          <a:spcPct val="90000"/>
+        </a:lnSpc>
         <a:spcBef>
-          <a:spcPct val="20000"/>
+          <a:spcPts val="375"/>
         </a:spcBef>
-        <a:buFont typeface="Arial"/>
-        <a:buChar char="–"/>
-        <a:defRPr sz="2000" kern="1200">
+        <a:buFont typeface="Arial" panose="020B0604020202020204" pitchFamily="34" charset="0"/>
+        <a:buChar char="•"/>
+        <a:defRPr sz="1350" kern="1200">
           <a:solidFill>
             <a:schemeClr val="tx1"/>
           </a:solidFill>
@@ -11329,13 +11589,16 @@
           <a:cs typeface="+mn-cs"/>
         </a:defRPr>
       </a:lvl4pPr>
-      <a:lvl5pPr marL="2057400" indent="-228600" algn="l" defTabSz="457200" rtl="0" eaLnBrk="1" latinLnBrk="0" hangingPunct="1">
+      <a:lvl5pPr marL="1543050" indent="-171450" algn="l" defTabSz="685800" rtl="0" eaLnBrk="1" latinLnBrk="0" hangingPunct="1">
+        <a:lnSpc>
+          <a:spcPct val="90000"/>
+        </a:lnSpc>
         <a:spcBef>
-          <a:spcPct val="20000"/>
+          <a:spcPts val="375"/>
         </a:spcBef>
-        <a:buFont typeface="Arial"/>
-        <a:buChar char="»"/>
-        <a:defRPr sz="2000" kern="1200">
+        <a:buFont typeface="Arial" panose="020B0604020202020204" pitchFamily="34" charset="0"/>
+        <a:buChar char="•"/>
+        <a:defRPr sz="1350" kern="1200">
           <a:solidFill>
             <a:schemeClr val="tx1"/>
           </a:solidFill>
@@ -11344,13 +11607,16 @@
           <a:cs typeface="+mn-cs"/>
         </a:defRPr>
       </a:lvl5pPr>
-      <a:lvl6pPr marL="2514600" indent="-228600" algn="l" defTabSz="457200" rtl="0" eaLnBrk="1" latinLnBrk="0" hangingPunct="1">
+      <a:lvl6pPr marL="1885950" indent="-171450" algn="l" defTabSz="685800" rtl="0" eaLnBrk="1" latinLnBrk="0" hangingPunct="1">
+        <a:lnSpc>
+          <a:spcPct val="90000"/>
+        </a:lnSpc>
         <a:spcBef>
-          <a:spcPct val="20000"/>
+          <a:spcPts val="375"/>
         </a:spcBef>
-        <a:buFont typeface="Arial"/>
+        <a:buFont typeface="Arial" panose="020B0604020202020204" pitchFamily="34" charset="0"/>
         <a:buChar char="•"/>
-        <a:defRPr sz="2000" kern="1200">
+        <a:defRPr sz="1350" kern="1200">
           <a:solidFill>
             <a:schemeClr val="tx1"/>
           </a:solidFill>
@@ -11359,13 +11625,16 @@
           <a:cs typeface="+mn-cs"/>
         </a:defRPr>
       </a:lvl6pPr>
-      <a:lvl7pPr marL="2971800" indent="-228600" algn="l" defTabSz="457200" rtl="0" eaLnBrk="1" latinLnBrk="0" hangingPunct="1">
+      <a:lvl7pPr marL="2228850" indent="-171450" algn="l" defTabSz="685800" rtl="0" eaLnBrk="1" latinLnBrk="0" hangingPunct="1">
+        <a:lnSpc>
+          <a:spcPct val="90000"/>
+        </a:lnSpc>
         <a:spcBef>
-          <a:spcPct val="20000"/>
+          <a:spcPts val="375"/>
         </a:spcBef>
-        <a:buFont typeface="Arial"/>
+        <a:buFont typeface="Arial" panose="020B0604020202020204" pitchFamily="34" charset="0"/>
         <a:buChar char="•"/>
-        <a:defRPr sz="2000" kern="1200">
+        <a:defRPr sz="1350" kern="1200">
           <a:solidFill>
             <a:schemeClr val="tx1"/>
           </a:solidFill>
@@ -11374,13 +11643,16 @@
           <a:cs typeface="+mn-cs"/>
         </a:defRPr>
       </a:lvl7pPr>
-      <a:lvl8pPr marL="3429000" indent="-228600" algn="l" defTabSz="457200" rtl="0" eaLnBrk="1" latinLnBrk="0" hangingPunct="1">
+      <a:lvl8pPr marL="2571750" indent="-171450" algn="l" defTabSz="685800" rtl="0" eaLnBrk="1" latinLnBrk="0" hangingPunct="1">
+        <a:lnSpc>
+          <a:spcPct val="90000"/>
+        </a:lnSpc>
         <a:spcBef>
-          <a:spcPct val="20000"/>
+          <a:spcPts val="375"/>
         </a:spcBef>
-        <a:buFont typeface="Arial"/>
+        <a:buFont typeface="Arial" panose="020B0604020202020204" pitchFamily="34" charset="0"/>
         <a:buChar char="•"/>
-        <a:defRPr sz="2000" kern="1200">
+        <a:defRPr sz="1350" kern="1200">
           <a:solidFill>
             <a:schemeClr val="tx1"/>
           </a:solidFill>
@@ -11389,13 +11661,16 @@
           <a:cs typeface="+mn-cs"/>
         </a:defRPr>
       </a:lvl8pPr>
-      <a:lvl9pPr marL="3886200" indent="-228600" algn="l" defTabSz="457200" rtl="0" eaLnBrk="1" latinLnBrk="0" hangingPunct="1">
+      <a:lvl9pPr marL="2914650" indent="-171450" algn="l" defTabSz="685800" rtl="0" eaLnBrk="1" latinLnBrk="0" hangingPunct="1">
+        <a:lnSpc>
+          <a:spcPct val="90000"/>
+        </a:lnSpc>
         <a:spcBef>
-          <a:spcPct val="20000"/>
+          <a:spcPts val="375"/>
         </a:spcBef>
-        <a:buFont typeface="Arial"/>
+        <a:buFont typeface="Arial" panose="020B0604020202020204" pitchFamily="34" charset="0"/>
         <a:buChar char="•"/>
-        <a:defRPr sz="2000" kern="1200">
+        <a:defRPr sz="1350" kern="1200">
           <a:solidFill>
             <a:schemeClr val="tx1"/>
           </a:solidFill>
@@ -11409,8 +11684,8 @@
       <a:defPPr>
         <a:defRPr lang="en-US"/>
       </a:defPPr>
-      <a:lvl1pPr marL="0" algn="l" defTabSz="457200" rtl="0" eaLnBrk="1" latinLnBrk="0" hangingPunct="1">
-        <a:defRPr sz="1800" kern="1200">
+      <a:lvl1pPr marL="0" algn="l" defTabSz="685800" rtl="0" eaLnBrk="1" latinLnBrk="0" hangingPunct="1">
+        <a:defRPr sz="1350" kern="1200">
           <a:solidFill>
             <a:schemeClr val="tx1"/>
           </a:solidFill>
@@ -11419,8 +11694,8 @@
           <a:cs typeface="+mn-cs"/>
         </a:defRPr>
       </a:lvl1pPr>
-      <a:lvl2pPr marL="457200" algn="l" defTabSz="457200" rtl="0" eaLnBrk="1" latinLnBrk="0" hangingPunct="1">
-        <a:defRPr sz="1800" kern="1200">
+      <a:lvl2pPr marL="342900" algn="l" defTabSz="685800" rtl="0" eaLnBrk="1" latinLnBrk="0" hangingPunct="1">
+        <a:defRPr sz="1350" kern="1200">
           <a:solidFill>
             <a:schemeClr val="tx1"/>
           </a:solidFill>
@@ -11429,8 +11704,8 @@
           <a:cs typeface="+mn-cs"/>
         </a:defRPr>
       </a:lvl2pPr>
-      <a:lvl3pPr marL="914400" algn="l" defTabSz="457200" rtl="0" eaLnBrk="1" latinLnBrk="0" hangingPunct="1">
-        <a:defRPr sz="1800" kern="1200">
+      <a:lvl3pPr marL="685800" algn="l" defTabSz="685800" rtl="0" eaLnBrk="1" latinLnBrk="0" hangingPunct="1">
+        <a:defRPr sz="1350" kern="1200">
           <a:solidFill>
             <a:schemeClr val="tx1"/>
           </a:solidFill>
@@ -11439,8 +11714,8 @@
           <a:cs typeface="+mn-cs"/>
         </a:defRPr>
       </a:lvl3pPr>
-      <a:lvl4pPr marL="1371600" algn="l" defTabSz="457200" rtl="0" eaLnBrk="1" latinLnBrk="0" hangingPunct="1">
-        <a:defRPr sz="1800" kern="1200">
+      <a:lvl4pPr marL="1028700" algn="l" defTabSz="685800" rtl="0" eaLnBrk="1" latinLnBrk="0" hangingPunct="1">
+        <a:defRPr sz="1350" kern="1200">
           <a:solidFill>
             <a:schemeClr val="tx1"/>
           </a:solidFill>
@@ -11449,8 +11724,8 @@
           <a:cs typeface="+mn-cs"/>
         </a:defRPr>
       </a:lvl4pPr>
-      <a:lvl5pPr marL="1828800" algn="l" defTabSz="457200" rtl="0" eaLnBrk="1" latinLnBrk="0" hangingPunct="1">
-        <a:defRPr sz="1800" kern="1200">
+      <a:lvl5pPr marL="1371600" algn="l" defTabSz="685800" rtl="0" eaLnBrk="1" latinLnBrk="0" hangingPunct="1">
+        <a:defRPr sz="1350" kern="1200">
           <a:solidFill>
             <a:schemeClr val="tx1"/>
           </a:solidFill>
@@ -11459,8 +11734,8 @@
           <a:cs typeface="+mn-cs"/>
         </a:defRPr>
       </a:lvl5pPr>
-      <a:lvl6pPr marL="2286000" algn="l" defTabSz="457200" rtl="0" eaLnBrk="1" latinLnBrk="0" hangingPunct="1">
-        <a:defRPr sz="1800" kern="1200">
+      <a:lvl6pPr marL="1714500" algn="l" defTabSz="685800" rtl="0" eaLnBrk="1" latinLnBrk="0" hangingPunct="1">
+        <a:defRPr sz="1350" kern="1200">
           <a:solidFill>
             <a:schemeClr val="tx1"/>
           </a:solidFill>
@@ -11469,8 +11744,8 @@
           <a:cs typeface="+mn-cs"/>
         </a:defRPr>
       </a:lvl6pPr>
-      <a:lvl7pPr marL="2743200" algn="l" defTabSz="457200" rtl="0" eaLnBrk="1" latinLnBrk="0" hangingPunct="1">
-        <a:defRPr sz="1800" kern="1200">
+      <a:lvl7pPr marL="2057400" algn="l" defTabSz="685800" rtl="0" eaLnBrk="1" latinLnBrk="0" hangingPunct="1">
+        <a:defRPr sz="1350" kern="1200">
           <a:solidFill>
             <a:schemeClr val="tx1"/>
           </a:solidFill>
@@ -11479,8 +11754,8 @@
           <a:cs typeface="+mn-cs"/>
         </a:defRPr>
       </a:lvl7pPr>
-      <a:lvl8pPr marL="3200400" algn="l" defTabSz="457200" rtl="0" eaLnBrk="1" latinLnBrk="0" hangingPunct="1">
-        <a:defRPr sz="1800" kern="1200">
+      <a:lvl8pPr marL="2400300" algn="l" defTabSz="685800" rtl="0" eaLnBrk="1" latinLnBrk="0" hangingPunct="1">
+        <a:defRPr sz="1350" kern="1200">
           <a:solidFill>
             <a:schemeClr val="tx1"/>
           </a:solidFill>
@@ -11489,8 +11764,8 @@
           <a:cs typeface="+mn-cs"/>
         </a:defRPr>
       </a:lvl8pPr>
-      <a:lvl9pPr marL="3657600" algn="l" defTabSz="457200" rtl="0" eaLnBrk="1" latinLnBrk="0" hangingPunct="1">
-        <a:defRPr sz="1800" kern="1200">
+      <a:lvl9pPr marL="2743200" algn="l" defTabSz="685800" rtl="0" eaLnBrk="1" latinLnBrk="0" hangingPunct="1">
+        <a:defRPr sz="1350" kern="1200">
           <a:solidFill>
             <a:schemeClr val="tx1"/>
           </a:solidFill>
@@ -11510,7 +11785,10 @@
     <p:bg>
       <p:bgPr>
         <a:solidFill>
-          <a:schemeClr val="bg1"/>
+          <a:schemeClr val="bg1">
+            <a:tint val="95000"/>
+            <a:satMod val="170000"/>
+          </a:schemeClr>
         </a:solidFill>
         <a:effectLst/>
       </p:bgPr>
@@ -11534,7 +11812,7 @@
           <p:cNvPr id="9" name="Rectangle 8">
             <a:extLst>
               <a:ext uri="{FF2B5EF4-FFF2-40B4-BE49-F238E27FC236}">
-                <a16:creationId xmlns:a16="http://schemas.microsoft.com/office/drawing/2014/main" id="{21739CA5-F0F5-48E1-8E8C-F24B71827E46}"/>
+                <a16:creationId xmlns:a16="http://schemas.microsoft.com/office/drawing/2014/main" id="{1E214AA7-F028-4A0D-8698-61AEC754D1BC}"/>
               </a:ext>
               <a:ext uri="{C183D7F6-B498-43B3-948B-1728B52AA6E4}">
                 <adec:decorative xmlns:adec="http://schemas.microsoft.com/office/drawing/2017/decorative" val="1"/>
@@ -11554,14 +11832,14 @@
         </p:nvSpPr>
         <p:spPr>
           <a:xfrm>
-            <a:off x="0" y="-3324"/>
-            <a:ext cx="9144000" cy="6861324"/>
+            <a:off x="0" y="1"/>
+            <a:ext cx="9144000" cy="1598340"/>
           </a:xfrm>
           <a:prstGeom prst="rect">
             <a:avLst/>
           </a:prstGeom>
           <a:solidFill>
-            <a:srgbClr val="C8CACA"/>
+            <a:srgbClr val="595959"/>
           </a:solidFill>
           <a:ln>
             <a:noFill/>
@@ -11587,145 +11865,37 @@
           <a:bodyPr rtlCol="0" anchor="ctr"/>
           <a:lstStyle/>
           <a:p>
-            <a:pPr algn="ctr"/>
-            <a:endParaRPr lang="en-US"/>
-          </a:p>
-        </p:txBody>
-      </p:sp>
-      <p:sp>
-        <p:nvSpPr>
-          <p:cNvPr id="11" name="Rounded Rectangle 3">
-            <a:extLst>
-              <a:ext uri="{FF2B5EF4-FFF2-40B4-BE49-F238E27FC236}">
-                <a16:creationId xmlns:a16="http://schemas.microsoft.com/office/drawing/2014/main" id="{3EAD2937-F230-41D4-B9C5-975B129BFC20}"/>
-              </a:ext>
-              <a:ext uri="{C183D7F6-B498-43B3-948B-1728B52AA6E4}">
-                <adec:decorative xmlns:adec="http://schemas.microsoft.com/office/drawing/2017/decorative" val="1"/>
-              </a:ext>
-            </a:extLst>
-          </p:cNvPr>
-          <p:cNvSpPr>
-            <a:spLocks noGrp="1" noRot="1" noChangeAspect="1" noMove="1" noResize="1" noEditPoints="1" noAdjustHandles="1" noChangeArrowheads="1" noChangeShapeType="1" noTextEdit="1"/>
-          </p:cNvSpPr>
-          <p:nvPr>
-            <p:extLst>
-              <p:ext uri="{386F3935-93C4-4BCD-93E2-E3B085C9AB24}">
-                <p16:designElem xmlns:p16="http://schemas.microsoft.com/office/powerpoint/2015/main" val="1"/>
-              </p:ext>
-            </p:extLst>
-          </p:nvPr>
-        </p:nvSpPr>
-        <p:spPr>
-          <a:xfrm>
-            <a:off x="485058" y="640080"/>
-            <a:ext cx="8190312" cy="5577818"/>
-          </a:xfrm>
-          <a:prstGeom prst="roundRect">
-            <a:avLst>
-              <a:gd name="adj" fmla="val 0"/>
-            </a:avLst>
-          </a:prstGeom>
-          <a:solidFill>
-            <a:srgbClr val="FFFFFF"/>
-          </a:solidFill>
-          <a:ln w="9525">
-            <a:solidFill>
-              <a:srgbClr val="C8CACA"/>
-            </a:solidFill>
-          </a:ln>
-          <a:effectLst>
-            <a:outerShdw blurRad="57150" dist="19050" dir="5400000" algn="t" rotWithShape="0">
-              <a:prstClr val="black">
-                <a:alpha val="63000"/>
-              </a:prstClr>
-            </a:outerShdw>
-          </a:effectLst>
-        </p:spPr>
-        <p:style>
-          <a:lnRef idx="2">
-            <a:schemeClr val="accent1">
-              <a:shade val="50000"/>
-            </a:schemeClr>
-          </a:lnRef>
-          <a:fillRef idx="1">
-            <a:schemeClr val="accent1"/>
-          </a:fillRef>
-          <a:effectRef idx="0">
-            <a:schemeClr val="accent1"/>
-          </a:effectRef>
-          <a:fontRef idx="minor">
-            <a:schemeClr val="lt1"/>
-          </a:fontRef>
-        </p:style>
-        <p:txBody>
-          <a:bodyPr rtlCol="0" anchor="ctr"/>
-          <a:lstStyle/>
-          <a:p>
-            <a:pPr algn="ctr"/>
-            <a:endParaRPr lang="en-US"/>
-          </a:p>
-        </p:txBody>
-      </p:sp>
-      <p:sp>
-        <p:nvSpPr>
-          <p:cNvPr id="16" name="Rectangle 15">
-            <a:extLst>
-              <a:ext uri="{FF2B5EF4-FFF2-40B4-BE49-F238E27FC236}">
-                <a16:creationId xmlns:a16="http://schemas.microsoft.com/office/drawing/2014/main" id="{CCD444A3-C338-4886-B7F1-4BA2AF46EB64}"/>
-              </a:ext>
-              <a:ext uri="{C183D7F6-B498-43B3-948B-1728B52AA6E4}">
-                <adec:decorative xmlns:adec="http://schemas.microsoft.com/office/drawing/2017/decorative" val="1"/>
-              </a:ext>
-            </a:extLst>
-          </p:cNvPr>
-          <p:cNvSpPr>
-            <a:spLocks noGrp="1" noRot="1" noChangeAspect="1" noMove="1" noResize="1" noEditPoints="1" noAdjustHandles="1" noChangeArrowheads="1" noChangeShapeType="1" noTextEdit="1"/>
-          </p:cNvSpPr>
-          <p:nvPr>
-            <p:extLst>
-              <p:ext uri="{386F3935-93C4-4BCD-93E2-E3B085C9AB24}">
-                <p16:designElem xmlns:p16="http://schemas.microsoft.com/office/powerpoint/2015/main" val="1"/>
-              </p:ext>
-            </p:extLst>
-          </p:nvPr>
-        </p:nvSpPr>
-        <p:spPr>
-          <a:xfrm>
-            <a:off x="726018" y="960109"/>
-            <a:ext cx="7708392" cy="4937760"/>
-          </a:xfrm>
-          <a:prstGeom prst="rect">
-            <a:avLst/>
-          </a:prstGeom>
-          <a:solidFill>
-            <a:schemeClr val="bg2"/>
-          </a:solidFill>
-          <a:ln>
-            <a:noFill/>
-          </a:ln>
-        </p:spPr>
-        <p:style>
-          <a:lnRef idx="2">
-            <a:schemeClr val="accent1">
-              <a:shade val="50000"/>
-            </a:schemeClr>
-          </a:lnRef>
-          <a:fillRef idx="1">
-            <a:schemeClr val="accent1"/>
-          </a:fillRef>
-          <a:effectRef idx="0">
-            <a:schemeClr val="accent1"/>
-          </a:effectRef>
-          <a:fontRef idx="minor">
-            <a:schemeClr val="lt1"/>
-          </a:fontRef>
-        </p:style>
-        <p:txBody>
-          <a:bodyPr rtlCol="0" anchor="ctr"/>
-          <a:lstStyle/>
-          <a:p>
-            <a:pPr algn="ctr"/>
-            <a:endParaRPr lang="en-US"/>
+            <a:pPr marL="0" marR="0" lvl="0" indent="0" algn="ctr" defTabSz="914400" rtl="0" eaLnBrk="1" fontAlgn="auto" latinLnBrk="0" hangingPunct="1">
+              <a:lnSpc>
+                <a:spcPct val="100000"/>
+              </a:lnSpc>
+              <a:spcBef>
+                <a:spcPts val="0"/>
+              </a:spcBef>
+              <a:spcAft>
+                <a:spcPts val="0"/>
+              </a:spcAft>
+              <a:buClrTx/>
+              <a:buSzTx/>
+              <a:buFontTx/>
+              <a:buNone/>
+              <a:tabLst/>
+              <a:defRPr/>
+            </a:pPr>
+            <a:endParaRPr kumimoji="0" lang="en-US" sz="1800" b="0" i="0" u="none" strike="noStrike" kern="1200" cap="none" spc="0" normalizeH="0" baseline="0" noProof="0">
+              <a:ln>
+                <a:noFill/>
+              </a:ln>
+              <a:solidFill>
+                <a:prstClr val="white"/>
+              </a:solidFill>
+              <a:effectLst/>
+              <a:uLnTx/>
+              <a:uFillTx/>
+              <a:latin typeface="Calibri" panose="020F0502020204030204"/>
+              <a:ea typeface="+mn-ea"/>
+              <a:cs typeface="+mn-cs"/>
+            </a:endParaRPr>
           </a:p>
         </p:txBody>
       </p:sp>
@@ -11741,9 +11911,18 @@
         </p:nvSpPr>
         <p:spPr>
           <a:xfrm>
-            <a:off x="1089492" y="1444741"/>
-            <a:ext cx="7018398" cy="1041901"/>
+            <a:off x="869949" y="995318"/>
+            <a:ext cx="7404101" cy="1193968"/>
           </a:xfrm>
+          <a:solidFill>
+            <a:srgbClr val="FFFFFF"/>
+          </a:solidFill>
+          <a:ln w="38100">
+            <a:solidFill>
+              <a:srgbClr val="7F7F7F"/>
+            </a:solidFill>
+            <a:miter lim="800000"/>
+          </a:ln>
         </p:spPr>
         <p:txBody>
           <a:bodyPr vert="horz" lIns="91440" tIns="45720" rIns="91440" bIns="45720" rtlCol="0" anchor="ctr">
@@ -11751,15 +11930,11 @@
           </a:bodyPr>
           <a:lstStyle/>
           <a:p>
-            <a:pPr algn="l" defTabSz="914400">
-              <a:lnSpc>
-                <a:spcPct val="90000"/>
-              </a:lnSpc>
-            </a:pPr>
+            <a:pPr defTabSz="914400"/>
             <a:r>
-              <a:rPr lang="en-US" sz="3200" kern="1200">
+              <a:rPr lang="en-US" sz="3100" kern="1200">
                 <a:solidFill>
-                  <a:schemeClr val="tx1"/>
+                  <a:srgbClr val="3F3F3F"/>
                 </a:solidFill>
                 <a:latin typeface="+mj-lt"/>
                 <a:ea typeface="+mj-ea"/>
@@ -11769,15 +11944,11 @@
             </a:r>
           </a:p>
           <a:p>
-            <a:pPr algn="l" defTabSz="914400">
-              <a:lnSpc>
-                <a:spcPct val="90000"/>
-              </a:lnSpc>
-            </a:pPr>
+            <a:pPr defTabSz="914400"/>
             <a:r>
-              <a:rPr lang="en-US" sz="3200" kern="1200">
+              <a:rPr lang="en-US" sz="3100" kern="1200">
                 <a:solidFill>
-                  <a:schemeClr val="tx1"/>
+                  <a:srgbClr val="3F3F3F"/>
                 </a:solidFill>
                 <a:latin typeface="+mj-lt"/>
                 <a:ea typeface="+mj-ea"/>
@@ -11800,34 +11971,79 @@
         </p:nvSpPr>
         <p:spPr>
           <a:xfrm>
-            <a:off x="1089492" y="2701427"/>
-            <a:ext cx="3362493" cy="2699968"/>
+            <a:off x="1107686" y="2888250"/>
+            <a:ext cx="3223013" cy="2959777"/>
           </a:xfrm>
         </p:spPr>
         <p:txBody>
-          <a:bodyPr vert="horz" lIns="91440" tIns="45720" rIns="91440" bIns="45720" rtlCol="0">
+          <a:bodyPr vert="horz" lIns="91440" tIns="45720" rIns="91440" bIns="45720" rtlCol="0" anchor="t">
             <a:normAutofit/>
           </a:bodyPr>
           <a:lstStyle/>
           <a:p>
             <a:pPr indent="-228600" algn="l" defTabSz="914400">
-              <a:lnSpc>
-                <a:spcPct val="90000"/>
-              </a:lnSpc>
               <a:buFont typeface="Arial" panose="020B0604020202020204" pitchFamily="34" charset="0"/>
               <a:buChar char="•"/>
             </a:pPr>
             <a:r>
-              <a:rPr lang="en-US" sz="1700">
-                <a:solidFill>
-                  <a:schemeClr val="tx1"/>
-                </a:solidFill>
-              </a:rPr>
+              <a:rPr lang="en-US" sz="1700"/>
               <a:t>DATA 201 Final Project</a:t>
             </a:r>
           </a:p>
         </p:txBody>
       </p:sp>
+      <p:cxnSp>
+        <p:nvCxnSpPr>
+          <p:cNvPr id="14" name="Straight Connector 13">
+            <a:extLst>
+              <a:ext uri="{FF2B5EF4-FFF2-40B4-BE49-F238E27FC236}">
+                <a16:creationId xmlns:a16="http://schemas.microsoft.com/office/drawing/2014/main" id="{D6206FDC-2777-4D7F-AF9C-73413DA664C9}"/>
+              </a:ext>
+              <a:ext uri="{C183D7F6-B498-43B3-948B-1728B52AA6E4}">
+                <adec:decorative xmlns:adec="http://schemas.microsoft.com/office/drawing/2017/decorative" val="1"/>
+              </a:ext>
+            </a:extLst>
+          </p:cNvPr>
+          <p:cNvCxnSpPr>
+            <a:cxnSpLocks noGrp="1" noRot="1" noChangeAspect="1" noMove="1" noResize="1" noEditPoints="1" noAdjustHandles="1" noChangeArrowheads="1" noChangeShapeType="1"/>
+          </p:cNvCxnSpPr>
+          <p:nvPr>
+            <p:extLst>
+              <p:ext uri="{386F3935-93C4-4BCD-93E2-E3B085C9AB24}">
+                <p16:designElem xmlns:p16="http://schemas.microsoft.com/office/powerpoint/2015/main" val="1"/>
+              </p:ext>
+            </p:extLst>
+          </p:nvPr>
+        </p:nvCxnSpPr>
+        <p:spPr>
+          <a:xfrm>
+            <a:off x="4572000" y="2888250"/>
+            <a:ext cx="0" cy="2769135"/>
+          </a:xfrm>
+          <a:prstGeom prst="line">
+            <a:avLst/>
+          </a:prstGeom>
+          <a:ln w="19050">
+            <a:solidFill>
+              <a:srgbClr val="7F7F7F"/>
+            </a:solidFill>
+          </a:ln>
+        </p:spPr>
+        <p:style>
+          <a:lnRef idx="1">
+            <a:schemeClr val="accent1"/>
+          </a:lnRef>
+          <a:fillRef idx="0">
+            <a:schemeClr val="accent1"/>
+          </a:fillRef>
+          <a:effectRef idx="0">
+            <a:schemeClr val="accent1"/>
+          </a:effectRef>
+          <a:fontRef idx="minor">
+            <a:schemeClr val="tx1"/>
+          </a:fontRef>
+        </p:style>
+      </p:cxnSp>
       <p:sp>
         <p:nvSpPr>
           <p:cNvPr id="4" name="TextBox 3"/>
@@ -11836,20 +12052,20 @@
         </p:nvSpPr>
         <p:spPr>
           <a:xfrm>
-            <a:off x="4692015" y="2701427"/>
-            <a:ext cx="3415875" cy="2699968"/>
+            <a:off x="4813298" y="2888250"/>
+            <a:ext cx="3219445" cy="2959778"/>
           </a:xfrm>
           <a:prstGeom prst="rect">
             <a:avLst/>
           </a:prstGeom>
         </p:spPr>
         <p:txBody>
-          <a:bodyPr vert="horz" lIns="91440" tIns="45720" rIns="91440" bIns="45720" rtlCol="0">
+          <a:bodyPr vert="horz" lIns="91440" tIns="45720" rIns="91440" bIns="45720" rtlCol="0" anchor="t">
             <a:normAutofit/>
           </a:bodyPr>
           <a:lstStyle/>
           <a:p>
-            <a:pPr indent="-228600" defTabSz="914400">
+            <a:pPr indent="-228600">
               <a:lnSpc>
                 <a:spcPct val="90000"/>
               </a:lnSpc>
@@ -11877,7 +12093,7 @@
     </p:spTree>
   </p:cSld>
   <p:clrMapOvr>
-    <a:masterClrMapping/>
+    <a:overrideClrMapping bg1="dk1" tx1="lt1" bg2="dk2" tx2="lt2" accent1="accent1" accent2="accent2" accent3="accent3" accent4="accent4" accent5="accent5" accent6="accent6" hlink="hlink" folHlink="folHlink"/>
   </p:clrMapOvr>
 </p:sld>
 </file>
@@ -11909,7 +12125,7 @@
       </p:grpSpPr>
       <p:sp useBgFill="1">
         <p:nvSpPr>
-          <p:cNvPr id="9" name="Slide Background">
+          <p:cNvPr id="30" name="Slide Background">
             <a:extLst>
               <a:ext uri="{FF2B5EF4-FFF2-40B4-BE49-F238E27FC236}">
                 <a16:creationId xmlns:a16="http://schemas.microsoft.com/office/drawing/2014/main" id="{C0763A76-9F1C-4FC5-82B7-DD475DA461B2}"/>
@@ -12063,7 +12279,7 @@
       </p:sp>
       <p:sp useBgFill="1">
         <p:nvSpPr>
-          <p:cNvPr id="11" name="Rectangle 10">
+          <p:cNvPr id="32" name="Rectangle 31">
             <a:extLst>
               <a:ext uri="{FF2B5EF4-FFF2-40B4-BE49-F238E27FC236}">
                 <a16:creationId xmlns:a16="http://schemas.microsoft.com/office/drawing/2014/main" id="{E81BF4F6-F2CF-4984-9D14-D6966D92F99F}"/>
@@ -12150,11 +12366,6 @@
           </a:bodyPr>
           <a:lstStyle/>
           <a:p>
-            <a:pPr>
-              <a:lnSpc>
-                <a:spcPct val="90000"/>
-              </a:lnSpc>
-            </a:pPr>
             <a:r>
               <a:rPr lang="en-US" sz="3500"/>
               <a:t>Problem Statement &amp; Relevance</a:t>
@@ -12185,60 +12396,47 @@
           <a:lstStyle/>
           <a:p>
             <a:pPr>
-              <a:lnSpc>
-                <a:spcPct val="90000"/>
-              </a:lnSpc>
               <a:defRPr b="1"/>
             </a:pPr>
             <a:r>
               <a:rPr sz="1700"/>
               <a:t>Why Analyze Volatility?</a:t>
             </a:r>
+            <a:endParaRPr lang="en-US" sz="1700"/>
           </a:p>
           <a:p>
-            <a:pPr lvl="1">
-              <a:lnSpc>
-                <a:spcPct val="90000"/>
-              </a:lnSpc>
-            </a:pPr>
+            <a:pPr lvl="1"/>
             <a:r>
               <a:rPr sz="1700"/>
               <a:t>Volatility impacts investment risk, portfolio allocation, and macroeconomic policy.</a:t>
             </a:r>
+            <a:endParaRPr lang="en-US" sz="1700"/>
           </a:p>
           <a:p>
-            <a:pPr lvl="1">
-              <a:lnSpc>
-                <a:spcPct val="90000"/>
-              </a:lnSpc>
-            </a:pPr>
+            <a:pPr lvl="1"/>
             <a:r>
               <a:rPr sz="1700"/>
               <a:t>Key question: How do volatility patterns and forecast accuracy differ across S&amp;P 500 (U.S.), Nikkei 225 (Japan), and FTSE 100 (UK)?</a:t>
             </a:r>
+            <a:endParaRPr lang="en-US" sz="1700"/>
           </a:p>
           <a:p>
             <a:pPr>
-              <a:lnSpc>
-                <a:spcPct val="90000"/>
-              </a:lnSpc>
               <a:defRPr b="1"/>
             </a:pPr>
             <a:r>
               <a:rPr sz="1700"/>
               <a:t>Relevance:</a:t>
             </a:r>
+            <a:endParaRPr lang="en-US" sz="1700"/>
           </a:p>
           <a:p>
-            <a:pPr lvl="1">
-              <a:lnSpc>
-                <a:spcPct val="90000"/>
-              </a:lnSpc>
-            </a:pPr>
+            <a:pPr lvl="1"/>
             <a:r>
               <a:rPr sz="1700"/>
               <a:t>Addresses real-world challenges in global market risk management.</a:t>
             </a:r>
+            <a:endParaRPr lang="en-US" sz="1700"/>
           </a:p>
         </p:txBody>
       </p:sp>
@@ -12258,7 +12456,7 @@
         </p:nvPicPr>
         <p:blipFill>
           <a:blip r:embed="rId2"/>
-          <a:srcRect l="32005" r="27782" b="-2"/>
+          <a:srcRect l="31750" r="28037" b="-2"/>
           <a:stretch/>
         </p:blipFill>
         <p:spPr>
@@ -12304,66 +12502,6 @@
           <a:chExt cx="0" cy="0"/>
         </a:xfrm>
       </p:grpSpPr>
-      <p:sp useBgFill="1">
-        <p:nvSpPr>
-          <p:cNvPr id="10" name="Rectangle 9">
-            <a:extLst>
-              <a:ext uri="{FF2B5EF4-FFF2-40B4-BE49-F238E27FC236}">
-                <a16:creationId xmlns:a16="http://schemas.microsoft.com/office/drawing/2014/main" id="{32AEEBC8-9D30-42EF-95F2-386C2653FBF0}"/>
-              </a:ext>
-              <a:ext uri="{C183D7F6-B498-43B3-948B-1728B52AA6E4}">
-                <adec:decorative xmlns:adec="http://schemas.microsoft.com/office/drawing/2017/decorative" val="1"/>
-              </a:ext>
-            </a:extLst>
-          </p:cNvPr>
-          <p:cNvSpPr>
-            <a:spLocks noGrp="1" noRot="1" noChangeAspect="1" noMove="1" noResize="1" noEditPoints="1" noAdjustHandles="1" noChangeArrowheads="1" noChangeShapeType="1" noTextEdit="1"/>
-          </p:cNvSpPr>
-          <p:nvPr>
-            <p:extLst>
-              <p:ext uri="{386F3935-93C4-4BCD-93E2-E3B085C9AB24}">
-                <p16:designElem xmlns:p16="http://schemas.microsoft.com/office/powerpoint/2015/main" val="1"/>
-              </p:ext>
-            </p:extLst>
-          </p:nvPr>
-        </p:nvSpPr>
-        <p:spPr>
-          <a:xfrm>
-            <a:off x="0" y="0"/>
-            <a:ext cx="9144000" cy="6858000"/>
-          </a:xfrm>
-          <a:prstGeom prst="rect">
-            <a:avLst/>
-          </a:prstGeom>
-          <a:ln>
-            <a:noFill/>
-          </a:ln>
-        </p:spPr>
-        <p:style>
-          <a:lnRef idx="2">
-            <a:schemeClr val="accent1">
-              <a:shade val="50000"/>
-            </a:schemeClr>
-          </a:lnRef>
-          <a:fillRef idx="1">
-            <a:schemeClr val="accent1"/>
-          </a:fillRef>
-          <a:effectRef idx="0">
-            <a:schemeClr val="accent1"/>
-          </a:effectRef>
-          <a:fontRef idx="minor">
-            <a:schemeClr val="lt1"/>
-          </a:fontRef>
-        </p:style>
-        <p:txBody>
-          <a:bodyPr rtlCol="0" anchor="ctr"/>
-          <a:lstStyle/>
-          <a:p>
-            <a:pPr algn="ctr"/>
-            <a:endParaRPr lang="en-US"/>
-          </a:p>
-        </p:txBody>
-      </p:sp>
       <p:sp>
         <p:nvSpPr>
           <p:cNvPr id="2" name="Title 1"/>
@@ -12390,229 +12528,6 @@
               <a:rPr lang="en-US" sz="4200"/>
               <a:t>Data Overview</a:t>
             </a:r>
-          </a:p>
-        </p:txBody>
-      </p:sp>
-      <p:sp>
-        <p:nvSpPr>
-          <p:cNvPr id="12" name="sketch line">
-            <a:extLst>
-              <a:ext uri="{FF2B5EF4-FFF2-40B4-BE49-F238E27FC236}">
-                <a16:creationId xmlns:a16="http://schemas.microsoft.com/office/drawing/2014/main" id="{2E92FA66-67D7-4CB4-94D3-E643A9AD4757}"/>
-              </a:ext>
-              <a:ext uri="{C183D7F6-B498-43B3-948B-1728B52AA6E4}">
-                <adec:decorative xmlns:adec="http://schemas.microsoft.com/office/drawing/2017/decorative" val="1"/>
-              </a:ext>
-            </a:extLst>
-          </p:cNvPr>
-          <p:cNvSpPr>
-            <a:spLocks noGrp="1" noRot="1" noChangeAspect="1" noMove="1" noResize="1" noEditPoints="1" noAdjustHandles="1" noChangeArrowheads="1" noChangeShapeType="1" noTextEdit="1"/>
-          </p:cNvSpPr>
-          <p:nvPr>
-            <p:extLst>
-              <p:ext uri="{386F3935-93C4-4BCD-93E2-E3B085C9AB24}">
-                <p16:designElem xmlns:p16="http://schemas.microsoft.com/office/powerpoint/2015/main" val="1"/>
-              </p:ext>
-            </p:extLst>
-          </p:nvPr>
-        </p:nvSpPr>
-        <p:spPr>
-          <a:xfrm rot="5400000">
-            <a:off x="2480309" y="1227582"/>
-            <a:ext cx="1554480" cy="13716"/>
-          </a:xfrm>
-          <a:custGeom>
-            <a:avLst/>
-            <a:gdLst>
-              <a:gd name="connsiteX0" fmla="*/ 0 w 1554480"/>
-              <a:gd name="connsiteY0" fmla="*/ 0 h 13716"/>
-              <a:gd name="connsiteX1" fmla="*/ 549250 w 1554480"/>
-              <a:gd name="connsiteY1" fmla="*/ 0 h 13716"/>
-              <a:gd name="connsiteX2" fmla="*/ 1082954 w 1554480"/>
-              <a:gd name="connsiteY2" fmla="*/ 0 h 13716"/>
-              <a:gd name="connsiteX3" fmla="*/ 1554480 w 1554480"/>
-              <a:gd name="connsiteY3" fmla="*/ 0 h 13716"/>
-              <a:gd name="connsiteX4" fmla="*/ 1554480 w 1554480"/>
-              <a:gd name="connsiteY4" fmla="*/ 13716 h 13716"/>
-              <a:gd name="connsiteX5" fmla="*/ 1067410 w 1554480"/>
-              <a:gd name="connsiteY5" fmla="*/ 13716 h 13716"/>
-              <a:gd name="connsiteX6" fmla="*/ 549250 w 1554480"/>
-              <a:gd name="connsiteY6" fmla="*/ 13716 h 13716"/>
-              <a:gd name="connsiteX7" fmla="*/ 0 w 1554480"/>
-              <a:gd name="connsiteY7" fmla="*/ 13716 h 13716"/>
-              <a:gd name="connsiteX8" fmla="*/ 0 w 1554480"/>
-              <a:gd name="connsiteY8" fmla="*/ 0 h 13716"/>
-            </a:gdLst>
-            <a:ahLst/>
-            <a:cxnLst>
-              <a:cxn ang="0">
-                <a:pos x="connsiteX0" y="connsiteY0"/>
-              </a:cxn>
-              <a:cxn ang="0">
-                <a:pos x="connsiteX1" y="connsiteY1"/>
-              </a:cxn>
-              <a:cxn ang="0">
-                <a:pos x="connsiteX2" y="connsiteY2"/>
-              </a:cxn>
-              <a:cxn ang="0">
-                <a:pos x="connsiteX3" y="connsiteY3"/>
-              </a:cxn>
-              <a:cxn ang="0">
-                <a:pos x="connsiteX4" y="connsiteY4"/>
-              </a:cxn>
-              <a:cxn ang="0">
-                <a:pos x="connsiteX5" y="connsiteY5"/>
-              </a:cxn>
-              <a:cxn ang="0">
-                <a:pos x="connsiteX6" y="connsiteY6"/>
-              </a:cxn>
-              <a:cxn ang="0">
-                <a:pos x="connsiteX7" y="connsiteY7"/>
-              </a:cxn>
-              <a:cxn ang="0">
-                <a:pos x="connsiteX8" y="connsiteY8"/>
-              </a:cxn>
-            </a:cxnLst>
-            <a:rect l="l" t="t" r="r" b="b"/>
-            <a:pathLst>
-              <a:path w="1554480" h="13716" fill="none" extrusionOk="0">
-                <a:moveTo>
-                  <a:pt x="0" y="0"/>
-                </a:moveTo>
-                <a:cubicBezTo>
-                  <a:pt x="114141" y="-19864"/>
-                  <a:pt x="345055" y="-1657"/>
-                  <a:pt x="549250" y="0"/>
-                </a:cubicBezTo>
-                <a:cubicBezTo>
-                  <a:pt x="753445" y="1657"/>
-                  <a:pt x="862292" y="-5674"/>
-                  <a:pt x="1082954" y="0"/>
-                </a:cubicBezTo>
-                <a:cubicBezTo>
-                  <a:pt x="1303616" y="5674"/>
-                  <a:pt x="1363530" y="4537"/>
-                  <a:pt x="1554480" y="0"/>
-                </a:cubicBezTo>
-                <a:cubicBezTo>
-                  <a:pt x="1553820" y="4959"/>
-                  <a:pt x="1554594" y="10798"/>
-                  <a:pt x="1554480" y="13716"/>
-                </a:cubicBezTo>
-                <a:cubicBezTo>
-                  <a:pt x="1338847" y="1555"/>
-                  <a:pt x="1215066" y="33279"/>
-                  <a:pt x="1067410" y="13716"/>
-                </a:cubicBezTo>
-                <a:cubicBezTo>
-                  <a:pt x="919754" y="-5847"/>
-                  <a:pt x="800465" y="-1492"/>
-                  <a:pt x="549250" y="13716"/>
-                </a:cubicBezTo>
-                <a:cubicBezTo>
-                  <a:pt x="298035" y="28924"/>
-                  <a:pt x="158868" y="18197"/>
-                  <a:pt x="0" y="13716"/>
-                </a:cubicBezTo>
-                <a:cubicBezTo>
-                  <a:pt x="488" y="8630"/>
-                  <a:pt x="480" y="6612"/>
-                  <a:pt x="0" y="0"/>
-                </a:cubicBezTo>
-                <a:close/>
-              </a:path>
-              <a:path w="1554480" h="13716" stroke="0" extrusionOk="0">
-                <a:moveTo>
-                  <a:pt x="0" y="0"/>
-                </a:moveTo>
-                <a:cubicBezTo>
-                  <a:pt x="249941" y="-58"/>
-                  <a:pt x="367334" y="23448"/>
-                  <a:pt x="502615" y="0"/>
-                </a:cubicBezTo>
-                <a:cubicBezTo>
-                  <a:pt x="637897" y="-23448"/>
-                  <a:pt x="813653" y="-20418"/>
-                  <a:pt x="974141" y="0"/>
-                </a:cubicBezTo>
-                <a:cubicBezTo>
-                  <a:pt x="1134629" y="20418"/>
-                  <a:pt x="1268772" y="6288"/>
-                  <a:pt x="1554480" y="0"/>
-                </a:cubicBezTo>
-                <a:cubicBezTo>
-                  <a:pt x="1554232" y="4157"/>
-                  <a:pt x="1554673" y="7559"/>
-                  <a:pt x="1554480" y="13716"/>
-                </a:cubicBezTo>
-                <a:cubicBezTo>
-                  <a:pt x="1336087" y="7600"/>
-                  <a:pt x="1310024" y="15187"/>
-                  <a:pt x="1067410" y="13716"/>
-                </a:cubicBezTo>
-                <a:cubicBezTo>
-                  <a:pt x="824796" y="12246"/>
-                  <a:pt x="787902" y="30075"/>
-                  <a:pt x="518160" y="13716"/>
-                </a:cubicBezTo>
-                <a:cubicBezTo>
-                  <a:pt x="248418" y="-2643"/>
-                  <a:pt x="133160" y="4633"/>
-                  <a:pt x="0" y="13716"/>
-                </a:cubicBezTo>
-                <a:cubicBezTo>
-                  <a:pt x="43" y="9160"/>
-                  <a:pt x="-111" y="4811"/>
-                  <a:pt x="0" y="0"/>
-                </a:cubicBezTo>
-                <a:close/>
-              </a:path>
-            </a:pathLst>
-          </a:custGeom>
-          <a:solidFill>
-            <a:schemeClr val="accent2"/>
-          </a:solidFill>
-          <a:ln w="41275" cap="rnd">
-            <a:solidFill>
-              <a:schemeClr val="accent2"/>
-            </a:solidFill>
-            <a:round/>
-            <a:extLst>
-              <a:ext uri="{C807C97D-BFC1-408E-A445-0C87EB9F89A2}">
-                <ask:lineSketchStyleProps xmlns:ask="http://schemas.microsoft.com/office/drawing/2018/sketchyshapes" sd="1219033472">
-                  <a:prstGeom prst="rect">
-                    <a:avLst/>
-                  </a:prstGeom>
-                  <ask:type>
-                    <ask:lineSketchFreehand/>
-                  </ask:type>
-                </ask:lineSketchStyleProps>
-              </a:ext>
-            </a:extLst>
-          </a:ln>
-        </p:spPr>
-        <p:style>
-          <a:lnRef idx="2">
-            <a:schemeClr val="accent1">
-              <a:shade val="50000"/>
-            </a:schemeClr>
-          </a:lnRef>
-          <a:fillRef idx="1">
-            <a:schemeClr val="accent1"/>
-          </a:fillRef>
-          <a:effectRef idx="0">
-            <a:schemeClr val="accent1"/>
-          </a:effectRef>
-          <a:fontRef idx="minor">
-            <a:schemeClr val="lt1"/>
-          </a:fontRef>
-        </p:style>
-        <p:txBody>
-          <a:bodyPr rtlCol="0" anchor="ctr"/>
-          <a:lstStyle/>
-          <a:p>
-            <a:pPr algn="ctr"/>
-            <a:endParaRPr lang="en-US"/>
           </a:p>
         </p:txBody>
       </p:sp>
@@ -12747,66 +12662,6 @@
           <a:chExt cx="0" cy="0"/>
         </a:xfrm>
       </p:grpSpPr>
-      <p:sp useBgFill="1">
-        <p:nvSpPr>
-          <p:cNvPr id="47" name="Rectangle 46">
-            <a:extLst>
-              <a:ext uri="{FF2B5EF4-FFF2-40B4-BE49-F238E27FC236}">
-                <a16:creationId xmlns:a16="http://schemas.microsoft.com/office/drawing/2014/main" id="{2B97F24A-32CE-4C1C-A50D-3016B394DCFB}"/>
-              </a:ext>
-              <a:ext uri="{C183D7F6-B498-43B3-948B-1728B52AA6E4}">
-                <adec:decorative xmlns:adec="http://schemas.microsoft.com/office/drawing/2017/decorative" val="1"/>
-              </a:ext>
-            </a:extLst>
-          </p:cNvPr>
-          <p:cNvSpPr>
-            <a:spLocks noGrp="1" noRot="1" noChangeAspect="1" noMove="1" noResize="1" noEditPoints="1" noAdjustHandles="1" noChangeArrowheads="1" noChangeShapeType="1" noTextEdit="1"/>
-          </p:cNvSpPr>
-          <p:nvPr>
-            <p:extLst>
-              <p:ext uri="{386F3935-93C4-4BCD-93E2-E3B085C9AB24}">
-                <p16:designElem xmlns:p16="http://schemas.microsoft.com/office/powerpoint/2015/main" val="1"/>
-              </p:ext>
-            </p:extLst>
-          </p:nvPr>
-        </p:nvSpPr>
-        <p:spPr>
-          <a:xfrm>
-            <a:off x="0" y="0"/>
-            <a:ext cx="9144000" cy="6858000"/>
-          </a:xfrm>
-          <a:prstGeom prst="rect">
-            <a:avLst/>
-          </a:prstGeom>
-          <a:ln>
-            <a:noFill/>
-          </a:ln>
-        </p:spPr>
-        <p:style>
-          <a:lnRef idx="2">
-            <a:schemeClr val="accent1">
-              <a:shade val="50000"/>
-            </a:schemeClr>
-          </a:lnRef>
-          <a:fillRef idx="1">
-            <a:schemeClr val="accent1"/>
-          </a:fillRef>
-          <a:effectRef idx="0">
-            <a:schemeClr val="accent1"/>
-          </a:effectRef>
-          <a:fontRef idx="minor">
-            <a:schemeClr val="lt1"/>
-          </a:fontRef>
-        </p:style>
-        <p:txBody>
-          <a:bodyPr rtlCol="0" anchor="ctr"/>
-          <a:lstStyle/>
-          <a:p>
-            <a:pPr algn="ctr"/>
-            <a:endParaRPr lang="en-US"/>
-          </a:p>
-        </p:txBody>
-      </p:sp>
       <p:sp>
         <p:nvSpPr>
           <p:cNvPr id="2" name="Title 1"/>
@@ -12833,259 +12688,6 @@
               <a:rPr lang="en-US" sz="3300"/>
               <a:t>Methodology</a:t>
             </a:r>
-          </a:p>
-        </p:txBody>
-      </p:sp>
-      <p:sp>
-        <p:nvSpPr>
-          <p:cNvPr id="48" name="sketch line">
-            <a:extLst>
-              <a:ext uri="{FF2B5EF4-FFF2-40B4-BE49-F238E27FC236}">
-                <a16:creationId xmlns:a16="http://schemas.microsoft.com/office/drawing/2014/main" id="{6357EC4F-235E-4222-A36F-C7878ACE37F2}"/>
-              </a:ext>
-              <a:ext uri="{C183D7F6-B498-43B3-948B-1728B52AA6E4}">
-                <adec:decorative xmlns:adec="http://schemas.microsoft.com/office/drawing/2017/decorative" val="1"/>
-              </a:ext>
-            </a:extLst>
-          </p:cNvPr>
-          <p:cNvSpPr>
-            <a:spLocks noGrp="1" noRot="1" noChangeAspect="1" noMove="1" noResize="1" noEditPoints="1" noAdjustHandles="1" noChangeArrowheads="1" noChangeShapeType="1" noTextEdit="1"/>
-          </p:cNvSpPr>
-          <p:nvPr>
-            <p:extLst>
-              <p:ext uri="{386F3935-93C4-4BCD-93E2-E3B085C9AB24}">
-                <p16:designElem xmlns:p16="http://schemas.microsoft.com/office/powerpoint/2015/main" val="1"/>
-              </p:ext>
-            </p:extLst>
-          </p:nvPr>
-        </p:nvSpPr>
-        <p:spPr>
-          <a:xfrm>
-            <a:off x="482458" y="2573756"/>
-            <a:ext cx="2441321" cy="18288"/>
-          </a:xfrm>
-          <a:custGeom>
-            <a:avLst/>
-            <a:gdLst>
-              <a:gd name="connsiteX0" fmla="*/ 0 w 2441321"/>
-              <a:gd name="connsiteY0" fmla="*/ 0 h 18288"/>
-              <a:gd name="connsiteX1" fmla="*/ 585917 w 2441321"/>
-              <a:gd name="connsiteY1" fmla="*/ 0 h 18288"/>
-              <a:gd name="connsiteX2" fmla="*/ 1196247 w 2441321"/>
-              <a:gd name="connsiteY2" fmla="*/ 0 h 18288"/>
-              <a:gd name="connsiteX3" fmla="*/ 1806578 w 2441321"/>
-              <a:gd name="connsiteY3" fmla="*/ 0 h 18288"/>
-              <a:gd name="connsiteX4" fmla="*/ 2441321 w 2441321"/>
-              <a:gd name="connsiteY4" fmla="*/ 0 h 18288"/>
-              <a:gd name="connsiteX5" fmla="*/ 2441321 w 2441321"/>
-              <a:gd name="connsiteY5" fmla="*/ 18288 h 18288"/>
-              <a:gd name="connsiteX6" fmla="*/ 1830991 w 2441321"/>
-              <a:gd name="connsiteY6" fmla="*/ 18288 h 18288"/>
-              <a:gd name="connsiteX7" fmla="*/ 1269487 w 2441321"/>
-              <a:gd name="connsiteY7" fmla="*/ 18288 h 18288"/>
-              <a:gd name="connsiteX8" fmla="*/ 707983 w 2441321"/>
-              <a:gd name="connsiteY8" fmla="*/ 18288 h 18288"/>
-              <a:gd name="connsiteX9" fmla="*/ 0 w 2441321"/>
-              <a:gd name="connsiteY9" fmla="*/ 18288 h 18288"/>
-              <a:gd name="connsiteX10" fmla="*/ 0 w 2441321"/>
-              <a:gd name="connsiteY10" fmla="*/ 0 h 18288"/>
-            </a:gdLst>
-            <a:ahLst/>
-            <a:cxnLst>
-              <a:cxn ang="0">
-                <a:pos x="connsiteX0" y="connsiteY0"/>
-              </a:cxn>
-              <a:cxn ang="0">
-                <a:pos x="connsiteX1" y="connsiteY1"/>
-              </a:cxn>
-              <a:cxn ang="0">
-                <a:pos x="connsiteX2" y="connsiteY2"/>
-              </a:cxn>
-              <a:cxn ang="0">
-                <a:pos x="connsiteX3" y="connsiteY3"/>
-              </a:cxn>
-              <a:cxn ang="0">
-                <a:pos x="connsiteX4" y="connsiteY4"/>
-              </a:cxn>
-              <a:cxn ang="0">
-                <a:pos x="connsiteX5" y="connsiteY5"/>
-              </a:cxn>
-              <a:cxn ang="0">
-                <a:pos x="connsiteX6" y="connsiteY6"/>
-              </a:cxn>
-              <a:cxn ang="0">
-                <a:pos x="connsiteX7" y="connsiteY7"/>
-              </a:cxn>
-              <a:cxn ang="0">
-                <a:pos x="connsiteX8" y="connsiteY8"/>
-              </a:cxn>
-              <a:cxn ang="0">
-                <a:pos x="connsiteX9" y="connsiteY9"/>
-              </a:cxn>
-              <a:cxn ang="0">
-                <a:pos x="connsiteX10" y="connsiteY10"/>
-              </a:cxn>
-            </a:cxnLst>
-            <a:rect l="l" t="t" r="r" b="b"/>
-            <a:pathLst>
-              <a:path w="2441321" h="18288" fill="none" extrusionOk="0">
-                <a:moveTo>
-                  <a:pt x="0" y="0"/>
-                </a:moveTo>
-                <a:cubicBezTo>
-                  <a:pt x="273217" y="-17533"/>
-                  <a:pt x="355785" y="-4171"/>
-                  <a:pt x="585917" y="0"/>
-                </a:cubicBezTo>
-                <a:cubicBezTo>
-                  <a:pt x="816049" y="4171"/>
-                  <a:pt x="991446" y="-9419"/>
-                  <a:pt x="1196247" y="0"/>
-                </a:cubicBezTo>
-                <a:cubicBezTo>
-                  <a:pt x="1401048" y="9419"/>
-                  <a:pt x="1589984" y="-731"/>
-                  <a:pt x="1806578" y="0"/>
-                </a:cubicBezTo>
-                <a:cubicBezTo>
-                  <a:pt x="2023172" y="731"/>
-                  <a:pt x="2247754" y="8393"/>
-                  <a:pt x="2441321" y="0"/>
-                </a:cubicBezTo>
-                <a:cubicBezTo>
-                  <a:pt x="2441167" y="8655"/>
-                  <a:pt x="2440437" y="9975"/>
-                  <a:pt x="2441321" y="18288"/>
-                </a:cubicBezTo>
-                <a:cubicBezTo>
-                  <a:pt x="2169723" y="30506"/>
-                  <a:pt x="2045712" y="39140"/>
-                  <a:pt x="1830991" y="18288"/>
-                </a:cubicBezTo>
-                <a:cubicBezTo>
-                  <a:pt x="1616270" y="-2564"/>
-                  <a:pt x="1505876" y="3949"/>
-                  <a:pt x="1269487" y="18288"/>
-                </a:cubicBezTo>
-                <a:cubicBezTo>
-                  <a:pt x="1033098" y="32627"/>
-                  <a:pt x="908661" y="41191"/>
-                  <a:pt x="707983" y="18288"/>
-                </a:cubicBezTo>
-                <a:cubicBezTo>
-                  <a:pt x="507305" y="-4615"/>
-                  <a:pt x="333592" y="20759"/>
-                  <a:pt x="0" y="18288"/>
-                </a:cubicBezTo>
-                <a:cubicBezTo>
-                  <a:pt x="-688" y="11716"/>
-                  <a:pt x="875" y="6357"/>
-                  <a:pt x="0" y="0"/>
-                </a:cubicBezTo>
-                <a:close/>
-              </a:path>
-              <a:path w="2441321" h="18288" stroke="0" extrusionOk="0">
-                <a:moveTo>
-                  <a:pt x="0" y="0"/>
-                </a:moveTo>
-                <a:cubicBezTo>
-                  <a:pt x="207071" y="-14617"/>
-                  <a:pt x="444194" y="-15606"/>
-                  <a:pt x="585917" y="0"/>
-                </a:cubicBezTo>
-                <a:cubicBezTo>
-                  <a:pt x="727640" y="15606"/>
-                  <a:pt x="904326" y="-79"/>
-                  <a:pt x="1123008" y="0"/>
-                </a:cubicBezTo>
-                <a:cubicBezTo>
-                  <a:pt x="1341690" y="79"/>
-                  <a:pt x="1600014" y="10401"/>
-                  <a:pt x="1782164" y="0"/>
-                </a:cubicBezTo>
-                <a:cubicBezTo>
-                  <a:pt x="1964314" y="-10401"/>
-                  <a:pt x="2143537" y="-21488"/>
-                  <a:pt x="2441321" y="0"/>
-                </a:cubicBezTo>
-                <a:cubicBezTo>
-                  <a:pt x="2441735" y="5928"/>
-                  <a:pt x="2441551" y="11133"/>
-                  <a:pt x="2441321" y="18288"/>
-                </a:cubicBezTo>
-                <a:cubicBezTo>
-                  <a:pt x="2166745" y="28773"/>
-                  <a:pt x="2078726" y="15476"/>
-                  <a:pt x="1879817" y="18288"/>
-                </a:cubicBezTo>
-                <a:cubicBezTo>
-                  <a:pt x="1680908" y="21100"/>
-                  <a:pt x="1548770" y="-4127"/>
-                  <a:pt x="1318313" y="18288"/>
-                </a:cubicBezTo>
-                <a:cubicBezTo>
-                  <a:pt x="1087856" y="40703"/>
-                  <a:pt x="894613" y="3927"/>
-                  <a:pt x="659157" y="18288"/>
-                </a:cubicBezTo>
-                <a:cubicBezTo>
-                  <a:pt x="423701" y="32649"/>
-                  <a:pt x="246611" y="33975"/>
-                  <a:pt x="0" y="18288"/>
-                </a:cubicBezTo>
-                <a:cubicBezTo>
-                  <a:pt x="-348" y="10388"/>
-                  <a:pt x="-12" y="3969"/>
-                  <a:pt x="0" y="0"/>
-                </a:cubicBezTo>
-                <a:close/>
-              </a:path>
-            </a:pathLst>
-          </a:custGeom>
-          <a:solidFill>
-            <a:schemeClr val="accent2"/>
-          </a:solidFill>
-          <a:ln w="38100" cap="rnd">
-            <a:solidFill>
-              <a:schemeClr val="accent2"/>
-            </a:solidFill>
-            <a:round/>
-            <a:extLst>
-              <a:ext uri="{C807C97D-BFC1-408E-A445-0C87EB9F89A2}">
-                <ask:lineSketchStyleProps xmlns:ask="http://schemas.microsoft.com/office/drawing/2018/sketchyshapes" sd="1219033472">
-                  <a:prstGeom prst="rect">
-                    <a:avLst/>
-                  </a:prstGeom>
-                  <ask:type>
-                    <ask:lineSketchFreehand/>
-                  </ask:type>
-                </ask:lineSketchStyleProps>
-              </a:ext>
-            </a:extLst>
-          </a:ln>
-        </p:spPr>
-        <p:style>
-          <a:lnRef idx="2">
-            <a:schemeClr val="accent1">
-              <a:shade val="50000"/>
-            </a:schemeClr>
-          </a:lnRef>
-          <a:fillRef idx="1">
-            <a:schemeClr val="accent1"/>
-          </a:fillRef>
-          <a:effectRef idx="0">
-            <a:schemeClr val="accent1"/>
-          </a:effectRef>
-          <a:fontRef idx="minor">
-            <a:schemeClr val="lt1"/>
-          </a:fontRef>
-        </p:style>
-        <p:txBody>
-          <a:bodyPr rtlCol="0" anchor="ctr"/>
-          <a:lstStyle/>
-          <a:p>
-            <a:pPr algn="ctr"/>
-            <a:endParaRPr lang="en-US"/>
           </a:p>
         </p:txBody>
       </p:sp>
@@ -13161,7 +12763,7 @@
             </a:pPr>
             <a:r>
               <a:rPr lang="en-US" sz="1600" dirty="0"/>
-              <a:t>GARCH(1,1): Model volatility clustering</a:t>
+              <a:t>GARCH(1,1): rescaled(*1000) Model volatility clustering</a:t>
             </a:r>
           </a:p>
           <a:p>
@@ -13220,6 +12822,65 @@
 </file>
 
 <file path=ppt/slides/slide5.xml><?xml version="1.0" encoding="utf-8"?>
+<p:sld xmlns:a="http://schemas.openxmlformats.org/drawingml/2006/main" xmlns:r="http://schemas.openxmlformats.org/officeDocument/2006/relationships" xmlns:p="http://schemas.openxmlformats.org/presentationml/2006/main">
+  <p:cSld>
+    <p:spTree>
+      <p:nvGrpSpPr>
+        <p:cNvPr id="1" name=""/>
+        <p:cNvGrpSpPr/>
+        <p:nvPr/>
+      </p:nvGrpSpPr>
+      <p:grpSpPr>
+        <a:xfrm>
+          <a:off x="0" y="0"/>
+          <a:ext cx="0" cy="0"/>
+          <a:chOff x="0" y="0"/>
+          <a:chExt cx="0" cy="0"/>
+        </a:xfrm>
+      </p:grpSpPr>
+      <p:pic>
+        <p:nvPicPr>
+          <p:cNvPr id="11" name="Content Placeholder 10" descr="A screenshot of a computer&#10;&#10;AI-generated content may be incorrect.">
+            <a:extLst>
+              <a:ext uri="{FF2B5EF4-FFF2-40B4-BE49-F238E27FC236}">
+                <a16:creationId xmlns:a16="http://schemas.microsoft.com/office/drawing/2014/main" id="{5F28DE83-C550-07DE-1634-A378FD850F37}"/>
+              </a:ext>
+            </a:extLst>
+          </p:cNvPr>
+          <p:cNvPicPr>
+            <a:picLocks noGrp="1" noChangeAspect="1"/>
+          </p:cNvPicPr>
+          <p:nvPr>
+            <p:ph idx="1"/>
+          </p:nvPr>
+        </p:nvPicPr>
+        <p:blipFill>
+          <a:blip r:embed="rId2"/>
+          <a:stretch>
+            <a:fillRect/>
+          </a:stretch>
+        </p:blipFill>
+        <p:spPr>
+          <a:xfrm>
+            <a:off x="789047" y="453589"/>
+            <a:ext cx="7565906" cy="5950821"/>
+          </a:xfrm>
+        </p:spPr>
+      </p:pic>
+    </p:spTree>
+    <p:extLst>
+      <p:ext uri="{BB962C8B-B14F-4D97-AF65-F5344CB8AC3E}">
+        <p14:creationId xmlns:p14="http://schemas.microsoft.com/office/powerpoint/2010/main" val="580322527"/>
+      </p:ext>
+    </p:extLst>
+  </p:cSld>
+  <p:clrMapOvr>
+    <a:masterClrMapping/>
+  </p:clrMapOvr>
+</p:sld>
+</file>
+
+<file path=ppt/slides/slide6.xml><?xml version="1.0" encoding="utf-8"?>
 <p:sld xmlns:a="http://schemas.openxmlformats.org/drawingml/2006/main" xmlns:r="http://schemas.openxmlformats.org/officeDocument/2006/relationships" xmlns:p="http://schemas.openxmlformats.org/presentationml/2006/main">
   <p:cSld>
     <p:spTree>
@@ -13352,7 +13013,7 @@
 </p:sld>
 </file>
 
-<file path=ppt/slides/slide6.xml><?xml version="1.0" encoding="utf-8"?>
+<file path=ppt/slides/slide7.xml><?xml version="1.0" encoding="utf-8"?>
 <p:sld xmlns:a="http://schemas.openxmlformats.org/drawingml/2006/main" xmlns:r="http://schemas.openxmlformats.org/officeDocument/2006/relationships" xmlns:p="http://schemas.openxmlformats.org/presentationml/2006/main">
   <p:cSld>
     <p:bg>
@@ -13377,552 +13038,6 @@
           <a:chExt cx="0" cy="0"/>
         </a:xfrm>
       </p:grpSpPr>
-      <p:sp useBgFill="1">
-        <p:nvSpPr>
-          <p:cNvPr id="9" name="Rectangle 8">
-            <a:extLst>
-              <a:ext uri="{FF2B5EF4-FFF2-40B4-BE49-F238E27FC236}">
-                <a16:creationId xmlns:a16="http://schemas.microsoft.com/office/drawing/2014/main" id="{BACC6370-2D7E-4714-9D71-7542949D7D5D}"/>
-              </a:ext>
-              <a:ext uri="{C183D7F6-B498-43B3-948B-1728B52AA6E4}">
-                <adec:decorative xmlns:adec="http://schemas.microsoft.com/office/drawing/2017/decorative" val="1"/>
-              </a:ext>
-            </a:extLst>
-          </p:cNvPr>
-          <p:cNvSpPr>
-            <a:spLocks noGrp="1" noRot="1" noChangeAspect="1" noMove="1" noResize="1" noEditPoints="1" noAdjustHandles="1" noChangeArrowheads="1" noChangeShapeType="1" noTextEdit="1"/>
-          </p:cNvSpPr>
-          <p:nvPr>
-            <p:extLst>
-              <p:ext uri="{386F3935-93C4-4BCD-93E2-E3B085C9AB24}">
-                <p16:designElem xmlns:p16="http://schemas.microsoft.com/office/powerpoint/2015/main" val="1"/>
-              </p:ext>
-            </p:extLst>
-          </p:nvPr>
-        </p:nvSpPr>
-        <p:spPr>
-          <a:xfrm>
-            <a:off x="0" y="0"/>
-            <a:ext cx="9144000" cy="6858000"/>
-          </a:xfrm>
-          <a:prstGeom prst="rect">
-            <a:avLst/>
-          </a:prstGeom>
-          <a:ln w="12700" cap="flat" cmpd="sng" algn="ctr">
-            <a:noFill/>
-            <a:prstDash val="solid"/>
-            <a:miter lim="800000"/>
-          </a:ln>
-          <a:effectLst/>
-          <a:extLst>
-            <a:ext uri="{91240B29-F687-4F45-9708-019B960494DF}">
-              <a14:hiddenLine xmlns:a14="http://schemas.microsoft.com/office/drawing/2010/main" w="12700" cap="flat" cmpd="sng" algn="ctr">
-                <a:solidFill>
-                  <a:schemeClr val="accent1">
-                    <a:shade val="50000"/>
-                  </a:schemeClr>
-                </a:solidFill>
-                <a:prstDash val="solid"/>
-                <a:miter lim="800000"/>
-              </a14:hiddenLine>
-            </a:ext>
-          </a:extLst>
-        </p:spPr>
-        <p:style>
-          <a:lnRef idx="2">
-            <a:schemeClr val="accent1">
-              <a:shade val="50000"/>
-            </a:schemeClr>
-          </a:lnRef>
-          <a:fillRef idx="1">
-            <a:schemeClr val="accent1"/>
-          </a:fillRef>
-          <a:effectRef idx="0">
-            <a:schemeClr val="accent1"/>
-          </a:effectRef>
-          <a:fontRef idx="minor">
-            <a:schemeClr val="lt1"/>
-          </a:fontRef>
-        </p:style>
-        <p:txBody>
-          <a:bodyPr rtlCol="0" anchor="ctr"/>
-          <a:lstStyle/>
-          <a:p>
-            <a:pPr algn="ctr"/>
-            <a:endParaRPr lang="en-US"/>
-          </a:p>
-        </p:txBody>
-      </p:sp>
-      <p:sp>
-        <p:nvSpPr>
-          <p:cNvPr id="11" name="Rectangle 10">
-            <a:extLst>
-              <a:ext uri="{FF2B5EF4-FFF2-40B4-BE49-F238E27FC236}">
-                <a16:creationId xmlns:a16="http://schemas.microsoft.com/office/drawing/2014/main" id="{256B2C21-A230-48C0-8DF1-C46611373C44}"/>
-              </a:ext>
-              <a:ext uri="{C183D7F6-B498-43B3-948B-1728B52AA6E4}">
-                <adec:decorative xmlns:adec="http://schemas.microsoft.com/office/drawing/2017/decorative" val="1"/>
-              </a:ext>
-            </a:extLst>
-          </p:cNvPr>
-          <p:cNvSpPr>
-            <a:spLocks noGrp="1" noRot="1" noChangeAspect="1" noMove="1" noResize="1" noEditPoints="1" noAdjustHandles="1" noChangeArrowheads="1" noChangeShapeType="1" noTextEdit="1"/>
-          </p:cNvSpPr>
-          <p:nvPr>
-            <p:extLst>
-              <p:ext uri="{386F3935-93C4-4BCD-93E2-E3B085C9AB24}">
-                <p16:designElem xmlns:p16="http://schemas.microsoft.com/office/powerpoint/2015/main" val="1"/>
-              </p:ext>
-            </p:extLst>
-          </p:nvPr>
-        </p:nvSpPr>
-        <p:spPr>
-          <a:xfrm rot="5400000" flipH="1">
-            <a:off x="-1914813" y="1914812"/>
-            <a:ext cx="6858000" cy="3028377"/>
-          </a:xfrm>
-          <a:prstGeom prst="rect">
-            <a:avLst/>
-          </a:prstGeom>
-          <a:gradFill>
-            <a:gsLst>
-              <a:gs pos="8000">
-                <a:srgbClr val="000000"/>
-              </a:gs>
-              <a:gs pos="100000">
-                <a:schemeClr val="accent1">
-                  <a:lumMod val="75000"/>
-                </a:schemeClr>
-              </a:gs>
-            </a:gsLst>
-            <a:lin ang="3000000" scaled="0"/>
-          </a:gradFill>
-          <a:ln>
-            <a:noFill/>
-          </a:ln>
-        </p:spPr>
-        <p:style>
-          <a:lnRef idx="2">
-            <a:schemeClr val="accent1">
-              <a:shade val="50000"/>
-            </a:schemeClr>
-          </a:lnRef>
-          <a:fillRef idx="1">
-            <a:schemeClr val="accent1"/>
-          </a:fillRef>
-          <a:effectRef idx="0">
-            <a:schemeClr val="accent1"/>
-          </a:effectRef>
-          <a:fontRef idx="minor">
-            <a:schemeClr val="lt1"/>
-          </a:fontRef>
-        </p:style>
-        <p:txBody>
-          <a:bodyPr rtlCol="0" anchor="ctr"/>
-          <a:lstStyle/>
-          <a:p>
-            <a:pPr algn="ctr"/>
-            <a:endParaRPr lang="en-US"/>
-          </a:p>
-        </p:txBody>
-      </p:sp>
-      <p:sp>
-        <p:nvSpPr>
-          <p:cNvPr id="13" name="Rectangle 12">
-            <a:extLst>
-              <a:ext uri="{FF2B5EF4-FFF2-40B4-BE49-F238E27FC236}">
-                <a16:creationId xmlns:a16="http://schemas.microsoft.com/office/drawing/2014/main" id="{3847E18C-932D-4C95-AABA-FEC7C9499AD7}"/>
-              </a:ext>
-              <a:ext uri="{C183D7F6-B498-43B3-948B-1728B52AA6E4}">
-                <adec:decorative xmlns:adec="http://schemas.microsoft.com/office/drawing/2017/decorative" val="1"/>
-              </a:ext>
-            </a:extLst>
-          </p:cNvPr>
-          <p:cNvSpPr>
-            <a:spLocks noGrp="1" noRot="1" noChangeAspect="1" noMove="1" noResize="1" noEditPoints="1" noAdjustHandles="1" noChangeArrowheads="1" noChangeShapeType="1" noTextEdit="1"/>
-          </p:cNvSpPr>
-          <p:nvPr>
-            <p:extLst>
-              <p:ext uri="{386F3935-93C4-4BCD-93E2-E3B085C9AB24}">
-                <p16:designElem xmlns:p16="http://schemas.microsoft.com/office/powerpoint/2015/main" val="1"/>
-              </p:ext>
-            </p:extLst>
-          </p:nvPr>
-        </p:nvSpPr>
-        <p:spPr>
-          <a:xfrm rot="5400000" flipH="1">
-            <a:off x="-1914814" y="1924949"/>
-            <a:ext cx="6857999" cy="3028379"/>
-          </a:xfrm>
-          <a:prstGeom prst="rect">
-            <a:avLst/>
-          </a:prstGeom>
-          <a:gradFill>
-            <a:gsLst>
-              <a:gs pos="0">
-                <a:srgbClr val="000000">
-                  <a:alpha val="0"/>
-                </a:srgbClr>
-              </a:gs>
-              <a:gs pos="99000">
-                <a:schemeClr val="accent1">
-                  <a:alpha val="46000"/>
-                </a:schemeClr>
-              </a:gs>
-            </a:gsLst>
-            <a:lin ang="1800000" scaled="0"/>
-          </a:gradFill>
-          <a:ln>
-            <a:noFill/>
-          </a:ln>
-        </p:spPr>
-        <p:style>
-          <a:lnRef idx="2">
-            <a:schemeClr val="accent1">
-              <a:shade val="50000"/>
-            </a:schemeClr>
-          </a:lnRef>
-          <a:fillRef idx="1">
-            <a:schemeClr val="accent1"/>
-          </a:fillRef>
-          <a:effectRef idx="0">
-            <a:schemeClr val="accent1"/>
-          </a:effectRef>
-          <a:fontRef idx="minor">
-            <a:schemeClr val="lt1"/>
-          </a:fontRef>
-        </p:style>
-        <p:txBody>
-          <a:bodyPr rtlCol="0" anchor="ctr"/>
-          <a:lstStyle/>
-          <a:p>
-            <a:pPr algn="ctr"/>
-            <a:endParaRPr lang="en-US"/>
-          </a:p>
-        </p:txBody>
-      </p:sp>
-      <p:sp>
-        <p:nvSpPr>
-          <p:cNvPr id="15" name="Rectangle 14">
-            <a:extLst>
-              <a:ext uri="{FF2B5EF4-FFF2-40B4-BE49-F238E27FC236}">
-                <a16:creationId xmlns:a16="http://schemas.microsoft.com/office/drawing/2014/main" id="{3150CB11-0C61-439E-910F-5787759E72A0}"/>
-              </a:ext>
-              <a:ext uri="{C183D7F6-B498-43B3-948B-1728B52AA6E4}">
-                <adec:decorative xmlns:adec="http://schemas.microsoft.com/office/drawing/2017/decorative" val="1"/>
-              </a:ext>
-            </a:extLst>
-          </p:cNvPr>
-          <p:cNvSpPr>
-            <a:spLocks noGrp="1" noRot="1" noChangeAspect="1" noMove="1" noResize="1" noEditPoints="1" noAdjustHandles="1" noChangeArrowheads="1" noChangeShapeType="1" noTextEdit="1"/>
-          </p:cNvSpPr>
-          <p:nvPr>
-            <p:extLst>
-              <p:ext uri="{386F3935-93C4-4BCD-93E2-E3B085C9AB24}">
-                <p16:designElem xmlns:p16="http://schemas.microsoft.com/office/powerpoint/2015/main" val="1"/>
-              </p:ext>
-            </p:extLst>
-          </p:nvPr>
-        </p:nvSpPr>
-        <p:spPr>
-          <a:xfrm rot="5400000" flipH="1">
-            <a:off x="263195" y="4092815"/>
-            <a:ext cx="2501979" cy="3028381"/>
-          </a:xfrm>
-          <a:prstGeom prst="rect">
-            <a:avLst/>
-          </a:prstGeom>
-          <a:gradFill>
-            <a:gsLst>
-              <a:gs pos="2000">
-                <a:schemeClr val="accent1">
-                  <a:alpha val="29000"/>
-                </a:schemeClr>
-              </a:gs>
-              <a:gs pos="100000">
-                <a:srgbClr val="000000">
-                  <a:alpha val="30000"/>
-                </a:srgbClr>
-              </a:gs>
-            </a:gsLst>
-            <a:lin ang="7800000" scaled="0"/>
-          </a:gradFill>
-          <a:ln>
-            <a:noFill/>
-          </a:ln>
-        </p:spPr>
-        <p:style>
-          <a:lnRef idx="2">
-            <a:schemeClr val="accent1">
-              <a:shade val="50000"/>
-            </a:schemeClr>
-          </a:lnRef>
-          <a:fillRef idx="1">
-            <a:schemeClr val="accent1"/>
-          </a:fillRef>
-          <a:effectRef idx="0">
-            <a:schemeClr val="accent1"/>
-          </a:effectRef>
-          <a:fontRef idx="minor">
-            <a:schemeClr val="lt1"/>
-          </a:fontRef>
-        </p:style>
-        <p:txBody>
-          <a:bodyPr rtlCol="0" anchor="ctr"/>
-          <a:lstStyle/>
-          <a:p>
-            <a:pPr algn="ctr"/>
-            <a:endParaRPr lang="en-US" dirty="0"/>
-          </a:p>
-        </p:txBody>
-      </p:sp>
-      <p:sp>
-        <p:nvSpPr>
-          <p:cNvPr id="17" name="Freeform: Shape 16">
-            <a:extLst>
-              <a:ext uri="{FF2B5EF4-FFF2-40B4-BE49-F238E27FC236}">
-                <a16:creationId xmlns:a16="http://schemas.microsoft.com/office/drawing/2014/main" id="{43F8A58B-5155-44CE-A5FF-7647B47D0A7A}"/>
-              </a:ext>
-              <a:ext uri="{C183D7F6-B498-43B3-948B-1728B52AA6E4}">
-                <adec:decorative xmlns:adec="http://schemas.microsoft.com/office/drawing/2017/decorative" val="1"/>
-              </a:ext>
-            </a:extLst>
-          </p:cNvPr>
-          <p:cNvSpPr>
-            <a:spLocks noGrp="1" noRot="1" noChangeAspect="1" noMove="1" noResize="1" noEditPoints="1" noAdjustHandles="1" noChangeArrowheads="1" noChangeShapeType="1" noTextEdit="1"/>
-          </p:cNvSpPr>
-          <p:nvPr>
-            <p:extLst>
-              <p:ext uri="{386F3935-93C4-4BCD-93E2-E3B085C9AB24}">
-                <p16:designElem xmlns:p16="http://schemas.microsoft.com/office/powerpoint/2015/main" val="1"/>
-              </p:ext>
-            </p:extLst>
-          </p:nvPr>
-        </p:nvSpPr>
-        <p:spPr>
-          <a:xfrm rot="20635413">
-            <a:off x="-376302" y="969718"/>
-            <a:ext cx="2925267" cy="4178958"/>
-          </a:xfrm>
-          <a:custGeom>
-            <a:avLst/>
-            <a:gdLst>
-              <a:gd name="connsiteX0" fmla="*/ 2432225 w 3900357"/>
-              <a:gd name="connsiteY0" fmla="*/ 93939 h 4178958"/>
-              <a:gd name="connsiteX1" fmla="*/ 3900357 w 3900357"/>
-              <a:gd name="connsiteY1" fmla="*/ 2089479 h 4178958"/>
-              <a:gd name="connsiteX2" fmla="*/ 1810878 w 3900357"/>
-              <a:gd name="connsiteY2" fmla="*/ 4178958 h 4178958"/>
-              <a:gd name="connsiteX3" fmla="*/ 78249 w 3900357"/>
-              <a:gd name="connsiteY3" fmla="*/ 3257727 h 4178958"/>
-              <a:gd name="connsiteX4" fmla="*/ 0 w 3900357"/>
-              <a:gd name="connsiteY4" fmla="*/ 3128923 h 4178958"/>
-              <a:gd name="connsiteX5" fmla="*/ 831324 w 3900357"/>
-              <a:gd name="connsiteY5" fmla="*/ 244281 h 4178958"/>
-              <a:gd name="connsiteX6" fmla="*/ 997559 w 3900357"/>
-              <a:gd name="connsiteY6" fmla="*/ 164202 h 4178958"/>
-              <a:gd name="connsiteX7" fmla="*/ 1810878 w 3900357"/>
-              <a:gd name="connsiteY7" fmla="*/ 0 h 4178958"/>
-              <a:gd name="connsiteX8" fmla="*/ 2432225 w 3900357"/>
-              <a:gd name="connsiteY8" fmla="*/ 93939 h 4178958"/>
-            </a:gdLst>
-            <a:ahLst/>
-            <a:cxnLst>
-              <a:cxn ang="0">
-                <a:pos x="connsiteX0" y="connsiteY0"/>
-              </a:cxn>
-              <a:cxn ang="0">
-                <a:pos x="connsiteX1" y="connsiteY1"/>
-              </a:cxn>
-              <a:cxn ang="0">
-                <a:pos x="connsiteX2" y="connsiteY2"/>
-              </a:cxn>
-              <a:cxn ang="0">
-                <a:pos x="connsiteX3" y="connsiteY3"/>
-              </a:cxn>
-              <a:cxn ang="0">
-                <a:pos x="connsiteX4" y="connsiteY4"/>
-              </a:cxn>
-              <a:cxn ang="0">
-                <a:pos x="connsiteX5" y="connsiteY5"/>
-              </a:cxn>
-              <a:cxn ang="0">
-                <a:pos x="connsiteX6" y="connsiteY6"/>
-              </a:cxn>
-              <a:cxn ang="0">
-                <a:pos x="connsiteX7" y="connsiteY7"/>
-              </a:cxn>
-              <a:cxn ang="0">
-                <a:pos x="connsiteX8" y="connsiteY8"/>
-              </a:cxn>
-            </a:cxnLst>
-            <a:rect l="l" t="t" r="r" b="b"/>
-            <a:pathLst>
-              <a:path w="3900357" h="4178958">
-                <a:moveTo>
-                  <a:pt x="2432225" y="93939"/>
-                </a:moveTo>
-                <a:cubicBezTo>
-                  <a:pt x="3282786" y="358491"/>
-                  <a:pt x="3900357" y="1151865"/>
-                  <a:pt x="3900357" y="2089479"/>
-                </a:cubicBezTo>
-                <a:cubicBezTo>
-                  <a:pt x="3900357" y="3243466"/>
-                  <a:pt x="2964865" y="4178958"/>
-                  <a:pt x="1810878" y="4178958"/>
-                </a:cubicBezTo>
-                <a:cubicBezTo>
-                  <a:pt x="1089636" y="4178958"/>
-                  <a:pt x="453744" y="3813531"/>
-                  <a:pt x="78249" y="3257727"/>
-                </a:cubicBezTo>
-                <a:lnTo>
-                  <a:pt x="0" y="3128923"/>
-                </a:lnTo>
-                <a:lnTo>
-                  <a:pt x="831324" y="244281"/>
-                </a:lnTo>
-                <a:lnTo>
-                  <a:pt x="997559" y="164202"/>
-                </a:lnTo>
-                <a:cubicBezTo>
-                  <a:pt x="1247540" y="58468"/>
-                  <a:pt x="1522381" y="0"/>
-                  <a:pt x="1810878" y="0"/>
-                </a:cubicBezTo>
-                <a:cubicBezTo>
-                  <a:pt x="2027251" y="0"/>
-                  <a:pt x="2235942" y="32888"/>
-                  <a:pt x="2432225" y="93939"/>
-                </a:cubicBezTo>
-                <a:close/>
-              </a:path>
-            </a:pathLst>
-          </a:custGeom>
-          <a:gradFill>
-            <a:gsLst>
-              <a:gs pos="29000">
-                <a:srgbClr val="000000">
-                  <a:alpha val="0"/>
-                </a:srgbClr>
-              </a:gs>
-              <a:gs pos="100000">
-                <a:schemeClr val="accent1">
-                  <a:alpha val="43000"/>
-                </a:schemeClr>
-              </a:gs>
-            </a:gsLst>
-            <a:lin ang="1800000" scaled="0"/>
-          </a:gradFill>
-          <a:ln>
-            <a:noFill/>
-          </a:ln>
-        </p:spPr>
-        <p:style>
-          <a:lnRef idx="2">
-            <a:schemeClr val="accent1">
-              <a:shade val="50000"/>
-            </a:schemeClr>
-          </a:lnRef>
-          <a:fillRef idx="1">
-            <a:schemeClr val="accent1"/>
-          </a:fillRef>
-          <a:effectRef idx="0">
-            <a:schemeClr val="accent1"/>
-          </a:effectRef>
-          <a:fontRef idx="minor">
-            <a:schemeClr val="lt1"/>
-          </a:fontRef>
-        </p:style>
-        <p:txBody>
-          <a:bodyPr wrap="square" rtlCol="0" anchor="ctr">
-            <a:noAutofit/>
-          </a:bodyPr>
-          <a:lstStyle/>
-          <a:p>
-            <a:pPr algn="ctr"/>
-            <a:endParaRPr lang="en-US" dirty="0"/>
-          </a:p>
-        </p:txBody>
-      </p:sp>
-      <p:sp>
-        <p:nvSpPr>
-          <p:cNvPr id="19" name="Rectangle 18">
-            <a:extLst>
-              <a:ext uri="{FF2B5EF4-FFF2-40B4-BE49-F238E27FC236}">
-                <a16:creationId xmlns:a16="http://schemas.microsoft.com/office/drawing/2014/main" id="{443F2ACA-E6D6-4028-82DD-F03C262D5DE6}"/>
-              </a:ext>
-              <a:ext uri="{C183D7F6-B498-43B3-948B-1728B52AA6E4}">
-                <adec:decorative xmlns:adec="http://schemas.microsoft.com/office/drawing/2017/decorative" val="1"/>
-              </a:ext>
-            </a:extLst>
-          </p:cNvPr>
-          <p:cNvSpPr>
-            <a:spLocks noGrp="1" noRot="1" noChangeAspect="1" noMove="1" noResize="1" noEditPoints="1" noAdjustHandles="1" noChangeArrowheads="1" noChangeShapeType="1" noTextEdit="1"/>
-          </p:cNvSpPr>
-          <p:nvPr>
-            <p:extLst>
-              <p:ext uri="{386F3935-93C4-4BCD-93E2-E3B085C9AB24}">
-                <p16:designElem xmlns:p16="http://schemas.microsoft.com/office/powerpoint/2015/main" val="1"/>
-              </p:ext>
-            </p:extLst>
-          </p:nvPr>
-        </p:nvSpPr>
-        <p:spPr>
-          <a:xfrm rot="5400000" flipH="1">
-            <a:off x="-1914822" y="1914808"/>
-            <a:ext cx="6858003" cy="3028376"/>
-          </a:xfrm>
-          <a:prstGeom prst="rect">
-            <a:avLst/>
-          </a:prstGeom>
-          <a:gradFill>
-            <a:gsLst>
-              <a:gs pos="0">
-                <a:srgbClr val="000000">
-                  <a:alpha val="0"/>
-                </a:srgbClr>
-              </a:gs>
-              <a:gs pos="99000">
-                <a:schemeClr val="accent1">
-                  <a:lumMod val="60000"/>
-                  <a:lumOff val="40000"/>
-                  <a:alpha val="11000"/>
-                </a:schemeClr>
-              </a:gs>
-            </a:gsLst>
-            <a:lin ang="7200000" scaled="0"/>
-          </a:gradFill>
-          <a:ln>
-            <a:noFill/>
-          </a:ln>
-        </p:spPr>
-        <p:style>
-          <a:lnRef idx="2">
-            <a:schemeClr val="accent1">
-              <a:shade val="50000"/>
-            </a:schemeClr>
-          </a:lnRef>
-          <a:fillRef idx="1">
-            <a:schemeClr val="accent1"/>
-          </a:fillRef>
-          <a:effectRef idx="0">
-            <a:schemeClr val="accent1"/>
-          </a:effectRef>
-          <a:fontRef idx="minor">
-            <a:schemeClr val="lt1"/>
-          </a:fontRef>
-        </p:style>
-        <p:txBody>
-          <a:bodyPr rtlCol="0" anchor="ctr"/>
-          <a:lstStyle/>
-          <a:p>
-            <a:pPr algn="ctr"/>
-            <a:endParaRPr lang="en-US"/>
-          </a:p>
-        </p:txBody>
-      </p:sp>
       <p:sp>
         <p:nvSpPr>
           <p:cNvPr id="2" name="Title 1"/>
@@ -14039,7 +13154,7 @@
 </p:sld>
 </file>
 
-<file path=ppt/slides/slide7.xml><?xml version="1.0" encoding="utf-8"?>
+<file path=ppt/slides/slide8.xml><?xml version="1.0" encoding="utf-8"?>
 <p:sld xmlns:a="http://schemas.openxmlformats.org/drawingml/2006/main" xmlns:r="http://schemas.openxmlformats.org/officeDocument/2006/relationships" xmlns:p="http://schemas.openxmlformats.org/presentationml/2006/main">
   <p:cSld>
     <p:bg>
@@ -14064,552 +13179,6 @@
           <a:chExt cx="0" cy="0"/>
         </a:xfrm>
       </p:grpSpPr>
-      <p:sp useBgFill="1">
-        <p:nvSpPr>
-          <p:cNvPr id="21" name="Rectangle 20">
-            <a:extLst>
-              <a:ext uri="{FF2B5EF4-FFF2-40B4-BE49-F238E27FC236}">
-                <a16:creationId xmlns:a16="http://schemas.microsoft.com/office/drawing/2014/main" id="{BACC6370-2D7E-4714-9D71-7542949D7D5D}"/>
-              </a:ext>
-              <a:ext uri="{C183D7F6-B498-43B3-948B-1728B52AA6E4}">
-                <adec:decorative xmlns:adec="http://schemas.microsoft.com/office/drawing/2017/decorative" val="1"/>
-              </a:ext>
-            </a:extLst>
-          </p:cNvPr>
-          <p:cNvSpPr>
-            <a:spLocks noGrp="1" noRot="1" noChangeAspect="1" noMove="1" noResize="1" noEditPoints="1" noAdjustHandles="1" noChangeArrowheads="1" noChangeShapeType="1" noTextEdit="1"/>
-          </p:cNvSpPr>
-          <p:nvPr>
-            <p:extLst>
-              <p:ext uri="{386F3935-93C4-4BCD-93E2-E3B085C9AB24}">
-                <p16:designElem xmlns:p16="http://schemas.microsoft.com/office/powerpoint/2015/main" val="1"/>
-              </p:ext>
-            </p:extLst>
-          </p:nvPr>
-        </p:nvSpPr>
-        <p:spPr>
-          <a:xfrm>
-            <a:off x="0" y="0"/>
-            <a:ext cx="9144000" cy="6858000"/>
-          </a:xfrm>
-          <a:prstGeom prst="rect">
-            <a:avLst/>
-          </a:prstGeom>
-          <a:ln w="12700" cap="flat" cmpd="sng" algn="ctr">
-            <a:noFill/>
-            <a:prstDash val="solid"/>
-            <a:miter lim="800000"/>
-          </a:ln>
-          <a:effectLst/>
-          <a:extLst>
-            <a:ext uri="{91240B29-F687-4F45-9708-019B960494DF}">
-              <a14:hiddenLine xmlns:a14="http://schemas.microsoft.com/office/drawing/2010/main" w="12700" cap="flat" cmpd="sng" algn="ctr">
-                <a:solidFill>
-                  <a:schemeClr val="accent1">
-                    <a:shade val="50000"/>
-                  </a:schemeClr>
-                </a:solidFill>
-                <a:prstDash val="solid"/>
-                <a:miter lim="800000"/>
-              </a14:hiddenLine>
-            </a:ext>
-          </a:extLst>
-        </p:spPr>
-        <p:style>
-          <a:lnRef idx="2">
-            <a:schemeClr val="accent1">
-              <a:shade val="50000"/>
-            </a:schemeClr>
-          </a:lnRef>
-          <a:fillRef idx="1">
-            <a:schemeClr val="accent1"/>
-          </a:fillRef>
-          <a:effectRef idx="0">
-            <a:schemeClr val="accent1"/>
-          </a:effectRef>
-          <a:fontRef idx="minor">
-            <a:schemeClr val="lt1"/>
-          </a:fontRef>
-        </p:style>
-        <p:txBody>
-          <a:bodyPr rtlCol="0" anchor="ctr"/>
-          <a:lstStyle/>
-          <a:p>
-            <a:pPr algn="ctr"/>
-            <a:endParaRPr lang="en-US"/>
-          </a:p>
-        </p:txBody>
-      </p:sp>
-      <p:sp>
-        <p:nvSpPr>
-          <p:cNvPr id="22" name="Rectangle 21">
-            <a:extLst>
-              <a:ext uri="{FF2B5EF4-FFF2-40B4-BE49-F238E27FC236}">
-                <a16:creationId xmlns:a16="http://schemas.microsoft.com/office/drawing/2014/main" id="{256B2C21-A230-48C0-8DF1-C46611373C44}"/>
-              </a:ext>
-              <a:ext uri="{C183D7F6-B498-43B3-948B-1728B52AA6E4}">
-                <adec:decorative xmlns:adec="http://schemas.microsoft.com/office/drawing/2017/decorative" val="1"/>
-              </a:ext>
-            </a:extLst>
-          </p:cNvPr>
-          <p:cNvSpPr>
-            <a:spLocks noGrp="1" noRot="1" noChangeAspect="1" noMove="1" noResize="1" noEditPoints="1" noAdjustHandles="1" noChangeArrowheads="1" noChangeShapeType="1" noTextEdit="1"/>
-          </p:cNvSpPr>
-          <p:nvPr>
-            <p:extLst>
-              <p:ext uri="{386F3935-93C4-4BCD-93E2-E3B085C9AB24}">
-                <p16:designElem xmlns:p16="http://schemas.microsoft.com/office/powerpoint/2015/main" val="1"/>
-              </p:ext>
-            </p:extLst>
-          </p:nvPr>
-        </p:nvSpPr>
-        <p:spPr>
-          <a:xfrm rot="5400000" flipH="1">
-            <a:off x="-1914813" y="1914812"/>
-            <a:ext cx="6858000" cy="3028377"/>
-          </a:xfrm>
-          <a:prstGeom prst="rect">
-            <a:avLst/>
-          </a:prstGeom>
-          <a:gradFill>
-            <a:gsLst>
-              <a:gs pos="8000">
-                <a:srgbClr val="000000"/>
-              </a:gs>
-              <a:gs pos="100000">
-                <a:schemeClr val="accent1">
-                  <a:lumMod val="75000"/>
-                </a:schemeClr>
-              </a:gs>
-            </a:gsLst>
-            <a:lin ang="3000000" scaled="0"/>
-          </a:gradFill>
-          <a:ln>
-            <a:noFill/>
-          </a:ln>
-        </p:spPr>
-        <p:style>
-          <a:lnRef idx="2">
-            <a:schemeClr val="accent1">
-              <a:shade val="50000"/>
-            </a:schemeClr>
-          </a:lnRef>
-          <a:fillRef idx="1">
-            <a:schemeClr val="accent1"/>
-          </a:fillRef>
-          <a:effectRef idx="0">
-            <a:schemeClr val="accent1"/>
-          </a:effectRef>
-          <a:fontRef idx="minor">
-            <a:schemeClr val="lt1"/>
-          </a:fontRef>
-        </p:style>
-        <p:txBody>
-          <a:bodyPr rtlCol="0" anchor="ctr"/>
-          <a:lstStyle/>
-          <a:p>
-            <a:pPr algn="ctr"/>
-            <a:endParaRPr lang="en-US"/>
-          </a:p>
-        </p:txBody>
-      </p:sp>
-      <p:sp>
-        <p:nvSpPr>
-          <p:cNvPr id="23" name="Rectangle 22">
-            <a:extLst>
-              <a:ext uri="{FF2B5EF4-FFF2-40B4-BE49-F238E27FC236}">
-                <a16:creationId xmlns:a16="http://schemas.microsoft.com/office/drawing/2014/main" id="{3847E18C-932D-4C95-AABA-FEC7C9499AD7}"/>
-              </a:ext>
-              <a:ext uri="{C183D7F6-B498-43B3-948B-1728B52AA6E4}">
-                <adec:decorative xmlns:adec="http://schemas.microsoft.com/office/drawing/2017/decorative" val="1"/>
-              </a:ext>
-            </a:extLst>
-          </p:cNvPr>
-          <p:cNvSpPr>
-            <a:spLocks noGrp="1" noRot="1" noChangeAspect="1" noMove="1" noResize="1" noEditPoints="1" noAdjustHandles="1" noChangeArrowheads="1" noChangeShapeType="1" noTextEdit="1"/>
-          </p:cNvSpPr>
-          <p:nvPr>
-            <p:extLst>
-              <p:ext uri="{386F3935-93C4-4BCD-93E2-E3B085C9AB24}">
-                <p16:designElem xmlns:p16="http://schemas.microsoft.com/office/powerpoint/2015/main" val="1"/>
-              </p:ext>
-            </p:extLst>
-          </p:nvPr>
-        </p:nvSpPr>
-        <p:spPr>
-          <a:xfrm rot="5400000" flipH="1">
-            <a:off x="-1914814" y="1924949"/>
-            <a:ext cx="6857999" cy="3028379"/>
-          </a:xfrm>
-          <a:prstGeom prst="rect">
-            <a:avLst/>
-          </a:prstGeom>
-          <a:gradFill>
-            <a:gsLst>
-              <a:gs pos="0">
-                <a:srgbClr val="000000">
-                  <a:alpha val="0"/>
-                </a:srgbClr>
-              </a:gs>
-              <a:gs pos="99000">
-                <a:schemeClr val="accent1">
-                  <a:alpha val="46000"/>
-                </a:schemeClr>
-              </a:gs>
-            </a:gsLst>
-            <a:lin ang="1800000" scaled="0"/>
-          </a:gradFill>
-          <a:ln>
-            <a:noFill/>
-          </a:ln>
-        </p:spPr>
-        <p:style>
-          <a:lnRef idx="2">
-            <a:schemeClr val="accent1">
-              <a:shade val="50000"/>
-            </a:schemeClr>
-          </a:lnRef>
-          <a:fillRef idx="1">
-            <a:schemeClr val="accent1"/>
-          </a:fillRef>
-          <a:effectRef idx="0">
-            <a:schemeClr val="accent1"/>
-          </a:effectRef>
-          <a:fontRef idx="minor">
-            <a:schemeClr val="lt1"/>
-          </a:fontRef>
-        </p:style>
-        <p:txBody>
-          <a:bodyPr rtlCol="0" anchor="ctr"/>
-          <a:lstStyle/>
-          <a:p>
-            <a:pPr algn="ctr"/>
-            <a:endParaRPr lang="en-US"/>
-          </a:p>
-        </p:txBody>
-      </p:sp>
-      <p:sp>
-        <p:nvSpPr>
-          <p:cNvPr id="24" name="Rectangle 23">
-            <a:extLst>
-              <a:ext uri="{FF2B5EF4-FFF2-40B4-BE49-F238E27FC236}">
-                <a16:creationId xmlns:a16="http://schemas.microsoft.com/office/drawing/2014/main" id="{3150CB11-0C61-439E-910F-5787759E72A0}"/>
-              </a:ext>
-              <a:ext uri="{C183D7F6-B498-43B3-948B-1728B52AA6E4}">
-                <adec:decorative xmlns:adec="http://schemas.microsoft.com/office/drawing/2017/decorative" val="1"/>
-              </a:ext>
-            </a:extLst>
-          </p:cNvPr>
-          <p:cNvSpPr>
-            <a:spLocks noGrp="1" noRot="1" noChangeAspect="1" noMove="1" noResize="1" noEditPoints="1" noAdjustHandles="1" noChangeArrowheads="1" noChangeShapeType="1" noTextEdit="1"/>
-          </p:cNvSpPr>
-          <p:nvPr>
-            <p:extLst>
-              <p:ext uri="{386F3935-93C4-4BCD-93E2-E3B085C9AB24}">
-                <p16:designElem xmlns:p16="http://schemas.microsoft.com/office/powerpoint/2015/main" val="1"/>
-              </p:ext>
-            </p:extLst>
-          </p:nvPr>
-        </p:nvSpPr>
-        <p:spPr>
-          <a:xfrm rot="5400000" flipH="1">
-            <a:off x="263195" y="4092815"/>
-            <a:ext cx="2501979" cy="3028381"/>
-          </a:xfrm>
-          <a:prstGeom prst="rect">
-            <a:avLst/>
-          </a:prstGeom>
-          <a:gradFill>
-            <a:gsLst>
-              <a:gs pos="2000">
-                <a:schemeClr val="accent1">
-                  <a:alpha val="29000"/>
-                </a:schemeClr>
-              </a:gs>
-              <a:gs pos="100000">
-                <a:srgbClr val="000000">
-                  <a:alpha val="30000"/>
-                </a:srgbClr>
-              </a:gs>
-            </a:gsLst>
-            <a:lin ang="7800000" scaled="0"/>
-          </a:gradFill>
-          <a:ln>
-            <a:noFill/>
-          </a:ln>
-        </p:spPr>
-        <p:style>
-          <a:lnRef idx="2">
-            <a:schemeClr val="accent1">
-              <a:shade val="50000"/>
-            </a:schemeClr>
-          </a:lnRef>
-          <a:fillRef idx="1">
-            <a:schemeClr val="accent1"/>
-          </a:fillRef>
-          <a:effectRef idx="0">
-            <a:schemeClr val="accent1"/>
-          </a:effectRef>
-          <a:fontRef idx="minor">
-            <a:schemeClr val="lt1"/>
-          </a:fontRef>
-        </p:style>
-        <p:txBody>
-          <a:bodyPr rtlCol="0" anchor="ctr"/>
-          <a:lstStyle/>
-          <a:p>
-            <a:pPr algn="ctr"/>
-            <a:endParaRPr lang="en-US" dirty="0"/>
-          </a:p>
-        </p:txBody>
-      </p:sp>
-      <p:sp>
-        <p:nvSpPr>
-          <p:cNvPr id="25" name="Freeform: Shape 24">
-            <a:extLst>
-              <a:ext uri="{FF2B5EF4-FFF2-40B4-BE49-F238E27FC236}">
-                <a16:creationId xmlns:a16="http://schemas.microsoft.com/office/drawing/2014/main" id="{43F8A58B-5155-44CE-A5FF-7647B47D0A7A}"/>
-              </a:ext>
-              <a:ext uri="{C183D7F6-B498-43B3-948B-1728B52AA6E4}">
-                <adec:decorative xmlns:adec="http://schemas.microsoft.com/office/drawing/2017/decorative" val="1"/>
-              </a:ext>
-            </a:extLst>
-          </p:cNvPr>
-          <p:cNvSpPr>
-            <a:spLocks noGrp="1" noRot="1" noChangeAspect="1" noMove="1" noResize="1" noEditPoints="1" noAdjustHandles="1" noChangeArrowheads="1" noChangeShapeType="1" noTextEdit="1"/>
-          </p:cNvSpPr>
-          <p:nvPr>
-            <p:extLst>
-              <p:ext uri="{386F3935-93C4-4BCD-93E2-E3B085C9AB24}">
-                <p16:designElem xmlns:p16="http://schemas.microsoft.com/office/powerpoint/2015/main" val="1"/>
-              </p:ext>
-            </p:extLst>
-          </p:nvPr>
-        </p:nvSpPr>
-        <p:spPr>
-          <a:xfrm rot="20635413">
-            <a:off x="-376302" y="969718"/>
-            <a:ext cx="2925267" cy="4178958"/>
-          </a:xfrm>
-          <a:custGeom>
-            <a:avLst/>
-            <a:gdLst>
-              <a:gd name="connsiteX0" fmla="*/ 2432225 w 3900357"/>
-              <a:gd name="connsiteY0" fmla="*/ 93939 h 4178958"/>
-              <a:gd name="connsiteX1" fmla="*/ 3900357 w 3900357"/>
-              <a:gd name="connsiteY1" fmla="*/ 2089479 h 4178958"/>
-              <a:gd name="connsiteX2" fmla="*/ 1810878 w 3900357"/>
-              <a:gd name="connsiteY2" fmla="*/ 4178958 h 4178958"/>
-              <a:gd name="connsiteX3" fmla="*/ 78249 w 3900357"/>
-              <a:gd name="connsiteY3" fmla="*/ 3257727 h 4178958"/>
-              <a:gd name="connsiteX4" fmla="*/ 0 w 3900357"/>
-              <a:gd name="connsiteY4" fmla="*/ 3128923 h 4178958"/>
-              <a:gd name="connsiteX5" fmla="*/ 831324 w 3900357"/>
-              <a:gd name="connsiteY5" fmla="*/ 244281 h 4178958"/>
-              <a:gd name="connsiteX6" fmla="*/ 997559 w 3900357"/>
-              <a:gd name="connsiteY6" fmla="*/ 164202 h 4178958"/>
-              <a:gd name="connsiteX7" fmla="*/ 1810878 w 3900357"/>
-              <a:gd name="connsiteY7" fmla="*/ 0 h 4178958"/>
-              <a:gd name="connsiteX8" fmla="*/ 2432225 w 3900357"/>
-              <a:gd name="connsiteY8" fmla="*/ 93939 h 4178958"/>
-            </a:gdLst>
-            <a:ahLst/>
-            <a:cxnLst>
-              <a:cxn ang="0">
-                <a:pos x="connsiteX0" y="connsiteY0"/>
-              </a:cxn>
-              <a:cxn ang="0">
-                <a:pos x="connsiteX1" y="connsiteY1"/>
-              </a:cxn>
-              <a:cxn ang="0">
-                <a:pos x="connsiteX2" y="connsiteY2"/>
-              </a:cxn>
-              <a:cxn ang="0">
-                <a:pos x="connsiteX3" y="connsiteY3"/>
-              </a:cxn>
-              <a:cxn ang="0">
-                <a:pos x="connsiteX4" y="connsiteY4"/>
-              </a:cxn>
-              <a:cxn ang="0">
-                <a:pos x="connsiteX5" y="connsiteY5"/>
-              </a:cxn>
-              <a:cxn ang="0">
-                <a:pos x="connsiteX6" y="connsiteY6"/>
-              </a:cxn>
-              <a:cxn ang="0">
-                <a:pos x="connsiteX7" y="connsiteY7"/>
-              </a:cxn>
-              <a:cxn ang="0">
-                <a:pos x="connsiteX8" y="connsiteY8"/>
-              </a:cxn>
-            </a:cxnLst>
-            <a:rect l="l" t="t" r="r" b="b"/>
-            <a:pathLst>
-              <a:path w="3900357" h="4178958">
-                <a:moveTo>
-                  <a:pt x="2432225" y="93939"/>
-                </a:moveTo>
-                <a:cubicBezTo>
-                  <a:pt x="3282786" y="358491"/>
-                  <a:pt x="3900357" y="1151865"/>
-                  <a:pt x="3900357" y="2089479"/>
-                </a:cubicBezTo>
-                <a:cubicBezTo>
-                  <a:pt x="3900357" y="3243466"/>
-                  <a:pt x="2964865" y="4178958"/>
-                  <a:pt x="1810878" y="4178958"/>
-                </a:cubicBezTo>
-                <a:cubicBezTo>
-                  <a:pt x="1089636" y="4178958"/>
-                  <a:pt x="453744" y="3813531"/>
-                  <a:pt x="78249" y="3257727"/>
-                </a:cubicBezTo>
-                <a:lnTo>
-                  <a:pt x="0" y="3128923"/>
-                </a:lnTo>
-                <a:lnTo>
-                  <a:pt x="831324" y="244281"/>
-                </a:lnTo>
-                <a:lnTo>
-                  <a:pt x="997559" y="164202"/>
-                </a:lnTo>
-                <a:cubicBezTo>
-                  <a:pt x="1247540" y="58468"/>
-                  <a:pt x="1522381" y="0"/>
-                  <a:pt x="1810878" y="0"/>
-                </a:cubicBezTo>
-                <a:cubicBezTo>
-                  <a:pt x="2027251" y="0"/>
-                  <a:pt x="2235942" y="32888"/>
-                  <a:pt x="2432225" y="93939"/>
-                </a:cubicBezTo>
-                <a:close/>
-              </a:path>
-            </a:pathLst>
-          </a:custGeom>
-          <a:gradFill>
-            <a:gsLst>
-              <a:gs pos="29000">
-                <a:srgbClr val="000000">
-                  <a:alpha val="0"/>
-                </a:srgbClr>
-              </a:gs>
-              <a:gs pos="100000">
-                <a:schemeClr val="accent1">
-                  <a:alpha val="43000"/>
-                </a:schemeClr>
-              </a:gs>
-            </a:gsLst>
-            <a:lin ang="1800000" scaled="0"/>
-          </a:gradFill>
-          <a:ln>
-            <a:noFill/>
-          </a:ln>
-        </p:spPr>
-        <p:style>
-          <a:lnRef idx="2">
-            <a:schemeClr val="accent1">
-              <a:shade val="50000"/>
-            </a:schemeClr>
-          </a:lnRef>
-          <a:fillRef idx="1">
-            <a:schemeClr val="accent1"/>
-          </a:fillRef>
-          <a:effectRef idx="0">
-            <a:schemeClr val="accent1"/>
-          </a:effectRef>
-          <a:fontRef idx="minor">
-            <a:schemeClr val="lt1"/>
-          </a:fontRef>
-        </p:style>
-        <p:txBody>
-          <a:bodyPr wrap="square" rtlCol="0" anchor="ctr">
-            <a:noAutofit/>
-          </a:bodyPr>
-          <a:lstStyle/>
-          <a:p>
-            <a:pPr algn="ctr"/>
-            <a:endParaRPr lang="en-US" dirty="0"/>
-          </a:p>
-        </p:txBody>
-      </p:sp>
-      <p:sp>
-        <p:nvSpPr>
-          <p:cNvPr id="26" name="Rectangle 25">
-            <a:extLst>
-              <a:ext uri="{FF2B5EF4-FFF2-40B4-BE49-F238E27FC236}">
-                <a16:creationId xmlns:a16="http://schemas.microsoft.com/office/drawing/2014/main" id="{443F2ACA-E6D6-4028-82DD-F03C262D5DE6}"/>
-              </a:ext>
-              <a:ext uri="{C183D7F6-B498-43B3-948B-1728B52AA6E4}">
-                <adec:decorative xmlns:adec="http://schemas.microsoft.com/office/drawing/2017/decorative" val="1"/>
-              </a:ext>
-            </a:extLst>
-          </p:cNvPr>
-          <p:cNvSpPr>
-            <a:spLocks noGrp="1" noRot="1" noChangeAspect="1" noMove="1" noResize="1" noEditPoints="1" noAdjustHandles="1" noChangeArrowheads="1" noChangeShapeType="1" noTextEdit="1"/>
-          </p:cNvSpPr>
-          <p:nvPr>
-            <p:extLst>
-              <p:ext uri="{386F3935-93C4-4BCD-93E2-E3B085C9AB24}">
-                <p16:designElem xmlns:p16="http://schemas.microsoft.com/office/powerpoint/2015/main" val="1"/>
-              </p:ext>
-            </p:extLst>
-          </p:nvPr>
-        </p:nvSpPr>
-        <p:spPr>
-          <a:xfrm rot="5400000" flipH="1">
-            <a:off x="-1914822" y="1914808"/>
-            <a:ext cx="6858003" cy="3028376"/>
-          </a:xfrm>
-          <a:prstGeom prst="rect">
-            <a:avLst/>
-          </a:prstGeom>
-          <a:gradFill>
-            <a:gsLst>
-              <a:gs pos="0">
-                <a:srgbClr val="000000">
-                  <a:alpha val="0"/>
-                </a:srgbClr>
-              </a:gs>
-              <a:gs pos="99000">
-                <a:schemeClr val="accent1">
-                  <a:lumMod val="60000"/>
-                  <a:lumOff val="40000"/>
-                  <a:alpha val="11000"/>
-                </a:schemeClr>
-              </a:gs>
-            </a:gsLst>
-            <a:lin ang="7200000" scaled="0"/>
-          </a:gradFill>
-          <a:ln>
-            <a:noFill/>
-          </a:ln>
-        </p:spPr>
-        <p:style>
-          <a:lnRef idx="2">
-            <a:schemeClr val="accent1">
-              <a:shade val="50000"/>
-            </a:schemeClr>
-          </a:lnRef>
-          <a:fillRef idx="1">
-            <a:schemeClr val="accent1"/>
-          </a:fillRef>
-          <a:effectRef idx="0">
-            <a:schemeClr val="accent1"/>
-          </a:effectRef>
-          <a:fontRef idx="minor">
-            <a:schemeClr val="lt1"/>
-          </a:fontRef>
-        </p:style>
-        <p:txBody>
-          <a:bodyPr rtlCol="0" anchor="ctr"/>
-          <a:lstStyle/>
-          <a:p>
-            <a:pPr algn="ctr"/>
-            <a:endParaRPr lang="en-US"/>
-          </a:p>
-        </p:txBody>
-      </p:sp>
       <p:sp>
         <p:nvSpPr>
           <p:cNvPr id="2" name="Title 1"/>
@@ -14683,7 +13252,7 @@
 </p:sld>
 </file>
 
-<file path=ppt/slides/slide8.xml><?xml version="1.0" encoding="utf-8"?>
+<file path=ppt/slides/slide9.xml><?xml version="1.0" encoding="utf-8"?>
 <p:sld xmlns:a="http://schemas.openxmlformats.org/drawingml/2006/main" xmlns:r="http://schemas.openxmlformats.org/officeDocument/2006/relationships" xmlns:p="http://schemas.openxmlformats.org/presentationml/2006/main">
   <p:cSld>
     <p:bg>
@@ -14708,129 +13277,6 @@
           <a:chExt cx="0" cy="0"/>
         </a:xfrm>
       </p:grpSpPr>
-      <p:sp useBgFill="1">
-        <p:nvSpPr>
-          <p:cNvPr id="24" name="Rectangle 23">
-            <a:extLst>
-              <a:ext uri="{FF2B5EF4-FFF2-40B4-BE49-F238E27FC236}">
-                <a16:creationId xmlns:a16="http://schemas.microsoft.com/office/drawing/2014/main" id="{345A976A-8DE3-4B67-B94B-2044FDD12899}"/>
-              </a:ext>
-              <a:ext uri="{C183D7F6-B498-43B3-948B-1728B52AA6E4}">
-                <adec:decorative xmlns:adec="http://schemas.microsoft.com/office/drawing/2017/decorative" val="1"/>
-              </a:ext>
-            </a:extLst>
-          </p:cNvPr>
-          <p:cNvSpPr>
-            <a:spLocks noGrp="1" noRot="1" noChangeAspect="1" noMove="1" noResize="1" noEditPoints="1" noAdjustHandles="1" noChangeArrowheads="1" noChangeShapeType="1" noTextEdit="1"/>
-          </p:cNvSpPr>
-          <p:nvPr>
-            <p:extLst>
-              <p:ext uri="{386F3935-93C4-4BCD-93E2-E3B085C9AB24}">
-                <p16:designElem xmlns:p16="http://schemas.microsoft.com/office/powerpoint/2015/main" val="1"/>
-              </p:ext>
-            </p:extLst>
-          </p:nvPr>
-        </p:nvSpPr>
-        <p:spPr>
-          <a:xfrm>
-            <a:off x="0" y="1"/>
-            <a:ext cx="9143771" cy="6858000"/>
-          </a:xfrm>
-          <a:prstGeom prst="rect">
-            <a:avLst/>
-          </a:prstGeom>
-          <a:ln>
-            <a:noFill/>
-          </a:ln>
-        </p:spPr>
-        <p:style>
-          <a:lnRef idx="2">
-            <a:schemeClr val="accent1">
-              <a:shade val="50000"/>
-            </a:schemeClr>
-          </a:lnRef>
-          <a:fillRef idx="1">
-            <a:schemeClr val="accent1"/>
-          </a:fillRef>
-          <a:effectRef idx="0">
-            <a:schemeClr val="accent1"/>
-          </a:effectRef>
-          <a:fontRef idx="minor">
-            <a:schemeClr val="lt1"/>
-          </a:fontRef>
-        </p:style>
-        <p:txBody>
-          <a:bodyPr rtlCol="0" anchor="ctr"/>
-          <a:lstStyle/>
-          <a:p>
-            <a:pPr algn="ctr"/>
-            <a:endParaRPr lang="en-US"/>
-          </a:p>
-        </p:txBody>
-      </p:sp>
-      <p:sp>
-        <p:nvSpPr>
-          <p:cNvPr id="25" name="Rectangle 24">
-            <a:extLst>
-              <a:ext uri="{FF2B5EF4-FFF2-40B4-BE49-F238E27FC236}">
-                <a16:creationId xmlns:a16="http://schemas.microsoft.com/office/drawing/2014/main" id="{6EAAA1B9-2DDB-49C9-A037-A523D2F13C15}"/>
-              </a:ext>
-              <a:ext uri="{C183D7F6-B498-43B3-948B-1728B52AA6E4}">
-                <adec:decorative xmlns:adec="http://schemas.microsoft.com/office/drawing/2017/decorative" val="1"/>
-              </a:ext>
-            </a:extLst>
-          </p:cNvPr>
-          <p:cNvSpPr>
-            <a:spLocks noGrp="1" noRot="1" noChangeAspect="1" noMove="1" noResize="1" noEditPoints="1" noAdjustHandles="1" noChangeArrowheads="1" noChangeShapeType="1" noTextEdit="1"/>
-          </p:cNvSpPr>
-          <p:nvPr>
-            <p:extLst>
-              <p:ext uri="{386F3935-93C4-4BCD-93E2-E3B085C9AB24}">
-                <p16:designElem xmlns:p16="http://schemas.microsoft.com/office/powerpoint/2015/main" val="1"/>
-              </p:ext>
-            </p:extLst>
-          </p:nvPr>
-        </p:nvSpPr>
-        <p:spPr>
-          <a:xfrm>
-            <a:off x="228" y="0"/>
-            <a:ext cx="9143772" cy="6858000"/>
-          </a:xfrm>
-          <a:prstGeom prst="rect">
-            <a:avLst/>
-          </a:prstGeom>
-          <a:solidFill>
-            <a:schemeClr val="bg1"/>
-          </a:solidFill>
-          <a:ln>
-            <a:noFill/>
-          </a:ln>
-        </p:spPr>
-        <p:style>
-          <a:lnRef idx="2">
-            <a:schemeClr val="accent1">
-              <a:shade val="50000"/>
-            </a:schemeClr>
-          </a:lnRef>
-          <a:fillRef idx="1">
-            <a:schemeClr val="accent1"/>
-          </a:fillRef>
-          <a:effectRef idx="0">
-            <a:schemeClr val="accent1"/>
-          </a:effectRef>
-          <a:fontRef idx="minor">
-            <a:schemeClr val="lt1"/>
-          </a:fontRef>
-        </p:style>
-        <p:txBody>
-          <a:bodyPr rtlCol="0" anchor="ctr"/>
-          <a:lstStyle/>
-          <a:p>
-            <a:pPr algn="ctr"/>
-            <a:endParaRPr lang="en-US" sz="800"/>
-          </a:p>
-        </p:txBody>
-      </p:sp>
       <p:sp>
         <p:nvSpPr>
           <p:cNvPr id="2" name="Title 1"/>
@@ -14864,2330 +13310,6 @@
           </a:p>
         </p:txBody>
       </p:sp>
-      <p:grpSp>
-        <p:nvGrpSpPr>
-          <p:cNvPr id="26" name="Group 25">
-            <a:extLst>
-              <a:ext uri="{FF2B5EF4-FFF2-40B4-BE49-F238E27FC236}">
-                <a16:creationId xmlns:a16="http://schemas.microsoft.com/office/drawing/2014/main" id="{B441F8D5-EBCE-4FB9-91A9-3425971C1F99}"/>
-              </a:ext>
-              <a:ext uri="{C183D7F6-B498-43B3-948B-1728B52AA6E4}">
-                <adec:decorative xmlns:adec="http://schemas.microsoft.com/office/drawing/2017/decorative" val="1"/>
-              </a:ext>
-            </a:extLst>
-          </p:cNvPr>
-          <p:cNvGrpSpPr>
-            <a:grpSpLocks noGrp="1" noUngrp="1" noRot="1" noChangeAspect="1" noMove="1" noResize="1"/>
-          </p:cNvGrpSpPr>
-          <p:nvPr>
-            <p:extLst>
-              <p:ext uri="{386F3935-93C4-4BCD-93E2-E3B085C9AB24}">
-                <p16:designElem xmlns:p16="http://schemas.microsoft.com/office/powerpoint/2015/main" val="1"/>
-              </p:ext>
-            </p:extLst>
-          </p:nvPr>
-        </p:nvGrpSpPr>
-        <p:grpSpPr>
-          <a:xfrm rot="5400000">
-            <a:off x="6553998" y="473861"/>
-            <a:ext cx="3142400" cy="2037604"/>
-            <a:chOff x="-305" y="-4155"/>
-            <a:chExt cx="2514948" cy="2174333"/>
-          </a:xfrm>
-        </p:grpSpPr>
-        <p:sp>
-          <p:nvSpPr>
-            <p:cNvPr id="14" name="Freeform: Shape 13">
-              <a:extLst>
-                <a:ext uri="{FF2B5EF4-FFF2-40B4-BE49-F238E27FC236}">
-                  <a16:creationId xmlns:a16="http://schemas.microsoft.com/office/drawing/2014/main" id="{9A5E80E2-35F9-41F3-A2B8-A2F17D956FC0}"/>
-                </a:ext>
-                <a:ext uri="{C183D7F6-B498-43B3-948B-1728B52AA6E4}">
-                  <adec:decorative xmlns:adec="http://schemas.microsoft.com/office/drawing/2017/decorative" val="1"/>
-                </a:ext>
-              </a:extLst>
-            </p:cNvPr>
-            <p:cNvSpPr/>
-            <p:nvPr>
-              <p:extLst>
-                <p:ext uri="{386F3935-93C4-4BCD-93E2-E3B085C9AB24}">
-                  <p16:designElem xmlns:p16="http://schemas.microsoft.com/office/powerpoint/2015/main" val="1"/>
-                </p:ext>
-              </p:extLst>
-            </p:nvPr>
-          </p:nvSpPr>
-          <p:spPr>
-            <a:xfrm>
-              <a:off x="-305" y="0"/>
-              <a:ext cx="2514948" cy="2170178"/>
-            </a:xfrm>
-            <a:custGeom>
-              <a:avLst/>
-              <a:gdLst>
-                <a:gd name="connsiteX0" fmla="*/ 2466091 w 2514948"/>
-                <a:gd name="connsiteY0" fmla="*/ 0 h 2170178"/>
-                <a:gd name="connsiteX1" fmla="*/ 2514948 w 2514948"/>
-                <a:gd name="connsiteY1" fmla="*/ 0 h 2170178"/>
-                <a:gd name="connsiteX2" fmla="*/ 2512286 w 2514948"/>
-                <a:gd name="connsiteY2" fmla="*/ 12375 h 2170178"/>
-                <a:gd name="connsiteX3" fmla="*/ 2394961 w 2514948"/>
-                <a:gd name="connsiteY3" fmla="*/ 368660 h 2170178"/>
-                <a:gd name="connsiteX4" fmla="*/ 2289734 w 2514948"/>
-                <a:gd name="connsiteY4" fmla="*/ 598078 h 2170178"/>
-                <a:gd name="connsiteX5" fmla="*/ 2163747 w 2514948"/>
-                <a:gd name="connsiteY5" fmla="*/ 819078 h 2170178"/>
-                <a:gd name="connsiteX6" fmla="*/ 1852241 w 2514948"/>
-                <a:gd name="connsiteY6" fmla="*/ 1228932 h 2170178"/>
-                <a:gd name="connsiteX7" fmla="*/ 1668235 w 2514948"/>
-                <a:gd name="connsiteY7" fmla="*/ 1413844 h 2170178"/>
-                <a:gd name="connsiteX8" fmla="*/ 1619510 w 2514948"/>
-                <a:gd name="connsiteY8" fmla="*/ 1457722 h 2170178"/>
-                <a:gd name="connsiteX9" fmla="*/ 1569835 w 2514948"/>
-                <a:gd name="connsiteY9" fmla="*/ 1500704 h 2170178"/>
-                <a:gd name="connsiteX10" fmla="*/ 1467169 w 2514948"/>
-                <a:gd name="connsiteY10" fmla="*/ 1583266 h 2170178"/>
-                <a:gd name="connsiteX11" fmla="*/ 1018393 w 2514948"/>
-                <a:gd name="connsiteY11" fmla="*/ 1867576 h 2170178"/>
-                <a:gd name="connsiteX12" fmla="*/ 255857 w 2514948"/>
-                <a:gd name="connsiteY12" fmla="*/ 2133049 h 2170178"/>
-                <a:gd name="connsiteX13" fmla="*/ 0 w 2514948"/>
-                <a:gd name="connsiteY13" fmla="*/ 2170178 h 2170178"/>
-                <a:gd name="connsiteX14" fmla="*/ 0 w 2514948"/>
-                <a:gd name="connsiteY14" fmla="*/ 1940056 h 2170178"/>
-                <a:gd name="connsiteX15" fmla="*/ 201609 w 2514948"/>
-                <a:gd name="connsiteY15" fmla="*/ 1902856 h 2170178"/>
-                <a:gd name="connsiteX16" fmla="*/ 440974 w 2514948"/>
-                <a:gd name="connsiteY16" fmla="*/ 1838472 h 2170178"/>
-                <a:gd name="connsiteX17" fmla="*/ 674558 w 2514948"/>
-                <a:gd name="connsiteY17" fmla="*/ 1756359 h 2170178"/>
-                <a:gd name="connsiteX18" fmla="*/ 901222 w 2514948"/>
-                <a:gd name="connsiteY18" fmla="*/ 1657142 h 2170178"/>
-                <a:gd name="connsiteX19" fmla="*/ 1330943 w 2514948"/>
-                <a:gd name="connsiteY19" fmla="*/ 1413396 h 2170178"/>
-                <a:gd name="connsiteX20" fmla="*/ 1432566 w 2514948"/>
-                <a:gd name="connsiteY20" fmla="*/ 1343193 h 2170178"/>
-                <a:gd name="connsiteX21" fmla="*/ 1482527 w 2514948"/>
-                <a:gd name="connsiteY21" fmla="*/ 1306926 h 2170178"/>
-                <a:gd name="connsiteX22" fmla="*/ 1531821 w 2514948"/>
-                <a:gd name="connsiteY22" fmla="*/ 1269765 h 2170178"/>
-                <a:gd name="connsiteX23" fmla="*/ 1721986 w 2514948"/>
-                <a:gd name="connsiteY23" fmla="*/ 1112073 h 2170178"/>
-                <a:gd name="connsiteX24" fmla="*/ 2061460 w 2514948"/>
-                <a:gd name="connsiteY24" fmla="*/ 754336 h 2170178"/>
-                <a:gd name="connsiteX25" fmla="*/ 2206218 w 2514948"/>
-                <a:gd name="connsiteY25" fmla="*/ 554827 h 2170178"/>
-                <a:gd name="connsiteX26" fmla="*/ 2329455 w 2514948"/>
-                <a:gd name="connsiteY26" fmla="*/ 341886 h 2170178"/>
-                <a:gd name="connsiteX27" fmla="*/ 2356757 w 2514948"/>
-                <a:gd name="connsiteY27" fmla="*/ 286815 h 2170178"/>
-                <a:gd name="connsiteX28" fmla="*/ 2370030 w 2514948"/>
-                <a:gd name="connsiteY28" fmla="*/ 259056 h 2170178"/>
-                <a:gd name="connsiteX29" fmla="*/ 2382637 w 2514948"/>
-                <a:gd name="connsiteY29" fmla="*/ 231028 h 2170178"/>
-                <a:gd name="connsiteX30" fmla="*/ 2406716 w 2514948"/>
-                <a:gd name="connsiteY30" fmla="*/ 174525 h 2170178"/>
-                <a:gd name="connsiteX31" fmla="*/ 2429278 w 2514948"/>
-                <a:gd name="connsiteY31" fmla="*/ 117393 h 2170178"/>
-              </a:gdLst>
-              <a:ahLst/>
-              <a:cxnLst>
-                <a:cxn ang="0">
-                  <a:pos x="connsiteX0" y="connsiteY0"/>
-                </a:cxn>
-                <a:cxn ang="0">
-                  <a:pos x="connsiteX1" y="connsiteY1"/>
-                </a:cxn>
-                <a:cxn ang="0">
-                  <a:pos x="connsiteX2" y="connsiteY2"/>
-                </a:cxn>
-                <a:cxn ang="0">
-                  <a:pos x="connsiteX3" y="connsiteY3"/>
-                </a:cxn>
-                <a:cxn ang="0">
-                  <a:pos x="connsiteX4" y="connsiteY4"/>
-                </a:cxn>
-                <a:cxn ang="0">
-                  <a:pos x="connsiteX5" y="connsiteY5"/>
-                </a:cxn>
-                <a:cxn ang="0">
-                  <a:pos x="connsiteX6" y="connsiteY6"/>
-                </a:cxn>
-                <a:cxn ang="0">
-                  <a:pos x="connsiteX7" y="connsiteY7"/>
-                </a:cxn>
-                <a:cxn ang="0">
-                  <a:pos x="connsiteX8" y="connsiteY8"/>
-                </a:cxn>
-                <a:cxn ang="0">
-                  <a:pos x="connsiteX9" y="connsiteY9"/>
-                </a:cxn>
-                <a:cxn ang="0">
-                  <a:pos x="connsiteX10" y="connsiteY10"/>
-                </a:cxn>
-                <a:cxn ang="0">
-                  <a:pos x="connsiteX11" y="connsiteY11"/>
-                </a:cxn>
-                <a:cxn ang="0">
-                  <a:pos x="connsiteX12" y="connsiteY12"/>
-                </a:cxn>
-                <a:cxn ang="0">
-                  <a:pos x="connsiteX13" y="connsiteY13"/>
-                </a:cxn>
-                <a:cxn ang="0">
-                  <a:pos x="connsiteX14" y="connsiteY14"/>
-                </a:cxn>
-                <a:cxn ang="0">
-                  <a:pos x="connsiteX15" y="connsiteY15"/>
-                </a:cxn>
-                <a:cxn ang="0">
-                  <a:pos x="connsiteX16" y="connsiteY16"/>
-                </a:cxn>
-                <a:cxn ang="0">
-                  <a:pos x="connsiteX17" y="connsiteY17"/>
-                </a:cxn>
-                <a:cxn ang="0">
-                  <a:pos x="connsiteX18" y="connsiteY18"/>
-                </a:cxn>
-                <a:cxn ang="0">
-                  <a:pos x="connsiteX19" y="connsiteY19"/>
-                </a:cxn>
-                <a:cxn ang="0">
-                  <a:pos x="connsiteX20" y="connsiteY20"/>
-                </a:cxn>
-                <a:cxn ang="0">
-                  <a:pos x="connsiteX21" y="connsiteY21"/>
-                </a:cxn>
-                <a:cxn ang="0">
-                  <a:pos x="connsiteX22" y="connsiteY22"/>
-                </a:cxn>
-                <a:cxn ang="0">
-                  <a:pos x="connsiteX23" y="connsiteY23"/>
-                </a:cxn>
-                <a:cxn ang="0">
-                  <a:pos x="connsiteX24" y="connsiteY24"/>
-                </a:cxn>
-                <a:cxn ang="0">
-                  <a:pos x="connsiteX25" y="connsiteY25"/>
-                </a:cxn>
-                <a:cxn ang="0">
-                  <a:pos x="connsiteX26" y="connsiteY26"/>
-                </a:cxn>
-                <a:cxn ang="0">
-                  <a:pos x="connsiteX27" y="connsiteY27"/>
-                </a:cxn>
-                <a:cxn ang="0">
-                  <a:pos x="connsiteX28" y="connsiteY28"/>
-                </a:cxn>
-                <a:cxn ang="0">
-                  <a:pos x="connsiteX29" y="connsiteY29"/>
-                </a:cxn>
-                <a:cxn ang="0">
-                  <a:pos x="connsiteX30" y="connsiteY30"/>
-                </a:cxn>
-                <a:cxn ang="0">
-                  <a:pos x="connsiteX31" y="connsiteY31"/>
-                </a:cxn>
-              </a:cxnLst>
-              <a:rect l="l" t="t" r="r" b="b"/>
-              <a:pathLst>
-                <a:path w="2514948" h="2170178">
-                  <a:moveTo>
-                    <a:pt x="2466091" y="0"/>
-                  </a:moveTo>
-                  <a:lnTo>
-                    <a:pt x="2514948" y="0"/>
-                  </a:lnTo>
-                  <a:lnTo>
-                    <a:pt x="2512286" y="12375"/>
-                  </a:lnTo>
-                  <a:cubicBezTo>
-                    <a:pt x="2481760" y="133161"/>
-                    <a:pt x="2442526" y="252239"/>
-                    <a:pt x="2394961" y="368660"/>
-                  </a:cubicBezTo>
-                  <a:cubicBezTo>
-                    <a:pt x="2363109" y="446208"/>
-                    <a:pt x="2328603" y="523039"/>
-                    <a:pt x="2289734" y="598078"/>
-                  </a:cubicBezTo>
-                  <a:cubicBezTo>
-                    <a:pt x="2251436" y="673387"/>
-                    <a:pt x="2209251" y="747083"/>
-                    <a:pt x="2163747" y="819078"/>
-                  </a:cubicBezTo>
-                  <a:cubicBezTo>
-                    <a:pt x="2072646" y="962979"/>
-                    <a:pt x="1968652" y="1100611"/>
-                    <a:pt x="1852241" y="1228932"/>
-                  </a:cubicBezTo>
-                  <a:cubicBezTo>
-                    <a:pt x="1793748" y="1292868"/>
-                    <a:pt x="1732698" y="1354923"/>
-                    <a:pt x="1668235" y="1413844"/>
-                  </a:cubicBezTo>
-                  <a:cubicBezTo>
-                    <a:pt x="1652214" y="1428709"/>
-                    <a:pt x="1636100" y="1443395"/>
-                    <a:pt x="1619510" y="1457722"/>
-                  </a:cubicBezTo>
-                  <a:cubicBezTo>
-                    <a:pt x="1603015" y="1472140"/>
-                    <a:pt x="1586805" y="1486825"/>
-                    <a:pt x="1569835" y="1500704"/>
-                  </a:cubicBezTo>
-                  <a:cubicBezTo>
-                    <a:pt x="1536276" y="1528911"/>
-                    <a:pt x="1501865" y="1556223"/>
-                    <a:pt x="1467169" y="1583266"/>
-                  </a:cubicBezTo>
-                  <a:cubicBezTo>
-                    <a:pt x="1327719" y="1690722"/>
-                    <a:pt x="1177085" y="1785910"/>
-                    <a:pt x="1018393" y="1867576"/>
-                  </a:cubicBezTo>
-                  <a:cubicBezTo>
-                    <a:pt x="780425" y="1990142"/>
-                    <a:pt x="522567" y="2080875"/>
-                    <a:pt x="255857" y="2133049"/>
-                  </a:cubicBezTo>
-                  <a:lnTo>
-                    <a:pt x="0" y="2170178"/>
-                  </a:lnTo>
-                  <a:lnTo>
-                    <a:pt x="0" y="1940056"/>
-                  </a:lnTo>
-                  <a:lnTo>
-                    <a:pt x="201609" y="1902856"/>
-                  </a:lnTo>
-                  <a:cubicBezTo>
-                    <a:pt x="282186" y="1884231"/>
-                    <a:pt x="362102" y="1863008"/>
-                    <a:pt x="440974" y="1838472"/>
-                  </a:cubicBezTo>
-                  <a:cubicBezTo>
-                    <a:pt x="519848" y="1814027"/>
-                    <a:pt x="597771" y="1786627"/>
-                    <a:pt x="674558" y="1756359"/>
-                  </a:cubicBezTo>
-                  <a:cubicBezTo>
-                    <a:pt x="751250" y="1726003"/>
-                    <a:pt x="826900" y="1692870"/>
-                    <a:pt x="901222" y="1657142"/>
-                  </a:cubicBezTo>
-                  <a:cubicBezTo>
-                    <a:pt x="1049865" y="1585774"/>
-                    <a:pt x="1193581" y="1504376"/>
-                    <a:pt x="1330943" y="1413396"/>
-                  </a:cubicBezTo>
-                  <a:cubicBezTo>
-                    <a:pt x="1365165" y="1390563"/>
-                    <a:pt x="1399293" y="1367370"/>
-                    <a:pt x="1432566" y="1343193"/>
-                  </a:cubicBezTo>
-                  <a:cubicBezTo>
-                    <a:pt x="1449441" y="1331373"/>
-                    <a:pt x="1465936" y="1319104"/>
-                    <a:pt x="1482527" y="1306926"/>
-                  </a:cubicBezTo>
-                  <a:cubicBezTo>
-                    <a:pt x="1499210" y="1294837"/>
-                    <a:pt x="1515611" y="1282391"/>
-                    <a:pt x="1531821" y="1269765"/>
-                  </a:cubicBezTo>
-                  <a:cubicBezTo>
-                    <a:pt x="1596947" y="1219350"/>
-                    <a:pt x="1660652" y="1167055"/>
-                    <a:pt x="1721986" y="1112073"/>
-                  </a:cubicBezTo>
-                  <a:cubicBezTo>
-                    <a:pt x="1844940" y="1002469"/>
-                    <a:pt x="1958983" y="882926"/>
-                    <a:pt x="2061460" y="754336"/>
-                  </a:cubicBezTo>
-                  <a:cubicBezTo>
-                    <a:pt x="2112652" y="690042"/>
-                    <a:pt x="2161094" y="623510"/>
-                    <a:pt x="2206218" y="554827"/>
-                  </a:cubicBezTo>
-                  <a:cubicBezTo>
-                    <a:pt x="2250583" y="485787"/>
-                    <a:pt x="2292484" y="415046"/>
-                    <a:pt x="2329455" y="341886"/>
-                  </a:cubicBezTo>
-                  <a:cubicBezTo>
-                    <a:pt x="2339030" y="323709"/>
-                    <a:pt x="2347941" y="305261"/>
-                    <a:pt x="2356757" y="286815"/>
-                  </a:cubicBezTo>
-                  <a:lnTo>
-                    <a:pt x="2370030" y="259056"/>
-                  </a:lnTo>
-                  <a:lnTo>
-                    <a:pt x="2382637" y="231028"/>
-                  </a:lnTo>
-                  <a:cubicBezTo>
-                    <a:pt x="2390885" y="212312"/>
-                    <a:pt x="2399227" y="193598"/>
-                    <a:pt x="2406716" y="174525"/>
-                  </a:cubicBezTo>
-                  <a:cubicBezTo>
-                    <a:pt x="2414206" y="155452"/>
-                    <a:pt x="2422453" y="136646"/>
-                    <a:pt x="2429278" y="117393"/>
-                  </a:cubicBezTo>
-                  <a:close/>
-                </a:path>
-              </a:pathLst>
-            </a:custGeom>
-            <a:gradFill>
-              <a:gsLst>
-                <a:gs pos="2000">
-                  <a:schemeClr val="bg1">
-                    <a:alpha val="10000"/>
-                  </a:schemeClr>
-                </a:gs>
-                <a:gs pos="16000">
-                  <a:schemeClr val="accent6">
-                    <a:alpha val="10000"/>
-                  </a:schemeClr>
-                </a:gs>
-                <a:gs pos="100000">
-                  <a:schemeClr val="bg1">
-                    <a:alpha val="10000"/>
-                  </a:schemeClr>
-                </a:gs>
-                <a:gs pos="85000">
-                  <a:schemeClr val="accent1">
-                    <a:alpha val="10000"/>
-                  </a:schemeClr>
-                </a:gs>
-              </a:gsLst>
-              <a:lin ang="12000000" scaled="0"/>
-            </a:gradFill>
-            <a:ln>
-              <a:noFill/>
-            </a:ln>
-          </p:spPr>
-          <p:style>
-            <a:lnRef idx="2">
-              <a:schemeClr val="accent1">
-                <a:shade val="50000"/>
-              </a:schemeClr>
-            </a:lnRef>
-            <a:fillRef idx="1">
-              <a:schemeClr val="accent1"/>
-            </a:fillRef>
-            <a:effectRef idx="0">
-              <a:schemeClr val="accent1"/>
-            </a:effectRef>
-            <a:fontRef idx="minor">
-              <a:schemeClr val="lt1"/>
-            </a:fontRef>
-          </p:style>
-          <p:txBody>
-            <a:bodyPr rtlCol="0" anchor="ctr"/>
-            <a:lstStyle/>
-            <a:p>
-              <a:pPr algn="ctr"/>
-              <a:endParaRPr lang="en-US"/>
-            </a:p>
-          </p:txBody>
-        </p:sp>
-        <p:sp>
-          <p:nvSpPr>
-            <p:cNvPr id="27" name="Freeform: Shape 26">
-              <a:extLst>
-                <a:ext uri="{FF2B5EF4-FFF2-40B4-BE49-F238E27FC236}">
-                  <a16:creationId xmlns:a16="http://schemas.microsoft.com/office/drawing/2014/main" id="{988BDEEE-0C30-49F3-8D05-B062EF890C94}"/>
-                </a:ext>
-                <a:ext uri="{C183D7F6-B498-43B3-948B-1728B52AA6E4}">
-                  <adec:decorative xmlns:adec="http://schemas.microsoft.com/office/drawing/2017/decorative" val="1"/>
-                </a:ext>
-              </a:extLst>
-            </p:cNvPr>
-            <p:cNvSpPr/>
-            <p:nvPr>
-              <p:extLst>
-                <p:ext uri="{386F3935-93C4-4BCD-93E2-E3B085C9AB24}">
-                  <p16:designElem xmlns:p16="http://schemas.microsoft.com/office/powerpoint/2015/main" val="1"/>
-                </p:ext>
-              </p:extLst>
-            </p:nvPr>
-          </p:nvSpPr>
-          <p:spPr>
-            <a:xfrm>
-              <a:off x="-305" y="-4155"/>
-              <a:ext cx="2493062" cy="1947896"/>
-            </a:xfrm>
-            <a:custGeom>
-              <a:avLst/>
-              <a:gdLst>
-                <a:gd name="connsiteX0" fmla="*/ 1896911 w 2493062"/>
-                <a:gd name="connsiteY0" fmla="*/ 0 h 1947896"/>
-                <a:gd name="connsiteX1" fmla="*/ 2493062 w 2493062"/>
-                <a:gd name="connsiteY1" fmla="*/ 0 h 1947896"/>
-                <a:gd name="connsiteX2" fmla="*/ 2435315 w 2493062"/>
-                <a:gd name="connsiteY2" fmla="*/ 178165 h 1947896"/>
-                <a:gd name="connsiteX3" fmla="*/ 93066 w 2493062"/>
-                <a:gd name="connsiteY3" fmla="*/ 1935859 h 1947896"/>
-                <a:gd name="connsiteX4" fmla="*/ 0 w 2493062"/>
-                <a:gd name="connsiteY4" fmla="*/ 1947896 h 1947896"/>
-                <a:gd name="connsiteX5" fmla="*/ 0 w 2493062"/>
-                <a:gd name="connsiteY5" fmla="*/ 1404756 h 1947896"/>
-                <a:gd name="connsiteX6" fmla="*/ 17392 w 2493062"/>
-                <a:gd name="connsiteY6" fmla="*/ 1402364 h 1947896"/>
-                <a:gd name="connsiteX7" fmla="*/ 464249 w 2493062"/>
-                <a:gd name="connsiteY7" fmla="*/ 1281208 h 1947896"/>
-                <a:gd name="connsiteX8" fmla="*/ 1260556 w 2493062"/>
-                <a:gd name="connsiteY8" fmla="*/ 833835 h 1947896"/>
-                <a:gd name="connsiteX9" fmla="*/ 1807924 w 2493062"/>
-                <a:gd name="connsiteY9" fmla="*/ 193222 h 1947896"/>
-                <a:gd name="connsiteX10" fmla="*/ 1874357 w 2493062"/>
-                <a:gd name="connsiteY10" fmla="*/ 58333 h 1947896"/>
-              </a:gdLst>
-              <a:ahLst/>
-              <a:cxnLst>
-                <a:cxn ang="0">
-                  <a:pos x="connsiteX0" y="connsiteY0"/>
-                </a:cxn>
-                <a:cxn ang="0">
-                  <a:pos x="connsiteX1" y="connsiteY1"/>
-                </a:cxn>
-                <a:cxn ang="0">
-                  <a:pos x="connsiteX2" y="connsiteY2"/>
-                </a:cxn>
-                <a:cxn ang="0">
-                  <a:pos x="connsiteX3" y="connsiteY3"/>
-                </a:cxn>
-                <a:cxn ang="0">
-                  <a:pos x="connsiteX4" y="connsiteY4"/>
-                </a:cxn>
-                <a:cxn ang="0">
-                  <a:pos x="connsiteX5" y="connsiteY5"/>
-                </a:cxn>
-                <a:cxn ang="0">
-                  <a:pos x="connsiteX6" y="connsiteY6"/>
-                </a:cxn>
-                <a:cxn ang="0">
-                  <a:pos x="connsiteX7" y="connsiteY7"/>
-                </a:cxn>
-                <a:cxn ang="0">
-                  <a:pos x="connsiteX8" y="connsiteY8"/>
-                </a:cxn>
-                <a:cxn ang="0">
-                  <a:pos x="connsiteX9" y="connsiteY9"/>
-                </a:cxn>
-                <a:cxn ang="0">
-                  <a:pos x="connsiteX10" y="connsiteY10"/>
-                </a:cxn>
-              </a:cxnLst>
-              <a:rect l="l" t="t" r="r" b="b"/>
-              <a:pathLst>
-                <a:path w="2493062" h="1947896">
-                  <a:moveTo>
-                    <a:pt x="1896911" y="0"/>
-                  </a:moveTo>
-                  <a:lnTo>
-                    <a:pt x="2493062" y="0"/>
-                  </a:lnTo>
-                  <a:lnTo>
-                    <a:pt x="2435315" y="178165"/>
-                  </a:lnTo>
-                  <a:cubicBezTo>
-                    <a:pt x="2088122" y="1071812"/>
-                    <a:pt x="1129732" y="1758033"/>
-                    <a:pt x="93066" y="1935859"/>
-                  </a:cubicBezTo>
-                  <a:lnTo>
-                    <a:pt x="0" y="1947896"/>
-                  </a:lnTo>
-                  <a:lnTo>
-                    <a:pt x="0" y="1404756"/>
-                  </a:lnTo>
-                  <a:lnTo>
-                    <a:pt x="17392" y="1402364"/>
-                  </a:lnTo>
-                  <a:cubicBezTo>
-                    <a:pt x="167719" y="1375030"/>
-                    <a:pt x="318070" y="1334398"/>
-                    <a:pt x="464249" y="1281208"/>
-                  </a:cubicBezTo>
-                  <a:cubicBezTo>
-                    <a:pt x="753480" y="1176081"/>
-                    <a:pt x="1028869" y="1021346"/>
-                    <a:pt x="1260556" y="833835"/>
-                  </a:cubicBezTo>
-                  <a:cubicBezTo>
-                    <a:pt x="1491960" y="646594"/>
-                    <a:pt x="1681177" y="425056"/>
-                    <a:pt x="1807924" y="193222"/>
-                  </a:cubicBezTo>
-                  <a:cubicBezTo>
-                    <a:pt x="1832328" y="148578"/>
-                    <a:pt x="1854477" y="103599"/>
-                    <a:pt x="1874357" y="58333"/>
-                  </a:cubicBezTo>
-                  <a:close/>
-                </a:path>
-              </a:pathLst>
-            </a:custGeom>
-            <a:gradFill>
-              <a:gsLst>
-                <a:gs pos="2000">
-                  <a:schemeClr val="bg1">
-                    <a:alpha val="10000"/>
-                  </a:schemeClr>
-                </a:gs>
-                <a:gs pos="16000">
-                  <a:schemeClr val="accent6">
-                    <a:alpha val="10000"/>
-                  </a:schemeClr>
-                </a:gs>
-                <a:gs pos="100000">
-                  <a:schemeClr val="bg1">
-                    <a:alpha val="10000"/>
-                  </a:schemeClr>
-                </a:gs>
-                <a:gs pos="85000">
-                  <a:schemeClr val="accent1">
-                    <a:alpha val="10000"/>
-                  </a:schemeClr>
-                </a:gs>
-              </a:gsLst>
-              <a:lin ang="12000000" scaled="0"/>
-            </a:gradFill>
-            <a:ln>
-              <a:noFill/>
-            </a:ln>
-          </p:spPr>
-          <p:style>
-            <a:lnRef idx="2">
-              <a:schemeClr val="accent1">
-                <a:shade val="50000"/>
-              </a:schemeClr>
-            </a:lnRef>
-            <a:fillRef idx="1">
-              <a:schemeClr val="accent1"/>
-            </a:fillRef>
-            <a:effectRef idx="0">
-              <a:schemeClr val="accent1"/>
-            </a:effectRef>
-            <a:fontRef idx="minor">
-              <a:schemeClr val="lt1"/>
-            </a:fontRef>
-          </p:style>
-          <p:txBody>
-            <a:bodyPr rtlCol="0" anchor="ctr"/>
-            <a:lstStyle/>
-            <a:p>
-              <a:pPr algn="ctr"/>
-              <a:endParaRPr lang="en-US"/>
-            </a:p>
-          </p:txBody>
-        </p:sp>
-        <p:sp>
-          <p:nvSpPr>
-            <p:cNvPr id="16" name="Freeform: Shape 15">
-              <a:extLst>
-                <a:ext uri="{FF2B5EF4-FFF2-40B4-BE49-F238E27FC236}">
-                  <a16:creationId xmlns:a16="http://schemas.microsoft.com/office/drawing/2014/main" id="{F21E0C27-19E6-45DC-B154-4934802074DC}"/>
-                </a:ext>
-                <a:ext uri="{C183D7F6-B498-43B3-948B-1728B52AA6E4}">
-                  <adec:decorative xmlns:adec="http://schemas.microsoft.com/office/drawing/2017/decorative" val="1"/>
-                </a:ext>
-              </a:extLst>
-            </p:cNvPr>
-            <p:cNvSpPr/>
-            <p:nvPr>
-              <p:extLst>
-                <p:ext uri="{386F3935-93C4-4BCD-93E2-E3B085C9AB24}">
-                  <p16:designElem xmlns:p16="http://schemas.microsoft.com/office/powerpoint/2015/main" val="1"/>
-                </p:ext>
-              </p:extLst>
-            </p:nvPr>
-          </p:nvSpPr>
-          <p:spPr>
-            <a:xfrm>
-              <a:off x="-305" y="0"/>
-              <a:ext cx="2501089" cy="1972702"/>
-            </a:xfrm>
-            <a:custGeom>
-              <a:avLst/>
-              <a:gdLst>
-                <a:gd name="connsiteX0" fmla="*/ 2318728 w 2501089"/>
-                <a:gd name="connsiteY0" fmla="*/ 0 h 1972702"/>
-                <a:gd name="connsiteX1" fmla="*/ 2501089 w 2501089"/>
-                <a:gd name="connsiteY1" fmla="*/ 0 h 1972702"/>
-                <a:gd name="connsiteX2" fmla="*/ 2453909 w 2501089"/>
-                <a:gd name="connsiteY2" fmla="*/ 167837 h 1972702"/>
-                <a:gd name="connsiteX3" fmla="*/ 2361125 w 2501089"/>
-                <a:gd name="connsiteY3" fmla="*/ 392084 h 1972702"/>
-                <a:gd name="connsiteX4" fmla="*/ 1768255 w 2501089"/>
-                <a:gd name="connsiteY4" fmla="*/ 1167644 h 1972702"/>
-                <a:gd name="connsiteX5" fmla="*/ 1375125 w 2501089"/>
-                <a:gd name="connsiteY5" fmla="*/ 1471474 h 1972702"/>
-                <a:gd name="connsiteX6" fmla="*/ 935735 w 2501089"/>
-                <a:gd name="connsiteY6" fmla="*/ 1712713 h 1972702"/>
-                <a:gd name="connsiteX7" fmla="*/ 212353 w 2501089"/>
-                <a:gd name="connsiteY7" fmla="*/ 1940294 h 1972702"/>
-                <a:gd name="connsiteX8" fmla="*/ 0 w 2501089"/>
-                <a:gd name="connsiteY8" fmla="*/ 1972702 h 1972702"/>
-                <a:gd name="connsiteX9" fmla="*/ 0 w 2501089"/>
-                <a:gd name="connsiteY9" fmla="*/ 1732181 h 1972702"/>
-                <a:gd name="connsiteX10" fmla="*/ 161195 w 2501089"/>
-                <a:gd name="connsiteY10" fmla="*/ 1706590 h 1972702"/>
-                <a:gd name="connsiteX11" fmla="*/ 388463 w 2501089"/>
-                <a:gd name="connsiteY11" fmla="*/ 1652268 h 1972702"/>
-                <a:gd name="connsiteX12" fmla="*/ 826716 w 2501089"/>
-                <a:gd name="connsiteY12" fmla="*/ 1493950 h 1972702"/>
-                <a:gd name="connsiteX13" fmla="*/ 1609847 w 2501089"/>
-                <a:gd name="connsiteY13" fmla="*/ 1007535 h 1972702"/>
-                <a:gd name="connsiteX14" fmla="*/ 1929982 w 2501089"/>
-                <a:gd name="connsiteY14" fmla="*/ 682930 h 1972702"/>
-                <a:gd name="connsiteX15" fmla="*/ 2183093 w 2501089"/>
-                <a:gd name="connsiteY15" fmla="*/ 310149 h 1972702"/>
-                <a:gd name="connsiteX16" fmla="*/ 2280286 w 2501089"/>
-                <a:gd name="connsiteY16" fmla="*/ 108435 h 1972702"/>
-              </a:gdLst>
-              <a:ahLst/>
-              <a:cxnLst>
-                <a:cxn ang="0">
-                  <a:pos x="connsiteX0" y="connsiteY0"/>
-                </a:cxn>
-                <a:cxn ang="0">
-                  <a:pos x="connsiteX1" y="connsiteY1"/>
-                </a:cxn>
-                <a:cxn ang="0">
-                  <a:pos x="connsiteX2" y="connsiteY2"/>
-                </a:cxn>
-                <a:cxn ang="0">
-                  <a:pos x="connsiteX3" y="connsiteY3"/>
-                </a:cxn>
-                <a:cxn ang="0">
-                  <a:pos x="connsiteX4" y="connsiteY4"/>
-                </a:cxn>
-                <a:cxn ang="0">
-                  <a:pos x="connsiteX5" y="connsiteY5"/>
-                </a:cxn>
-                <a:cxn ang="0">
-                  <a:pos x="connsiteX6" y="connsiteY6"/>
-                </a:cxn>
-                <a:cxn ang="0">
-                  <a:pos x="connsiteX7" y="connsiteY7"/>
-                </a:cxn>
-                <a:cxn ang="0">
-                  <a:pos x="connsiteX8" y="connsiteY8"/>
-                </a:cxn>
-                <a:cxn ang="0">
-                  <a:pos x="connsiteX9" y="connsiteY9"/>
-                </a:cxn>
-                <a:cxn ang="0">
-                  <a:pos x="connsiteX10" y="connsiteY10"/>
-                </a:cxn>
-                <a:cxn ang="0">
-                  <a:pos x="connsiteX11" y="connsiteY11"/>
-                </a:cxn>
-                <a:cxn ang="0">
-                  <a:pos x="connsiteX12" y="connsiteY12"/>
-                </a:cxn>
-                <a:cxn ang="0">
-                  <a:pos x="connsiteX13" y="connsiteY13"/>
-                </a:cxn>
-                <a:cxn ang="0">
-                  <a:pos x="connsiteX14" y="connsiteY14"/>
-                </a:cxn>
-                <a:cxn ang="0">
-                  <a:pos x="connsiteX15" y="connsiteY15"/>
-                </a:cxn>
-                <a:cxn ang="0">
-                  <a:pos x="connsiteX16" y="connsiteY16"/>
-                </a:cxn>
-              </a:cxnLst>
-              <a:rect l="l" t="t" r="r" b="b"/>
-              <a:pathLst>
-                <a:path w="2501089" h="1972702">
-                  <a:moveTo>
-                    <a:pt x="2318728" y="0"/>
-                  </a:moveTo>
-                  <a:lnTo>
-                    <a:pt x="2501089" y="0"/>
-                  </a:lnTo>
-                  <a:lnTo>
-                    <a:pt x="2453909" y="167837"/>
-                  </a:lnTo>
-                  <a:cubicBezTo>
-                    <a:pt x="2427555" y="244153"/>
-                    <a:pt x="2396627" y="319103"/>
-                    <a:pt x="2361125" y="392084"/>
-                  </a:cubicBezTo>
-                  <a:cubicBezTo>
-                    <a:pt x="2218453" y="684005"/>
-                    <a:pt x="2011698" y="945211"/>
-                    <a:pt x="1768255" y="1167644"/>
-                  </a:cubicBezTo>
-                  <a:cubicBezTo>
-                    <a:pt x="1646250" y="1278860"/>
-                    <a:pt x="1514385" y="1380316"/>
-                    <a:pt x="1375125" y="1471474"/>
-                  </a:cubicBezTo>
-                  <a:cubicBezTo>
-                    <a:pt x="1235677" y="1562542"/>
-                    <a:pt x="1088928" y="1643672"/>
-                    <a:pt x="935735" y="1712713"/>
-                  </a:cubicBezTo>
-                  <a:cubicBezTo>
-                    <a:pt x="705659" y="1815533"/>
-                    <a:pt x="462359" y="1892212"/>
-                    <a:pt x="212353" y="1940294"/>
-                  </a:cubicBezTo>
-                  <a:lnTo>
-                    <a:pt x="0" y="1972702"/>
-                  </a:lnTo>
-                  <a:lnTo>
-                    <a:pt x="0" y="1732181"/>
-                  </a:lnTo>
-                  <a:lnTo>
-                    <a:pt x="161195" y="1706590"/>
-                  </a:lnTo>
-                  <a:cubicBezTo>
-                    <a:pt x="237638" y="1691378"/>
-                    <a:pt x="313477" y="1673222"/>
-                    <a:pt x="388463" y="1652268"/>
-                  </a:cubicBezTo>
-                  <a:cubicBezTo>
-                    <a:pt x="538529" y="1610539"/>
-                    <a:pt x="684898" y="1556543"/>
-                    <a:pt x="826716" y="1493950"/>
-                  </a:cubicBezTo>
-                  <a:cubicBezTo>
-                    <a:pt x="1111207" y="1370107"/>
-                    <a:pt x="1376832" y="1205881"/>
-                    <a:pt x="1609847" y="1007535"/>
-                  </a:cubicBezTo>
-                  <a:cubicBezTo>
-                    <a:pt x="1725975" y="908049"/>
-                    <a:pt x="1833571" y="799519"/>
-                    <a:pt x="1929982" y="682930"/>
-                  </a:cubicBezTo>
-                  <a:cubicBezTo>
-                    <a:pt x="2026581" y="566520"/>
-                    <a:pt x="2111806" y="441692"/>
-                    <a:pt x="2183093" y="310149"/>
-                  </a:cubicBezTo>
-                  <a:cubicBezTo>
-                    <a:pt x="2218738" y="244422"/>
-                    <a:pt x="2251396" y="177150"/>
-                    <a:pt x="2280286" y="108435"/>
-                  </a:cubicBezTo>
-                  <a:close/>
-                </a:path>
-              </a:pathLst>
-            </a:custGeom>
-            <a:gradFill>
-              <a:gsLst>
-                <a:gs pos="2000">
-                  <a:schemeClr val="bg1">
-                    <a:alpha val="10000"/>
-                  </a:schemeClr>
-                </a:gs>
-                <a:gs pos="16000">
-                  <a:schemeClr val="accent6">
-                    <a:alpha val="10000"/>
-                  </a:schemeClr>
-                </a:gs>
-                <a:gs pos="100000">
-                  <a:schemeClr val="bg1">
-                    <a:alpha val="10000"/>
-                  </a:schemeClr>
-                </a:gs>
-                <a:gs pos="85000">
-                  <a:schemeClr val="accent1">
-                    <a:alpha val="10000"/>
-                  </a:schemeClr>
-                </a:gs>
-              </a:gsLst>
-              <a:lin ang="12000000" scaled="0"/>
-            </a:gradFill>
-            <a:ln>
-              <a:noFill/>
-            </a:ln>
-          </p:spPr>
-          <p:style>
-            <a:lnRef idx="2">
-              <a:schemeClr val="accent1">
-                <a:shade val="50000"/>
-              </a:schemeClr>
-            </a:lnRef>
-            <a:fillRef idx="1">
-              <a:schemeClr val="accent1"/>
-            </a:fillRef>
-            <a:effectRef idx="0">
-              <a:schemeClr val="accent1"/>
-            </a:effectRef>
-            <a:fontRef idx="minor">
-              <a:schemeClr val="lt1"/>
-            </a:fontRef>
-          </p:style>
-          <p:txBody>
-            <a:bodyPr wrap="square" rtlCol="0" anchor="ctr">
-              <a:noAutofit/>
-            </a:bodyPr>
-            <a:lstStyle/>
-            <a:p>
-              <a:pPr algn="ctr"/>
-              <a:endParaRPr lang="en-US" sz="800"/>
-            </a:p>
-          </p:txBody>
-        </p:sp>
-        <p:sp>
-          <p:nvSpPr>
-            <p:cNvPr id="28" name="Freeform: Shape 27">
-              <a:extLst>
-                <a:ext uri="{FF2B5EF4-FFF2-40B4-BE49-F238E27FC236}">
-                  <a16:creationId xmlns:a16="http://schemas.microsoft.com/office/drawing/2014/main" id="{A3A55340-18E0-4A23-B406-BD1221643D86}"/>
-                </a:ext>
-                <a:ext uri="{C183D7F6-B498-43B3-948B-1728B52AA6E4}">
-                  <adec:decorative xmlns:adec="http://schemas.microsoft.com/office/drawing/2017/decorative" val="1"/>
-                </a:ext>
-              </a:extLst>
-            </p:cNvPr>
-            <p:cNvSpPr/>
-            <p:nvPr>
-              <p:extLst>
-                <p:ext uri="{386F3935-93C4-4BCD-93E2-E3B085C9AB24}">
-                  <p16:designElem xmlns:p16="http://schemas.microsoft.com/office/powerpoint/2015/main" val="1"/>
-                </p:ext>
-              </p:extLst>
-            </p:nvPr>
-          </p:nvSpPr>
-          <p:spPr>
-            <a:xfrm>
-              <a:off x="305" y="1"/>
-              <a:ext cx="2491105" cy="1943661"/>
-            </a:xfrm>
-            <a:custGeom>
-              <a:avLst/>
-              <a:gdLst>
-                <a:gd name="connsiteX0" fmla="*/ 1995408 w 2491105"/>
-                <a:gd name="connsiteY0" fmla="*/ 0 h 1943661"/>
-                <a:gd name="connsiteX1" fmla="*/ 2491105 w 2491105"/>
-                <a:gd name="connsiteY1" fmla="*/ 0 h 1943661"/>
-                <a:gd name="connsiteX2" fmla="*/ 2434705 w 2491105"/>
-                <a:gd name="connsiteY2" fmla="*/ 174009 h 1943661"/>
-                <a:gd name="connsiteX3" fmla="*/ 92457 w 2491105"/>
-                <a:gd name="connsiteY3" fmla="*/ 1931703 h 1943661"/>
-                <a:gd name="connsiteX4" fmla="*/ 0 w 2491105"/>
-                <a:gd name="connsiteY4" fmla="*/ 1943661 h 1943661"/>
-                <a:gd name="connsiteX5" fmla="*/ 0 w 2491105"/>
-                <a:gd name="connsiteY5" fmla="*/ 1491489 h 1943661"/>
-                <a:gd name="connsiteX6" fmla="*/ 34107 w 2491105"/>
-                <a:gd name="connsiteY6" fmla="*/ 1486836 h 1943661"/>
-                <a:gd name="connsiteX7" fmla="*/ 497577 w 2491105"/>
-                <a:gd name="connsiteY7" fmla="*/ 1360598 h 1943661"/>
-                <a:gd name="connsiteX8" fmla="*/ 1321566 w 2491105"/>
-                <a:gd name="connsiteY8" fmla="*/ 897645 h 1943661"/>
-                <a:gd name="connsiteX9" fmla="*/ 1891495 w 2491105"/>
-                <a:gd name="connsiteY9" fmla="*/ 230078 h 1943661"/>
-                <a:gd name="connsiteX10" fmla="*/ 1961469 w 2491105"/>
-                <a:gd name="connsiteY10" fmla="*/ 87885 h 1943661"/>
-              </a:gdLst>
-              <a:ahLst/>
-              <a:cxnLst>
-                <a:cxn ang="0">
-                  <a:pos x="connsiteX0" y="connsiteY0"/>
-                </a:cxn>
-                <a:cxn ang="0">
-                  <a:pos x="connsiteX1" y="connsiteY1"/>
-                </a:cxn>
-                <a:cxn ang="0">
-                  <a:pos x="connsiteX2" y="connsiteY2"/>
-                </a:cxn>
-                <a:cxn ang="0">
-                  <a:pos x="connsiteX3" y="connsiteY3"/>
-                </a:cxn>
-                <a:cxn ang="0">
-                  <a:pos x="connsiteX4" y="connsiteY4"/>
-                </a:cxn>
-                <a:cxn ang="0">
-                  <a:pos x="connsiteX5" y="connsiteY5"/>
-                </a:cxn>
-                <a:cxn ang="0">
-                  <a:pos x="connsiteX6" y="connsiteY6"/>
-                </a:cxn>
-                <a:cxn ang="0">
-                  <a:pos x="connsiteX7" y="connsiteY7"/>
-                </a:cxn>
-                <a:cxn ang="0">
-                  <a:pos x="connsiteX8" y="connsiteY8"/>
-                </a:cxn>
-                <a:cxn ang="0">
-                  <a:pos x="connsiteX9" y="connsiteY9"/>
-                </a:cxn>
-                <a:cxn ang="0">
-                  <a:pos x="connsiteX10" y="connsiteY10"/>
-                </a:cxn>
-              </a:cxnLst>
-              <a:rect l="l" t="t" r="r" b="b"/>
-              <a:pathLst>
-                <a:path w="2491105" h="1943661">
-                  <a:moveTo>
-                    <a:pt x="1995408" y="0"/>
-                  </a:moveTo>
-                  <a:lnTo>
-                    <a:pt x="2491105" y="0"/>
-                  </a:lnTo>
-                  <a:lnTo>
-                    <a:pt x="2434705" y="174009"/>
-                  </a:lnTo>
-                  <a:cubicBezTo>
-                    <a:pt x="2087512" y="1067655"/>
-                    <a:pt x="1129122" y="1753877"/>
-                    <a:pt x="92457" y="1931703"/>
-                  </a:cubicBezTo>
-                  <a:lnTo>
-                    <a:pt x="0" y="1943661"/>
-                  </a:lnTo>
-                  <a:lnTo>
-                    <a:pt x="0" y="1491489"/>
-                  </a:lnTo>
-                  <a:lnTo>
-                    <a:pt x="34107" y="1486836"/>
-                  </a:lnTo>
-                  <a:cubicBezTo>
-                    <a:pt x="189055" y="1458696"/>
-                    <a:pt x="343908" y="1416565"/>
-                    <a:pt x="497577" y="1360598"/>
-                  </a:cubicBezTo>
-                  <a:cubicBezTo>
-                    <a:pt x="796856" y="1251889"/>
-                    <a:pt x="1081725" y="1091781"/>
-                    <a:pt x="1321566" y="897645"/>
-                  </a:cubicBezTo>
-                  <a:cubicBezTo>
-                    <a:pt x="1565577" y="700195"/>
-                    <a:pt x="1757355" y="475523"/>
-                    <a:pt x="1891495" y="230078"/>
-                  </a:cubicBezTo>
-                  <a:cubicBezTo>
-                    <a:pt x="1917197" y="183033"/>
-                    <a:pt x="1940526" y="135619"/>
-                    <a:pt x="1961469" y="87885"/>
-                  </a:cubicBezTo>
-                  <a:close/>
-                </a:path>
-              </a:pathLst>
-            </a:custGeom>
-            <a:gradFill>
-              <a:gsLst>
-                <a:gs pos="2000">
-                  <a:schemeClr val="bg1">
-                    <a:alpha val="10000"/>
-                  </a:schemeClr>
-                </a:gs>
-                <a:gs pos="16000">
-                  <a:schemeClr val="accent6">
-                    <a:alpha val="10000"/>
-                  </a:schemeClr>
-                </a:gs>
-                <a:gs pos="100000">
-                  <a:schemeClr val="bg1">
-                    <a:alpha val="10000"/>
-                  </a:schemeClr>
-                </a:gs>
-                <a:gs pos="85000">
-                  <a:schemeClr val="accent1">
-                    <a:alpha val="10000"/>
-                  </a:schemeClr>
-                </a:gs>
-              </a:gsLst>
-              <a:lin ang="12000000" scaled="0"/>
-            </a:gradFill>
-            <a:ln>
-              <a:noFill/>
-            </a:ln>
-          </p:spPr>
-          <p:style>
-            <a:lnRef idx="2">
-              <a:schemeClr val="accent1">
-                <a:shade val="50000"/>
-              </a:schemeClr>
-            </a:lnRef>
-            <a:fillRef idx="1">
-              <a:schemeClr val="accent1"/>
-            </a:fillRef>
-            <a:effectRef idx="0">
-              <a:schemeClr val="accent1"/>
-            </a:effectRef>
-            <a:fontRef idx="minor">
-              <a:schemeClr val="lt1"/>
-            </a:fontRef>
-          </p:style>
-          <p:txBody>
-            <a:bodyPr rtlCol="0" anchor="ctr"/>
-            <a:lstStyle/>
-            <a:p>
-              <a:pPr algn="ctr"/>
-              <a:endParaRPr lang="en-US" dirty="0"/>
-            </a:p>
-          </p:txBody>
-        </p:sp>
-      </p:grpSp>
-      <p:grpSp>
-        <p:nvGrpSpPr>
-          <p:cNvPr id="29" name="Group 28">
-            <a:extLst>
-              <a:ext uri="{FF2B5EF4-FFF2-40B4-BE49-F238E27FC236}">
-                <a16:creationId xmlns:a16="http://schemas.microsoft.com/office/drawing/2014/main" id="{08701F99-7E4C-4B92-A4B5-307CDFB7A4DE}"/>
-              </a:ext>
-              <a:ext uri="{C183D7F6-B498-43B3-948B-1728B52AA6E4}">
-                <adec:decorative xmlns:adec="http://schemas.microsoft.com/office/drawing/2017/decorative" val="1"/>
-              </a:ext>
-            </a:extLst>
-          </p:cNvPr>
-          <p:cNvGrpSpPr>
-            <a:grpSpLocks noGrp="1" noUngrp="1" noRot="1" noChangeAspect="1" noMove="1" noResize="1"/>
-          </p:cNvGrpSpPr>
-          <p:nvPr>
-            <p:extLst>
-              <p:ext uri="{386F3935-93C4-4BCD-93E2-E3B085C9AB24}">
-                <p16:designElem xmlns:p16="http://schemas.microsoft.com/office/powerpoint/2015/main" val="1"/>
-              </p:ext>
-            </p:extLst>
-          </p:nvPr>
-        </p:nvGrpSpPr>
-        <p:grpSpPr>
-          <a:xfrm rot="10800000" flipH="1">
-            <a:off x="0" y="5047906"/>
-            <a:ext cx="1809166" cy="1810094"/>
-            <a:chOff x="-305" y="-1"/>
-            <a:chExt cx="3832880" cy="2876136"/>
-          </a:xfrm>
-        </p:grpSpPr>
-        <p:sp>
-          <p:nvSpPr>
-            <p:cNvPr id="20" name="Freeform: Shape 19">
-              <a:extLst>
-                <a:ext uri="{FF2B5EF4-FFF2-40B4-BE49-F238E27FC236}">
-                  <a16:creationId xmlns:a16="http://schemas.microsoft.com/office/drawing/2014/main" id="{441E616B-C319-43C1-9A9C-A2074B2E8AD8}"/>
-                </a:ext>
-                <a:ext uri="{C183D7F6-B498-43B3-948B-1728B52AA6E4}">
-                  <adec:decorative xmlns:adec="http://schemas.microsoft.com/office/drawing/2017/decorative" val="1"/>
-                </a:ext>
-              </a:extLst>
-            </p:cNvPr>
-            <p:cNvSpPr/>
-            <p:nvPr>
-              <p:extLst>
-                <p:ext uri="{386F3935-93C4-4BCD-93E2-E3B085C9AB24}">
-                  <p16:designElem xmlns:p16="http://schemas.microsoft.com/office/powerpoint/2015/main" val="1"/>
-                </p:ext>
-              </p:extLst>
-            </p:nvPr>
-          </p:nvSpPr>
-          <p:spPr>
-            <a:xfrm>
-              <a:off x="305" y="1"/>
-              <a:ext cx="3815424" cy="2653659"/>
-            </a:xfrm>
-            <a:custGeom>
-              <a:avLst/>
-              <a:gdLst>
-                <a:gd name="connsiteX0" fmla="*/ 3203055 w 3815424"/>
-                <a:gd name="connsiteY0" fmla="*/ 0 h 2653659"/>
-                <a:gd name="connsiteX1" fmla="*/ 3815424 w 3815424"/>
-                <a:gd name="connsiteY1" fmla="*/ 0 h 2653659"/>
-                <a:gd name="connsiteX2" fmla="*/ 3801025 w 3815424"/>
-                <a:gd name="connsiteY2" fmla="*/ 214243 h 2653659"/>
-                <a:gd name="connsiteX3" fmla="*/ 587142 w 3815424"/>
-                <a:gd name="connsiteY3" fmla="*/ 2653659 h 2653659"/>
-                <a:gd name="connsiteX4" fmla="*/ 53389 w 3815424"/>
-                <a:gd name="connsiteY4" fmla="*/ 2605041 h 2653659"/>
-                <a:gd name="connsiteX5" fmla="*/ 0 w 3815424"/>
-                <a:gd name="connsiteY5" fmla="*/ 2593136 h 2653659"/>
-                <a:gd name="connsiteX6" fmla="*/ 0 w 3815424"/>
-                <a:gd name="connsiteY6" fmla="*/ 1994836 h 2653659"/>
-                <a:gd name="connsiteX7" fmla="*/ 159710 w 3815424"/>
-                <a:gd name="connsiteY7" fmla="*/ 2035054 h 2653659"/>
-                <a:gd name="connsiteX8" fmla="*/ 587142 w 3815424"/>
-                <a:gd name="connsiteY8" fmla="*/ 2075152 h 2653659"/>
-                <a:gd name="connsiteX9" fmla="*/ 1549283 w 3815424"/>
-                <a:gd name="connsiteY9" fmla="*/ 1900153 h 2653659"/>
-                <a:gd name="connsiteX10" fmla="*/ 2406698 w 3815424"/>
-                <a:gd name="connsiteY10" fmla="*/ 1418450 h 2653659"/>
-                <a:gd name="connsiteX11" fmla="*/ 2996069 w 3815424"/>
-                <a:gd name="connsiteY11" fmla="*/ 728678 h 2653659"/>
-                <a:gd name="connsiteX12" fmla="*/ 3193967 w 3815424"/>
-                <a:gd name="connsiteY12" fmla="*/ 137719 h 2653659"/>
-              </a:gdLst>
-              <a:ahLst/>
-              <a:cxnLst>
-                <a:cxn ang="0">
-                  <a:pos x="connsiteX0" y="connsiteY0"/>
-                </a:cxn>
-                <a:cxn ang="0">
-                  <a:pos x="connsiteX1" y="connsiteY1"/>
-                </a:cxn>
-                <a:cxn ang="0">
-                  <a:pos x="connsiteX2" y="connsiteY2"/>
-                </a:cxn>
-                <a:cxn ang="0">
-                  <a:pos x="connsiteX3" y="connsiteY3"/>
-                </a:cxn>
-                <a:cxn ang="0">
-                  <a:pos x="connsiteX4" y="connsiteY4"/>
-                </a:cxn>
-                <a:cxn ang="0">
-                  <a:pos x="connsiteX5" y="connsiteY5"/>
-                </a:cxn>
-                <a:cxn ang="0">
-                  <a:pos x="connsiteX6" y="connsiteY6"/>
-                </a:cxn>
-                <a:cxn ang="0">
-                  <a:pos x="connsiteX7" y="connsiteY7"/>
-                </a:cxn>
-                <a:cxn ang="0">
-                  <a:pos x="connsiteX8" y="connsiteY8"/>
-                </a:cxn>
-                <a:cxn ang="0">
-                  <a:pos x="connsiteX9" y="connsiteY9"/>
-                </a:cxn>
-                <a:cxn ang="0">
-                  <a:pos x="connsiteX10" y="connsiteY10"/>
-                </a:cxn>
-                <a:cxn ang="0">
-                  <a:pos x="connsiteX11" y="connsiteY11"/>
-                </a:cxn>
-                <a:cxn ang="0">
-                  <a:pos x="connsiteX12" y="connsiteY12"/>
-                </a:cxn>
-              </a:cxnLst>
-              <a:rect l="l" t="t" r="r" b="b"/>
-              <a:pathLst>
-                <a:path w="3815424" h="2653659">
-                  <a:moveTo>
-                    <a:pt x="3203055" y="0"/>
-                  </a:moveTo>
-                  <a:lnTo>
-                    <a:pt x="3815424" y="0"/>
-                  </a:lnTo>
-                  <a:lnTo>
-                    <a:pt x="3801025" y="214243"/>
-                  </a:lnTo>
-                  <a:cubicBezTo>
-                    <a:pt x="3616317" y="1584467"/>
-                    <a:pt x="2091637" y="2653659"/>
-                    <a:pt x="587142" y="2653659"/>
-                  </a:cubicBezTo>
-                  <a:cubicBezTo>
-                    <a:pt x="400192" y="2653659"/>
-                    <a:pt x="222112" y="2636953"/>
-                    <a:pt x="53389" y="2605041"/>
-                  </a:cubicBezTo>
-                  <a:lnTo>
-                    <a:pt x="0" y="2593136"/>
-                  </a:lnTo>
-                  <a:lnTo>
-                    <a:pt x="0" y="1994836"/>
-                  </a:lnTo>
-                  <a:lnTo>
-                    <a:pt x="159710" y="2035054"/>
-                  </a:lnTo>
-                  <a:cubicBezTo>
-                    <a:pt x="295467" y="2061726"/>
-                    <a:pt x="438268" y="2075152"/>
-                    <a:pt x="587142" y="2075152"/>
-                  </a:cubicBezTo>
-                  <a:cubicBezTo>
-                    <a:pt x="901731" y="2075152"/>
-                    <a:pt x="1234490" y="2014697"/>
-                    <a:pt x="1549283" y="1900153"/>
-                  </a:cubicBezTo>
-                  <a:cubicBezTo>
-                    <a:pt x="1860709" y="1786959"/>
-                    <a:pt x="2157231" y="1620350"/>
-                    <a:pt x="2406698" y="1418450"/>
-                  </a:cubicBezTo>
-                  <a:cubicBezTo>
-                    <a:pt x="2655859" y="1216840"/>
-                    <a:pt x="2859596" y="978302"/>
-                    <a:pt x="2996069" y="728678"/>
-                  </a:cubicBezTo>
-                  <a:cubicBezTo>
-                    <a:pt x="3101178" y="536396"/>
-                    <a:pt x="3167417" y="338366"/>
-                    <a:pt x="3193967" y="137719"/>
-                  </a:cubicBezTo>
-                  <a:close/>
-                </a:path>
-              </a:pathLst>
-            </a:custGeom>
-            <a:gradFill>
-              <a:gsLst>
-                <a:gs pos="2000">
-                  <a:schemeClr val="bg1">
-                    <a:alpha val="10000"/>
-                  </a:schemeClr>
-                </a:gs>
-                <a:gs pos="16000">
-                  <a:schemeClr val="accent6">
-                    <a:alpha val="10000"/>
-                  </a:schemeClr>
-                </a:gs>
-                <a:gs pos="100000">
-                  <a:schemeClr val="bg1">
-                    <a:alpha val="10000"/>
-                  </a:schemeClr>
-                </a:gs>
-                <a:gs pos="85000">
-                  <a:schemeClr val="accent1">
-                    <a:alpha val="10000"/>
-                  </a:schemeClr>
-                </a:gs>
-              </a:gsLst>
-              <a:lin ang="12000000" scaled="0"/>
-            </a:gradFill>
-            <a:ln>
-              <a:noFill/>
-            </a:ln>
-          </p:spPr>
-          <p:style>
-            <a:lnRef idx="2">
-              <a:schemeClr val="accent1">
-                <a:shade val="50000"/>
-              </a:schemeClr>
-            </a:lnRef>
-            <a:fillRef idx="1">
-              <a:schemeClr val="accent1"/>
-            </a:fillRef>
-            <a:effectRef idx="0">
-              <a:schemeClr val="accent1"/>
-            </a:effectRef>
-            <a:fontRef idx="minor">
-              <a:schemeClr val="lt1"/>
-            </a:fontRef>
-          </p:style>
-          <p:txBody>
-            <a:bodyPr rtlCol="0" anchor="ctr"/>
-            <a:lstStyle/>
-            <a:p>
-              <a:pPr algn="ctr"/>
-              <a:endParaRPr lang="en-US"/>
-            </a:p>
-          </p:txBody>
-        </p:sp>
-        <p:sp>
-          <p:nvSpPr>
-            <p:cNvPr id="21" name="Freeform: Shape 20">
-              <a:extLst>
-                <a:ext uri="{FF2B5EF4-FFF2-40B4-BE49-F238E27FC236}">
-                  <a16:creationId xmlns:a16="http://schemas.microsoft.com/office/drawing/2014/main" id="{CC86BD2B-CA73-48DF-9CC8-0152EA6B1BA5}"/>
-                </a:ext>
-                <a:ext uri="{C183D7F6-B498-43B3-948B-1728B52AA6E4}">
-                  <adec:decorative xmlns:adec="http://schemas.microsoft.com/office/drawing/2017/decorative" val="1"/>
-                </a:ext>
-              </a:extLst>
-            </p:cNvPr>
-            <p:cNvSpPr/>
-            <p:nvPr>
-              <p:extLst>
-                <p:ext uri="{386F3935-93C4-4BCD-93E2-E3B085C9AB24}">
-                  <p16:designElem xmlns:p16="http://schemas.microsoft.com/office/powerpoint/2015/main" val="1"/>
-                </p:ext>
-              </p:extLst>
-            </p:nvPr>
-          </p:nvSpPr>
-          <p:spPr>
-            <a:xfrm>
-              <a:off x="305" y="-1"/>
-              <a:ext cx="3815424" cy="2653660"/>
-            </a:xfrm>
-            <a:custGeom>
-              <a:avLst/>
-              <a:gdLst>
-                <a:gd name="connsiteX0" fmla="*/ 3305038 w 3815424"/>
-                <a:gd name="connsiteY0" fmla="*/ 0 h 2653660"/>
-                <a:gd name="connsiteX1" fmla="*/ 3815424 w 3815424"/>
-                <a:gd name="connsiteY1" fmla="*/ 0 h 2653660"/>
-                <a:gd name="connsiteX2" fmla="*/ 3801025 w 3815424"/>
-                <a:gd name="connsiteY2" fmla="*/ 214244 h 2653660"/>
-                <a:gd name="connsiteX3" fmla="*/ 587142 w 3815424"/>
-                <a:gd name="connsiteY3" fmla="*/ 2653660 h 2653660"/>
-                <a:gd name="connsiteX4" fmla="*/ 53389 w 3815424"/>
-                <a:gd name="connsiteY4" fmla="*/ 2605042 h 2653660"/>
-                <a:gd name="connsiteX5" fmla="*/ 0 w 3815424"/>
-                <a:gd name="connsiteY5" fmla="*/ 2593137 h 2653660"/>
-                <a:gd name="connsiteX6" fmla="*/ 0 w 3815424"/>
-                <a:gd name="connsiteY6" fmla="*/ 2094444 h 2653660"/>
-                <a:gd name="connsiteX7" fmla="*/ 137675 w 3815424"/>
-                <a:gd name="connsiteY7" fmla="*/ 2129195 h 2653660"/>
-                <a:gd name="connsiteX8" fmla="*/ 587142 w 3815424"/>
-                <a:gd name="connsiteY8" fmla="*/ 2171571 h 2653660"/>
-                <a:gd name="connsiteX9" fmla="*/ 1585826 w 3815424"/>
-                <a:gd name="connsiteY9" fmla="*/ 1990112 h 2653660"/>
-                <a:gd name="connsiteX10" fmla="*/ 2473046 w 3815424"/>
-                <a:gd name="connsiteY10" fmla="*/ 1491633 h 2653660"/>
-                <a:gd name="connsiteX11" fmla="*/ 3086710 w 3815424"/>
-                <a:gd name="connsiteY11" fmla="*/ 772838 h 2653660"/>
-                <a:gd name="connsiteX12" fmla="*/ 3295217 w 3815424"/>
-                <a:gd name="connsiteY12" fmla="*/ 149229 h 2653660"/>
-              </a:gdLst>
-              <a:ahLst/>
-              <a:cxnLst>
-                <a:cxn ang="0">
-                  <a:pos x="connsiteX0" y="connsiteY0"/>
-                </a:cxn>
-                <a:cxn ang="0">
-                  <a:pos x="connsiteX1" y="connsiteY1"/>
-                </a:cxn>
-                <a:cxn ang="0">
-                  <a:pos x="connsiteX2" y="connsiteY2"/>
-                </a:cxn>
-                <a:cxn ang="0">
-                  <a:pos x="connsiteX3" y="connsiteY3"/>
-                </a:cxn>
-                <a:cxn ang="0">
-                  <a:pos x="connsiteX4" y="connsiteY4"/>
-                </a:cxn>
-                <a:cxn ang="0">
-                  <a:pos x="connsiteX5" y="connsiteY5"/>
-                </a:cxn>
-                <a:cxn ang="0">
-                  <a:pos x="connsiteX6" y="connsiteY6"/>
-                </a:cxn>
-                <a:cxn ang="0">
-                  <a:pos x="connsiteX7" y="connsiteY7"/>
-                </a:cxn>
-                <a:cxn ang="0">
-                  <a:pos x="connsiteX8" y="connsiteY8"/>
-                </a:cxn>
-                <a:cxn ang="0">
-                  <a:pos x="connsiteX9" y="connsiteY9"/>
-                </a:cxn>
-                <a:cxn ang="0">
-                  <a:pos x="connsiteX10" y="connsiteY10"/>
-                </a:cxn>
-                <a:cxn ang="0">
-                  <a:pos x="connsiteX11" y="connsiteY11"/>
-                </a:cxn>
-                <a:cxn ang="0">
-                  <a:pos x="connsiteX12" y="connsiteY12"/>
-                </a:cxn>
-              </a:cxnLst>
-              <a:rect l="l" t="t" r="r" b="b"/>
-              <a:pathLst>
-                <a:path w="3815424" h="2653660">
-                  <a:moveTo>
-                    <a:pt x="3305038" y="0"/>
-                  </a:moveTo>
-                  <a:lnTo>
-                    <a:pt x="3815424" y="0"/>
-                  </a:lnTo>
-                  <a:lnTo>
-                    <a:pt x="3801025" y="214244"/>
-                  </a:lnTo>
-                  <a:cubicBezTo>
-                    <a:pt x="3616317" y="1584467"/>
-                    <a:pt x="2091637" y="2653660"/>
-                    <a:pt x="587142" y="2653660"/>
-                  </a:cubicBezTo>
-                  <a:cubicBezTo>
-                    <a:pt x="400192" y="2653660"/>
-                    <a:pt x="222112" y="2636954"/>
-                    <a:pt x="53389" y="2605042"/>
-                  </a:cubicBezTo>
-                  <a:lnTo>
-                    <a:pt x="0" y="2593137"/>
-                  </a:lnTo>
-                  <a:lnTo>
-                    <a:pt x="0" y="2094444"/>
-                  </a:lnTo>
-                  <a:lnTo>
-                    <a:pt x="137675" y="2129195"/>
-                  </a:lnTo>
-                  <a:cubicBezTo>
-                    <a:pt x="280616" y="2157374"/>
-                    <a:pt x="430766" y="2171571"/>
-                    <a:pt x="587142" y="2171571"/>
-                  </a:cubicBezTo>
-                  <a:cubicBezTo>
-                    <a:pt x="918879" y="2171571"/>
-                    <a:pt x="1254904" y="2110634"/>
-                    <a:pt x="1585826" y="1990112"/>
-                  </a:cubicBezTo>
-                  <a:cubicBezTo>
-                    <a:pt x="1908071" y="1873061"/>
-                    <a:pt x="2214800" y="1700666"/>
-                    <a:pt x="2473046" y="1491633"/>
-                  </a:cubicBezTo>
-                  <a:cubicBezTo>
-                    <a:pt x="2735782" y="1279031"/>
-                    <a:pt x="2942276" y="1037118"/>
-                    <a:pt x="3086710" y="772838"/>
-                  </a:cubicBezTo>
-                  <a:cubicBezTo>
-                    <a:pt x="3197408" y="570216"/>
-                    <a:pt x="3267226" y="361248"/>
-                    <a:pt x="3295217" y="149229"/>
-                  </a:cubicBezTo>
-                  <a:close/>
-                </a:path>
-              </a:pathLst>
-            </a:custGeom>
-            <a:gradFill>
-              <a:gsLst>
-                <a:gs pos="2000">
-                  <a:schemeClr val="bg1">
-                    <a:alpha val="10000"/>
-                  </a:schemeClr>
-                </a:gs>
-                <a:gs pos="16000">
-                  <a:schemeClr val="accent6">
-                    <a:alpha val="10000"/>
-                  </a:schemeClr>
-                </a:gs>
-                <a:gs pos="100000">
-                  <a:schemeClr val="bg1">
-                    <a:alpha val="10000"/>
-                  </a:schemeClr>
-                </a:gs>
-                <a:gs pos="85000">
-                  <a:schemeClr val="accent1">
-                    <a:alpha val="10000"/>
-                  </a:schemeClr>
-                </a:gs>
-              </a:gsLst>
-              <a:lin ang="12000000" scaled="0"/>
-            </a:gradFill>
-            <a:ln>
-              <a:noFill/>
-            </a:ln>
-          </p:spPr>
-          <p:style>
-            <a:lnRef idx="2">
-              <a:schemeClr val="accent1">
-                <a:shade val="50000"/>
-              </a:schemeClr>
-            </a:lnRef>
-            <a:fillRef idx="1">
-              <a:schemeClr val="accent1"/>
-            </a:fillRef>
-            <a:effectRef idx="0">
-              <a:schemeClr val="accent1"/>
-            </a:effectRef>
-            <a:fontRef idx="minor">
-              <a:schemeClr val="lt1"/>
-            </a:fontRef>
-          </p:style>
-          <p:txBody>
-            <a:bodyPr rtlCol="0" anchor="ctr"/>
-            <a:lstStyle/>
-            <a:p>
-              <a:pPr algn="ctr"/>
-              <a:endParaRPr lang="en-US"/>
-            </a:p>
-          </p:txBody>
-        </p:sp>
-        <p:sp>
-          <p:nvSpPr>
-            <p:cNvPr id="22" name="Freeform: Shape 21">
-              <a:extLst>
-                <a:ext uri="{FF2B5EF4-FFF2-40B4-BE49-F238E27FC236}">
-                  <a16:creationId xmlns:a16="http://schemas.microsoft.com/office/drawing/2014/main" id="{59C1AA9D-3FCF-4B84-94D1-51F0E1517115}"/>
-                </a:ext>
-                <a:ext uri="{C183D7F6-B498-43B3-948B-1728B52AA6E4}">
-                  <adec:decorative xmlns:adec="http://schemas.microsoft.com/office/drawing/2017/decorative" val="1"/>
-                </a:ext>
-              </a:extLst>
-            </p:cNvPr>
-            <p:cNvSpPr/>
-            <p:nvPr>
-              <p:extLst>
-                <p:ext uri="{386F3935-93C4-4BCD-93E2-E3B085C9AB24}">
-                  <p16:designElem xmlns:p16="http://schemas.microsoft.com/office/powerpoint/2015/main" val="1"/>
-                </p:ext>
-              </p:extLst>
-            </p:nvPr>
-          </p:nvSpPr>
-          <p:spPr>
-            <a:xfrm>
-              <a:off x="-305" y="1"/>
-              <a:ext cx="3815986" cy="2675935"/>
-            </a:xfrm>
-            <a:custGeom>
-              <a:avLst/>
-              <a:gdLst>
-                <a:gd name="connsiteX0" fmla="*/ 3648768 w 3815986"/>
-                <a:gd name="connsiteY0" fmla="*/ 0 h 2675935"/>
-                <a:gd name="connsiteX1" fmla="*/ 3815986 w 3815986"/>
-                <a:gd name="connsiteY1" fmla="*/ 0 h 2675935"/>
-                <a:gd name="connsiteX2" fmla="*/ 3804695 w 3815986"/>
-                <a:gd name="connsiteY2" fmla="*/ 200084 h 2675935"/>
-                <a:gd name="connsiteX3" fmla="*/ 3762590 w 3815986"/>
-                <a:gd name="connsiteY3" fmla="*/ 455543 h 2675935"/>
-                <a:gd name="connsiteX4" fmla="*/ 3592332 w 3815986"/>
-                <a:gd name="connsiteY4" fmla="*/ 947274 h 2675935"/>
-                <a:gd name="connsiteX5" fmla="*/ 2953967 w 3815986"/>
-                <a:gd name="connsiteY5" fmla="*/ 1782349 h 2675935"/>
-                <a:gd name="connsiteX6" fmla="*/ 2530669 w 3815986"/>
-                <a:gd name="connsiteY6" fmla="*/ 2109494 h 2675935"/>
-                <a:gd name="connsiteX7" fmla="*/ 2057561 w 3815986"/>
-                <a:gd name="connsiteY7" fmla="*/ 2369245 h 2675935"/>
-                <a:gd name="connsiteX8" fmla="*/ 1007330 w 3815986"/>
-                <a:gd name="connsiteY8" fmla="*/ 2655701 h 2675935"/>
-                <a:gd name="connsiteX9" fmla="*/ 732765 w 3815986"/>
-                <a:gd name="connsiteY9" fmla="*/ 2674696 h 2675935"/>
-                <a:gd name="connsiteX10" fmla="*/ 457666 w 3815986"/>
-                <a:gd name="connsiteY10" fmla="*/ 2670839 h 2675935"/>
-                <a:gd name="connsiteX11" fmla="*/ 183574 w 3815986"/>
-                <a:gd name="connsiteY11" fmla="*/ 2643312 h 2675935"/>
-                <a:gd name="connsiteX12" fmla="*/ 0 w 3815986"/>
-                <a:gd name="connsiteY12" fmla="*/ 2607798 h 2675935"/>
-                <a:gd name="connsiteX13" fmla="*/ 0 w 3815986"/>
-                <a:gd name="connsiteY13" fmla="*/ 2356652 h 2675935"/>
-                <a:gd name="connsiteX14" fmla="*/ 222195 w 3815986"/>
-                <a:gd name="connsiteY14" fmla="*/ 2396940 h 2675935"/>
-                <a:gd name="connsiteX15" fmla="*/ 472364 w 3815986"/>
-                <a:gd name="connsiteY15" fmla="*/ 2419092 h 2675935"/>
-                <a:gd name="connsiteX16" fmla="*/ 974972 w 3815986"/>
-                <a:gd name="connsiteY16" fmla="*/ 2402122 h 2675935"/>
-                <a:gd name="connsiteX17" fmla="*/ 1468292 w 3815986"/>
-                <a:gd name="connsiteY17" fmla="*/ 2304162 h 2675935"/>
-                <a:gd name="connsiteX18" fmla="*/ 1940176 w 3815986"/>
-                <a:gd name="connsiteY18" fmla="*/ 2133695 h 2675935"/>
-                <a:gd name="connsiteX19" fmla="*/ 2783403 w 3815986"/>
-                <a:gd name="connsiteY19" fmla="*/ 1609954 h 2675935"/>
-                <a:gd name="connsiteX20" fmla="*/ 3128104 w 3815986"/>
-                <a:gd name="connsiteY20" fmla="*/ 1260439 h 2675935"/>
-                <a:gd name="connsiteX21" fmla="*/ 3400639 w 3815986"/>
-                <a:gd name="connsiteY21" fmla="*/ 859052 h 2675935"/>
-                <a:gd name="connsiteX22" fmla="*/ 3585595 w 3815986"/>
-                <a:gd name="connsiteY22" fmla="*/ 415336 h 2675935"/>
-                <a:gd name="connsiteX23" fmla="*/ 3635918 w 3815986"/>
-                <a:gd name="connsiteY23" fmla="*/ 181137 h 2675935"/>
-              </a:gdLst>
-              <a:ahLst/>
-              <a:cxnLst>
-                <a:cxn ang="0">
-                  <a:pos x="connsiteX0" y="connsiteY0"/>
-                </a:cxn>
-                <a:cxn ang="0">
-                  <a:pos x="connsiteX1" y="connsiteY1"/>
-                </a:cxn>
-                <a:cxn ang="0">
-                  <a:pos x="connsiteX2" y="connsiteY2"/>
-                </a:cxn>
-                <a:cxn ang="0">
-                  <a:pos x="connsiteX3" y="connsiteY3"/>
-                </a:cxn>
-                <a:cxn ang="0">
-                  <a:pos x="connsiteX4" y="connsiteY4"/>
-                </a:cxn>
-                <a:cxn ang="0">
-                  <a:pos x="connsiteX5" y="connsiteY5"/>
-                </a:cxn>
-                <a:cxn ang="0">
-                  <a:pos x="connsiteX6" y="connsiteY6"/>
-                </a:cxn>
-                <a:cxn ang="0">
-                  <a:pos x="connsiteX7" y="connsiteY7"/>
-                </a:cxn>
-                <a:cxn ang="0">
-                  <a:pos x="connsiteX8" y="connsiteY8"/>
-                </a:cxn>
-                <a:cxn ang="0">
-                  <a:pos x="connsiteX9" y="connsiteY9"/>
-                </a:cxn>
-                <a:cxn ang="0">
-                  <a:pos x="connsiteX10" y="connsiteY10"/>
-                </a:cxn>
-                <a:cxn ang="0">
-                  <a:pos x="connsiteX11" y="connsiteY11"/>
-                </a:cxn>
-                <a:cxn ang="0">
-                  <a:pos x="connsiteX12" y="connsiteY12"/>
-                </a:cxn>
-                <a:cxn ang="0">
-                  <a:pos x="connsiteX13" y="connsiteY13"/>
-                </a:cxn>
-                <a:cxn ang="0">
-                  <a:pos x="connsiteX14" y="connsiteY14"/>
-                </a:cxn>
-                <a:cxn ang="0">
-                  <a:pos x="connsiteX15" y="connsiteY15"/>
-                </a:cxn>
-                <a:cxn ang="0">
-                  <a:pos x="connsiteX16" y="connsiteY16"/>
-                </a:cxn>
-                <a:cxn ang="0">
-                  <a:pos x="connsiteX17" y="connsiteY17"/>
-                </a:cxn>
-                <a:cxn ang="0">
-                  <a:pos x="connsiteX18" y="connsiteY18"/>
-                </a:cxn>
-                <a:cxn ang="0">
-                  <a:pos x="connsiteX19" y="connsiteY19"/>
-                </a:cxn>
-                <a:cxn ang="0">
-                  <a:pos x="connsiteX20" y="connsiteY20"/>
-                </a:cxn>
-                <a:cxn ang="0">
-                  <a:pos x="connsiteX21" y="connsiteY21"/>
-                </a:cxn>
-                <a:cxn ang="0">
-                  <a:pos x="connsiteX22" y="connsiteY22"/>
-                </a:cxn>
-                <a:cxn ang="0">
-                  <a:pos x="connsiteX23" y="connsiteY23"/>
-                </a:cxn>
-              </a:cxnLst>
-              <a:rect l="l" t="t" r="r" b="b"/>
-              <a:pathLst>
-                <a:path w="3815986" h="2675935">
-                  <a:moveTo>
-                    <a:pt x="3648768" y="0"/>
-                  </a:moveTo>
-                  <a:lnTo>
-                    <a:pt x="3815986" y="0"/>
-                  </a:lnTo>
-                  <a:lnTo>
-                    <a:pt x="3804695" y="200084"/>
-                  </a:lnTo>
-                  <a:cubicBezTo>
-                    <a:pt x="3795228" y="285751"/>
-                    <a:pt x="3781167" y="371032"/>
-                    <a:pt x="3762590" y="455543"/>
-                  </a:cubicBezTo>
-                  <a:cubicBezTo>
-                    <a:pt x="3725537" y="624467"/>
-                    <a:pt x="3668784" y="790112"/>
-                    <a:pt x="3592332" y="947274"/>
-                  </a:cubicBezTo>
-                  <a:cubicBezTo>
-                    <a:pt x="3438712" y="1261596"/>
-                    <a:pt x="3216091" y="1542847"/>
-                    <a:pt x="2953967" y="1782349"/>
-                  </a:cubicBezTo>
-                  <a:cubicBezTo>
-                    <a:pt x="2822599" y="1902099"/>
-                    <a:pt x="2680615" y="2011341"/>
-                    <a:pt x="2530669" y="2109494"/>
-                  </a:cubicBezTo>
-                  <a:cubicBezTo>
-                    <a:pt x="2380520" y="2207551"/>
-                    <a:pt x="2222510" y="2294906"/>
-                    <a:pt x="2057561" y="2369245"/>
-                  </a:cubicBezTo>
-                  <a:cubicBezTo>
-                    <a:pt x="1727252" y="2516859"/>
-                    <a:pt x="1371629" y="2614434"/>
-                    <a:pt x="1007330" y="2655701"/>
-                  </a:cubicBezTo>
-                  <a:cubicBezTo>
-                    <a:pt x="916281" y="2665873"/>
-                    <a:pt x="824568" y="2672188"/>
-                    <a:pt x="732765" y="2674696"/>
-                  </a:cubicBezTo>
-                  <a:cubicBezTo>
-                    <a:pt x="640963" y="2677203"/>
-                    <a:pt x="549072" y="2675901"/>
-                    <a:pt x="457666" y="2670839"/>
-                  </a:cubicBezTo>
-                  <a:cubicBezTo>
-                    <a:pt x="366106" y="2665584"/>
-                    <a:pt x="274572" y="2656521"/>
-                    <a:pt x="183574" y="2643312"/>
-                  </a:cubicBezTo>
-                  <a:lnTo>
-                    <a:pt x="0" y="2607798"/>
-                  </a:lnTo>
-                  <a:lnTo>
-                    <a:pt x="0" y="2356652"/>
-                  </a:lnTo>
-                  <a:lnTo>
-                    <a:pt x="222195" y="2396940"/>
-                  </a:lnTo>
-                  <a:cubicBezTo>
-                    <a:pt x="304990" y="2407980"/>
-                    <a:pt x="388511" y="2415283"/>
-                    <a:pt x="472364" y="2419092"/>
-                  </a:cubicBezTo>
-                  <a:cubicBezTo>
-                    <a:pt x="640376" y="2427095"/>
-                    <a:pt x="808184" y="2421791"/>
-                    <a:pt x="974972" y="2402122"/>
-                  </a:cubicBezTo>
-                  <a:cubicBezTo>
-                    <a:pt x="1141658" y="2382358"/>
-                    <a:pt x="1306812" y="2349286"/>
-                    <a:pt x="1468292" y="2304162"/>
-                  </a:cubicBezTo>
-                  <a:cubicBezTo>
-                    <a:pt x="1629874" y="2259231"/>
-                    <a:pt x="1787475" y="2201091"/>
-                    <a:pt x="1940176" y="2133695"/>
-                  </a:cubicBezTo>
-                  <a:cubicBezTo>
-                    <a:pt x="2246498" y="2000349"/>
-                    <a:pt x="2532507" y="1823520"/>
-                    <a:pt x="2783403" y="1609954"/>
-                  </a:cubicBezTo>
-                  <a:cubicBezTo>
-                    <a:pt x="2908442" y="1502833"/>
-                    <a:pt x="3024295" y="1385975"/>
-                    <a:pt x="3128104" y="1260439"/>
-                  </a:cubicBezTo>
-                  <a:cubicBezTo>
-                    <a:pt x="3232116" y="1135096"/>
-                    <a:pt x="3323881" y="1000689"/>
-                    <a:pt x="3400639" y="859052"/>
-                  </a:cubicBezTo>
-                  <a:cubicBezTo>
-                    <a:pt x="3477399" y="717510"/>
-                    <a:pt x="3541296" y="569316"/>
-                    <a:pt x="3585595" y="415336"/>
-                  </a:cubicBezTo>
-                  <a:cubicBezTo>
-                    <a:pt x="3607796" y="338540"/>
-                    <a:pt x="3624638" y="260224"/>
-                    <a:pt x="3635918" y="181137"/>
-                  </a:cubicBezTo>
-                  <a:close/>
-                </a:path>
-              </a:pathLst>
-            </a:custGeom>
-            <a:gradFill>
-              <a:gsLst>
-                <a:gs pos="2000">
-                  <a:schemeClr val="bg1">
-                    <a:alpha val="10000"/>
-                  </a:schemeClr>
-                </a:gs>
-                <a:gs pos="16000">
-                  <a:schemeClr val="accent6">
-                    <a:alpha val="10000"/>
-                  </a:schemeClr>
-                </a:gs>
-                <a:gs pos="100000">
-                  <a:schemeClr val="bg1">
-                    <a:alpha val="10000"/>
-                  </a:schemeClr>
-                </a:gs>
-                <a:gs pos="85000">
-                  <a:schemeClr val="accent1">
-                    <a:alpha val="10000"/>
-                  </a:schemeClr>
-                </a:gs>
-              </a:gsLst>
-              <a:lin ang="12000000" scaled="0"/>
-            </a:gradFill>
-            <a:ln>
-              <a:noFill/>
-            </a:ln>
-          </p:spPr>
-          <p:style>
-            <a:lnRef idx="2">
-              <a:schemeClr val="accent1">
-                <a:shade val="50000"/>
-              </a:schemeClr>
-            </a:lnRef>
-            <a:fillRef idx="1">
-              <a:schemeClr val="accent1"/>
-            </a:fillRef>
-            <a:effectRef idx="0">
-              <a:schemeClr val="accent1"/>
-            </a:effectRef>
-            <a:fontRef idx="minor">
-              <a:schemeClr val="lt1"/>
-            </a:fontRef>
-          </p:style>
-          <p:txBody>
-            <a:bodyPr rtlCol="0" anchor="ctr"/>
-            <a:lstStyle/>
-            <a:p>
-              <a:pPr algn="ctr"/>
-              <a:endParaRPr lang="en-US"/>
-            </a:p>
-          </p:txBody>
-        </p:sp>
-        <p:sp>
-          <p:nvSpPr>
-            <p:cNvPr id="23" name="Freeform: Shape 22">
-              <a:extLst>
-                <a:ext uri="{FF2B5EF4-FFF2-40B4-BE49-F238E27FC236}">
-                  <a16:creationId xmlns:a16="http://schemas.microsoft.com/office/drawing/2014/main" id="{1D7CE92F-1DE7-4252-A62C-77ACF8CF2682}"/>
-                </a:ext>
-                <a:ext uri="{C183D7F6-B498-43B3-948B-1728B52AA6E4}">
-                  <adec:decorative xmlns:adec="http://schemas.microsoft.com/office/drawing/2017/decorative" val="1"/>
-                </a:ext>
-              </a:extLst>
-            </p:cNvPr>
-            <p:cNvSpPr/>
-            <p:nvPr>
-              <p:extLst>
-                <p:ext uri="{386F3935-93C4-4BCD-93E2-E3B085C9AB24}">
-                  <p16:designElem xmlns:p16="http://schemas.microsoft.com/office/powerpoint/2015/main" val="1"/>
-                </p:ext>
-              </p:extLst>
-            </p:nvPr>
-          </p:nvSpPr>
-          <p:spPr>
-            <a:xfrm>
-              <a:off x="305" y="-1"/>
-              <a:ext cx="3832270" cy="2876136"/>
-            </a:xfrm>
-            <a:custGeom>
-              <a:avLst/>
-              <a:gdLst>
-                <a:gd name="connsiteX0" fmla="*/ 3800718 w 3832270"/>
-                <a:gd name="connsiteY0" fmla="*/ 0 h 2876136"/>
-                <a:gd name="connsiteX1" fmla="*/ 3832270 w 3832270"/>
-                <a:gd name="connsiteY1" fmla="*/ 0 h 2876136"/>
-                <a:gd name="connsiteX2" fmla="*/ 3824562 w 3832270"/>
-                <a:gd name="connsiteY2" fmla="*/ 143769 h 2876136"/>
-                <a:gd name="connsiteX3" fmla="*/ 3628155 w 3832270"/>
-                <a:gd name="connsiteY3" fmla="*/ 922055 h 2876136"/>
-                <a:gd name="connsiteX4" fmla="*/ 3514853 w 3832270"/>
-                <a:gd name="connsiteY4" fmla="*/ 1169078 h 2876136"/>
-                <a:gd name="connsiteX5" fmla="*/ 3379198 w 3832270"/>
-                <a:gd name="connsiteY5" fmla="*/ 1407037 h 2876136"/>
-                <a:gd name="connsiteX6" fmla="*/ 3043787 w 3832270"/>
-                <a:gd name="connsiteY6" fmla="*/ 1848342 h 2876136"/>
-                <a:gd name="connsiteX7" fmla="*/ 2845661 w 3832270"/>
-                <a:gd name="connsiteY7" fmla="*/ 2047444 h 2876136"/>
-                <a:gd name="connsiteX8" fmla="*/ 2793197 w 3832270"/>
-                <a:gd name="connsiteY8" fmla="*/ 2094689 h 2876136"/>
-                <a:gd name="connsiteX9" fmla="*/ 2739710 w 3832270"/>
-                <a:gd name="connsiteY9" fmla="*/ 2140969 h 2876136"/>
-                <a:gd name="connsiteX10" fmla="*/ 2629166 w 3832270"/>
-                <a:gd name="connsiteY10" fmla="*/ 2229867 h 2876136"/>
-                <a:gd name="connsiteX11" fmla="*/ 2145952 w 3832270"/>
-                <a:gd name="connsiteY11" fmla="*/ 2535994 h 2876136"/>
-                <a:gd name="connsiteX12" fmla="*/ 1034987 w 3832270"/>
-                <a:gd name="connsiteY12" fmla="*/ 2863910 h 2876136"/>
-                <a:gd name="connsiteX13" fmla="*/ 741909 w 3832270"/>
-                <a:gd name="connsiteY13" fmla="*/ 2875939 h 2876136"/>
-                <a:gd name="connsiteX14" fmla="*/ 450208 w 3832270"/>
-                <a:gd name="connsiteY14" fmla="*/ 2857451 h 2876136"/>
-                <a:gd name="connsiteX15" fmla="*/ 22215 w 3832270"/>
-                <a:gd name="connsiteY15" fmla="*/ 2775923 h 2876136"/>
-                <a:gd name="connsiteX16" fmla="*/ 0 w 3832270"/>
-                <a:gd name="connsiteY16" fmla="*/ 2769256 h 2876136"/>
-                <a:gd name="connsiteX17" fmla="*/ 0 w 3832270"/>
-                <a:gd name="connsiteY17" fmla="*/ 2590612 h 2876136"/>
-                <a:gd name="connsiteX18" fmla="*/ 199046 w 3832270"/>
-                <a:gd name="connsiteY18" fmla="*/ 2627410 h 2876136"/>
-                <a:gd name="connsiteX19" fmla="*/ 468174 w 3832270"/>
-                <a:gd name="connsiteY19" fmla="*/ 2649670 h 2876136"/>
-                <a:gd name="connsiteX20" fmla="*/ 1003650 w 3832270"/>
-                <a:gd name="connsiteY20" fmla="*/ 2622480 h 2876136"/>
-                <a:gd name="connsiteX21" fmla="*/ 1266489 w 3832270"/>
-                <a:gd name="connsiteY21" fmla="*/ 2573982 h 2876136"/>
-                <a:gd name="connsiteX22" fmla="*/ 1524223 w 3832270"/>
-                <a:gd name="connsiteY22" fmla="*/ 2504657 h 2876136"/>
-                <a:gd name="connsiteX23" fmla="*/ 1775731 w 3832270"/>
-                <a:gd name="connsiteY23" fmla="*/ 2416243 h 2876136"/>
-                <a:gd name="connsiteX24" fmla="*/ 2019789 w 3832270"/>
-                <a:gd name="connsiteY24" fmla="*/ 2309412 h 2876136"/>
-                <a:gd name="connsiteX25" fmla="*/ 2482486 w 3832270"/>
-                <a:gd name="connsiteY25" fmla="*/ 2046962 h 2876136"/>
-                <a:gd name="connsiteX26" fmla="*/ 2591908 w 3832270"/>
-                <a:gd name="connsiteY26" fmla="*/ 1971371 h 2876136"/>
-                <a:gd name="connsiteX27" fmla="*/ 2645702 w 3832270"/>
-                <a:gd name="connsiteY27" fmla="*/ 1932321 h 2876136"/>
-                <a:gd name="connsiteX28" fmla="*/ 2698779 w 3832270"/>
-                <a:gd name="connsiteY28" fmla="*/ 1892309 h 2876136"/>
-                <a:gd name="connsiteX29" fmla="*/ 2903537 w 3832270"/>
-                <a:gd name="connsiteY29" fmla="*/ 1722516 h 2876136"/>
-                <a:gd name="connsiteX30" fmla="*/ 3269061 w 3832270"/>
-                <a:gd name="connsiteY30" fmla="*/ 1337327 h 2876136"/>
-                <a:gd name="connsiteX31" fmla="*/ 3424928 w 3832270"/>
-                <a:gd name="connsiteY31" fmla="*/ 1122508 h 2876136"/>
-                <a:gd name="connsiteX32" fmla="*/ 3557622 w 3832270"/>
-                <a:gd name="connsiteY32" fmla="*/ 893226 h 2876136"/>
-                <a:gd name="connsiteX33" fmla="*/ 3587019 w 3832270"/>
-                <a:gd name="connsiteY33" fmla="*/ 833929 h 2876136"/>
-                <a:gd name="connsiteX34" fmla="*/ 3601310 w 3832270"/>
-                <a:gd name="connsiteY34" fmla="*/ 804040 h 2876136"/>
-                <a:gd name="connsiteX35" fmla="*/ 3614885 w 3832270"/>
-                <a:gd name="connsiteY35" fmla="*/ 773861 h 2876136"/>
-                <a:gd name="connsiteX36" fmla="*/ 3640812 w 3832270"/>
-                <a:gd name="connsiteY36" fmla="*/ 713022 h 2876136"/>
-                <a:gd name="connsiteX37" fmla="*/ 3665105 w 3832270"/>
-                <a:gd name="connsiteY37" fmla="*/ 651506 h 2876136"/>
-                <a:gd name="connsiteX38" fmla="*/ 3744110 w 3832270"/>
-                <a:gd name="connsiteY38" fmla="*/ 399567 h 2876136"/>
-                <a:gd name="connsiteX39" fmla="*/ 3792123 w 3832270"/>
-                <a:gd name="connsiteY39" fmla="*/ 140444 h 2876136"/>
-              </a:gdLst>
-              <a:ahLst/>
-              <a:cxnLst>
-                <a:cxn ang="0">
-                  <a:pos x="connsiteX0" y="connsiteY0"/>
-                </a:cxn>
-                <a:cxn ang="0">
-                  <a:pos x="connsiteX1" y="connsiteY1"/>
-                </a:cxn>
-                <a:cxn ang="0">
-                  <a:pos x="connsiteX2" y="connsiteY2"/>
-                </a:cxn>
-                <a:cxn ang="0">
-                  <a:pos x="connsiteX3" y="connsiteY3"/>
-                </a:cxn>
-                <a:cxn ang="0">
-                  <a:pos x="connsiteX4" y="connsiteY4"/>
-                </a:cxn>
-                <a:cxn ang="0">
-                  <a:pos x="connsiteX5" y="connsiteY5"/>
-                </a:cxn>
-                <a:cxn ang="0">
-                  <a:pos x="connsiteX6" y="connsiteY6"/>
-                </a:cxn>
-                <a:cxn ang="0">
-                  <a:pos x="connsiteX7" y="connsiteY7"/>
-                </a:cxn>
-                <a:cxn ang="0">
-                  <a:pos x="connsiteX8" y="connsiteY8"/>
-                </a:cxn>
-                <a:cxn ang="0">
-                  <a:pos x="connsiteX9" y="connsiteY9"/>
-                </a:cxn>
-                <a:cxn ang="0">
-                  <a:pos x="connsiteX10" y="connsiteY10"/>
-                </a:cxn>
-                <a:cxn ang="0">
-                  <a:pos x="connsiteX11" y="connsiteY11"/>
-                </a:cxn>
-                <a:cxn ang="0">
-                  <a:pos x="connsiteX12" y="connsiteY12"/>
-                </a:cxn>
-                <a:cxn ang="0">
-                  <a:pos x="connsiteX13" y="connsiteY13"/>
-                </a:cxn>
-                <a:cxn ang="0">
-                  <a:pos x="connsiteX14" y="connsiteY14"/>
-                </a:cxn>
-                <a:cxn ang="0">
-                  <a:pos x="connsiteX15" y="connsiteY15"/>
-                </a:cxn>
-                <a:cxn ang="0">
-                  <a:pos x="connsiteX16" y="connsiteY16"/>
-                </a:cxn>
-                <a:cxn ang="0">
-                  <a:pos x="connsiteX17" y="connsiteY17"/>
-                </a:cxn>
-                <a:cxn ang="0">
-                  <a:pos x="connsiteX18" y="connsiteY18"/>
-                </a:cxn>
-                <a:cxn ang="0">
-                  <a:pos x="connsiteX19" y="connsiteY19"/>
-                </a:cxn>
-                <a:cxn ang="0">
-                  <a:pos x="connsiteX20" y="connsiteY20"/>
-                </a:cxn>
-                <a:cxn ang="0">
-                  <a:pos x="connsiteX21" y="connsiteY21"/>
-                </a:cxn>
-                <a:cxn ang="0">
-                  <a:pos x="connsiteX22" y="connsiteY22"/>
-                </a:cxn>
-                <a:cxn ang="0">
-                  <a:pos x="connsiteX23" y="connsiteY23"/>
-                </a:cxn>
-                <a:cxn ang="0">
-                  <a:pos x="connsiteX24" y="connsiteY24"/>
-                </a:cxn>
-                <a:cxn ang="0">
-                  <a:pos x="connsiteX25" y="connsiteY25"/>
-                </a:cxn>
-                <a:cxn ang="0">
-                  <a:pos x="connsiteX26" y="connsiteY26"/>
-                </a:cxn>
-                <a:cxn ang="0">
-                  <a:pos x="connsiteX27" y="connsiteY27"/>
-                </a:cxn>
-                <a:cxn ang="0">
-                  <a:pos x="connsiteX28" y="connsiteY28"/>
-                </a:cxn>
-                <a:cxn ang="0">
-                  <a:pos x="connsiteX29" y="connsiteY29"/>
-                </a:cxn>
-                <a:cxn ang="0">
-                  <a:pos x="connsiteX30" y="connsiteY30"/>
-                </a:cxn>
-                <a:cxn ang="0">
-                  <a:pos x="connsiteX31" y="connsiteY31"/>
-                </a:cxn>
-                <a:cxn ang="0">
-                  <a:pos x="connsiteX32" y="connsiteY32"/>
-                </a:cxn>
-                <a:cxn ang="0">
-                  <a:pos x="connsiteX33" y="connsiteY33"/>
-                </a:cxn>
-                <a:cxn ang="0">
-                  <a:pos x="connsiteX34" y="connsiteY34"/>
-                </a:cxn>
-                <a:cxn ang="0">
-                  <a:pos x="connsiteX35" y="connsiteY35"/>
-                </a:cxn>
-                <a:cxn ang="0">
-                  <a:pos x="connsiteX36" y="connsiteY36"/>
-                </a:cxn>
-                <a:cxn ang="0">
-                  <a:pos x="connsiteX37" y="connsiteY37"/>
-                </a:cxn>
-                <a:cxn ang="0">
-                  <a:pos x="connsiteX38" y="connsiteY38"/>
-                </a:cxn>
-                <a:cxn ang="0">
-                  <a:pos x="connsiteX39" y="connsiteY39"/>
-                </a:cxn>
-              </a:cxnLst>
-              <a:rect l="l" t="t" r="r" b="b"/>
-              <a:pathLst>
-                <a:path w="3832270" h="2876136">
-                  <a:moveTo>
-                    <a:pt x="3800718" y="0"/>
-                  </a:moveTo>
-                  <a:lnTo>
-                    <a:pt x="3832270" y="0"/>
-                  </a:lnTo>
-                  <a:lnTo>
-                    <a:pt x="3824562" y="143769"/>
-                  </a:lnTo>
-                  <a:cubicBezTo>
-                    <a:pt x="3797131" y="409191"/>
-                    <a:pt x="3730585" y="671345"/>
-                    <a:pt x="3628155" y="922055"/>
-                  </a:cubicBezTo>
-                  <a:cubicBezTo>
-                    <a:pt x="3593858" y="1005553"/>
-                    <a:pt x="3556704" y="1088280"/>
-                    <a:pt x="3514853" y="1169078"/>
-                  </a:cubicBezTo>
-                  <a:cubicBezTo>
-                    <a:pt x="3473616" y="1250166"/>
-                    <a:pt x="3428194" y="1329517"/>
-                    <a:pt x="3379198" y="1407037"/>
-                  </a:cubicBezTo>
-                  <a:cubicBezTo>
-                    <a:pt x="3281106" y="1561980"/>
-                    <a:pt x="3169132" y="1710174"/>
-                    <a:pt x="3043787" y="1848342"/>
-                  </a:cubicBezTo>
-                  <a:cubicBezTo>
-                    <a:pt x="2980806" y="1917184"/>
-                    <a:pt x="2915071" y="1984001"/>
-                    <a:pt x="2845661" y="2047444"/>
-                  </a:cubicBezTo>
-                  <a:cubicBezTo>
-                    <a:pt x="2828411" y="2063450"/>
-                    <a:pt x="2811060" y="2079263"/>
-                    <a:pt x="2793197" y="2094689"/>
-                  </a:cubicBezTo>
-                  <a:cubicBezTo>
-                    <a:pt x="2775436" y="2110213"/>
-                    <a:pt x="2757982" y="2126025"/>
-                    <a:pt x="2739710" y="2140969"/>
-                  </a:cubicBezTo>
-                  <a:cubicBezTo>
-                    <a:pt x="2703576" y="2171341"/>
-                    <a:pt x="2666524" y="2200749"/>
-                    <a:pt x="2629166" y="2229867"/>
-                  </a:cubicBezTo>
-                  <a:cubicBezTo>
-                    <a:pt x="2479015" y="2345569"/>
-                    <a:pt x="2316821" y="2448061"/>
-                    <a:pt x="2145952" y="2535994"/>
-                  </a:cubicBezTo>
-                  <a:cubicBezTo>
-                    <a:pt x="1804312" y="2711957"/>
-                    <a:pt x="1424600" y="2826982"/>
-                    <a:pt x="1034987" y="2863910"/>
-                  </a:cubicBezTo>
-                  <a:cubicBezTo>
-                    <a:pt x="937762" y="2873167"/>
-                    <a:pt x="839720" y="2877096"/>
-                    <a:pt x="741909" y="2875939"/>
-                  </a:cubicBezTo>
-                  <a:cubicBezTo>
-                    <a:pt x="644097" y="2874782"/>
-                    <a:pt x="546515" y="2868539"/>
-                    <a:pt x="450208" y="2857451"/>
-                  </a:cubicBezTo>
-                  <a:cubicBezTo>
-                    <a:pt x="305520" y="2840674"/>
-                    <a:pt x="162095" y="2813810"/>
-                    <a:pt x="22215" y="2775923"/>
-                  </a:cubicBezTo>
-                  <a:lnTo>
-                    <a:pt x="0" y="2769256"/>
-                  </a:lnTo>
-                  <a:lnTo>
-                    <a:pt x="0" y="2590612"/>
-                  </a:lnTo>
-                  <a:lnTo>
-                    <a:pt x="199046" y="2627410"/>
-                  </a:lnTo>
-                  <a:cubicBezTo>
-                    <a:pt x="288321" y="2639209"/>
-                    <a:pt x="378197" y="2646537"/>
-                    <a:pt x="468174" y="2649670"/>
-                  </a:cubicBezTo>
-                  <a:cubicBezTo>
-                    <a:pt x="648333" y="2656805"/>
-                    <a:pt x="826655" y="2647163"/>
-                    <a:pt x="1003650" y="2622480"/>
-                  </a:cubicBezTo>
-                  <a:cubicBezTo>
-                    <a:pt x="1091943" y="2609658"/>
-                    <a:pt x="1179725" y="2593747"/>
-                    <a:pt x="1266489" y="2573982"/>
-                  </a:cubicBezTo>
-                  <a:cubicBezTo>
-                    <a:pt x="1353250" y="2553927"/>
-                    <a:pt x="1439298" y="2531076"/>
-                    <a:pt x="1524223" y="2504657"/>
-                  </a:cubicBezTo>
-                  <a:cubicBezTo>
-                    <a:pt x="1609149" y="2478336"/>
-                    <a:pt x="1693052" y="2448833"/>
-                    <a:pt x="1775731" y="2416243"/>
-                  </a:cubicBezTo>
-                  <a:cubicBezTo>
-                    <a:pt x="1858309" y="2383557"/>
-                    <a:pt x="1939764" y="2347882"/>
-                    <a:pt x="2019789" y="2309412"/>
-                  </a:cubicBezTo>
-                  <a:cubicBezTo>
-                    <a:pt x="2179839" y="2232567"/>
-                    <a:pt x="2334583" y="2144923"/>
-                    <a:pt x="2482486" y="2046962"/>
-                  </a:cubicBezTo>
-                  <a:cubicBezTo>
-                    <a:pt x="2519334" y="2022376"/>
-                    <a:pt x="2556081" y="1997403"/>
-                    <a:pt x="2591908" y="1971371"/>
-                  </a:cubicBezTo>
-                  <a:cubicBezTo>
-                    <a:pt x="2610077" y="1958644"/>
-                    <a:pt x="2627838" y="1945434"/>
-                    <a:pt x="2645702" y="1932321"/>
-                  </a:cubicBezTo>
-                  <a:cubicBezTo>
-                    <a:pt x="2663666" y="1919305"/>
-                    <a:pt x="2681325" y="1905903"/>
-                    <a:pt x="2698779" y="1892309"/>
-                  </a:cubicBezTo>
-                  <a:cubicBezTo>
-                    <a:pt x="2768903" y="1838025"/>
-                    <a:pt x="2837496" y="1781717"/>
-                    <a:pt x="2903537" y="1722516"/>
-                  </a:cubicBezTo>
-                  <a:cubicBezTo>
-                    <a:pt x="3035926" y="1604501"/>
-                    <a:pt x="3158720" y="1475784"/>
-                    <a:pt x="3269061" y="1337327"/>
-                  </a:cubicBezTo>
-                  <a:cubicBezTo>
-                    <a:pt x="3324182" y="1268099"/>
-                    <a:pt x="3376341" y="1196461"/>
-                    <a:pt x="3424928" y="1122508"/>
-                  </a:cubicBezTo>
-                  <a:cubicBezTo>
-                    <a:pt x="3472697" y="1048170"/>
-                    <a:pt x="3517814" y="972000"/>
-                    <a:pt x="3557622" y="893226"/>
-                  </a:cubicBezTo>
-                  <a:cubicBezTo>
-                    <a:pt x="3567931" y="873654"/>
-                    <a:pt x="3577526" y="853791"/>
-                    <a:pt x="3587019" y="833929"/>
-                  </a:cubicBezTo>
-                  <a:lnTo>
-                    <a:pt x="3601310" y="804040"/>
-                  </a:lnTo>
-                  <a:lnTo>
-                    <a:pt x="3614885" y="773861"/>
-                  </a:lnTo>
-                  <a:cubicBezTo>
-                    <a:pt x="3623766" y="753709"/>
-                    <a:pt x="3632748" y="733559"/>
-                    <a:pt x="3640812" y="713022"/>
-                  </a:cubicBezTo>
-                  <a:cubicBezTo>
-                    <a:pt x="3648876" y="692485"/>
-                    <a:pt x="3657756" y="672236"/>
-                    <a:pt x="3665105" y="651506"/>
-                  </a:cubicBezTo>
-                  <a:cubicBezTo>
-                    <a:pt x="3696544" y="569166"/>
-                    <a:pt x="3723185" y="485089"/>
-                    <a:pt x="3744110" y="399567"/>
-                  </a:cubicBezTo>
-                  <a:cubicBezTo>
-                    <a:pt x="3765341" y="314238"/>
-                    <a:pt x="3781392" y="227654"/>
-                    <a:pt x="3792123" y="140444"/>
-                  </a:cubicBezTo>
-                  <a:close/>
-                </a:path>
-              </a:pathLst>
-            </a:custGeom>
-            <a:gradFill>
-              <a:gsLst>
-                <a:gs pos="2000">
-                  <a:schemeClr val="bg1">
-                    <a:alpha val="10000"/>
-                  </a:schemeClr>
-                </a:gs>
-                <a:gs pos="16000">
-                  <a:schemeClr val="accent6">
-                    <a:alpha val="10000"/>
-                  </a:schemeClr>
-                </a:gs>
-                <a:gs pos="100000">
-                  <a:schemeClr val="bg1">
-                    <a:alpha val="10000"/>
-                  </a:schemeClr>
-                </a:gs>
-                <a:gs pos="85000">
-                  <a:schemeClr val="accent1">
-                    <a:alpha val="10000"/>
-                  </a:schemeClr>
-                </a:gs>
-              </a:gsLst>
-              <a:lin ang="12000000" scaled="0"/>
-            </a:gradFill>
-            <a:ln>
-              <a:noFill/>
-            </a:ln>
-          </p:spPr>
-          <p:style>
-            <a:lnRef idx="2">
-              <a:schemeClr val="accent1">
-                <a:shade val="50000"/>
-              </a:schemeClr>
-            </a:lnRef>
-            <a:fillRef idx="1">
-              <a:schemeClr val="accent1"/>
-            </a:fillRef>
-            <a:effectRef idx="0">
-              <a:schemeClr val="accent1"/>
-            </a:effectRef>
-            <a:fontRef idx="minor">
-              <a:schemeClr val="lt1"/>
-            </a:fontRef>
-          </p:style>
-          <p:txBody>
-            <a:bodyPr rtlCol="0" anchor="ctr"/>
-            <a:lstStyle/>
-            <a:p>
-              <a:pPr algn="ctr"/>
-              <a:endParaRPr lang="en-US"/>
-            </a:p>
-          </p:txBody>
-        </p:sp>
-      </p:grpSp>
       <p:graphicFrame>
         <p:nvGraphicFramePr>
           <p:cNvPr id="30" name="Content Placeholder 2">
@@ -17238,44 +13360,44 @@
         <a:sysClr val="window" lastClr="FFFFFF"/>
       </a:lt1>
       <a:dk2>
-        <a:srgbClr val="1F497D"/>
+        <a:srgbClr val="0E2841"/>
       </a:dk2>
       <a:lt2>
-        <a:srgbClr val="EEECE1"/>
+        <a:srgbClr val="E8E8E8"/>
       </a:lt2>
       <a:accent1>
-        <a:srgbClr val="4F81BD"/>
+        <a:srgbClr val="156082"/>
       </a:accent1>
       <a:accent2>
-        <a:srgbClr val="C0504D"/>
+        <a:srgbClr val="E97132"/>
       </a:accent2>
       <a:accent3>
-        <a:srgbClr val="9BBB59"/>
+        <a:srgbClr val="196B24"/>
       </a:accent3>
       <a:accent4>
-        <a:srgbClr val="8064A2"/>
+        <a:srgbClr val="0F9ED5"/>
       </a:accent4>
       <a:accent5>
-        <a:srgbClr val="4BACC6"/>
+        <a:srgbClr val="A02B93"/>
       </a:accent5>
       <a:accent6>
-        <a:srgbClr val="F79646"/>
+        <a:srgbClr val="4EA72E"/>
       </a:accent6>
       <a:hlink>
-        <a:srgbClr val="0000FF"/>
+        <a:srgbClr val="467886"/>
       </a:hlink>
       <a:folHlink>
-        <a:srgbClr val="800080"/>
+        <a:srgbClr val="96607D"/>
       </a:folHlink>
     </a:clrScheme>
     <a:fontScheme name="Office">
       <a:majorFont>
-        <a:latin typeface="Calibri"/>
+        <a:latin typeface="Aptos Display" panose="02110004020202020204"/>
         <a:ea typeface=""/>
         <a:cs typeface=""/>
-        <a:font script="Jpan" typeface="ＭＳ Ｐゴシック"/>
+        <a:font script="Jpan" typeface="游ゴシック Light"/>
         <a:font script="Hang" typeface="맑은 고딕"/>
-        <a:font script="Hans" typeface="宋体"/>
+        <a:font script="Hans" typeface="等线 Light"/>
         <a:font script="Hant" typeface="新細明體"/>
         <a:font script="Arab" typeface="Times New Roman"/>
         <a:font script="Hebr" typeface="Times New Roman"/>
@@ -17303,14 +13425,31 @@
         <a:font script="Viet" typeface="Times New Roman"/>
         <a:font script="Uigh" typeface="Microsoft Uighur"/>
         <a:font script="Geor" typeface="Sylfaen"/>
+        <a:font script="Armn" typeface="Arial"/>
+        <a:font script="Bugi" typeface="Leelawadee UI"/>
+        <a:font script="Bopo" typeface="Microsoft JhengHei"/>
+        <a:font script="Java" typeface="Javanese Text"/>
+        <a:font script="Lisu" typeface="Segoe UI"/>
+        <a:font script="Mymr" typeface="Myanmar Text"/>
+        <a:font script="Nkoo" typeface="Ebrima"/>
+        <a:font script="Olck" typeface="Nirmala UI"/>
+        <a:font script="Osma" typeface="Ebrima"/>
+        <a:font script="Phag" typeface="Phagspa"/>
+        <a:font script="Syrn" typeface="Estrangelo Edessa"/>
+        <a:font script="Syrj" typeface="Estrangelo Edessa"/>
+        <a:font script="Syre" typeface="Estrangelo Edessa"/>
+        <a:font script="Sora" typeface="Nirmala UI"/>
+        <a:font script="Tale" typeface="Microsoft Tai Le"/>
+        <a:font script="Talu" typeface="Microsoft New Tai Lue"/>
+        <a:font script="Tfng" typeface="Ebrima"/>
       </a:majorFont>
       <a:minorFont>
-        <a:latin typeface="Calibri"/>
+        <a:latin typeface="Aptos" panose="02110004020202020204"/>
         <a:ea typeface=""/>
         <a:cs typeface=""/>
-        <a:font script="Jpan" typeface="ＭＳ Ｐゴシック"/>
+        <a:font script="Jpan" typeface="游ゴシック"/>
         <a:font script="Hang" typeface="맑은 고딕"/>
-        <a:font script="Hans" typeface="宋体"/>
+        <a:font script="Hans" typeface="等线"/>
         <a:font script="Hant" typeface="新細明體"/>
         <a:font script="Arab" typeface="Arial"/>
         <a:font script="Hebr" typeface="Arial"/>
@@ -17338,6 +13477,23 @@
         <a:font script="Viet" typeface="Arial"/>
         <a:font script="Uigh" typeface="Microsoft Uighur"/>
         <a:font script="Geor" typeface="Sylfaen"/>
+        <a:font script="Armn" typeface="Arial"/>
+        <a:font script="Bugi" typeface="Leelawadee UI"/>
+        <a:font script="Bopo" typeface="Microsoft JhengHei"/>
+        <a:font script="Java" typeface="Javanese Text"/>
+        <a:font script="Lisu" typeface="Segoe UI"/>
+        <a:font script="Mymr" typeface="Myanmar Text"/>
+        <a:font script="Nkoo" typeface="Ebrima"/>
+        <a:font script="Olck" typeface="Nirmala UI"/>
+        <a:font script="Osma" typeface="Ebrima"/>
+        <a:font script="Phag" typeface="Phagspa"/>
+        <a:font script="Syrn" typeface="Estrangelo Edessa"/>
+        <a:font script="Syrj" typeface="Estrangelo Edessa"/>
+        <a:font script="Syre" typeface="Estrangelo Edessa"/>
+        <a:font script="Sora" typeface="Nirmala UI"/>
+        <a:font script="Tale" typeface="Microsoft Tai Le"/>
+        <a:font script="Talu" typeface="Microsoft New Tai Lue"/>
+        <a:font script="Tfng" typeface="Ebrima"/>
       </a:minorFont>
     </a:fontScheme>
     <a:fmtScheme name="Office">
@@ -17349,180 +13505,136 @@
           <a:gsLst>
             <a:gs pos="0">
               <a:schemeClr val="phClr">
-                <a:tint val="50000"/>
-                <a:satMod val="300000"/>
+                <a:lumMod val="110000"/>
+                <a:satMod val="105000"/>
+                <a:tint val="67000"/>
               </a:schemeClr>
             </a:gs>
-            <a:gs pos="35000">
+            <a:gs pos="50000">
               <a:schemeClr val="phClr">
-                <a:tint val="37000"/>
-                <a:satMod val="300000"/>
+                <a:lumMod val="105000"/>
+                <a:satMod val="103000"/>
+                <a:tint val="73000"/>
               </a:schemeClr>
             </a:gs>
             <a:gs pos="100000">
               <a:schemeClr val="phClr">
-                <a:tint val="15000"/>
-                <a:satMod val="350000"/>
+                <a:lumMod val="105000"/>
+                <a:satMod val="109000"/>
+                <a:tint val="81000"/>
               </a:schemeClr>
             </a:gs>
           </a:gsLst>
-          <a:lin ang="16200000" scaled="1"/>
+          <a:lin ang="5400000" scaled="0"/>
         </a:gradFill>
         <a:gradFill rotWithShape="1">
           <a:gsLst>
             <a:gs pos="0">
               <a:schemeClr val="phClr">
-                <a:tint val="100000"/>
+                <a:satMod val="103000"/>
+                <a:lumMod val="102000"/>
+                <a:tint val="94000"/>
+              </a:schemeClr>
+            </a:gs>
+            <a:gs pos="50000">
+              <a:schemeClr val="phClr">
+                <a:satMod val="110000"/>
+                <a:lumMod val="100000"/>
                 <a:shade val="100000"/>
-                <a:satMod val="130000"/>
               </a:schemeClr>
             </a:gs>
             <a:gs pos="100000">
               <a:schemeClr val="phClr">
-                <a:tint val="50000"/>
-                <a:shade val="100000"/>
-                <a:satMod val="350000"/>
+                <a:lumMod val="99000"/>
+                <a:satMod val="120000"/>
+                <a:shade val="78000"/>
               </a:schemeClr>
             </a:gs>
           </a:gsLst>
-          <a:lin ang="16200000" scaled="0"/>
+          <a:lin ang="5400000" scaled="0"/>
         </a:gradFill>
       </a:fillStyleLst>
       <a:lnStyleLst>
-        <a:ln w="9525" cap="flat" cmpd="sng" algn="ctr">
+        <a:ln w="12700" cap="flat" cmpd="sng" algn="ctr">
           <a:solidFill>
-            <a:schemeClr val="phClr">
-              <a:shade val="95000"/>
-              <a:satMod val="105000"/>
-            </a:schemeClr>
+            <a:schemeClr val="phClr"/>
           </a:solidFill>
           <a:prstDash val="solid"/>
+          <a:miter lim="800000"/>
+        </a:ln>
+        <a:ln w="19050" cap="flat" cmpd="sng" algn="ctr">
+          <a:solidFill>
+            <a:schemeClr val="phClr"/>
+          </a:solidFill>
+          <a:prstDash val="solid"/>
+          <a:miter lim="800000"/>
         </a:ln>
         <a:ln w="25400" cap="flat" cmpd="sng" algn="ctr">
           <a:solidFill>
             <a:schemeClr val="phClr"/>
           </a:solidFill>
           <a:prstDash val="solid"/>
-        </a:ln>
-        <a:ln w="38100" cap="flat" cmpd="sng" algn="ctr">
-          <a:solidFill>
-            <a:schemeClr val="phClr"/>
-          </a:solidFill>
-          <a:prstDash val="solid"/>
+          <a:miter lim="800000"/>
         </a:ln>
       </a:lnStyleLst>
       <a:effectStyleLst>
         <a:effectStyle>
+          <a:effectLst/>
+        </a:effectStyle>
+        <a:effectStyle>
+          <a:effectLst/>
+        </a:effectStyle>
+        <a:effectStyle>
           <a:effectLst>
-            <a:outerShdw blurRad="40000" dist="20000" dir="5400000" rotWithShape="0">
+            <a:outerShdw blurRad="57150" dist="19050" dir="5400000" algn="ctr" rotWithShape="0">
               <a:srgbClr val="000000">
-                <a:alpha val="38000"/>
+                <a:alpha val="63000"/>
               </a:srgbClr>
             </a:outerShdw>
           </a:effectLst>
-        </a:effectStyle>
-        <a:effectStyle>
-          <a:effectLst>
-            <a:outerShdw blurRad="40000" dist="23000" dir="5400000" rotWithShape="0">
-              <a:srgbClr val="000000">
-                <a:alpha val="35000"/>
-              </a:srgbClr>
-            </a:outerShdw>
-          </a:effectLst>
-        </a:effectStyle>
-        <a:effectStyle>
-          <a:effectLst>
-            <a:outerShdw blurRad="40000" dist="23000" dir="5400000" rotWithShape="0">
-              <a:srgbClr val="000000">
-                <a:alpha val="35000"/>
-              </a:srgbClr>
-            </a:outerShdw>
-          </a:effectLst>
-          <a:scene3d>
-            <a:camera prst="orthographicFront">
-              <a:rot lat="0" lon="0" rev="0"/>
-            </a:camera>
-            <a:lightRig rig="threePt" dir="t">
-              <a:rot lat="0" lon="0" rev="1200000"/>
-            </a:lightRig>
-          </a:scene3d>
-          <a:sp3d>
-            <a:bevelT w="63500" h="25400"/>
-          </a:sp3d>
         </a:effectStyle>
       </a:effectStyleLst>
       <a:bgFillStyleLst>
         <a:solidFill>
           <a:schemeClr val="phClr"/>
         </a:solidFill>
+        <a:solidFill>
+          <a:schemeClr val="phClr">
+            <a:tint val="95000"/>
+            <a:satMod val="170000"/>
+          </a:schemeClr>
+        </a:solidFill>
         <a:gradFill rotWithShape="1">
           <a:gsLst>
             <a:gs pos="0">
               <a:schemeClr val="phClr">
-                <a:tint val="40000"/>
-                <a:satMod val="350000"/>
+                <a:tint val="93000"/>
+                <a:satMod val="150000"/>
+                <a:shade val="98000"/>
+                <a:lumMod val="102000"/>
               </a:schemeClr>
             </a:gs>
-            <a:gs pos="40000">
+            <a:gs pos="50000">
               <a:schemeClr val="phClr">
-                <a:tint val="45000"/>
-                <a:shade val="99000"/>
-                <a:satMod val="350000"/>
+                <a:tint val="98000"/>
+                <a:satMod val="130000"/>
+                <a:shade val="90000"/>
+                <a:lumMod val="103000"/>
               </a:schemeClr>
             </a:gs>
             <a:gs pos="100000">
               <a:schemeClr val="phClr">
-                <a:shade val="20000"/>
-                <a:satMod val="255000"/>
+                <a:shade val="63000"/>
+                <a:satMod val="120000"/>
               </a:schemeClr>
             </a:gs>
           </a:gsLst>
-          <a:path path="circle">
-            <a:fillToRect l="50000" t="-80000" r="50000" b="180000"/>
-          </a:path>
-        </a:gradFill>
-        <a:gradFill rotWithShape="1">
-          <a:gsLst>
-            <a:gs pos="0">
-              <a:schemeClr val="phClr">
-                <a:tint val="80000"/>
-                <a:satMod val="300000"/>
-              </a:schemeClr>
-            </a:gs>
-            <a:gs pos="100000">
-              <a:schemeClr val="phClr">
-                <a:shade val="30000"/>
-                <a:satMod val="200000"/>
-              </a:schemeClr>
-            </a:gs>
-          </a:gsLst>
-          <a:path path="circle">
-            <a:fillToRect l="50000" t="50000" r="50000" b="50000"/>
-          </a:path>
+          <a:lin ang="5400000" scaled="0"/>
         </a:gradFill>
       </a:bgFillStyleLst>
     </a:fmtScheme>
   </a:themeElements>
   <a:objectDefaults>
-    <a:spDef>
-      <a:spPr/>
-      <a:bodyPr/>
-      <a:lstStyle/>
-      <a:style>
-        <a:lnRef idx="1">
-          <a:schemeClr val="accent1"/>
-        </a:lnRef>
-        <a:fillRef idx="3">
-          <a:schemeClr val="accent1"/>
-        </a:fillRef>
-        <a:effectRef idx="2">
-          <a:schemeClr val="accent1"/>
-        </a:effectRef>
-        <a:fontRef idx="minor">
-          <a:schemeClr val="lt1"/>
-        </a:fontRef>
-      </a:style>
-    </a:spDef>
     <a:lnDef>
       <a:spPr/>
       <a:bodyPr/>
@@ -17544,5 +13656,10 @@
     </a:lnDef>
   </a:objectDefaults>
   <a:extraClrSchemeLst/>
+  <a:extLst>
+    <a:ext uri="{05A4C25C-085E-4340-85A3-A5531E510DB2}">
+      <thm15:themeFamily xmlns:thm15="http://schemas.microsoft.com/office/thememl/2012/main" name="Office Theme" id="{2E142A2C-CD16-42D6-873A-C26D2A0506FA}" vid="{1BDDFF52-6CD6-40A5-AB3C-68EB2F1E4D0A}"/>
+    </a:ext>
+  </a:extLst>
 </a:theme>
 </file>